--- a/docs/presentazione ds.pptx
+++ b/docs/presentazione ds.pptx
@@ -6,7 +6,7 @@
     <p:sldMasterId id="2147483673" r:id="rId2"/>
   </p:sldMasterIdLst>
   <p:notesMasterIdLst>
-    <p:notesMasterId r:id="rId24"/>
+    <p:notesMasterId r:id="rId23"/>
   </p:notesMasterIdLst>
   <p:sldIdLst>
     <p:sldId id="256" r:id="rId3"/>
@@ -29,7 +29,6 @@
     <p:sldId id="275" r:id="rId20"/>
     <p:sldId id="276" r:id="rId21"/>
     <p:sldId id="277" r:id="rId22"/>
-    <p:sldId id="278" r:id="rId23"/>
   </p:sldIdLst>
   <p:sldSz cx="12192000" cy="6858000"/>
   <p:notesSz cx="6858000" cy="9144000"/>
@@ -139,17 +138,1517 @@
 <file path=ppt/revisionInfo.xml><?xml version="1.0" encoding="utf-8"?>
 <p1510:revInfo xmlns:a="http://schemas.openxmlformats.org/drawingml/2006/main" xmlns:r="http://schemas.openxmlformats.org/officeDocument/2006/relationships" xmlns:p1510="http://schemas.microsoft.com/office/powerpoint/2015/10/main">
   <p1510:revLst>
-    <p1510:client id="{2446989E-068E-93E9-660A-425DB6DD87F1}" v="483" dt="2024-05-28T18:23:30.820"/>
-    <p1510:client id="{263BF420-7CA8-7A3E-E5FA-F86E978C8497}" v="151" dt="2024-05-28T17:51:57.444"/>
-    <p1510:client id="{3F17C0EF-3A61-04E4-3BF4-57142A76D667}" v="152" dt="2024-05-28T15:30:49.165"/>
-    <p1510:client id="{B15BD12E-4038-E569-9F66-302A80536F5A}" v="763" dt="2024-05-28T16:05:54.511"/>
-    <p1510:client id="{B1D066AB-77FF-49E5-BE28-0FD4D6C6FAC9}" v="1982" dt="2024-05-29T05:53:10.243"/>
+    <p1510:client id="{8DFAA893-A629-4847-9D1F-D2C67D0EAC70}" v="96" dt="2024-09-07T15:16:29.973"/>
   </p1510:revLst>
 </p1510:revInfo>
 </file>
 
 <file path=ppt/changesInfos/changesInfo1.xml><?xml version="1.0" encoding="utf-8"?>
 <pc:chgInfo xmlns:a="http://schemas.openxmlformats.org/drawingml/2006/main" xmlns:r="http://schemas.openxmlformats.org/officeDocument/2006/relationships" xmlns:ac="http://schemas.microsoft.com/office/drawing/2013/main/command" xmlns:pc="http://schemas.microsoft.com/office/powerpoint/2013/main/command">
+  <pc:docChgLst>
+    <pc:chgData name="Giacomo" userId="f41eed6df4b91581" providerId="LiveId" clId="{8DFAA893-A629-4847-9D1F-D2C67D0EAC70}"/>
+    <pc:docChg chg="modSld">
+      <pc:chgData name="Giacomo" userId="f41eed6df4b91581" providerId="LiveId" clId="{8DFAA893-A629-4847-9D1F-D2C67D0EAC70}" dt="2024-09-07T14:24:40.176" v="48" actId="20577"/>
+      <pc:docMkLst>
+        <pc:docMk/>
+      </pc:docMkLst>
+      <pc:sldChg chg="modNotesTx">
+        <pc:chgData name="Giacomo" userId="f41eed6df4b91581" providerId="LiveId" clId="{8DFAA893-A629-4847-9D1F-D2C67D0EAC70}" dt="2024-09-07T14:24:40.176" v="48" actId="20577"/>
+        <pc:sldMkLst>
+          <pc:docMk/>
+          <pc:sldMk cId="475937262" sldId="260"/>
+        </pc:sldMkLst>
+      </pc:sldChg>
+    </pc:docChg>
+  </pc:docChgLst>
+  <pc:docChgLst>
+    <pc:chgData name="Federico Saccani" userId="S::10700471@polimi.it::b6dd2c5c-0a47-4a0a-ae86-e0cc5a0bcfb7" providerId="AD" clId="Web-{3F17C0EF-3A61-04E4-3BF4-57142A76D667}"/>
+    <pc:docChg chg="addSld delSld modSld addMainMaster delMainMaster">
+      <pc:chgData name="Federico Saccani" userId="S::10700471@polimi.it::b6dd2c5c-0a47-4a0a-ae86-e0cc5a0bcfb7" providerId="AD" clId="Web-{3F17C0EF-3A61-04E4-3BF4-57142A76D667}" dt="2024-05-28T15:30:49.165" v="78" actId="1076"/>
+      <pc:docMkLst>
+        <pc:docMk/>
+      </pc:docMkLst>
+      <pc:sldChg chg="addSp delSp modSp mod modClrScheme delDesignElem chgLayout">
+        <pc:chgData name="Federico Saccani" userId="S::10700471@polimi.it::b6dd2c5c-0a47-4a0a-ae86-e0cc5a0bcfb7" providerId="AD" clId="Web-{3F17C0EF-3A61-04E4-3BF4-57142A76D667}" dt="2024-05-28T15:29:24.212" v="55"/>
+        <pc:sldMkLst>
+          <pc:docMk/>
+          <pc:sldMk cId="2889831294" sldId="256"/>
+        </pc:sldMkLst>
+        <pc:spChg chg="mod ord">
+          <ac:chgData name="Federico Saccani" userId="S::10700471@polimi.it::b6dd2c5c-0a47-4a0a-ae86-e0cc5a0bcfb7" providerId="AD" clId="Web-{3F17C0EF-3A61-04E4-3BF4-57142A76D667}" dt="2024-05-28T15:28:04.117" v="34"/>
+          <ac:spMkLst>
+            <pc:docMk/>
+            <pc:sldMk cId="2889831294" sldId="256"/>
+            <ac:spMk id="2" creationId="{720952E9-54A2-2E48-26D1-1EB0337065BB}"/>
+          </ac:spMkLst>
+        </pc:spChg>
+        <pc:spChg chg="mod ord">
+          <ac:chgData name="Federico Saccani" userId="S::10700471@polimi.it::b6dd2c5c-0a47-4a0a-ae86-e0cc5a0bcfb7" providerId="AD" clId="Web-{3F17C0EF-3A61-04E4-3BF4-57142A76D667}" dt="2024-05-28T15:28:04.117" v="34"/>
+          <ac:spMkLst>
+            <pc:docMk/>
+            <pc:sldMk cId="2889831294" sldId="256"/>
+            <ac:spMk id="3" creationId="{27F292CB-C8A6-5522-D8EF-744F55672CB0}"/>
+          </ac:spMkLst>
+        </pc:spChg>
+        <pc:spChg chg="del mod ord">
+          <ac:chgData name="Federico Saccani" userId="S::10700471@polimi.it::b6dd2c5c-0a47-4a0a-ae86-e0cc5a0bcfb7" providerId="AD" clId="Web-{3F17C0EF-3A61-04E4-3BF4-57142A76D667}" dt="2024-05-28T15:29:24.212" v="55"/>
+          <ac:spMkLst>
+            <pc:docMk/>
+            <pc:sldMk cId="2889831294" sldId="256"/>
+            <ac:spMk id="5" creationId="{F1A0EA7B-A6B8-C0F5-4949-B7BF32EC4D6E}"/>
+          </ac:spMkLst>
+        </pc:spChg>
+        <pc:spChg chg="mod ord">
+          <ac:chgData name="Federico Saccani" userId="S::10700471@polimi.it::b6dd2c5c-0a47-4a0a-ae86-e0cc5a0bcfb7" providerId="AD" clId="Web-{3F17C0EF-3A61-04E4-3BF4-57142A76D667}" dt="2024-05-28T15:28:04.117" v="34"/>
+          <ac:spMkLst>
+            <pc:docMk/>
+            <pc:sldMk cId="2889831294" sldId="256"/>
+            <ac:spMk id="6" creationId="{12BFF259-8E87-042F-8065-C0A00B162092}"/>
+          </ac:spMkLst>
+        </pc:spChg>
+        <pc:spChg chg="add del">
+          <ac:chgData name="Federico Saccani" userId="S::10700471@polimi.it::b6dd2c5c-0a47-4a0a-ae86-e0cc5a0bcfb7" providerId="AD" clId="Web-{3F17C0EF-3A61-04E4-3BF4-57142A76D667}" dt="2024-05-28T15:28:04.117" v="34"/>
+          <ac:spMkLst>
+            <pc:docMk/>
+            <pc:sldMk cId="2889831294" sldId="256"/>
+            <ac:spMk id="9" creationId="{23D09407-53BC-485E-B4CE-BC5E4FC4B25B}"/>
+          </ac:spMkLst>
+        </pc:spChg>
+        <pc:spChg chg="add del">
+          <ac:chgData name="Federico Saccani" userId="S::10700471@polimi.it::b6dd2c5c-0a47-4a0a-ae86-e0cc5a0bcfb7" providerId="AD" clId="Web-{3F17C0EF-3A61-04E4-3BF4-57142A76D667}" dt="2024-05-28T15:28:04.117" v="34"/>
+          <ac:spMkLst>
+            <pc:docMk/>
+            <pc:sldMk cId="2889831294" sldId="256"/>
+            <ac:spMk id="11" creationId="{921DB988-49FC-4608-B0A2-E2F3A4019041}"/>
+          </ac:spMkLst>
+        </pc:spChg>
+        <pc:grpChg chg="add del">
+          <ac:chgData name="Federico Saccani" userId="S::10700471@polimi.it::b6dd2c5c-0a47-4a0a-ae86-e0cc5a0bcfb7" providerId="AD" clId="Web-{3F17C0EF-3A61-04E4-3BF4-57142A76D667}" dt="2024-05-28T15:28:04.117" v="34"/>
+          <ac:grpSpMkLst>
+            <pc:docMk/>
+            <pc:sldMk cId="2889831294" sldId="256"/>
+            <ac:grpSpMk id="13" creationId="{E9B930FD-8671-4C4C-ADCF-73AC1D0CD417}"/>
+          </ac:grpSpMkLst>
+        </pc:grpChg>
+        <pc:grpChg chg="add del">
+          <ac:chgData name="Federico Saccani" userId="S::10700471@polimi.it::b6dd2c5c-0a47-4a0a-ae86-e0cc5a0bcfb7" providerId="AD" clId="Web-{3F17C0EF-3A61-04E4-3BF4-57142A76D667}" dt="2024-05-28T15:28:04.117" v="34"/>
+          <ac:grpSpMkLst>
+            <pc:docMk/>
+            <pc:sldMk cId="2889831294" sldId="256"/>
+            <ac:grpSpMk id="19" creationId="{383C2651-AE0C-4AE4-8725-E2F9414FE219}"/>
+          </ac:grpSpMkLst>
+        </pc:grpChg>
+      </pc:sldChg>
+      <pc:sldChg chg="addSp delSp modSp mod modClrScheme chgLayout">
+        <pc:chgData name="Federico Saccani" userId="S::10700471@polimi.it::b6dd2c5c-0a47-4a0a-ae86-e0cc5a0bcfb7" providerId="AD" clId="Web-{3F17C0EF-3A61-04E4-3BF4-57142A76D667}" dt="2024-05-28T15:30:30.150" v="73"/>
+        <pc:sldMkLst>
+          <pc:docMk/>
+          <pc:sldMk cId="941844537" sldId="257"/>
+        </pc:sldMkLst>
+        <pc:spChg chg="mod ord">
+          <ac:chgData name="Federico Saccani" userId="S::10700471@polimi.it::b6dd2c5c-0a47-4a0a-ae86-e0cc5a0bcfb7" providerId="AD" clId="Web-{3F17C0EF-3A61-04E4-3BF4-57142A76D667}" dt="2024-05-28T15:30:26.525" v="72"/>
+          <ac:spMkLst>
+            <pc:docMk/>
+            <pc:sldMk cId="941844537" sldId="257"/>
+            <ac:spMk id="2" creationId="{E303BE9B-37ED-298D-882B-DAE33B6F4399}"/>
+          </ac:spMkLst>
+        </pc:spChg>
+        <pc:spChg chg="add del mod ord">
+          <ac:chgData name="Federico Saccani" userId="S::10700471@polimi.it::b6dd2c5c-0a47-4a0a-ae86-e0cc5a0bcfb7" providerId="AD" clId="Web-{3F17C0EF-3A61-04E4-3BF4-57142A76D667}" dt="2024-05-28T15:30:30.150" v="73"/>
+          <ac:spMkLst>
+            <pc:docMk/>
+            <pc:sldMk cId="941844537" sldId="257"/>
+            <ac:spMk id="3" creationId="{43B0CDAB-17DB-F973-AAE7-560837D19448}"/>
+          </ac:spMkLst>
+        </pc:spChg>
+        <pc:spChg chg="mod ord">
+          <ac:chgData name="Federico Saccani" userId="S::10700471@polimi.it::b6dd2c5c-0a47-4a0a-ae86-e0cc5a0bcfb7" providerId="AD" clId="Web-{3F17C0EF-3A61-04E4-3BF4-57142A76D667}" dt="2024-05-28T15:30:26.525" v="72"/>
+          <ac:spMkLst>
+            <pc:docMk/>
+            <pc:sldMk cId="941844537" sldId="257"/>
+            <ac:spMk id="5" creationId="{EDC6C510-9FC6-2EE8-D765-4CFCAA9E1696}"/>
+          </ac:spMkLst>
+        </pc:spChg>
+        <pc:spChg chg="mod ord">
+          <ac:chgData name="Federico Saccani" userId="S::10700471@polimi.it::b6dd2c5c-0a47-4a0a-ae86-e0cc5a0bcfb7" providerId="AD" clId="Web-{3F17C0EF-3A61-04E4-3BF4-57142A76D667}" dt="2024-05-28T15:30:26.525" v="72"/>
+          <ac:spMkLst>
+            <pc:docMk/>
+            <pc:sldMk cId="941844537" sldId="257"/>
+            <ac:spMk id="6" creationId="{8647E559-96CA-1E3F-EA15-5DAD0CD72C5C}"/>
+          </ac:spMkLst>
+        </pc:spChg>
+      </pc:sldChg>
+      <pc:sldChg chg="addSp delSp modSp mod modClrScheme chgLayout">
+        <pc:chgData name="Federico Saccani" userId="S::10700471@polimi.it::b6dd2c5c-0a47-4a0a-ae86-e0cc5a0bcfb7" providerId="AD" clId="Web-{3F17C0EF-3A61-04E4-3BF4-57142A76D667}" dt="2024-05-28T15:30:49.165" v="78" actId="1076"/>
+        <pc:sldMkLst>
+          <pc:docMk/>
+          <pc:sldMk cId="1903131710" sldId="259"/>
+        </pc:sldMkLst>
+        <pc:spChg chg="mod ord">
+          <ac:chgData name="Federico Saccani" userId="S::10700471@polimi.it::b6dd2c5c-0a47-4a0a-ae86-e0cc5a0bcfb7" providerId="AD" clId="Web-{3F17C0EF-3A61-04E4-3BF4-57142A76D667}" dt="2024-05-28T15:30:49.165" v="78" actId="1076"/>
+          <ac:spMkLst>
+            <pc:docMk/>
+            <pc:sldMk cId="1903131710" sldId="259"/>
+            <ac:spMk id="2" creationId="{E303BE9B-37ED-298D-882B-DAE33B6F4399}"/>
+          </ac:spMkLst>
+        </pc:spChg>
+        <pc:spChg chg="add del mod ord">
+          <ac:chgData name="Federico Saccani" userId="S::10700471@polimi.it::b6dd2c5c-0a47-4a0a-ae86-e0cc5a0bcfb7" providerId="AD" clId="Web-{3F17C0EF-3A61-04E4-3BF4-57142A76D667}" dt="2024-05-28T15:29:35.993" v="57"/>
+          <ac:spMkLst>
+            <pc:docMk/>
+            <pc:sldMk cId="1903131710" sldId="259"/>
+            <ac:spMk id="4" creationId="{990F1B23-19E5-0507-44F3-42BC6F946678}"/>
+          </ac:spMkLst>
+        </pc:spChg>
+        <pc:spChg chg="mod ord">
+          <ac:chgData name="Federico Saccani" userId="S::10700471@polimi.it::b6dd2c5c-0a47-4a0a-ae86-e0cc5a0bcfb7" providerId="AD" clId="Web-{3F17C0EF-3A61-04E4-3BF4-57142A76D667}" dt="2024-05-28T15:29:32.430" v="56"/>
+          <ac:spMkLst>
+            <pc:docMk/>
+            <pc:sldMk cId="1903131710" sldId="259"/>
+            <ac:spMk id="5" creationId="{EDC6C510-9FC6-2EE8-D765-4CFCAA9E1696}"/>
+          </ac:spMkLst>
+        </pc:spChg>
+        <pc:spChg chg="mod">
+          <ac:chgData name="Federico Saccani" userId="S::10700471@polimi.it::b6dd2c5c-0a47-4a0a-ae86-e0cc5a0bcfb7" providerId="AD" clId="Web-{3F17C0EF-3A61-04E4-3BF4-57142A76D667}" dt="2024-05-28T15:29:11.915" v="53" actId="20577"/>
+          <ac:spMkLst>
+            <pc:docMk/>
+            <pc:sldMk cId="1903131710" sldId="259"/>
+            <ac:spMk id="7" creationId="{91102608-827B-D296-F09E-0C6C93193949}"/>
+          </ac:spMkLst>
+        </pc:spChg>
+      </pc:sldChg>
+      <pc:sldChg chg="addSp delSp modSp mod modClrScheme chgLayout">
+        <pc:chgData name="Federico Saccani" userId="S::10700471@polimi.it::b6dd2c5c-0a47-4a0a-ae86-e0cc5a0bcfb7" providerId="AD" clId="Web-{3F17C0EF-3A61-04E4-3BF4-57142A76D667}" dt="2024-05-28T15:29:46.087" v="59"/>
+        <pc:sldMkLst>
+          <pc:docMk/>
+          <pc:sldMk cId="475937262" sldId="260"/>
+        </pc:sldMkLst>
+        <pc:spChg chg="mod ord">
+          <ac:chgData name="Federico Saccani" userId="S::10700471@polimi.it::b6dd2c5c-0a47-4a0a-ae86-e0cc5a0bcfb7" providerId="AD" clId="Web-{3F17C0EF-3A61-04E4-3BF4-57142A76D667}" dt="2024-05-28T15:29:43.868" v="58"/>
+          <ac:spMkLst>
+            <pc:docMk/>
+            <pc:sldMk cId="475937262" sldId="260"/>
+            <ac:spMk id="2" creationId="{E303BE9B-37ED-298D-882B-DAE33B6F4399}"/>
+          </ac:spMkLst>
+        </pc:spChg>
+        <pc:spChg chg="mod ord">
+          <ac:chgData name="Federico Saccani" userId="S::10700471@polimi.it::b6dd2c5c-0a47-4a0a-ae86-e0cc5a0bcfb7" providerId="AD" clId="Web-{3F17C0EF-3A61-04E4-3BF4-57142A76D667}" dt="2024-05-28T15:29:43.868" v="58"/>
+          <ac:spMkLst>
+            <pc:docMk/>
+            <pc:sldMk cId="475937262" sldId="260"/>
+            <ac:spMk id="5" creationId="{EDC6C510-9FC6-2EE8-D765-4CFCAA9E1696}"/>
+          </ac:spMkLst>
+        </pc:spChg>
+        <pc:spChg chg="mod">
+          <ac:chgData name="Federico Saccani" userId="S::10700471@polimi.it::b6dd2c5c-0a47-4a0a-ae86-e0cc5a0bcfb7" providerId="AD" clId="Web-{3F17C0EF-3A61-04E4-3BF4-57142A76D667}" dt="2024-05-28T15:29:07.337" v="49" actId="20577"/>
+          <ac:spMkLst>
+            <pc:docMk/>
+            <pc:sldMk cId="475937262" sldId="260"/>
+            <ac:spMk id="9" creationId="{76ABE0DD-62AA-F78B-26A5-E1BC99468D8C}"/>
+          </ac:spMkLst>
+        </pc:spChg>
+        <pc:spChg chg="add del mod ord">
+          <ac:chgData name="Federico Saccani" userId="S::10700471@polimi.it::b6dd2c5c-0a47-4a0a-ae86-e0cc5a0bcfb7" providerId="AD" clId="Web-{3F17C0EF-3A61-04E4-3BF4-57142A76D667}" dt="2024-05-28T15:29:46.087" v="59"/>
+          <ac:spMkLst>
+            <pc:docMk/>
+            <pc:sldMk cId="475937262" sldId="260"/>
+            <ac:spMk id="11" creationId="{E2B2DC2B-92A5-A4A2-40ED-1711D1A44BBD}"/>
+          </ac:spMkLst>
+        </pc:spChg>
+      </pc:sldChg>
+      <pc:sldChg chg="modSp add del mod modClrScheme chgLayout">
+        <pc:chgData name="Federico Saccani" userId="S::10700471@polimi.it::b6dd2c5c-0a47-4a0a-ae86-e0cc5a0bcfb7" providerId="AD" clId="Web-{3F17C0EF-3A61-04E4-3BF4-57142A76D667}" dt="2024-05-28T15:29:16.196" v="54"/>
+        <pc:sldMkLst>
+          <pc:docMk/>
+          <pc:sldMk cId="3358937745" sldId="261"/>
+        </pc:sldMkLst>
+        <pc:spChg chg="mod ord">
+          <ac:chgData name="Federico Saccani" userId="S::10700471@polimi.it::b6dd2c5c-0a47-4a0a-ae86-e0cc5a0bcfb7" providerId="AD" clId="Web-{3F17C0EF-3A61-04E4-3BF4-57142A76D667}" dt="2024-05-28T15:28:04.117" v="34"/>
+          <ac:spMkLst>
+            <pc:docMk/>
+            <pc:sldMk cId="3358937745" sldId="261"/>
+            <ac:spMk id="6" creationId="{EE1552B0-6E10-C25D-453A-CC811E743A00}"/>
+          </ac:spMkLst>
+        </pc:spChg>
+        <pc:spChg chg="mod ord">
+          <ac:chgData name="Federico Saccani" userId="S::10700471@polimi.it::b6dd2c5c-0a47-4a0a-ae86-e0cc5a0bcfb7" providerId="AD" clId="Web-{3F17C0EF-3A61-04E4-3BF4-57142A76D667}" dt="2024-05-28T15:28:04.117" v="34"/>
+          <ac:spMkLst>
+            <pc:docMk/>
+            <pc:sldMk cId="3358937745" sldId="261"/>
+            <ac:spMk id="7" creationId="{41CE79F2-404B-991F-157F-F18805847EB1}"/>
+          </ac:spMkLst>
+        </pc:spChg>
+      </pc:sldChg>
+      <pc:sldChg chg="addSp delSp modSp mod modClrScheme chgLayout">
+        <pc:chgData name="Federico Saccani" userId="S::10700471@polimi.it::b6dd2c5c-0a47-4a0a-ae86-e0cc5a0bcfb7" providerId="AD" clId="Web-{3F17C0EF-3A61-04E4-3BF4-57142A76D667}" dt="2024-05-28T15:30:05.259" v="65"/>
+        <pc:sldMkLst>
+          <pc:docMk/>
+          <pc:sldMk cId="1966376482" sldId="262"/>
+        </pc:sldMkLst>
+        <pc:spChg chg="mod ord">
+          <ac:chgData name="Federico Saccani" userId="S::10700471@polimi.it::b6dd2c5c-0a47-4a0a-ae86-e0cc5a0bcfb7" providerId="AD" clId="Web-{3F17C0EF-3A61-04E4-3BF4-57142A76D667}" dt="2024-05-28T15:30:03.321" v="64"/>
+          <ac:spMkLst>
+            <pc:docMk/>
+            <pc:sldMk cId="1966376482" sldId="262"/>
+            <ac:spMk id="2" creationId="{E303BE9B-37ED-298D-882B-DAE33B6F4399}"/>
+          </ac:spMkLst>
+        </pc:spChg>
+        <pc:spChg chg="add del mod ord">
+          <ac:chgData name="Federico Saccani" userId="S::10700471@polimi.it::b6dd2c5c-0a47-4a0a-ae86-e0cc5a0bcfb7" providerId="AD" clId="Web-{3F17C0EF-3A61-04E4-3BF4-57142A76D667}" dt="2024-05-28T15:30:05.259" v="65"/>
+          <ac:spMkLst>
+            <pc:docMk/>
+            <pc:sldMk cId="1966376482" sldId="262"/>
+            <ac:spMk id="4" creationId="{875224FA-5138-FBB8-A50C-F57C76B2EFCA}"/>
+          </ac:spMkLst>
+        </pc:spChg>
+        <pc:spChg chg="mod ord">
+          <ac:chgData name="Federico Saccani" userId="S::10700471@polimi.it::b6dd2c5c-0a47-4a0a-ae86-e0cc5a0bcfb7" providerId="AD" clId="Web-{3F17C0EF-3A61-04E4-3BF4-57142A76D667}" dt="2024-05-28T15:30:03.321" v="64"/>
+          <ac:spMkLst>
+            <pc:docMk/>
+            <pc:sldMk cId="1966376482" sldId="262"/>
+            <ac:spMk id="5" creationId="{EDC6C510-9FC6-2EE8-D765-4CFCAA9E1696}"/>
+          </ac:spMkLst>
+        </pc:spChg>
+        <pc:spChg chg="mod ord">
+          <ac:chgData name="Federico Saccani" userId="S::10700471@polimi.it::b6dd2c5c-0a47-4a0a-ae86-e0cc5a0bcfb7" providerId="AD" clId="Web-{3F17C0EF-3A61-04E4-3BF4-57142A76D667}" dt="2024-05-28T15:30:03.321" v="64"/>
+          <ac:spMkLst>
+            <pc:docMk/>
+            <pc:sldMk cId="1966376482" sldId="262"/>
+            <ac:spMk id="14" creationId="{44822887-282F-18C2-1591-6811201E5EEA}"/>
+          </ac:spMkLst>
+        </pc:spChg>
+      </pc:sldChg>
+      <pc:sldChg chg="addSp delSp modSp mod modClrScheme chgLayout">
+        <pc:chgData name="Federico Saccani" userId="S::10700471@polimi.it::b6dd2c5c-0a47-4a0a-ae86-e0cc5a0bcfb7" providerId="AD" clId="Web-{3F17C0EF-3A61-04E4-3BF4-57142A76D667}" dt="2024-05-28T15:29:53.712" v="61"/>
+        <pc:sldMkLst>
+          <pc:docMk/>
+          <pc:sldMk cId="2710985118" sldId="263"/>
+        </pc:sldMkLst>
+        <pc:spChg chg="mod ord">
+          <ac:chgData name="Federico Saccani" userId="S::10700471@polimi.it::b6dd2c5c-0a47-4a0a-ae86-e0cc5a0bcfb7" providerId="AD" clId="Web-{3F17C0EF-3A61-04E4-3BF4-57142A76D667}" dt="2024-05-28T15:29:50.712" v="60"/>
+          <ac:spMkLst>
+            <pc:docMk/>
+            <pc:sldMk cId="2710985118" sldId="263"/>
+            <ac:spMk id="2" creationId="{E303BE9B-37ED-298D-882B-DAE33B6F4399}"/>
+          </ac:spMkLst>
+        </pc:spChg>
+        <pc:spChg chg="add del mod ord">
+          <ac:chgData name="Federico Saccani" userId="S::10700471@polimi.it::b6dd2c5c-0a47-4a0a-ae86-e0cc5a0bcfb7" providerId="AD" clId="Web-{3F17C0EF-3A61-04E4-3BF4-57142A76D667}" dt="2024-05-28T15:29:53.712" v="61"/>
+          <ac:spMkLst>
+            <pc:docMk/>
+            <pc:sldMk cId="2710985118" sldId="263"/>
+            <ac:spMk id="4" creationId="{20594065-FC2F-710E-F174-269D113790C4}"/>
+          </ac:spMkLst>
+        </pc:spChg>
+        <pc:spChg chg="mod ord">
+          <ac:chgData name="Federico Saccani" userId="S::10700471@polimi.it::b6dd2c5c-0a47-4a0a-ae86-e0cc5a0bcfb7" providerId="AD" clId="Web-{3F17C0EF-3A61-04E4-3BF4-57142A76D667}" dt="2024-05-28T15:29:50.712" v="60"/>
+          <ac:spMkLst>
+            <pc:docMk/>
+            <pc:sldMk cId="2710985118" sldId="263"/>
+            <ac:spMk id="5" creationId="{EDC6C510-9FC6-2EE8-D765-4CFCAA9E1696}"/>
+          </ac:spMkLst>
+        </pc:spChg>
+        <pc:spChg chg="mod ord">
+          <ac:chgData name="Federico Saccani" userId="S::10700471@polimi.it::b6dd2c5c-0a47-4a0a-ae86-e0cc5a0bcfb7" providerId="AD" clId="Web-{3F17C0EF-3A61-04E4-3BF4-57142A76D667}" dt="2024-05-28T15:29:50.712" v="60"/>
+          <ac:spMkLst>
+            <pc:docMk/>
+            <pc:sldMk cId="2710985118" sldId="263"/>
+            <ac:spMk id="8" creationId="{7BC61599-B2C2-1DD3-C17C-A251469616D8}"/>
+          </ac:spMkLst>
+        </pc:spChg>
+      </pc:sldChg>
+      <pc:sldChg chg="addSp delSp modSp mod modClrScheme chgLayout">
+        <pc:chgData name="Federico Saccani" userId="S::10700471@polimi.it::b6dd2c5c-0a47-4a0a-ae86-e0cc5a0bcfb7" providerId="AD" clId="Web-{3F17C0EF-3A61-04E4-3BF4-57142A76D667}" dt="2024-05-28T15:29:59.852" v="63"/>
+        <pc:sldMkLst>
+          <pc:docMk/>
+          <pc:sldMk cId="4190760898" sldId="264"/>
+        </pc:sldMkLst>
+        <pc:spChg chg="mod ord">
+          <ac:chgData name="Federico Saccani" userId="S::10700471@polimi.it::b6dd2c5c-0a47-4a0a-ae86-e0cc5a0bcfb7" providerId="AD" clId="Web-{3F17C0EF-3A61-04E4-3BF4-57142A76D667}" dt="2024-05-28T15:29:57.774" v="62"/>
+          <ac:spMkLst>
+            <pc:docMk/>
+            <pc:sldMk cId="4190760898" sldId="264"/>
+            <ac:spMk id="2" creationId="{E303BE9B-37ED-298D-882B-DAE33B6F4399}"/>
+          </ac:spMkLst>
+        </pc:spChg>
+        <pc:spChg chg="add del mod ord">
+          <ac:chgData name="Federico Saccani" userId="S::10700471@polimi.it::b6dd2c5c-0a47-4a0a-ae86-e0cc5a0bcfb7" providerId="AD" clId="Web-{3F17C0EF-3A61-04E4-3BF4-57142A76D667}" dt="2024-05-28T15:29:59.852" v="63"/>
+          <ac:spMkLst>
+            <pc:docMk/>
+            <pc:sldMk cId="4190760898" sldId="264"/>
+            <ac:spMk id="4" creationId="{7910A588-7416-370C-B7CD-235A56226EF6}"/>
+          </ac:spMkLst>
+        </pc:spChg>
+        <pc:spChg chg="mod ord">
+          <ac:chgData name="Federico Saccani" userId="S::10700471@polimi.it::b6dd2c5c-0a47-4a0a-ae86-e0cc5a0bcfb7" providerId="AD" clId="Web-{3F17C0EF-3A61-04E4-3BF4-57142A76D667}" dt="2024-05-28T15:29:57.774" v="62"/>
+          <ac:spMkLst>
+            <pc:docMk/>
+            <pc:sldMk cId="4190760898" sldId="264"/>
+            <ac:spMk id="5" creationId="{EDC6C510-9FC6-2EE8-D765-4CFCAA9E1696}"/>
+          </ac:spMkLst>
+        </pc:spChg>
+        <pc:spChg chg="mod ord">
+          <ac:chgData name="Federico Saccani" userId="S::10700471@polimi.it::b6dd2c5c-0a47-4a0a-ae86-e0cc5a0bcfb7" providerId="AD" clId="Web-{3F17C0EF-3A61-04E4-3BF4-57142A76D667}" dt="2024-05-28T15:29:57.774" v="62"/>
+          <ac:spMkLst>
+            <pc:docMk/>
+            <pc:sldMk cId="4190760898" sldId="264"/>
+            <ac:spMk id="11" creationId="{90D24739-237F-8AB4-0295-E30A76AB67A8}"/>
+          </ac:spMkLst>
+        </pc:spChg>
+      </pc:sldChg>
+      <pc:sldChg chg="addSp delSp modSp mod modClrScheme chgLayout">
+        <pc:chgData name="Federico Saccani" userId="S::10700471@polimi.it::b6dd2c5c-0a47-4a0a-ae86-e0cc5a0bcfb7" providerId="AD" clId="Web-{3F17C0EF-3A61-04E4-3BF4-57142A76D667}" dt="2024-05-28T15:30:12.759" v="67"/>
+        <pc:sldMkLst>
+          <pc:docMk/>
+          <pc:sldMk cId="1799355463" sldId="265"/>
+        </pc:sldMkLst>
+        <pc:spChg chg="mod ord">
+          <ac:chgData name="Federico Saccani" userId="S::10700471@polimi.it::b6dd2c5c-0a47-4a0a-ae86-e0cc5a0bcfb7" providerId="AD" clId="Web-{3F17C0EF-3A61-04E4-3BF4-57142A76D667}" dt="2024-05-28T15:30:09.556" v="66"/>
+          <ac:spMkLst>
+            <pc:docMk/>
+            <pc:sldMk cId="1799355463" sldId="265"/>
+            <ac:spMk id="2" creationId="{E303BE9B-37ED-298D-882B-DAE33B6F4399}"/>
+          </ac:spMkLst>
+        </pc:spChg>
+        <pc:spChg chg="add del mod ord">
+          <ac:chgData name="Federico Saccani" userId="S::10700471@polimi.it::b6dd2c5c-0a47-4a0a-ae86-e0cc5a0bcfb7" providerId="AD" clId="Web-{3F17C0EF-3A61-04E4-3BF4-57142A76D667}" dt="2024-05-28T15:30:12.759" v="67"/>
+          <ac:spMkLst>
+            <pc:docMk/>
+            <pc:sldMk cId="1799355463" sldId="265"/>
+            <ac:spMk id="4" creationId="{471B4E92-BD7F-2ED9-AB6C-39333BFC3DD4}"/>
+          </ac:spMkLst>
+        </pc:spChg>
+        <pc:spChg chg="mod ord">
+          <ac:chgData name="Federico Saccani" userId="S::10700471@polimi.it::b6dd2c5c-0a47-4a0a-ae86-e0cc5a0bcfb7" providerId="AD" clId="Web-{3F17C0EF-3A61-04E4-3BF4-57142A76D667}" dt="2024-05-28T15:30:09.556" v="66"/>
+          <ac:spMkLst>
+            <pc:docMk/>
+            <pc:sldMk cId="1799355463" sldId="265"/>
+            <ac:spMk id="5" creationId="{EDC6C510-9FC6-2EE8-D765-4CFCAA9E1696}"/>
+          </ac:spMkLst>
+        </pc:spChg>
+        <pc:spChg chg="mod ord">
+          <ac:chgData name="Federico Saccani" userId="S::10700471@polimi.it::b6dd2c5c-0a47-4a0a-ae86-e0cc5a0bcfb7" providerId="AD" clId="Web-{3F17C0EF-3A61-04E4-3BF4-57142A76D667}" dt="2024-05-28T15:30:09.556" v="66"/>
+          <ac:spMkLst>
+            <pc:docMk/>
+            <pc:sldMk cId="1799355463" sldId="265"/>
+            <ac:spMk id="22" creationId="{2AD02855-5704-2923-D10D-CBB7E63F565B}"/>
+          </ac:spMkLst>
+        </pc:spChg>
+      </pc:sldChg>
+      <pc:sldChg chg="addSp delSp modSp mod modClrScheme chgLayout">
+        <pc:chgData name="Federico Saccani" userId="S::10700471@polimi.it::b6dd2c5c-0a47-4a0a-ae86-e0cc5a0bcfb7" providerId="AD" clId="Web-{3F17C0EF-3A61-04E4-3BF4-57142A76D667}" dt="2024-05-28T15:30:18.509" v="69"/>
+        <pc:sldMkLst>
+          <pc:docMk/>
+          <pc:sldMk cId="2777351238" sldId="266"/>
+        </pc:sldMkLst>
+        <pc:spChg chg="mod ord">
+          <ac:chgData name="Federico Saccani" userId="S::10700471@polimi.it::b6dd2c5c-0a47-4a0a-ae86-e0cc5a0bcfb7" providerId="AD" clId="Web-{3F17C0EF-3A61-04E4-3BF4-57142A76D667}" dt="2024-05-28T15:30:16.931" v="68"/>
+          <ac:spMkLst>
+            <pc:docMk/>
+            <pc:sldMk cId="2777351238" sldId="266"/>
+            <ac:spMk id="2" creationId="{E303BE9B-37ED-298D-882B-DAE33B6F4399}"/>
+          </ac:spMkLst>
+        </pc:spChg>
+        <pc:spChg chg="add del mod ord">
+          <ac:chgData name="Federico Saccani" userId="S::10700471@polimi.it::b6dd2c5c-0a47-4a0a-ae86-e0cc5a0bcfb7" providerId="AD" clId="Web-{3F17C0EF-3A61-04E4-3BF4-57142A76D667}" dt="2024-05-28T15:30:18.509" v="69"/>
+          <ac:spMkLst>
+            <pc:docMk/>
+            <pc:sldMk cId="2777351238" sldId="266"/>
+            <ac:spMk id="4" creationId="{1DBF720E-F82B-DC0B-C031-60B6A13D900A}"/>
+          </ac:spMkLst>
+        </pc:spChg>
+        <pc:spChg chg="mod ord">
+          <ac:chgData name="Federico Saccani" userId="S::10700471@polimi.it::b6dd2c5c-0a47-4a0a-ae86-e0cc5a0bcfb7" providerId="AD" clId="Web-{3F17C0EF-3A61-04E4-3BF4-57142A76D667}" dt="2024-05-28T15:30:16.931" v="68"/>
+          <ac:spMkLst>
+            <pc:docMk/>
+            <pc:sldMk cId="2777351238" sldId="266"/>
+            <ac:spMk id="5" creationId="{EDC6C510-9FC6-2EE8-D765-4CFCAA9E1696}"/>
+          </ac:spMkLst>
+        </pc:spChg>
+        <pc:spChg chg="mod ord">
+          <ac:chgData name="Federico Saccani" userId="S::10700471@polimi.it::b6dd2c5c-0a47-4a0a-ae86-e0cc5a0bcfb7" providerId="AD" clId="Web-{3F17C0EF-3A61-04E4-3BF4-57142A76D667}" dt="2024-05-28T15:30:16.931" v="68"/>
+          <ac:spMkLst>
+            <pc:docMk/>
+            <pc:sldMk cId="2777351238" sldId="266"/>
+            <ac:spMk id="25" creationId="{EE4A99F6-0330-2330-24C6-23345787BEAF}"/>
+          </ac:spMkLst>
+        </pc:spChg>
+      </pc:sldChg>
+      <pc:sldChg chg="addSp delSp modSp mod modClrScheme chgLayout">
+        <pc:chgData name="Federico Saccani" userId="S::10700471@polimi.it::b6dd2c5c-0a47-4a0a-ae86-e0cc5a0bcfb7" providerId="AD" clId="Web-{3F17C0EF-3A61-04E4-3BF4-57142A76D667}" dt="2024-05-28T15:30:23.603" v="71"/>
+        <pc:sldMkLst>
+          <pc:docMk/>
+          <pc:sldMk cId="647797854" sldId="267"/>
+        </pc:sldMkLst>
+        <pc:spChg chg="mod ord">
+          <ac:chgData name="Federico Saccani" userId="S::10700471@polimi.it::b6dd2c5c-0a47-4a0a-ae86-e0cc5a0bcfb7" providerId="AD" clId="Web-{3F17C0EF-3A61-04E4-3BF4-57142A76D667}" dt="2024-05-28T15:30:21.993" v="70"/>
+          <ac:spMkLst>
+            <pc:docMk/>
+            <pc:sldMk cId="647797854" sldId="267"/>
+            <ac:spMk id="2" creationId="{E303BE9B-37ED-298D-882B-DAE33B6F4399}"/>
+          </ac:spMkLst>
+        </pc:spChg>
+        <pc:spChg chg="add del mod ord">
+          <ac:chgData name="Federico Saccani" userId="S::10700471@polimi.it::b6dd2c5c-0a47-4a0a-ae86-e0cc5a0bcfb7" providerId="AD" clId="Web-{3F17C0EF-3A61-04E4-3BF4-57142A76D667}" dt="2024-05-28T15:30:23.603" v="71"/>
+          <ac:spMkLst>
+            <pc:docMk/>
+            <pc:sldMk cId="647797854" sldId="267"/>
+            <ac:spMk id="4" creationId="{729FD1B3-B040-50E4-EC22-3EEEFDBA0025}"/>
+          </ac:spMkLst>
+        </pc:spChg>
+        <pc:spChg chg="mod ord">
+          <ac:chgData name="Federico Saccani" userId="S::10700471@polimi.it::b6dd2c5c-0a47-4a0a-ae86-e0cc5a0bcfb7" providerId="AD" clId="Web-{3F17C0EF-3A61-04E4-3BF4-57142A76D667}" dt="2024-05-28T15:30:21.993" v="70"/>
+          <ac:spMkLst>
+            <pc:docMk/>
+            <pc:sldMk cId="647797854" sldId="267"/>
+            <ac:spMk id="5" creationId="{EDC6C510-9FC6-2EE8-D765-4CFCAA9E1696}"/>
+          </ac:spMkLst>
+        </pc:spChg>
+        <pc:spChg chg="mod ord">
+          <ac:chgData name="Federico Saccani" userId="S::10700471@polimi.it::b6dd2c5c-0a47-4a0a-ae86-e0cc5a0bcfb7" providerId="AD" clId="Web-{3F17C0EF-3A61-04E4-3BF4-57142A76D667}" dt="2024-05-28T15:30:21.993" v="70"/>
+          <ac:spMkLst>
+            <pc:docMk/>
+            <pc:sldMk cId="647797854" sldId="267"/>
+            <ac:spMk id="29" creationId="{D1D269DC-B0CF-D7CF-B1E6-72CBA18AB148}"/>
+          </ac:spMkLst>
+        </pc:spChg>
+      </pc:sldChg>
+      <pc:sldChg chg="addSp delSp modSp mod modClrScheme chgLayout">
+        <pc:chgData name="Federico Saccani" userId="S::10700471@polimi.it::b6dd2c5c-0a47-4a0a-ae86-e0cc5a0bcfb7" providerId="AD" clId="Web-{3F17C0EF-3A61-04E4-3BF4-57142A76D667}" dt="2024-05-28T15:30:36.696" v="75"/>
+        <pc:sldMkLst>
+          <pc:docMk/>
+          <pc:sldMk cId="3966523128" sldId="269"/>
+        </pc:sldMkLst>
+        <pc:spChg chg="mod ord">
+          <ac:chgData name="Federico Saccani" userId="S::10700471@polimi.it::b6dd2c5c-0a47-4a0a-ae86-e0cc5a0bcfb7" providerId="AD" clId="Web-{3F17C0EF-3A61-04E4-3BF4-57142A76D667}" dt="2024-05-28T15:30:35.118" v="74"/>
+          <ac:spMkLst>
+            <pc:docMk/>
+            <pc:sldMk cId="3966523128" sldId="269"/>
+            <ac:spMk id="2" creationId="{E303BE9B-37ED-298D-882B-DAE33B6F4399}"/>
+          </ac:spMkLst>
+        </pc:spChg>
+        <pc:spChg chg="add del mod ord">
+          <ac:chgData name="Federico Saccani" userId="S::10700471@polimi.it::b6dd2c5c-0a47-4a0a-ae86-e0cc5a0bcfb7" providerId="AD" clId="Web-{3F17C0EF-3A61-04E4-3BF4-57142A76D667}" dt="2024-05-28T15:30:36.696" v="75"/>
+          <ac:spMkLst>
+            <pc:docMk/>
+            <pc:sldMk cId="3966523128" sldId="269"/>
+            <ac:spMk id="3" creationId="{369646EC-1D1B-00A1-149C-A953A3900ADF}"/>
+          </ac:spMkLst>
+        </pc:spChg>
+        <pc:spChg chg="mod ord">
+          <ac:chgData name="Federico Saccani" userId="S::10700471@polimi.it::b6dd2c5c-0a47-4a0a-ae86-e0cc5a0bcfb7" providerId="AD" clId="Web-{3F17C0EF-3A61-04E4-3BF4-57142A76D667}" dt="2024-05-28T15:30:35.118" v="74"/>
+          <ac:spMkLst>
+            <pc:docMk/>
+            <pc:sldMk cId="3966523128" sldId="269"/>
+            <ac:spMk id="5" creationId="{EDC6C510-9FC6-2EE8-D765-4CFCAA9E1696}"/>
+          </ac:spMkLst>
+        </pc:spChg>
+        <pc:spChg chg="mod ord">
+          <ac:chgData name="Federico Saccani" userId="S::10700471@polimi.it::b6dd2c5c-0a47-4a0a-ae86-e0cc5a0bcfb7" providerId="AD" clId="Web-{3F17C0EF-3A61-04E4-3BF4-57142A76D667}" dt="2024-05-28T15:30:35.118" v="74"/>
+          <ac:spMkLst>
+            <pc:docMk/>
+            <pc:sldMk cId="3966523128" sldId="269"/>
+            <ac:spMk id="6" creationId="{91625D7E-ABD3-D94E-CEB9-9BED2F5E36C2}"/>
+          </ac:spMkLst>
+        </pc:spChg>
+      </pc:sldChg>
+      <pc:sldChg chg="addSp delSp modSp mod modClrScheme chgLayout">
+        <pc:chgData name="Federico Saccani" userId="S::10700471@polimi.it::b6dd2c5c-0a47-4a0a-ae86-e0cc5a0bcfb7" providerId="AD" clId="Web-{3F17C0EF-3A61-04E4-3BF4-57142A76D667}" dt="2024-05-28T15:30:41.743" v="77"/>
+        <pc:sldMkLst>
+          <pc:docMk/>
+          <pc:sldMk cId="3955156056" sldId="270"/>
+        </pc:sldMkLst>
+        <pc:spChg chg="mod ord">
+          <ac:chgData name="Federico Saccani" userId="S::10700471@polimi.it::b6dd2c5c-0a47-4a0a-ae86-e0cc5a0bcfb7" providerId="AD" clId="Web-{3F17C0EF-3A61-04E4-3BF4-57142A76D667}" dt="2024-05-28T15:30:40.056" v="76"/>
+          <ac:spMkLst>
+            <pc:docMk/>
+            <pc:sldMk cId="3955156056" sldId="270"/>
+            <ac:spMk id="2" creationId="{E303BE9B-37ED-298D-882B-DAE33B6F4399}"/>
+          </ac:spMkLst>
+        </pc:spChg>
+        <pc:spChg chg="add del mod ord">
+          <ac:chgData name="Federico Saccani" userId="S::10700471@polimi.it::b6dd2c5c-0a47-4a0a-ae86-e0cc5a0bcfb7" providerId="AD" clId="Web-{3F17C0EF-3A61-04E4-3BF4-57142A76D667}" dt="2024-05-28T15:30:41.743" v="77"/>
+          <ac:spMkLst>
+            <pc:docMk/>
+            <pc:sldMk cId="3955156056" sldId="270"/>
+            <ac:spMk id="3" creationId="{C9C28B79-BE05-0E75-C1B3-2B54AC47B7F6}"/>
+          </ac:spMkLst>
+        </pc:spChg>
+        <pc:spChg chg="mod ord">
+          <ac:chgData name="Federico Saccani" userId="S::10700471@polimi.it::b6dd2c5c-0a47-4a0a-ae86-e0cc5a0bcfb7" providerId="AD" clId="Web-{3F17C0EF-3A61-04E4-3BF4-57142A76D667}" dt="2024-05-28T15:30:40.056" v="76"/>
+          <ac:spMkLst>
+            <pc:docMk/>
+            <pc:sldMk cId="3955156056" sldId="270"/>
+            <ac:spMk id="5" creationId="{EDC6C510-9FC6-2EE8-D765-4CFCAA9E1696}"/>
+          </ac:spMkLst>
+        </pc:spChg>
+        <pc:spChg chg="mod ord">
+          <ac:chgData name="Federico Saccani" userId="S::10700471@polimi.it::b6dd2c5c-0a47-4a0a-ae86-e0cc5a0bcfb7" providerId="AD" clId="Web-{3F17C0EF-3A61-04E4-3BF4-57142A76D667}" dt="2024-05-28T15:30:40.056" v="76"/>
+          <ac:spMkLst>
+            <pc:docMk/>
+            <pc:sldMk cId="3955156056" sldId="270"/>
+            <ac:spMk id="6" creationId="{7EE28BE1-3D05-594C-DF8D-CF57A2EB51A4}"/>
+          </ac:spMkLst>
+        </pc:spChg>
+      </pc:sldChg>
+      <pc:sldMasterChg chg="add del addSldLayout delSldLayout">
+        <pc:chgData name="Federico Saccani" userId="S::10700471@polimi.it::b6dd2c5c-0a47-4a0a-ae86-e0cc5a0bcfb7" providerId="AD" clId="Web-{3F17C0EF-3A61-04E4-3BF4-57142A76D667}" dt="2024-05-28T15:28:04.117" v="34"/>
+        <pc:sldMasterMkLst>
+          <pc:docMk/>
+          <pc:sldMasterMk cId="3137297069" sldId="2147483660"/>
+        </pc:sldMasterMkLst>
+        <pc:sldLayoutChg chg="add del">
+          <pc:chgData name="Federico Saccani" userId="S::10700471@polimi.it::b6dd2c5c-0a47-4a0a-ae86-e0cc5a0bcfb7" providerId="AD" clId="Web-{3F17C0EF-3A61-04E4-3BF4-57142A76D667}" dt="2024-05-28T15:28:04.117" v="34"/>
+          <pc:sldLayoutMkLst>
+            <pc:docMk/>
+            <pc:sldMasterMk cId="3137297069" sldId="2147483660"/>
+            <pc:sldLayoutMk cId="2193088357" sldId="2147483661"/>
+          </pc:sldLayoutMkLst>
+        </pc:sldLayoutChg>
+        <pc:sldLayoutChg chg="add del">
+          <pc:chgData name="Federico Saccani" userId="S::10700471@polimi.it::b6dd2c5c-0a47-4a0a-ae86-e0cc5a0bcfb7" providerId="AD" clId="Web-{3F17C0EF-3A61-04E4-3BF4-57142A76D667}" dt="2024-05-28T15:28:04.117" v="34"/>
+          <pc:sldLayoutMkLst>
+            <pc:docMk/>
+            <pc:sldMasterMk cId="3137297069" sldId="2147483660"/>
+            <pc:sldLayoutMk cId="3465521588" sldId="2147483662"/>
+          </pc:sldLayoutMkLst>
+        </pc:sldLayoutChg>
+        <pc:sldLayoutChg chg="add del">
+          <pc:chgData name="Federico Saccani" userId="S::10700471@polimi.it::b6dd2c5c-0a47-4a0a-ae86-e0cc5a0bcfb7" providerId="AD" clId="Web-{3F17C0EF-3A61-04E4-3BF4-57142A76D667}" dt="2024-05-28T15:28:04.117" v="34"/>
+          <pc:sldLayoutMkLst>
+            <pc:docMk/>
+            <pc:sldMasterMk cId="3137297069" sldId="2147483660"/>
+            <pc:sldLayoutMk cId="3214957671" sldId="2147483663"/>
+          </pc:sldLayoutMkLst>
+        </pc:sldLayoutChg>
+        <pc:sldLayoutChg chg="add del">
+          <pc:chgData name="Federico Saccani" userId="S::10700471@polimi.it::b6dd2c5c-0a47-4a0a-ae86-e0cc5a0bcfb7" providerId="AD" clId="Web-{3F17C0EF-3A61-04E4-3BF4-57142A76D667}" dt="2024-05-28T15:28:04.117" v="34"/>
+          <pc:sldLayoutMkLst>
+            <pc:docMk/>
+            <pc:sldMasterMk cId="3137297069" sldId="2147483660"/>
+            <pc:sldLayoutMk cId="520393786" sldId="2147483664"/>
+          </pc:sldLayoutMkLst>
+        </pc:sldLayoutChg>
+        <pc:sldLayoutChg chg="add del">
+          <pc:chgData name="Federico Saccani" userId="S::10700471@polimi.it::b6dd2c5c-0a47-4a0a-ae86-e0cc5a0bcfb7" providerId="AD" clId="Web-{3F17C0EF-3A61-04E4-3BF4-57142A76D667}" dt="2024-05-28T15:28:04.117" v="34"/>
+          <pc:sldLayoutMkLst>
+            <pc:docMk/>
+            <pc:sldMasterMk cId="3137297069" sldId="2147483660"/>
+            <pc:sldLayoutMk cId="795938185" sldId="2147483665"/>
+          </pc:sldLayoutMkLst>
+        </pc:sldLayoutChg>
+        <pc:sldLayoutChg chg="add del">
+          <pc:chgData name="Federico Saccani" userId="S::10700471@polimi.it::b6dd2c5c-0a47-4a0a-ae86-e0cc5a0bcfb7" providerId="AD" clId="Web-{3F17C0EF-3A61-04E4-3BF4-57142A76D667}" dt="2024-05-28T15:28:04.117" v="34"/>
+          <pc:sldLayoutMkLst>
+            <pc:docMk/>
+            <pc:sldMasterMk cId="3137297069" sldId="2147483660"/>
+            <pc:sldLayoutMk cId="661884451" sldId="2147483666"/>
+          </pc:sldLayoutMkLst>
+        </pc:sldLayoutChg>
+        <pc:sldLayoutChg chg="add del">
+          <pc:chgData name="Federico Saccani" userId="S::10700471@polimi.it::b6dd2c5c-0a47-4a0a-ae86-e0cc5a0bcfb7" providerId="AD" clId="Web-{3F17C0EF-3A61-04E4-3BF4-57142A76D667}" dt="2024-05-28T15:28:04.117" v="34"/>
+          <pc:sldLayoutMkLst>
+            <pc:docMk/>
+            <pc:sldMasterMk cId="3137297069" sldId="2147483660"/>
+            <pc:sldLayoutMk cId="1651275246" sldId="2147483667"/>
+          </pc:sldLayoutMkLst>
+        </pc:sldLayoutChg>
+        <pc:sldLayoutChg chg="add del">
+          <pc:chgData name="Federico Saccani" userId="S::10700471@polimi.it::b6dd2c5c-0a47-4a0a-ae86-e0cc5a0bcfb7" providerId="AD" clId="Web-{3F17C0EF-3A61-04E4-3BF4-57142A76D667}" dt="2024-05-28T15:28:04.117" v="34"/>
+          <pc:sldLayoutMkLst>
+            <pc:docMk/>
+            <pc:sldMasterMk cId="3137297069" sldId="2147483660"/>
+            <pc:sldLayoutMk cId="2750029917" sldId="2147483668"/>
+          </pc:sldLayoutMkLst>
+        </pc:sldLayoutChg>
+        <pc:sldLayoutChg chg="add del">
+          <pc:chgData name="Federico Saccani" userId="S::10700471@polimi.it::b6dd2c5c-0a47-4a0a-ae86-e0cc5a0bcfb7" providerId="AD" clId="Web-{3F17C0EF-3A61-04E4-3BF4-57142A76D667}" dt="2024-05-28T15:28:04.117" v="34"/>
+          <pc:sldLayoutMkLst>
+            <pc:docMk/>
+            <pc:sldMasterMk cId="3137297069" sldId="2147483660"/>
+            <pc:sldLayoutMk cId="1373568623" sldId="2147483669"/>
+          </pc:sldLayoutMkLst>
+        </pc:sldLayoutChg>
+        <pc:sldLayoutChg chg="add del">
+          <pc:chgData name="Federico Saccani" userId="S::10700471@polimi.it::b6dd2c5c-0a47-4a0a-ae86-e0cc5a0bcfb7" providerId="AD" clId="Web-{3F17C0EF-3A61-04E4-3BF4-57142A76D667}" dt="2024-05-28T15:28:04.117" v="34"/>
+          <pc:sldLayoutMkLst>
+            <pc:docMk/>
+            <pc:sldMasterMk cId="3137297069" sldId="2147483660"/>
+            <pc:sldLayoutMk cId="2831590501" sldId="2147483670"/>
+          </pc:sldLayoutMkLst>
+        </pc:sldLayoutChg>
+        <pc:sldLayoutChg chg="add del">
+          <pc:chgData name="Federico Saccani" userId="S::10700471@polimi.it::b6dd2c5c-0a47-4a0a-ae86-e0cc5a0bcfb7" providerId="AD" clId="Web-{3F17C0EF-3A61-04E4-3BF4-57142A76D667}" dt="2024-05-28T15:28:04.117" v="34"/>
+          <pc:sldLayoutMkLst>
+            <pc:docMk/>
+            <pc:sldMasterMk cId="3137297069" sldId="2147483660"/>
+            <pc:sldLayoutMk cId="3928080659" sldId="2147483671"/>
+          </pc:sldLayoutMkLst>
+        </pc:sldLayoutChg>
+        <pc:sldLayoutChg chg="add del">
+          <pc:chgData name="Federico Saccani" userId="S::10700471@polimi.it::b6dd2c5c-0a47-4a0a-ae86-e0cc5a0bcfb7" providerId="AD" clId="Web-{3F17C0EF-3A61-04E4-3BF4-57142A76D667}" dt="2024-05-28T15:28:04.117" v="34"/>
+          <pc:sldLayoutMkLst>
+            <pc:docMk/>
+            <pc:sldMasterMk cId="3137297069" sldId="2147483660"/>
+            <pc:sldLayoutMk cId="3620645551" sldId="2147483672"/>
+          </pc:sldLayoutMkLst>
+        </pc:sldLayoutChg>
+      </pc:sldMasterChg>
+      <pc:sldMasterChg chg="add del addSldLayout delSldLayout">
+        <pc:chgData name="Federico Saccani" userId="S::10700471@polimi.it::b6dd2c5c-0a47-4a0a-ae86-e0cc5a0bcfb7" providerId="AD" clId="Web-{3F17C0EF-3A61-04E4-3BF4-57142A76D667}" dt="2024-05-28T15:28:04.117" v="34"/>
+        <pc:sldMasterMkLst>
+          <pc:docMk/>
+          <pc:sldMasterMk cId="640986672" sldId="2147483673"/>
+        </pc:sldMasterMkLst>
+        <pc:sldLayoutChg chg="add del">
+          <pc:chgData name="Federico Saccani" userId="S::10700471@polimi.it::b6dd2c5c-0a47-4a0a-ae86-e0cc5a0bcfb7" providerId="AD" clId="Web-{3F17C0EF-3A61-04E4-3BF4-57142A76D667}" dt="2024-05-28T15:28:04.117" v="34"/>
+          <pc:sldLayoutMkLst>
+            <pc:docMk/>
+            <pc:sldMasterMk cId="640986672" sldId="2147483673"/>
+            <pc:sldLayoutMk cId="1913735067" sldId="2147483674"/>
+          </pc:sldLayoutMkLst>
+        </pc:sldLayoutChg>
+        <pc:sldLayoutChg chg="add del">
+          <pc:chgData name="Federico Saccani" userId="S::10700471@polimi.it::b6dd2c5c-0a47-4a0a-ae86-e0cc5a0bcfb7" providerId="AD" clId="Web-{3F17C0EF-3A61-04E4-3BF4-57142A76D667}" dt="2024-05-28T15:28:04.117" v="34"/>
+          <pc:sldLayoutMkLst>
+            <pc:docMk/>
+            <pc:sldMasterMk cId="640986672" sldId="2147483673"/>
+            <pc:sldLayoutMk cId="4178018560" sldId="2147483675"/>
+          </pc:sldLayoutMkLst>
+        </pc:sldLayoutChg>
+        <pc:sldLayoutChg chg="add del">
+          <pc:chgData name="Federico Saccani" userId="S::10700471@polimi.it::b6dd2c5c-0a47-4a0a-ae86-e0cc5a0bcfb7" providerId="AD" clId="Web-{3F17C0EF-3A61-04E4-3BF4-57142A76D667}" dt="2024-05-28T15:28:04.117" v="34"/>
+          <pc:sldLayoutMkLst>
+            <pc:docMk/>
+            <pc:sldMasterMk cId="640986672" sldId="2147483673"/>
+            <pc:sldLayoutMk cId="3701986362" sldId="2147483676"/>
+          </pc:sldLayoutMkLst>
+        </pc:sldLayoutChg>
+        <pc:sldLayoutChg chg="add del">
+          <pc:chgData name="Federico Saccani" userId="S::10700471@polimi.it::b6dd2c5c-0a47-4a0a-ae86-e0cc5a0bcfb7" providerId="AD" clId="Web-{3F17C0EF-3A61-04E4-3BF4-57142A76D667}" dt="2024-05-28T15:28:04.117" v="34"/>
+          <pc:sldLayoutMkLst>
+            <pc:docMk/>
+            <pc:sldMasterMk cId="640986672" sldId="2147483673"/>
+            <pc:sldLayoutMk cId="987092236" sldId="2147483677"/>
+          </pc:sldLayoutMkLst>
+        </pc:sldLayoutChg>
+        <pc:sldLayoutChg chg="add del">
+          <pc:chgData name="Federico Saccani" userId="S::10700471@polimi.it::b6dd2c5c-0a47-4a0a-ae86-e0cc5a0bcfb7" providerId="AD" clId="Web-{3F17C0EF-3A61-04E4-3BF4-57142A76D667}" dt="2024-05-28T15:28:04.117" v="34"/>
+          <pc:sldLayoutMkLst>
+            <pc:docMk/>
+            <pc:sldMasterMk cId="640986672" sldId="2147483673"/>
+            <pc:sldLayoutMk cId="1282473542" sldId="2147483678"/>
+          </pc:sldLayoutMkLst>
+        </pc:sldLayoutChg>
+        <pc:sldLayoutChg chg="add del">
+          <pc:chgData name="Federico Saccani" userId="S::10700471@polimi.it::b6dd2c5c-0a47-4a0a-ae86-e0cc5a0bcfb7" providerId="AD" clId="Web-{3F17C0EF-3A61-04E4-3BF4-57142A76D667}" dt="2024-05-28T15:28:04.117" v="34"/>
+          <pc:sldLayoutMkLst>
+            <pc:docMk/>
+            <pc:sldMasterMk cId="640986672" sldId="2147483673"/>
+            <pc:sldLayoutMk cId="3877740644" sldId="2147483679"/>
+          </pc:sldLayoutMkLst>
+        </pc:sldLayoutChg>
+        <pc:sldLayoutChg chg="add del">
+          <pc:chgData name="Federico Saccani" userId="S::10700471@polimi.it::b6dd2c5c-0a47-4a0a-ae86-e0cc5a0bcfb7" providerId="AD" clId="Web-{3F17C0EF-3A61-04E4-3BF4-57142A76D667}" dt="2024-05-28T15:28:04.117" v="34"/>
+          <pc:sldLayoutMkLst>
+            <pc:docMk/>
+            <pc:sldMasterMk cId="640986672" sldId="2147483673"/>
+            <pc:sldLayoutMk cId="3232860186" sldId="2147483680"/>
+          </pc:sldLayoutMkLst>
+        </pc:sldLayoutChg>
+        <pc:sldLayoutChg chg="add del">
+          <pc:chgData name="Federico Saccani" userId="S::10700471@polimi.it::b6dd2c5c-0a47-4a0a-ae86-e0cc5a0bcfb7" providerId="AD" clId="Web-{3F17C0EF-3A61-04E4-3BF4-57142A76D667}" dt="2024-05-28T15:28:04.117" v="34"/>
+          <pc:sldLayoutMkLst>
+            <pc:docMk/>
+            <pc:sldMasterMk cId="640986672" sldId="2147483673"/>
+            <pc:sldLayoutMk cId="3970775126" sldId="2147483681"/>
+          </pc:sldLayoutMkLst>
+        </pc:sldLayoutChg>
+        <pc:sldLayoutChg chg="add del">
+          <pc:chgData name="Federico Saccani" userId="S::10700471@polimi.it::b6dd2c5c-0a47-4a0a-ae86-e0cc5a0bcfb7" providerId="AD" clId="Web-{3F17C0EF-3A61-04E4-3BF4-57142A76D667}" dt="2024-05-28T15:28:04.117" v="34"/>
+          <pc:sldLayoutMkLst>
+            <pc:docMk/>
+            <pc:sldMasterMk cId="640986672" sldId="2147483673"/>
+            <pc:sldLayoutMk cId="2627950453" sldId="2147483682"/>
+          </pc:sldLayoutMkLst>
+        </pc:sldLayoutChg>
+        <pc:sldLayoutChg chg="add del">
+          <pc:chgData name="Federico Saccani" userId="S::10700471@polimi.it::b6dd2c5c-0a47-4a0a-ae86-e0cc5a0bcfb7" providerId="AD" clId="Web-{3F17C0EF-3A61-04E4-3BF4-57142A76D667}" dt="2024-05-28T15:28:04.117" v="34"/>
+          <pc:sldLayoutMkLst>
+            <pc:docMk/>
+            <pc:sldMasterMk cId="640986672" sldId="2147483673"/>
+            <pc:sldLayoutMk cId="2138596701" sldId="2147483683"/>
+          </pc:sldLayoutMkLst>
+        </pc:sldLayoutChg>
+        <pc:sldLayoutChg chg="add del">
+          <pc:chgData name="Federico Saccani" userId="S::10700471@polimi.it::b6dd2c5c-0a47-4a0a-ae86-e0cc5a0bcfb7" providerId="AD" clId="Web-{3F17C0EF-3A61-04E4-3BF4-57142A76D667}" dt="2024-05-28T15:28:04.117" v="34"/>
+          <pc:sldLayoutMkLst>
+            <pc:docMk/>
+            <pc:sldMasterMk cId="640986672" sldId="2147483673"/>
+            <pc:sldLayoutMk cId="311020229" sldId="2147483684"/>
+          </pc:sldLayoutMkLst>
+        </pc:sldLayoutChg>
+        <pc:sldLayoutChg chg="add del">
+          <pc:chgData name="Federico Saccani" userId="S::10700471@polimi.it::b6dd2c5c-0a47-4a0a-ae86-e0cc5a0bcfb7" providerId="AD" clId="Web-{3F17C0EF-3A61-04E4-3BF4-57142A76D667}" dt="2024-05-28T15:28:04.117" v="34"/>
+          <pc:sldLayoutMkLst>
+            <pc:docMk/>
+            <pc:sldMasterMk cId="640986672" sldId="2147483673"/>
+            <pc:sldLayoutMk cId="3481208" sldId="2147483685"/>
+          </pc:sldLayoutMkLst>
+        </pc:sldLayoutChg>
+      </pc:sldMasterChg>
+      <pc:sldMasterChg chg="add del addSldLayout delSldLayout modSldLayout">
+        <pc:chgData name="Federico Saccani" userId="S::10700471@polimi.it::b6dd2c5c-0a47-4a0a-ae86-e0cc5a0bcfb7" providerId="AD" clId="Web-{3F17C0EF-3A61-04E4-3BF4-57142A76D667}" dt="2024-05-28T15:26:04.835" v="23"/>
+        <pc:sldMasterMkLst>
+          <pc:docMk/>
+          <pc:sldMasterMk cId="3783129394" sldId="2147483673"/>
+        </pc:sldMasterMkLst>
+        <pc:sldLayoutChg chg="add del mod replId">
+          <pc:chgData name="Federico Saccani" userId="S::10700471@polimi.it::b6dd2c5c-0a47-4a0a-ae86-e0cc5a0bcfb7" providerId="AD" clId="Web-{3F17C0EF-3A61-04E4-3BF4-57142A76D667}" dt="2024-05-28T15:26:04.835" v="23"/>
+          <pc:sldLayoutMkLst>
+            <pc:docMk/>
+            <pc:sldMasterMk cId="3783129394" sldId="2147483673"/>
+            <pc:sldLayoutMk cId="655727027" sldId="2147483674"/>
+          </pc:sldLayoutMkLst>
+        </pc:sldLayoutChg>
+        <pc:sldLayoutChg chg="add del mod replId">
+          <pc:chgData name="Federico Saccani" userId="S::10700471@polimi.it::b6dd2c5c-0a47-4a0a-ae86-e0cc5a0bcfb7" providerId="AD" clId="Web-{3F17C0EF-3A61-04E4-3BF4-57142A76D667}" dt="2024-05-28T15:26:04.835" v="23"/>
+          <pc:sldLayoutMkLst>
+            <pc:docMk/>
+            <pc:sldMasterMk cId="3783129394" sldId="2147483673"/>
+            <pc:sldLayoutMk cId="3681552848" sldId="2147483675"/>
+          </pc:sldLayoutMkLst>
+        </pc:sldLayoutChg>
+        <pc:sldLayoutChg chg="add del mod replId">
+          <pc:chgData name="Federico Saccani" userId="S::10700471@polimi.it::b6dd2c5c-0a47-4a0a-ae86-e0cc5a0bcfb7" providerId="AD" clId="Web-{3F17C0EF-3A61-04E4-3BF4-57142A76D667}" dt="2024-05-28T15:26:04.835" v="23"/>
+          <pc:sldLayoutMkLst>
+            <pc:docMk/>
+            <pc:sldMasterMk cId="3783129394" sldId="2147483673"/>
+            <pc:sldLayoutMk cId="2356197173" sldId="2147483676"/>
+          </pc:sldLayoutMkLst>
+        </pc:sldLayoutChg>
+        <pc:sldLayoutChg chg="add del mod replId">
+          <pc:chgData name="Federico Saccani" userId="S::10700471@polimi.it::b6dd2c5c-0a47-4a0a-ae86-e0cc5a0bcfb7" providerId="AD" clId="Web-{3F17C0EF-3A61-04E4-3BF4-57142A76D667}" dt="2024-05-28T15:26:04.835" v="23"/>
+          <pc:sldLayoutMkLst>
+            <pc:docMk/>
+            <pc:sldMasterMk cId="3783129394" sldId="2147483673"/>
+            <pc:sldLayoutMk cId="4186327946" sldId="2147483677"/>
+          </pc:sldLayoutMkLst>
+        </pc:sldLayoutChg>
+        <pc:sldLayoutChg chg="add del mod replId">
+          <pc:chgData name="Federico Saccani" userId="S::10700471@polimi.it::b6dd2c5c-0a47-4a0a-ae86-e0cc5a0bcfb7" providerId="AD" clId="Web-{3F17C0EF-3A61-04E4-3BF4-57142A76D667}" dt="2024-05-28T15:26:04.835" v="23"/>
+          <pc:sldLayoutMkLst>
+            <pc:docMk/>
+            <pc:sldMasterMk cId="3783129394" sldId="2147483673"/>
+            <pc:sldLayoutMk cId="3187551282" sldId="2147483678"/>
+          </pc:sldLayoutMkLst>
+        </pc:sldLayoutChg>
+        <pc:sldLayoutChg chg="add del mod replId">
+          <pc:chgData name="Federico Saccani" userId="S::10700471@polimi.it::b6dd2c5c-0a47-4a0a-ae86-e0cc5a0bcfb7" providerId="AD" clId="Web-{3F17C0EF-3A61-04E4-3BF4-57142A76D667}" dt="2024-05-28T15:26:04.835" v="23"/>
+          <pc:sldLayoutMkLst>
+            <pc:docMk/>
+            <pc:sldMasterMk cId="3783129394" sldId="2147483673"/>
+            <pc:sldLayoutMk cId="1753109932" sldId="2147483679"/>
+          </pc:sldLayoutMkLst>
+        </pc:sldLayoutChg>
+        <pc:sldLayoutChg chg="add del mod replId">
+          <pc:chgData name="Federico Saccani" userId="S::10700471@polimi.it::b6dd2c5c-0a47-4a0a-ae86-e0cc5a0bcfb7" providerId="AD" clId="Web-{3F17C0EF-3A61-04E4-3BF4-57142A76D667}" dt="2024-05-28T15:26:04.835" v="23"/>
+          <pc:sldLayoutMkLst>
+            <pc:docMk/>
+            <pc:sldMasterMk cId="3783129394" sldId="2147483673"/>
+            <pc:sldLayoutMk cId="3717892626" sldId="2147483680"/>
+          </pc:sldLayoutMkLst>
+        </pc:sldLayoutChg>
+        <pc:sldLayoutChg chg="add del mod replId">
+          <pc:chgData name="Federico Saccani" userId="S::10700471@polimi.it::b6dd2c5c-0a47-4a0a-ae86-e0cc5a0bcfb7" providerId="AD" clId="Web-{3F17C0EF-3A61-04E4-3BF4-57142A76D667}" dt="2024-05-28T15:26:04.835" v="23"/>
+          <pc:sldLayoutMkLst>
+            <pc:docMk/>
+            <pc:sldMasterMk cId="3783129394" sldId="2147483673"/>
+            <pc:sldLayoutMk cId="1998179811" sldId="2147483681"/>
+          </pc:sldLayoutMkLst>
+        </pc:sldLayoutChg>
+        <pc:sldLayoutChg chg="add del mod replId">
+          <pc:chgData name="Federico Saccani" userId="S::10700471@polimi.it::b6dd2c5c-0a47-4a0a-ae86-e0cc5a0bcfb7" providerId="AD" clId="Web-{3F17C0EF-3A61-04E4-3BF4-57142A76D667}" dt="2024-05-28T15:26:04.835" v="23"/>
+          <pc:sldLayoutMkLst>
+            <pc:docMk/>
+            <pc:sldMasterMk cId="3783129394" sldId="2147483673"/>
+            <pc:sldLayoutMk cId="153739593" sldId="2147483682"/>
+          </pc:sldLayoutMkLst>
+        </pc:sldLayoutChg>
+        <pc:sldLayoutChg chg="add del mod replId">
+          <pc:chgData name="Federico Saccani" userId="S::10700471@polimi.it::b6dd2c5c-0a47-4a0a-ae86-e0cc5a0bcfb7" providerId="AD" clId="Web-{3F17C0EF-3A61-04E4-3BF4-57142A76D667}" dt="2024-05-28T15:26:04.835" v="23"/>
+          <pc:sldLayoutMkLst>
+            <pc:docMk/>
+            <pc:sldMasterMk cId="3783129394" sldId="2147483673"/>
+            <pc:sldLayoutMk cId="3491910141" sldId="2147483683"/>
+          </pc:sldLayoutMkLst>
+        </pc:sldLayoutChg>
+        <pc:sldLayoutChg chg="add del mod replId">
+          <pc:chgData name="Federico Saccani" userId="S::10700471@polimi.it::b6dd2c5c-0a47-4a0a-ae86-e0cc5a0bcfb7" providerId="AD" clId="Web-{3F17C0EF-3A61-04E4-3BF4-57142A76D667}" dt="2024-05-28T15:26:04.835" v="23"/>
+          <pc:sldLayoutMkLst>
+            <pc:docMk/>
+            <pc:sldMasterMk cId="3783129394" sldId="2147483673"/>
+            <pc:sldLayoutMk cId="1380375594" sldId="2147483684"/>
+          </pc:sldLayoutMkLst>
+        </pc:sldLayoutChg>
+      </pc:sldMasterChg>
+      <pc:sldMasterChg chg="add del addSldLayout delSldLayout modSldLayout">
+        <pc:chgData name="Federico Saccani" userId="S::10700471@polimi.it::b6dd2c5c-0a47-4a0a-ae86-e0cc5a0bcfb7" providerId="AD" clId="Web-{3F17C0EF-3A61-04E4-3BF4-57142A76D667}" dt="2024-05-28T15:26:23.835" v="25"/>
+        <pc:sldMasterMkLst>
+          <pc:docMk/>
+          <pc:sldMasterMk cId="3814935715" sldId="2147483673"/>
+        </pc:sldMasterMkLst>
+        <pc:sldLayoutChg chg="add del mod replId">
+          <pc:chgData name="Federico Saccani" userId="S::10700471@polimi.it::b6dd2c5c-0a47-4a0a-ae86-e0cc5a0bcfb7" providerId="AD" clId="Web-{3F17C0EF-3A61-04E4-3BF4-57142A76D667}" dt="2024-05-28T15:26:23.835" v="25"/>
+          <pc:sldLayoutMkLst>
+            <pc:docMk/>
+            <pc:sldMasterMk cId="3814935715" sldId="2147483673"/>
+            <pc:sldLayoutMk cId="273193924" sldId="2147483674"/>
+          </pc:sldLayoutMkLst>
+        </pc:sldLayoutChg>
+        <pc:sldLayoutChg chg="add del mod replId">
+          <pc:chgData name="Federico Saccani" userId="S::10700471@polimi.it::b6dd2c5c-0a47-4a0a-ae86-e0cc5a0bcfb7" providerId="AD" clId="Web-{3F17C0EF-3A61-04E4-3BF4-57142A76D667}" dt="2024-05-28T15:26:23.835" v="25"/>
+          <pc:sldLayoutMkLst>
+            <pc:docMk/>
+            <pc:sldMasterMk cId="3814935715" sldId="2147483673"/>
+            <pc:sldLayoutMk cId="4232779000" sldId="2147483675"/>
+          </pc:sldLayoutMkLst>
+        </pc:sldLayoutChg>
+        <pc:sldLayoutChg chg="add del mod replId">
+          <pc:chgData name="Federico Saccani" userId="S::10700471@polimi.it::b6dd2c5c-0a47-4a0a-ae86-e0cc5a0bcfb7" providerId="AD" clId="Web-{3F17C0EF-3A61-04E4-3BF4-57142A76D667}" dt="2024-05-28T15:26:23.835" v="25"/>
+          <pc:sldLayoutMkLst>
+            <pc:docMk/>
+            <pc:sldMasterMk cId="3814935715" sldId="2147483673"/>
+            <pc:sldLayoutMk cId="1043902473" sldId="2147483676"/>
+          </pc:sldLayoutMkLst>
+        </pc:sldLayoutChg>
+        <pc:sldLayoutChg chg="add del mod replId">
+          <pc:chgData name="Federico Saccani" userId="S::10700471@polimi.it::b6dd2c5c-0a47-4a0a-ae86-e0cc5a0bcfb7" providerId="AD" clId="Web-{3F17C0EF-3A61-04E4-3BF4-57142A76D667}" dt="2024-05-28T15:26:23.835" v="25"/>
+          <pc:sldLayoutMkLst>
+            <pc:docMk/>
+            <pc:sldMasterMk cId="3814935715" sldId="2147483673"/>
+            <pc:sldLayoutMk cId="3145777631" sldId="2147483677"/>
+          </pc:sldLayoutMkLst>
+        </pc:sldLayoutChg>
+        <pc:sldLayoutChg chg="add del mod replId">
+          <pc:chgData name="Federico Saccani" userId="S::10700471@polimi.it::b6dd2c5c-0a47-4a0a-ae86-e0cc5a0bcfb7" providerId="AD" clId="Web-{3F17C0EF-3A61-04E4-3BF4-57142A76D667}" dt="2024-05-28T15:26:23.835" v="25"/>
+          <pc:sldLayoutMkLst>
+            <pc:docMk/>
+            <pc:sldMasterMk cId="3814935715" sldId="2147483673"/>
+            <pc:sldLayoutMk cId="3780699032" sldId="2147483678"/>
+          </pc:sldLayoutMkLst>
+        </pc:sldLayoutChg>
+        <pc:sldLayoutChg chg="add del mod replId">
+          <pc:chgData name="Federico Saccani" userId="S::10700471@polimi.it::b6dd2c5c-0a47-4a0a-ae86-e0cc5a0bcfb7" providerId="AD" clId="Web-{3F17C0EF-3A61-04E4-3BF4-57142A76D667}" dt="2024-05-28T15:26:23.835" v="25"/>
+          <pc:sldLayoutMkLst>
+            <pc:docMk/>
+            <pc:sldMasterMk cId="3814935715" sldId="2147483673"/>
+            <pc:sldLayoutMk cId="12138549" sldId="2147483679"/>
+          </pc:sldLayoutMkLst>
+        </pc:sldLayoutChg>
+        <pc:sldLayoutChg chg="add del mod replId">
+          <pc:chgData name="Federico Saccani" userId="S::10700471@polimi.it::b6dd2c5c-0a47-4a0a-ae86-e0cc5a0bcfb7" providerId="AD" clId="Web-{3F17C0EF-3A61-04E4-3BF4-57142A76D667}" dt="2024-05-28T15:26:23.835" v="25"/>
+          <pc:sldLayoutMkLst>
+            <pc:docMk/>
+            <pc:sldMasterMk cId="3814935715" sldId="2147483673"/>
+            <pc:sldLayoutMk cId="3112064698" sldId="2147483680"/>
+          </pc:sldLayoutMkLst>
+        </pc:sldLayoutChg>
+        <pc:sldLayoutChg chg="add del mod replId">
+          <pc:chgData name="Federico Saccani" userId="S::10700471@polimi.it::b6dd2c5c-0a47-4a0a-ae86-e0cc5a0bcfb7" providerId="AD" clId="Web-{3F17C0EF-3A61-04E4-3BF4-57142A76D667}" dt="2024-05-28T15:26:23.835" v="25"/>
+          <pc:sldLayoutMkLst>
+            <pc:docMk/>
+            <pc:sldMasterMk cId="3814935715" sldId="2147483673"/>
+            <pc:sldLayoutMk cId="2738884598" sldId="2147483681"/>
+          </pc:sldLayoutMkLst>
+        </pc:sldLayoutChg>
+        <pc:sldLayoutChg chg="add del mod replId">
+          <pc:chgData name="Federico Saccani" userId="S::10700471@polimi.it::b6dd2c5c-0a47-4a0a-ae86-e0cc5a0bcfb7" providerId="AD" clId="Web-{3F17C0EF-3A61-04E4-3BF4-57142A76D667}" dt="2024-05-28T15:26:23.835" v="25"/>
+          <pc:sldLayoutMkLst>
+            <pc:docMk/>
+            <pc:sldMasterMk cId="3814935715" sldId="2147483673"/>
+            <pc:sldLayoutMk cId="325509284" sldId="2147483682"/>
+          </pc:sldLayoutMkLst>
+        </pc:sldLayoutChg>
+        <pc:sldLayoutChg chg="add del mod replId">
+          <pc:chgData name="Federico Saccani" userId="S::10700471@polimi.it::b6dd2c5c-0a47-4a0a-ae86-e0cc5a0bcfb7" providerId="AD" clId="Web-{3F17C0EF-3A61-04E4-3BF4-57142A76D667}" dt="2024-05-28T15:26:23.835" v="25"/>
+          <pc:sldLayoutMkLst>
+            <pc:docMk/>
+            <pc:sldMasterMk cId="3814935715" sldId="2147483673"/>
+            <pc:sldLayoutMk cId="2908132578" sldId="2147483683"/>
+          </pc:sldLayoutMkLst>
+        </pc:sldLayoutChg>
+        <pc:sldLayoutChg chg="add del mod replId">
+          <pc:chgData name="Federico Saccani" userId="S::10700471@polimi.it::b6dd2c5c-0a47-4a0a-ae86-e0cc5a0bcfb7" providerId="AD" clId="Web-{3F17C0EF-3A61-04E4-3BF4-57142A76D667}" dt="2024-05-28T15:26:23.835" v="25"/>
+          <pc:sldLayoutMkLst>
+            <pc:docMk/>
+            <pc:sldMasterMk cId="3814935715" sldId="2147483673"/>
+            <pc:sldLayoutMk cId="981166391" sldId="2147483684"/>
+          </pc:sldLayoutMkLst>
+        </pc:sldLayoutChg>
+      </pc:sldMasterChg>
+      <pc:sldMasterChg chg="add del addSldLayout delSldLayout modSldLayout">
+        <pc:chgData name="Federico Saccani" userId="S::10700471@polimi.it::b6dd2c5c-0a47-4a0a-ae86-e0cc5a0bcfb7" providerId="AD" clId="Web-{3F17C0EF-3A61-04E4-3BF4-57142A76D667}" dt="2024-05-28T15:28:04.117" v="34"/>
+        <pc:sldMasterMkLst>
+          <pc:docMk/>
+          <pc:sldMasterMk cId="3897303395" sldId="2147483686"/>
+        </pc:sldMasterMkLst>
+        <pc:sldLayoutChg chg="add del mod replId">
+          <pc:chgData name="Federico Saccani" userId="S::10700471@polimi.it::b6dd2c5c-0a47-4a0a-ae86-e0cc5a0bcfb7" providerId="AD" clId="Web-{3F17C0EF-3A61-04E4-3BF4-57142A76D667}" dt="2024-05-28T15:28:04.117" v="34"/>
+          <pc:sldLayoutMkLst>
+            <pc:docMk/>
+            <pc:sldMasterMk cId="3897303395" sldId="2147483686"/>
+            <pc:sldLayoutMk cId="2664630136" sldId="2147483687"/>
+          </pc:sldLayoutMkLst>
+        </pc:sldLayoutChg>
+        <pc:sldLayoutChg chg="add del mod replId">
+          <pc:chgData name="Federico Saccani" userId="S::10700471@polimi.it::b6dd2c5c-0a47-4a0a-ae86-e0cc5a0bcfb7" providerId="AD" clId="Web-{3F17C0EF-3A61-04E4-3BF4-57142A76D667}" dt="2024-05-28T15:28:04.117" v="34"/>
+          <pc:sldLayoutMkLst>
+            <pc:docMk/>
+            <pc:sldMasterMk cId="3897303395" sldId="2147483686"/>
+            <pc:sldLayoutMk cId="2337701399" sldId="2147483688"/>
+          </pc:sldLayoutMkLst>
+        </pc:sldLayoutChg>
+        <pc:sldLayoutChg chg="add del mod replId">
+          <pc:chgData name="Federico Saccani" userId="S::10700471@polimi.it::b6dd2c5c-0a47-4a0a-ae86-e0cc5a0bcfb7" providerId="AD" clId="Web-{3F17C0EF-3A61-04E4-3BF4-57142A76D667}" dt="2024-05-28T15:28:04.117" v="34"/>
+          <pc:sldLayoutMkLst>
+            <pc:docMk/>
+            <pc:sldMasterMk cId="3897303395" sldId="2147483686"/>
+            <pc:sldLayoutMk cId="1376037461" sldId="2147483689"/>
+          </pc:sldLayoutMkLst>
+        </pc:sldLayoutChg>
+        <pc:sldLayoutChg chg="add del mod replId">
+          <pc:chgData name="Federico Saccani" userId="S::10700471@polimi.it::b6dd2c5c-0a47-4a0a-ae86-e0cc5a0bcfb7" providerId="AD" clId="Web-{3F17C0EF-3A61-04E4-3BF4-57142A76D667}" dt="2024-05-28T15:28:04.117" v="34"/>
+          <pc:sldLayoutMkLst>
+            <pc:docMk/>
+            <pc:sldMasterMk cId="3897303395" sldId="2147483686"/>
+            <pc:sldLayoutMk cId="2086982511" sldId="2147483690"/>
+          </pc:sldLayoutMkLst>
+        </pc:sldLayoutChg>
+        <pc:sldLayoutChg chg="add del mod replId">
+          <pc:chgData name="Federico Saccani" userId="S::10700471@polimi.it::b6dd2c5c-0a47-4a0a-ae86-e0cc5a0bcfb7" providerId="AD" clId="Web-{3F17C0EF-3A61-04E4-3BF4-57142A76D667}" dt="2024-05-28T15:28:04.117" v="34"/>
+          <pc:sldLayoutMkLst>
+            <pc:docMk/>
+            <pc:sldMasterMk cId="3897303395" sldId="2147483686"/>
+            <pc:sldLayoutMk cId="3410621239" sldId="2147483691"/>
+          </pc:sldLayoutMkLst>
+        </pc:sldLayoutChg>
+        <pc:sldLayoutChg chg="add del mod replId">
+          <pc:chgData name="Federico Saccani" userId="S::10700471@polimi.it::b6dd2c5c-0a47-4a0a-ae86-e0cc5a0bcfb7" providerId="AD" clId="Web-{3F17C0EF-3A61-04E4-3BF4-57142A76D667}" dt="2024-05-28T15:28:04.117" v="34"/>
+          <pc:sldLayoutMkLst>
+            <pc:docMk/>
+            <pc:sldMasterMk cId="3897303395" sldId="2147483686"/>
+            <pc:sldLayoutMk cId="4106882134" sldId="2147483692"/>
+          </pc:sldLayoutMkLst>
+        </pc:sldLayoutChg>
+        <pc:sldLayoutChg chg="add del mod replId">
+          <pc:chgData name="Federico Saccani" userId="S::10700471@polimi.it::b6dd2c5c-0a47-4a0a-ae86-e0cc5a0bcfb7" providerId="AD" clId="Web-{3F17C0EF-3A61-04E4-3BF4-57142A76D667}" dt="2024-05-28T15:28:04.117" v="34"/>
+          <pc:sldLayoutMkLst>
+            <pc:docMk/>
+            <pc:sldMasterMk cId="3897303395" sldId="2147483686"/>
+            <pc:sldLayoutMk cId="2326870976" sldId="2147483693"/>
+          </pc:sldLayoutMkLst>
+        </pc:sldLayoutChg>
+        <pc:sldLayoutChg chg="add del mod replId">
+          <pc:chgData name="Federico Saccani" userId="S::10700471@polimi.it::b6dd2c5c-0a47-4a0a-ae86-e0cc5a0bcfb7" providerId="AD" clId="Web-{3F17C0EF-3A61-04E4-3BF4-57142A76D667}" dt="2024-05-28T15:28:04.117" v="34"/>
+          <pc:sldLayoutMkLst>
+            <pc:docMk/>
+            <pc:sldMasterMk cId="3897303395" sldId="2147483686"/>
+            <pc:sldLayoutMk cId="3854151780" sldId="2147483694"/>
+          </pc:sldLayoutMkLst>
+        </pc:sldLayoutChg>
+        <pc:sldLayoutChg chg="add del mod replId">
+          <pc:chgData name="Federico Saccani" userId="S::10700471@polimi.it::b6dd2c5c-0a47-4a0a-ae86-e0cc5a0bcfb7" providerId="AD" clId="Web-{3F17C0EF-3A61-04E4-3BF4-57142A76D667}" dt="2024-05-28T15:28:04.117" v="34"/>
+          <pc:sldLayoutMkLst>
+            <pc:docMk/>
+            <pc:sldMasterMk cId="3897303395" sldId="2147483686"/>
+            <pc:sldLayoutMk cId="2220701190" sldId="2147483695"/>
+          </pc:sldLayoutMkLst>
+        </pc:sldLayoutChg>
+        <pc:sldLayoutChg chg="add del mod replId">
+          <pc:chgData name="Federico Saccani" userId="S::10700471@polimi.it::b6dd2c5c-0a47-4a0a-ae86-e0cc5a0bcfb7" providerId="AD" clId="Web-{3F17C0EF-3A61-04E4-3BF4-57142A76D667}" dt="2024-05-28T15:28:04.117" v="34"/>
+          <pc:sldLayoutMkLst>
+            <pc:docMk/>
+            <pc:sldMasterMk cId="3897303395" sldId="2147483686"/>
+            <pc:sldLayoutMk cId="1045657295" sldId="2147483696"/>
+          </pc:sldLayoutMkLst>
+        </pc:sldLayoutChg>
+        <pc:sldLayoutChg chg="add del mod replId">
+          <pc:chgData name="Federico Saccani" userId="S::10700471@polimi.it::b6dd2c5c-0a47-4a0a-ae86-e0cc5a0bcfb7" providerId="AD" clId="Web-{3F17C0EF-3A61-04E4-3BF4-57142A76D667}" dt="2024-05-28T15:28:04.117" v="34"/>
+          <pc:sldLayoutMkLst>
+            <pc:docMk/>
+            <pc:sldMasterMk cId="3897303395" sldId="2147483686"/>
+            <pc:sldLayoutMk cId="2357373303" sldId="2147483697"/>
+          </pc:sldLayoutMkLst>
+        </pc:sldLayoutChg>
+        <pc:sldLayoutChg chg="add del mod replId">
+          <pc:chgData name="Federico Saccani" userId="S::10700471@polimi.it::b6dd2c5c-0a47-4a0a-ae86-e0cc5a0bcfb7" providerId="AD" clId="Web-{3F17C0EF-3A61-04E4-3BF4-57142A76D667}" dt="2024-05-28T15:28:04.117" v="34"/>
+          <pc:sldLayoutMkLst>
+            <pc:docMk/>
+            <pc:sldMasterMk cId="3897303395" sldId="2147483686"/>
+            <pc:sldLayoutMk cId="780869069" sldId="2147483698"/>
+          </pc:sldLayoutMkLst>
+        </pc:sldLayoutChg>
+      </pc:sldMasterChg>
+      <pc:sldMasterChg chg="add del addSldLayout delSldLayout modSldLayout">
+        <pc:chgData name="Federico Saccani" userId="S::10700471@polimi.it::b6dd2c5c-0a47-4a0a-ae86-e0cc5a0bcfb7" providerId="AD" clId="Web-{3F17C0EF-3A61-04E4-3BF4-57142A76D667}" dt="2024-05-28T15:27:58.992" v="33"/>
+        <pc:sldMasterMkLst>
+          <pc:docMk/>
+          <pc:sldMasterMk cId="3198721480" sldId="2147483699"/>
+        </pc:sldMasterMkLst>
+        <pc:sldLayoutChg chg="add del mod replId">
+          <pc:chgData name="Federico Saccani" userId="S::10700471@polimi.it::b6dd2c5c-0a47-4a0a-ae86-e0cc5a0bcfb7" providerId="AD" clId="Web-{3F17C0EF-3A61-04E4-3BF4-57142A76D667}" dt="2024-05-28T15:27:58.992" v="33"/>
+          <pc:sldLayoutMkLst>
+            <pc:docMk/>
+            <pc:sldMasterMk cId="3198721480" sldId="2147483699"/>
+            <pc:sldLayoutMk cId="3527865024" sldId="2147483700"/>
+          </pc:sldLayoutMkLst>
+        </pc:sldLayoutChg>
+        <pc:sldLayoutChg chg="add del mod replId">
+          <pc:chgData name="Federico Saccani" userId="S::10700471@polimi.it::b6dd2c5c-0a47-4a0a-ae86-e0cc5a0bcfb7" providerId="AD" clId="Web-{3F17C0EF-3A61-04E4-3BF4-57142A76D667}" dt="2024-05-28T15:27:58.992" v="33"/>
+          <pc:sldLayoutMkLst>
+            <pc:docMk/>
+            <pc:sldMasterMk cId="3198721480" sldId="2147483699"/>
+            <pc:sldLayoutMk cId="897431232" sldId="2147483701"/>
+          </pc:sldLayoutMkLst>
+        </pc:sldLayoutChg>
+        <pc:sldLayoutChg chg="add del mod replId">
+          <pc:chgData name="Federico Saccani" userId="S::10700471@polimi.it::b6dd2c5c-0a47-4a0a-ae86-e0cc5a0bcfb7" providerId="AD" clId="Web-{3F17C0EF-3A61-04E4-3BF4-57142A76D667}" dt="2024-05-28T15:27:58.992" v="33"/>
+          <pc:sldLayoutMkLst>
+            <pc:docMk/>
+            <pc:sldMasterMk cId="3198721480" sldId="2147483699"/>
+            <pc:sldLayoutMk cId="800192285" sldId="2147483702"/>
+          </pc:sldLayoutMkLst>
+        </pc:sldLayoutChg>
+        <pc:sldLayoutChg chg="add del mod replId">
+          <pc:chgData name="Federico Saccani" userId="S::10700471@polimi.it::b6dd2c5c-0a47-4a0a-ae86-e0cc5a0bcfb7" providerId="AD" clId="Web-{3F17C0EF-3A61-04E4-3BF4-57142A76D667}" dt="2024-05-28T15:27:58.992" v="33"/>
+          <pc:sldLayoutMkLst>
+            <pc:docMk/>
+            <pc:sldMasterMk cId="3198721480" sldId="2147483699"/>
+            <pc:sldLayoutMk cId="107822231" sldId="2147483703"/>
+          </pc:sldLayoutMkLst>
+        </pc:sldLayoutChg>
+        <pc:sldLayoutChg chg="add del mod replId">
+          <pc:chgData name="Federico Saccani" userId="S::10700471@polimi.it::b6dd2c5c-0a47-4a0a-ae86-e0cc5a0bcfb7" providerId="AD" clId="Web-{3F17C0EF-3A61-04E4-3BF4-57142A76D667}" dt="2024-05-28T15:27:58.992" v="33"/>
+          <pc:sldLayoutMkLst>
+            <pc:docMk/>
+            <pc:sldMasterMk cId="3198721480" sldId="2147483699"/>
+            <pc:sldLayoutMk cId="3099208364" sldId="2147483704"/>
+          </pc:sldLayoutMkLst>
+        </pc:sldLayoutChg>
+        <pc:sldLayoutChg chg="add del mod replId">
+          <pc:chgData name="Federico Saccani" userId="S::10700471@polimi.it::b6dd2c5c-0a47-4a0a-ae86-e0cc5a0bcfb7" providerId="AD" clId="Web-{3F17C0EF-3A61-04E4-3BF4-57142A76D667}" dt="2024-05-28T15:27:58.992" v="33"/>
+          <pc:sldLayoutMkLst>
+            <pc:docMk/>
+            <pc:sldMasterMk cId="3198721480" sldId="2147483699"/>
+            <pc:sldLayoutMk cId="2752525665" sldId="2147483705"/>
+          </pc:sldLayoutMkLst>
+        </pc:sldLayoutChg>
+        <pc:sldLayoutChg chg="add del mod replId">
+          <pc:chgData name="Federico Saccani" userId="S::10700471@polimi.it::b6dd2c5c-0a47-4a0a-ae86-e0cc5a0bcfb7" providerId="AD" clId="Web-{3F17C0EF-3A61-04E4-3BF4-57142A76D667}" dt="2024-05-28T15:27:58.992" v="33"/>
+          <pc:sldLayoutMkLst>
+            <pc:docMk/>
+            <pc:sldMasterMk cId="3198721480" sldId="2147483699"/>
+            <pc:sldLayoutMk cId="4143020470" sldId="2147483706"/>
+          </pc:sldLayoutMkLst>
+        </pc:sldLayoutChg>
+        <pc:sldLayoutChg chg="add del mod replId">
+          <pc:chgData name="Federico Saccani" userId="S::10700471@polimi.it::b6dd2c5c-0a47-4a0a-ae86-e0cc5a0bcfb7" providerId="AD" clId="Web-{3F17C0EF-3A61-04E4-3BF4-57142A76D667}" dt="2024-05-28T15:27:58.992" v="33"/>
+          <pc:sldLayoutMkLst>
+            <pc:docMk/>
+            <pc:sldMasterMk cId="3198721480" sldId="2147483699"/>
+            <pc:sldLayoutMk cId="2285168922" sldId="2147483707"/>
+          </pc:sldLayoutMkLst>
+        </pc:sldLayoutChg>
+        <pc:sldLayoutChg chg="add del mod replId">
+          <pc:chgData name="Federico Saccani" userId="S::10700471@polimi.it::b6dd2c5c-0a47-4a0a-ae86-e0cc5a0bcfb7" providerId="AD" clId="Web-{3F17C0EF-3A61-04E4-3BF4-57142A76D667}" dt="2024-05-28T15:27:58.992" v="33"/>
+          <pc:sldLayoutMkLst>
+            <pc:docMk/>
+            <pc:sldMasterMk cId="3198721480" sldId="2147483699"/>
+            <pc:sldLayoutMk cId="149985980" sldId="2147483708"/>
+          </pc:sldLayoutMkLst>
+        </pc:sldLayoutChg>
+        <pc:sldLayoutChg chg="add del mod replId">
+          <pc:chgData name="Federico Saccani" userId="S::10700471@polimi.it::b6dd2c5c-0a47-4a0a-ae86-e0cc5a0bcfb7" providerId="AD" clId="Web-{3F17C0EF-3A61-04E4-3BF4-57142A76D667}" dt="2024-05-28T15:27:58.992" v="33"/>
+          <pc:sldLayoutMkLst>
+            <pc:docMk/>
+            <pc:sldMasterMk cId="3198721480" sldId="2147483699"/>
+            <pc:sldLayoutMk cId="2230954205" sldId="2147483709"/>
+          </pc:sldLayoutMkLst>
+        </pc:sldLayoutChg>
+        <pc:sldLayoutChg chg="add del mod replId">
+          <pc:chgData name="Federico Saccani" userId="S::10700471@polimi.it::b6dd2c5c-0a47-4a0a-ae86-e0cc5a0bcfb7" providerId="AD" clId="Web-{3F17C0EF-3A61-04E4-3BF4-57142A76D667}" dt="2024-05-28T15:27:58.992" v="33"/>
+          <pc:sldLayoutMkLst>
+            <pc:docMk/>
+            <pc:sldMasterMk cId="3198721480" sldId="2147483699"/>
+            <pc:sldLayoutMk cId="1311888848" sldId="2147483710"/>
+          </pc:sldLayoutMkLst>
+        </pc:sldLayoutChg>
+        <pc:sldLayoutChg chg="add del mod replId">
+          <pc:chgData name="Federico Saccani" userId="S::10700471@polimi.it::b6dd2c5c-0a47-4a0a-ae86-e0cc5a0bcfb7" providerId="AD" clId="Web-{3F17C0EF-3A61-04E4-3BF4-57142A76D667}" dt="2024-05-28T15:27:58.992" v="33"/>
+          <pc:sldLayoutMkLst>
+            <pc:docMk/>
+            <pc:sldMasterMk cId="3198721480" sldId="2147483699"/>
+            <pc:sldLayoutMk cId="227476349" sldId="2147483711"/>
+          </pc:sldLayoutMkLst>
+        </pc:sldLayoutChg>
+      </pc:sldMasterChg>
+      <pc:sldMasterChg chg="add del addSldLayout delSldLayout modSldLayout">
+        <pc:chgData name="Federico Saccani" userId="S::10700471@polimi.it::b6dd2c5c-0a47-4a0a-ae86-e0cc5a0bcfb7" providerId="AD" clId="Web-{3F17C0EF-3A61-04E4-3BF4-57142A76D667}" dt="2024-05-28T15:27:56.883" v="32"/>
+        <pc:sldMasterMkLst>
+          <pc:docMk/>
+          <pc:sldMasterMk cId="858817852" sldId="2147483712"/>
+        </pc:sldMasterMkLst>
+        <pc:sldLayoutChg chg="add del mod replId">
+          <pc:chgData name="Federico Saccani" userId="S::10700471@polimi.it::b6dd2c5c-0a47-4a0a-ae86-e0cc5a0bcfb7" providerId="AD" clId="Web-{3F17C0EF-3A61-04E4-3BF4-57142A76D667}" dt="2024-05-28T15:27:56.883" v="32"/>
+          <pc:sldLayoutMkLst>
+            <pc:docMk/>
+            <pc:sldMasterMk cId="858817852" sldId="2147483712"/>
+            <pc:sldLayoutMk cId="895126073" sldId="2147483713"/>
+          </pc:sldLayoutMkLst>
+        </pc:sldLayoutChg>
+        <pc:sldLayoutChg chg="add del mod replId">
+          <pc:chgData name="Federico Saccani" userId="S::10700471@polimi.it::b6dd2c5c-0a47-4a0a-ae86-e0cc5a0bcfb7" providerId="AD" clId="Web-{3F17C0EF-3A61-04E4-3BF4-57142A76D667}" dt="2024-05-28T15:27:56.883" v="32"/>
+          <pc:sldLayoutMkLst>
+            <pc:docMk/>
+            <pc:sldMasterMk cId="858817852" sldId="2147483712"/>
+            <pc:sldLayoutMk cId="1355497789" sldId="2147483714"/>
+          </pc:sldLayoutMkLst>
+        </pc:sldLayoutChg>
+        <pc:sldLayoutChg chg="add del mod replId">
+          <pc:chgData name="Federico Saccani" userId="S::10700471@polimi.it::b6dd2c5c-0a47-4a0a-ae86-e0cc5a0bcfb7" providerId="AD" clId="Web-{3F17C0EF-3A61-04E4-3BF4-57142A76D667}" dt="2024-05-28T15:27:56.883" v="32"/>
+          <pc:sldLayoutMkLst>
+            <pc:docMk/>
+            <pc:sldMasterMk cId="858817852" sldId="2147483712"/>
+            <pc:sldLayoutMk cId="1427840251" sldId="2147483715"/>
+          </pc:sldLayoutMkLst>
+        </pc:sldLayoutChg>
+        <pc:sldLayoutChg chg="add del mod replId">
+          <pc:chgData name="Federico Saccani" userId="S::10700471@polimi.it::b6dd2c5c-0a47-4a0a-ae86-e0cc5a0bcfb7" providerId="AD" clId="Web-{3F17C0EF-3A61-04E4-3BF4-57142A76D667}" dt="2024-05-28T15:27:56.883" v="32"/>
+          <pc:sldLayoutMkLst>
+            <pc:docMk/>
+            <pc:sldMasterMk cId="858817852" sldId="2147483712"/>
+            <pc:sldLayoutMk cId="2366797711" sldId="2147483716"/>
+          </pc:sldLayoutMkLst>
+        </pc:sldLayoutChg>
+        <pc:sldLayoutChg chg="add del mod replId">
+          <pc:chgData name="Federico Saccani" userId="S::10700471@polimi.it::b6dd2c5c-0a47-4a0a-ae86-e0cc5a0bcfb7" providerId="AD" clId="Web-{3F17C0EF-3A61-04E4-3BF4-57142A76D667}" dt="2024-05-28T15:27:56.883" v="32"/>
+          <pc:sldLayoutMkLst>
+            <pc:docMk/>
+            <pc:sldMasterMk cId="858817852" sldId="2147483712"/>
+            <pc:sldLayoutMk cId="912108308" sldId="2147483717"/>
+          </pc:sldLayoutMkLst>
+        </pc:sldLayoutChg>
+        <pc:sldLayoutChg chg="add del mod replId">
+          <pc:chgData name="Federico Saccani" userId="S::10700471@polimi.it::b6dd2c5c-0a47-4a0a-ae86-e0cc5a0bcfb7" providerId="AD" clId="Web-{3F17C0EF-3A61-04E4-3BF4-57142A76D667}" dt="2024-05-28T15:27:56.883" v="32"/>
+          <pc:sldLayoutMkLst>
+            <pc:docMk/>
+            <pc:sldMasterMk cId="858817852" sldId="2147483712"/>
+            <pc:sldLayoutMk cId="2604557684" sldId="2147483718"/>
+          </pc:sldLayoutMkLst>
+        </pc:sldLayoutChg>
+        <pc:sldLayoutChg chg="add del mod replId">
+          <pc:chgData name="Federico Saccani" userId="S::10700471@polimi.it::b6dd2c5c-0a47-4a0a-ae86-e0cc5a0bcfb7" providerId="AD" clId="Web-{3F17C0EF-3A61-04E4-3BF4-57142A76D667}" dt="2024-05-28T15:27:56.883" v="32"/>
+          <pc:sldLayoutMkLst>
+            <pc:docMk/>
+            <pc:sldMasterMk cId="858817852" sldId="2147483712"/>
+            <pc:sldLayoutMk cId="2693136397" sldId="2147483719"/>
+          </pc:sldLayoutMkLst>
+        </pc:sldLayoutChg>
+        <pc:sldLayoutChg chg="add del mod replId">
+          <pc:chgData name="Federico Saccani" userId="S::10700471@polimi.it::b6dd2c5c-0a47-4a0a-ae86-e0cc5a0bcfb7" providerId="AD" clId="Web-{3F17C0EF-3A61-04E4-3BF4-57142A76D667}" dt="2024-05-28T15:27:56.883" v="32"/>
+          <pc:sldLayoutMkLst>
+            <pc:docMk/>
+            <pc:sldMasterMk cId="858817852" sldId="2147483712"/>
+            <pc:sldLayoutMk cId="2418881323" sldId="2147483720"/>
+          </pc:sldLayoutMkLst>
+        </pc:sldLayoutChg>
+        <pc:sldLayoutChg chg="add del mod replId">
+          <pc:chgData name="Federico Saccani" userId="S::10700471@polimi.it::b6dd2c5c-0a47-4a0a-ae86-e0cc5a0bcfb7" providerId="AD" clId="Web-{3F17C0EF-3A61-04E4-3BF4-57142A76D667}" dt="2024-05-28T15:27:56.883" v="32"/>
+          <pc:sldLayoutMkLst>
+            <pc:docMk/>
+            <pc:sldMasterMk cId="858817852" sldId="2147483712"/>
+            <pc:sldLayoutMk cId="517793146" sldId="2147483721"/>
+          </pc:sldLayoutMkLst>
+        </pc:sldLayoutChg>
+        <pc:sldLayoutChg chg="add del mod replId">
+          <pc:chgData name="Federico Saccani" userId="S::10700471@polimi.it::b6dd2c5c-0a47-4a0a-ae86-e0cc5a0bcfb7" providerId="AD" clId="Web-{3F17C0EF-3A61-04E4-3BF4-57142A76D667}" dt="2024-05-28T15:27:56.883" v="32"/>
+          <pc:sldLayoutMkLst>
+            <pc:docMk/>
+            <pc:sldMasterMk cId="858817852" sldId="2147483712"/>
+            <pc:sldLayoutMk cId="3870932949" sldId="2147483722"/>
+          </pc:sldLayoutMkLst>
+        </pc:sldLayoutChg>
+        <pc:sldLayoutChg chg="add del mod replId">
+          <pc:chgData name="Federico Saccani" userId="S::10700471@polimi.it::b6dd2c5c-0a47-4a0a-ae86-e0cc5a0bcfb7" providerId="AD" clId="Web-{3F17C0EF-3A61-04E4-3BF4-57142A76D667}" dt="2024-05-28T15:27:56.883" v="32"/>
+          <pc:sldLayoutMkLst>
+            <pc:docMk/>
+            <pc:sldMasterMk cId="858817852" sldId="2147483712"/>
+            <pc:sldLayoutMk cId="874073671" sldId="2147483723"/>
+          </pc:sldLayoutMkLst>
+        </pc:sldLayoutChg>
+        <pc:sldLayoutChg chg="add del mod replId">
+          <pc:chgData name="Federico Saccani" userId="S::10700471@polimi.it::b6dd2c5c-0a47-4a0a-ae86-e0cc5a0bcfb7" providerId="AD" clId="Web-{3F17C0EF-3A61-04E4-3BF4-57142A76D667}" dt="2024-05-28T15:27:56.883" v="32"/>
+          <pc:sldLayoutMkLst>
+            <pc:docMk/>
+            <pc:sldMasterMk cId="858817852" sldId="2147483712"/>
+            <pc:sldLayoutMk cId="2734879479" sldId="2147483724"/>
+          </pc:sldLayoutMkLst>
+        </pc:sldLayoutChg>
+      </pc:sldMasterChg>
+    </pc:docChg>
+  </pc:docChgLst>
+  <pc:docChgLst>
+    <pc:chgData name="Francesco Spangaro" userId="S::10734844@polimi.it::ba3753b7-8d44-4270-9361-938b439740f0" providerId="AD" clId="Web-{A40869C7-C539-7437-8096-3DF922CC132D}"/>
+    <pc:docChg chg="modSld">
+      <pc:chgData name="Francesco Spangaro" userId="S::10734844@polimi.it::ba3753b7-8d44-4270-9361-938b439740f0" providerId="AD" clId="Web-{A40869C7-C539-7437-8096-3DF922CC132D}" dt="2024-05-25T08:51:25.085" v="283" actId="14100"/>
+      <pc:docMkLst>
+        <pc:docMk/>
+      </pc:docMkLst>
+      <pc:sldChg chg="modSp">
+        <pc:chgData name="Francesco Spangaro" userId="S::10734844@polimi.it::ba3753b7-8d44-4270-9361-938b439740f0" providerId="AD" clId="Web-{A40869C7-C539-7437-8096-3DF922CC132D}" dt="2024-05-25T08:50:16.344" v="271" actId="14100"/>
+        <pc:sldMkLst>
+          <pc:docMk/>
+          <pc:sldMk cId="941844537" sldId="257"/>
+        </pc:sldMkLst>
+        <pc:spChg chg="mod">
+          <ac:chgData name="Francesco Spangaro" userId="S::10734844@polimi.it::ba3753b7-8d44-4270-9361-938b439740f0" providerId="AD" clId="Web-{A40869C7-C539-7437-8096-3DF922CC132D}" dt="2024-05-25T08:48:07.561" v="142" actId="1076"/>
+          <ac:spMkLst>
+            <pc:docMk/>
+            <pc:sldMk cId="941844537" sldId="257"/>
+            <ac:spMk id="2" creationId="{E303BE9B-37ED-298D-882B-DAE33B6F4399}"/>
+          </ac:spMkLst>
+        </pc:spChg>
+        <pc:spChg chg="mod">
+          <ac:chgData name="Francesco Spangaro" userId="S::10734844@polimi.it::ba3753b7-8d44-4270-9361-938b439740f0" providerId="AD" clId="Web-{A40869C7-C539-7437-8096-3DF922CC132D}" dt="2024-05-25T08:50:16.344" v="271" actId="14100"/>
+          <ac:spMkLst>
+            <pc:docMk/>
+            <pc:sldMk cId="941844537" sldId="257"/>
+            <ac:spMk id="8" creationId="{5B21954A-A97A-1E68-23D6-B82344955A7B}"/>
+          </ac:spMkLst>
+        </pc:spChg>
+      </pc:sldChg>
+      <pc:sldChg chg="modSp">
+        <pc:chgData name="Francesco Spangaro" userId="S::10734844@polimi.it::ba3753b7-8d44-4270-9361-938b439740f0" providerId="AD" clId="Web-{A40869C7-C539-7437-8096-3DF922CC132D}" dt="2024-05-25T08:47:48.795" v="140" actId="20577"/>
+        <pc:sldMkLst>
+          <pc:docMk/>
+          <pc:sldMk cId="1966376482" sldId="262"/>
+        </pc:sldMkLst>
+        <pc:spChg chg="mod">
+          <ac:chgData name="Francesco Spangaro" userId="S::10734844@polimi.it::ba3753b7-8d44-4270-9361-938b439740f0" providerId="AD" clId="Web-{A40869C7-C539-7437-8096-3DF922CC132D}" dt="2024-05-25T08:47:26.420" v="126" actId="20577"/>
+          <ac:spMkLst>
+            <pc:docMk/>
+            <pc:sldMk cId="1966376482" sldId="262"/>
+            <ac:spMk id="2" creationId="{E303BE9B-37ED-298D-882B-DAE33B6F4399}"/>
+          </ac:spMkLst>
+        </pc:spChg>
+        <pc:spChg chg="mod">
+          <ac:chgData name="Francesco Spangaro" userId="S::10734844@polimi.it::ba3753b7-8d44-4270-9361-938b439740f0" providerId="AD" clId="Web-{A40869C7-C539-7437-8096-3DF922CC132D}" dt="2024-05-25T08:47:47.436" v="139" actId="20577"/>
+          <ac:spMkLst>
+            <pc:docMk/>
+            <pc:sldMk cId="1966376482" sldId="262"/>
+            <ac:spMk id="8" creationId="{89D68277-2298-A254-A7C0-B76A0A5C6C98}"/>
+          </ac:spMkLst>
+        </pc:spChg>
+        <pc:spChg chg="mod">
+          <ac:chgData name="Francesco Spangaro" userId="S::10734844@polimi.it::ba3753b7-8d44-4270-9361-938b439740f0" providerId="AD" clId="Web-{A40869C7-C539-7437-8096-3DF922CC132D}" dt="2024-05-25T08:47:48.795" v="140" actId="20577"/>
+          <ac:spMkLst>
+            <pc:docMk/>
+            <pc:sldMk cId="1966376482" sldId="262"/>
+            <ac:spMk id="29" creationId="{4F0108EB-231D-76FB-7058-43F2BDEA6767}"/>
+          </ac:spMkLst>
+        </pc:spChg>
+        <pc:spChg chg="mod">
+          <ac:chgData name="Francesco Spangaro" userId="S::10734844@polimi.it::ba3753b7-8d44-4270-9361-938b439740f0" providerId="AD" clId="Web-{A40869C7-C539-7437-8096-3DF922CC132D}" dt="2024-05-25T08:47:32.264" v="135" actId="20577"/>
+          <ac:spMkLst>
+            <pc:docMk/>
+            <pc:sldMk cId="1966376482" sldId="262"/>
+            <ac:spMk id="39" creationId="{6B86AA07-7522-DD5E-8717-9B9A423A1584}"/>
+          </ac:spMkLst>
+        </pc:spChg>
+      </pc:sldChg>
+      <pc:sldChg chg="addSp delSp modSp addAnim">
+        <pc:chgData name="Francesco Spangaro" userId="S::10734844@polimi.it::ba3753b7-8d44-4270-9361-938b439740f0" providerId="AD" clId="Web-{A40869C7-C539-7437-8096-3DF922CC132D}" dt="2024-05-25T08:46:41.326" v="119" actId="20577"/>
+        <pc:sldMkLst>
+          <pc:docMk/>
+          <pc:sldMk cId="2710985118" sldId="263"/>
+        </pc:sldMkLst>
+        <pc:spChg chg="mod">
+          <ac:chgData name="Francesco Spangaro" userId="S::10734844@polimi.it::ba3753b7-8d44-4270-9361-938b439740f0" providerId="AD" clId="Web-{A40869C7-C539-7437-8096-3DF922CC132D}" dt="2024-05-25T08:44:50.996" v="85" actId="1076"/>
+          <ac:spMkLst>
+            <pc:docMk/>
+            <pc:sldMk cId="2710985118" sldId="263"/>
+            <ac:spMk id="2" creationId="{E303BE9B-37ED-298D-882B-DAE33B6F4399}"/>
+          </ac:spMkLst>
+        </pc:spChg>
+        <pc:spChg chg="add del mod">
+          <ac:chgData name="Francesco Spangaro" userId="S::10734844@polimi.it::ba3753b7-8d44-4270-9361-938b439740f0" providerId="AD" clId="Web-{A40869C7-C539-7437-8096-3DF922CC132D}" dt="2024-05-25T08:42:21.541" v="65"/>
+          <ac:spMkLst>
+            <pc:docMk/>
+            <pc:sldMk cId="2710985118" sldId="263"/>
+            <ac:spMk id="6" creationId="{260690D9-64A0-BAF2-E74A-9864C368D34A}"/>
+          </ac:spMkLst>
+        </pc:spChg>
+        <pc:spChg chg="add mod">
+          <ac:chgData name="Francesco Spangaro" userId="S::10734844@polimi.it::ba3753b7-8d44-4270-9361-938b439740f0" providerId="AD" clId="Web-{A40869C7-C539-7437-8096-3DF922CC132D}" dt="2024-05-25T08:46:36.701" v="115" actId="20577"/>
+          <ac:spMkLst>
+            <pc:docMk/>
+            <pc:sldMk cId="2710985118" sldId="263"/>
+            <ac:spMk id="6" creationId="{7FA3137C-CEE4-E478-F866-6E806E319BAD}"/>
+          </ac:spMkLst>
+        </pc:spChg>
+        <pc:spChg chg="add mod">
+          <ac:chgData name="Francesco Spangaro" userId="S::10734844@polimi.it::ba3753b7-8d44-4270-9361-938b439740f0" providerId="AD" clId="Web-{A40869C7-C539-7437-8096-3DF922CC132D}" dt="2024-05-25T08:46:41.326" v="119" actId="20577"/>
+          <ac:spMkLst>
+            <pc:docMk/>
+            <pc:sldMk cId="2710985118" sldId="263"/>
+            <ac:spMk id="11" creationId="{1C50486A-66AE-7CCA-4A7F-596371763265}"/>
+          </ac:spMkLst>
+        </pc:spChg>
+        <pc:spChg chg="add mod">
+          <ac:chgData name="Francesco Spangaro" userId="S::10734844@polimi.it::ba3753b7-8d44-4270-9361-938b439740f0" providerId="AD" clId="Web-{A40869C7-C539-7437-8096-3DF922CC132D}" dt="2024-05-25T08:46:33.404" v="111" actId="20577"/>
+          <ac:spMkLst>
+            <pc:docMk/>
+            <pc:sldMk cId="2710985118" sldId="263"/>
+            <ac:spMk id="14" creationId="{B198961A-C2EB-BE8D-55A9-1377D2C60411}"/>
+          </ac:spMkLst>
+        </pc:spChg>
+        <pc:spChg chg="mod">
+          <ac:chgData name="Francesco Spangaro" userId="S::10734844@polimi.it::ba3753b7-8d44-4270-9361-938b439740f0" providerId="AD" clId="Web-{A40869C7-C539-7437-8096-3DF922CC132D}" dt="2024-05-25T08:43:19.011" v="76" actId="20577"/>
+          <ac:spMkLst>
+            <pc:docMk/>
+            <pc:sldMk cId="2710985118" sldId="263"/>
+            <ac:spMk id="27" creationId="{FE4EE16F-FB65-57EA-6CBA-78309E3D9544}"/>
+          </ac:spMkLst>
+        </pc:spChg>
+        <pc:spChg chg="mod">
+          <ac:chgData name="Francesco Spangaro" userId="S::10734844@polimi.it::ba3753b7-8d44-4270-9361-938b439740f0" providerId="AD" clId="Web-{A40869C7-C539-7437-8096-3DF922CC132D}" dt="2024-05-25T08:44:22.277" v="82" actId="1076"/>
+          <ac:spMkLst>
+            <pc:docMk/>
+            <pc:sldMk cId="2710985118" sldId="263"/>
+            <ac:spMk id="28" creationId="{C76CEBCD-3059-EFCC-D639-F18417FE10EC}"/>
+          </ac:spMkLst>
+        </pc:spChg>
+        <pc:spChg chg="mod">
+          <ac:chgData name="Francesco Spangaro" userId="S::10734844@polimi.it::ba3753b7-8d44-4270-9361-938b439740f0" providerId="AD" clId="Web-{A40869C7-C539-7437-8096-3DF922CC132D}" dt="2024-05-25T08:42:02.713" v="50" actId="1076"/>
+          <ac:spMkLst>
+            <pc:docMk/>
+            <pc:sldMk cId="2710985118" sldId="263"/>
+            <ac:spMk id="46" creationId="{7D9DF06A-C3FA-3A28-B95A-222453A448E6}"/>
+          </ac:spMkLst>
+        </pc:spChg>
+        <pc:spChg chg="mod">
+          <ac:chgData name="Francesco Spangaro" userId="S::10734844@polimi.it::ba3753b7-8d44-4270-9361-938b439740f0" providerId="AD" clId="Web-{A40869C7-C539-7437-8096-3DF922CC132D}" dt="2024-05-25T08:41:52.775" v="47" actId="1076"/>
+          <ac:spMkLst>
+            <pc:docMk/>
+            <pc:sldMk cId="2710985118" sldId="263"/>
+            <ac:spMk id="47" creationId="{FEC5AA98-9D3A-DF1C-8B90-3D54E2AFD1E9}"/>
+          </ac:spMkLst>
+        </pc:spChg>
+        <pc:grpChg chg="mod">
+          <ac:chgData name="Francesco Spangaro" userId="S::10734844@polimi.it::ba3753b7-8d44-4270-9361-938b439740f0" providerId="AD" clId="Web-{A40869C7-C539-7437-8096-3DF922CC132D}" dt="2024-05-25T08:43:46.730" v="78" actId="1076"/>
+          <ac:grpSpMkLst>
+            <pc:docMk/>
+            <pc:sldMk cId="2710985118" sldId="263"/>
+            <ac:grpSpMk id="25" creationId="{9E9CAD46-A56B-90AA-6DE2-1978DE7BDE38}"/>
+          </ac:grpSpMkLst>
+        </pc:grpChg>
+        <pc:grpChg chg="mod">
+          <ac:chgData name="Francesco Spangaro" userId="S::10734844@polimi.it::ba3753b7-8d44-4270-9361-938b439740f0" providerId="AD" clId="Web-{A40869C7-C539-7437-8096-3DF922CC132D}" dt="2024-05-25T08:41:58.572" v="49" actId="14100"/>
+          <ac:grpSpMkLst>
+            <pc:docMk/>
+            <pc:sldMk cId="2710985118" sldId="263"/>
+            <ac:grpSpMk id="44" creationId="{FE770B73-40F0-E2EA-73A8-9EF2FBB08701}"/>
+          </ac:grpSpMkLst>
+        </pc:grpChg>
+      </pc:sldChg>
+      <pc:sldChg chg="modSp">
+        <pc:chgData name="Francesco Spangaro" userId="S::10734844@polimi.it::ba3753b7-8d44-4270-9361-938b439740f0" providerId="AD" clId="Web-{A40869C7-C539-7437-8096-3DF922CC132D}" dt="2024-05-25T08:47:15.717" v="123" actId="20577"/>
+        <pc:sldMkLst>
+          <pc:docMk/>
+          <pc:sldMk cId="4190760898" sldId="264"/>
+        </pc:sldMkLst>
+        <pc:spChg chg="mod">
+          <ac:chgData name="Francesco Spangaro" userId="S::10734844@polimi.it::ba3753b7-8d44-4270-9361-938b439740f0" providerId="AD" clId="Web-{A40869C7-C539-7437-8096-3DF922CC132D}" dt="2024-05-25T08:47:15.717" v="123" actId="20577"/>
+          <ac:spMkLst>
+            <pc:docMk/>
+            <pc:sldMk cId="4190760898" sldId="264"/>
+            <ac:spMk id="2" creationId="{E303BE9B-37ED-298D-882B-DAE33B6F4399}"/>
+          </ac:spMkLst>
+        </pc:spChg>
+      </pc:sldChg>
+      <pc:sldChg chg="addSp delSp modSp addAnim delAnim">
+        <pc:chgData name="Francesco Spangaro" userId="S::10734844@polimi.it::ba3753b7-8d44-4270-9361-938b439740f0" providerId="AD" clId="Web-{A40869C7-C539-7437-8096-3DF922CC132D}" dt="2024-05-25T08:40:19.446" v="13" actId="20577"/>
+        <pc:sldMkLst>
+          <pc:docMk/>
+          <pc:sldMk cId="647797854" sldId="267"/>
+        </pc:sldMkLst>
+        <pc:spChg chg="add del mod">
+          <ac:chgData name="Francesco Spangaro" userId="S::10734844@polimi.it::ba3753b7-8d44-4270-9361-938b439740f0" providerId="AD" clId="Web-{A40869C7-C539-7437-8096-3DF922CC132D}" dt="2024-05-25T08:40:14.462" v="11" actId="20577"/>
+          <ac:spMkLst>
+            <pc:docMk/>
+            <pc:sldMk cId="647797854" sldId="267"/>
+            <ac:spMk id="25" creationId="{8FABCE63-6BDA-7A02-A850-170DE5347418}"/>
+          </ac:spMkLst>
+        </pc:spChg>
+        <pc:spChg chg="mod">
+          <ac:chgData name="Francesco Spangaro" userId="S::10734844@polimi.it::ba3753b7-8d44-4270-9361-938b439740f0" providerId="AD" clId="Web-{A40869C7-C539-7437-8096-3DF922CC132D}" dt="2024-05-25T08:40:19.446" v="13" actId="20577"/>
+          <ac:spMkLst>
+            <pc:docMk/>
+            <pc:sldMk cId="647797854" sldId="267"/>
+            <ac:spMk id="26" creationId="{2F3C734E-DF9E-C191-3E5B-5FFD983D8AF9}"/>
+          </ac:spMkLst>
+        </pc:spChg>
+      </pc:sldChg>
+      <pc:sldChg chg="modSp">
+        <pc:chgData name="Francesco Spangaro" userId="S::10734844@polimi.it::ba3753b7-8d44-4270-9361-938b439740f0" providerId="AD" clId="Web-{A40869C7-C539-7437-8096-3DF922CC132D}" dt="2024-05-25T08:51:25.085" v="283" actId="14100"/>
+        <pc:sldMkLst>
+          <pc:docMk/>
+          <pc:sldMk cId="3955156056" sldId="270"/>
+        </pc:sldMkLst>
+        <pc:spChg chg="mod">
+          <ac:chgData name="Francesco Spangaro" userId="S::10734844@polimi.it::ba3753b7-8d44-4270-9361-938b439740f0" providerId="AD" clId="Web-{A40869C7-C539-7437-8096-3DF922CC132D}" dt="2024-05-25T08:51:03.782" v="272" actId="1076"/>
+          <ac:spMkLst>
+            <pc:docMk/>
+            <pc:sldMk cId="3955156056" sldId="270"/>
+            <ac:spMk id="12" creationId="{71C9CD5F-D430-28D4-34D8-CC20B7CBFE4A}"/>
+          </ac:spMkLst>
+        </pc:spChg>
+        <pc:spChg chg="mod">
+          <ac:chgData name="Francesco Spangaro" userId="S::10734844@polimi.it::ba3753b7-8d44-4270-9361-938b439740f0" providerId="AD" clId="Web-{A40869C7-C539-7437-8096-3DF922CC132D}" dt="2024-05-25T08:51:13.141" v="278" actId="20577"/>
+          <ac:spMkLst>
+            <pc:docMk/>
+            <pc:sldMk cId="3955156056" sldId="270"/>
+            <ac:spMk id="20" creationId="{59777933-561B-1433-AA60-E7EF427F75F7}"/>
+          </ac:spMkLst>
+        </pc:spChg>
+        <pc:spChg chg="mod">
+          <ac:chgData name="Francesco Spangaro" userId="S::10734844@polimi.it::ba3753b7-8d44-4270-9361-938b439740f0" providerId="AD" clId="Web-{A40869C7-C539-7437-8096-3DF922CC132D}" dt="2024-05-25T08:51:17.798" v="280" actId="1076"/>
+          <ac:spMkLst>
+            <pc:docMk/>
+            <pc:sldMk cId="3955156056" sldId="270"/>
+            <ac:spMk id="47" creationId="{6DCC8FCE-B10D-94DA-5F48-FE8A0C071373}"/>
+          </ac:spMkLst>
+        </pc:spChg>
+        <pc:cxnChg chg="mod">
+          <ac:chgData name="Francesco Spangaro" userId="S::10734844@polimi.it::ba3753b7-8d44-4270-9361-938b439740f0" providerId="AD" clId="Web-{A40869C7-C539-7437-8096-3DF922CC132D}" dt="2024-05-25T08:51:15.360" v="279" actId="14100"/>
+          <ac:cxnSpMkLst>
+            <pc:docMk/>
+            <pc:sldMk cId="3955156056" sldId="270"/>
+            <ac:cxnSpMk id="24" creationId="{82C62B98-38C5-D28E-0AC0-1D82C2C88D93}"/>
+          </ac:cxnSpMkLst>
+        </pc:cxnChg>
+        <pc:cxnChg chg="mod">
+          <ac:chgData name="Francesco Spangaro" userId="S::10734844@polimi.it::ba3753b7-8d44-4270-9361-938b439740f0" providerId="AD" clId="Web-{A40869C7-C539-7437-8096-3DF922CC132D}" dt="2024-05-25T08:51:25.085" v="283" actId="14100"/>
+          <ac:cxnSpMkLst>
+            <pc:docMk/>
+            <pc:sldMk cId="3955156056" sldId="270"/>
+            <ac:cxnSpMk id="49" creationId="{71C81454-7F62-125F-C876-1458404DDA3C}"/>
+          </ac:cxnSpMkLst>
+        </pc:cxnChg>
+      </pc:sldChg>
+    </pc:docChg>
+  </pc:docChgLst>
   <pc:docChgLst>
     <pc:chgData name="Giacomo Orsenigo" userId="0e220530-cc31-4d23-a141-a9a10573e394" providerId="ADAL" clId="{B1D066AB-77FF-49E5-BE28-0FD4D6C6FAC9}"/>
     <pc:docChg chg="undo redo custSel addSld delSld modSld sldOrd modShowInfo">
@@ -2398,1309 +3897,938 @@
     </pc:docChg>
   </pc:docChgLst>
   <pc:docChgLst>
-    <pc:chgData name="Francesco Spangaro" userId="S::10734844@polimi.it::ba3753b7-8d44-4270-9361-938b439740f0" providerId="AD" clId="Web-{DE52B1D1-9FC2-61B0-EC2D-53E938823DFE}"/>
+    <pc:chgData name="Francesco Spangaro" userId="S::10734844@polimi.it::ba3753b7-8d44-4270-9361-938b439740f0" providerId="AD" clId="Web-{7182E702-E6B1-3165-C8DF-F11C8764D994}"/>
     <pc:docChg chg="modSld">
-      <pc:chgData name="Francesco Spangaro" userId="S::10734844@polimi.it::ba3753b7-8d44-4270-9361-938b439740f0" providerId="AD" clId="Web-{DE52B1D1-9FC2-61B0-EC2D-53E938823DFE}" dt="2024-05-27T11:49:23.114" v="8" actId="1076"/>
+      <pc:chgData name="Francesco Spangaro" userId="S::10734844@polimi.it::ba3753b7-8d44-4270-9361-938b439740f0" providerId="AD" clId="Web-{7182E702-E6B1-3165-C8DF-F11C8764D994}" dt="2024-05-25T08:33:00.177" v="393" actId="20577"/>
       <pc:docMkLst>
         <pc:docMk/>
       </pc:docMkLst>
       <pc:sldChg chg="modSp">
-        <pc:chgData name="Francesco Spangaro" userId="S::10734844@polimi.it::ba3753b7-8d44-4270-9361-938b439740f0" providerId="AD" clId="Web-{DE52B1D1-9FC2-61B0-EC2D-53E938823DFE}" dt="2024-05-27T11:48:49.082" v="1" actId="1076"/>
+        <pc:chgData name="Francesco Spangaro" userId="S::10734844@polimi.it::ba3753b7-8d44-4270-9361-938b439740f0" providerId="AD" clId="Web-{7182E702-E6B1-3165-C8DF-F11C8764D994}" dt="2024-05-25T08:17:08.938" v="20" actId="20577"/>
+        <pc:sldMkLst>
+          <pc:docMk/>
+          <pc:sldMk cId="2889831294" sldId="256"/>
+        </pc:sldMkLst>
+        <pc:spChg chg="mod">
+          <ac:chgData name="Francesco Spangaro" userId="S::10734844@polimi.it::ba3753b7-8d44-4270-9361-938b439740f0" providerId="AD" clId="Web-{7182E702-E6B1-3165-C8DF-F11C8764D994}" dt="2024-05-25T08:17:08.938" v="20" actId="20577"/>
+          <ac:spMkLst>
+            <pc:docMk/>
+            <pc:sldMk cId="2889831294" sldId="256"/>
+            <ac:spMk id="5" creationId="{F1A0EA7B-A6B8-C0F5-4949-B7BF32EC4D6E}"/>
+          </ac:spMkLst>
+        </pc:spChg>
+      </pc:sldChg>
+      <pc:sldChg chg="addSp delSp modSp">
+        <pc:chgData name="Francesco Spangaro" userId="S::10734844@polimi.it::ba3753b7-8d44-4270-9361-938b439740f0" providerId="AD" clId="Web-{7182E702-E6B1-3165-C8DF-F11C8764D994}" dt="2024-05-25T08:23:27.521" v="115" actId="20577"/>
+        <pc:sldMkLst>
+          <pc:docMk/>
+          <pc:sldMk cId="941844537" sldId="257"/>
+        </pc:sldMkLst>
+        <pc:spChg chg="del">
+          <ac:chgData name="Francesco Spangaro" userId="S::10734844@polimi.it::ba3753b7-8d44-4270-9361-938b439740f0" providerId="AD" clId="Web-{7182E702-E6B1-3165-C8DF-F11C8764D994}" dt="2024-05-25T08:18:40.021" v="45"/>
+          <ac:spMkLst>
+            <pc:docMk/>
+            <pc:sldMk cId="941844537" sldId="257"/>
+            <ac:spMk id="4" creationId="{EB2A02AF-7444-2EC7-B768-A1E8578BF5E4}"/>
+          </ac:spMkLst>
+        </pc:spChg>
+        <pc:spChg chg="add mod">
+          <ac:chgData name="Francesco Spangaro" userId="S::10734844@polimi.it::ba3753b7-8d44-4270-9361-938b439740f0" providerId="AD" clId="Web-{7182E702-E6B1-3165-C8DF-F11C8764D994}" dt="2024-05-25T08:18:40.224" v="46"/>
+          <ac:spMkLst>
+            <pc:docMk/>
+            <pc:sldMk cId="941844537" sldId="257"/>
+            <ac:spMk id="6" creationId="{8647E559-96CA-1E3F-EA15-5DAD0CD72C5C}"/>
+          </ac:spMkLst>
+        </pc:spChg>
+        <pc:spChg chg="mod">
+          <ac:chgData name="Francesco Spangaro" userId="S::10734844@polimi.it::ba3753b7-8d44-4270-9361-938b439740f0" providerId="AD" clId="Web-{7182E702-E6B1-3165-C8DF-F11C8764D994}" dt="2024-05-25T08:23:27.521" v="115" actId="20577"/>
+          <ac:spMkLst>
+            <pc:docMk/>
+            <pc:sldMk cId="941844537" sldId="257"/>
+            <ac:spMk id="8" creationId="{5B21954A-A97A-1E68-23D6-B82344955A7B}"/>
+          </ac:spMkLst>
+        </pc:spChg>
+      </pc:sldChg>
+      <pc:sldChg chg="addSp delSp modSp">
+        <pc:chgData name="Francesco Spangaro" userId="S::10734844@polimi.it::ba3753b7-8d44-4270-9361-938b439740f0" providerId="AD" clId="Web-{7182E702-E6B1-3165-C8DF-F11C8764D994}" dt="2024-05-25T08:17:44.127" v="25" actId="1076"/>
         <pc:sldMkLst>
           <pc:docMk/>
           <pc:sldMk cId="1903131710" sldId="259"/>
         </pc:sldMkLst>
+        <pc:spChg chg="del mod">
+          <ac:chgData name="Francesco Spangaro" userId="S::10734844@polimi.it::ba3753b7-8d44-4270-9361-938b439740f0" providerId="AD" clId="Web-{7182E702-E6B1-3165-C8DF-F11C8764D994}" dt="2024-05-25T08:17:38.065" v="24"/>
+          <ac:spMkLst>
+            <pc:docMk/>
+            <pc:sldMk cId="1903131710" sldId="259"/>
+            <ac:spMk id="4" creationId="{EB2A02AF-7444-2EC7-B768-A1E8578BF5E4}"/>
+          </ac:spMkLst>
+        </pc:spChg>
+        <pc:spChg chg="add mod">
+          <ac:chgData name="Francesco Spangaro" userId="S::10734844@polimi.it::ba3753b7-8d44-4270-9361-938b439740f0" providerId="AD" clId="Web-{7182E702-E6B1-3165-C8DF-F11C8764D994}" dt="2024-05-25T08:17:44.127" v="25" actId="1076"/>
+          <ac:spMkLst>
+            <pc:docMk/>
+            <pc:sldMk cId="1903131710" sldId="259"/>
+            <ac:spMk id="7" creationId="{91102608-827B-D296-F09E-0C6C93193949}"/>
+          </ac:spMkLst>
+        </pc:spChg>
         <pc:spChg chg="mod">
-          <ac:chgData name="Francesco Spangaro" userId="S::10734844@polimi.it::ba3753b7-8d44-4270-9361-938b439740f0" providerId="AD" clId="Web-{DE52B1D1-9FC2-61B0-EC2D-53E938823DFE}" dt="2024-05-27T11:48:49.082" v="1" actId="1076"/>
+          <ac:chgData name="Francesco Spangaro" userId="S::10734844@polimi.it::ba3753b7-8d44-4270-9361-938b439740f0" providerId="AD" clId="Web-{7182E702-E6B1-3165-C8DF-F11C8764D994}" dt="2024-05-25T08:16:18.107" v="10" actId="20577"/>
           <ac:spMkLst>
             <pc:docMk/>
             <pc:sldMk cId="1903131710" sldId="259"/>
+            <ac:spMk id="39" creationId="{6B86AA07-7522-DD5E-8717-9B9A423A1584}"/>
+          </ac:spMkLst>
+        </pc:spChg>
+      </pc:sldChg>
+      <pc:sldChg chg="addSp delSp modSp">
+        <pc:chgData name="Francesco Spangaro" userId="S::10734844@polimi.it::ba3753b7-8d44-4270-9361-938b439740f0" providerId="AD" clId="Web-{7182E702-E6B1-3165-C8DF-F11C8764D994}" dt="2024-05-25T08:19:25.695" v="73" actId="14100"/>
+        <pc:sldMkLst>
+          <pc:docMk/>
+          <pc:sldMk cId="475937262" sldId="260"/>
+        </pc:sldMkLst>
+        <pc:spChg chg="del">
+          <ac:chgData name="Francesco Spangaro" userId="S::10734844@polimi.it::ba3753b7-8d44-4270-9361-938b439740f0" providerId="AD" clId="Web-{7182E702-E6B1-3165-C8DF-F11C8764D994}" dt="2024-05-25T08:17:56.284" v="28"/>
+          <ac:spMkLst>
+            <pc:docMk/>
+            <pc:sldMk cId="475937262" sldId="260"/>
+            <ac:spMk id="4" creationId="{EB2A02AF-7444-2EC7-B768-A1E8578BF5E4}"/>
+          </ac:spMkLst>
+        </pc:spChg>
+        <pc:spChg chg="mod">
+          <ac:chgData name="Francesco Spangaro" userId="S::10734844@polimi.it::ba3753b7-8d44-4270-9361-938b439740f0" providerId="AD" clId="Web-{7182E702-E6B1-3165-C8DF-F11C8764D994}" dt="2024-05-25T08:19:25.695" v="73" actId="14100"/>
+          <ac:spMkLst>
+            <pc:docMk/>
+            <pc:sldMk cId="475937262" sldId="260"/>
+            <ac:spMk id="8" creationId="{89D68277-2298-A254-A7C0-B76A0A5C6C98}"/>
+          </ac:spMkLst>
+        </pc:spChg>
+        <pc:spChg chg="add mod">
+          <ac:chgData name="Francesco Spangaro" userId="S::10734844@polimi.it::ba3753b7-8d44-4270-9361-938b439740f0" providerId="AD" clId="Web-{7182E702-E6B1-3165-C8DF-F11C8764D994}" dt="2024-05-25T08:18:00.097" v="29" actId="1076"/>
+          <ac:spMkLst>
+            <pc:docMk/>
+            <pc:sldMk cId="475937262" sldId="260"/>
+            <ac:spMk id="9" creationId="{76ABE0DD-62AA-F78B-26A5-E1BC99468D8C}"/>
+          </ac:spMkLst>
+        </pc:spChg>
+        <pc:spChg chg="mod">
+          <ac:chgData name="Francesco Spangaro" userId="S::10734844@polimi.it::ba3753b7-8d44-4270-9361-938b439740f0" providerId="AD" clId="Web-{7182E702-E6B1-3165-C8DF-F11C8764D994}" dt="2024-05-25T08:19:12.663" v="65" actId="20577"/>
+          <ac:spMkLst>
+            <pc:docMk/>
+            <pc:sldMk cId="475937262" sldId="260"/>
+            <ac:spMk id="39" creationId="{6B86AA07-7522-DD5E-8717-9B9A423A1584}"/>
+          </ac:spMkLst>
+        </pc:spChg>
+      </pc:sldChg>
+      <pc:sldChg chg="addSp delSp modSp">
+        <pc:chgData name="Francesco Spangaro" userId="S::10734844@polimi.it::ba3753b7-8d44-4270-9361-938b439740f0" providerId="AD" clId="Web-{7182E702-E6B1-3165-C8DF-F11C8764D994}" dt="2024-05-25T08:20:13.214" v="85" actId="20577"/>
+        <pc:sldMkLst>
+          <pc:docMk/>
+          <pc:sldMk cId="1966376482" sldId="262"/>
+        </pc:sldMkLst>
+        <pc:spChg chg="del">
+          <ac:chgData name="Francesco Spangaro" userId="S::10734844@polimi.it::ba3753b7-8d44-4270-9361-938b439740f0" providerId="AD" clId="Web-{7182E702-E6B1-3165-C8DF-F11C8764D994}" dt="2024-05-25T08:18:19.598" v="37"/>
+          <ac:spMkLst>
+            <pc:docMk/>
+            <pc:sldMk cId="1966376482" sldId="262"/>
+            <ac:spMk id="4" creationId="{EB2A02AF-7444-2EC7-B768-A1E8578BF5E4}"/>
+          </ac:spMkLst>
+        </pc:spChg>
+        <pc:spChg chg="mod">
+          <ac:chgData name="Francesco Spangaro" userId="S::10734844@polimi.it::ba3753b7-8d44-4270-9361-938b439740f0" providerId="AD" clId="Web-{7182E702-E6B1-3165-C8DF-F11C8764D994}" dt="2024-05-25T08:20:13.214" v="85" actId="20577"/>
+          <ac:spMkLst>
+            <pc:docMk/>
+            <pc:sldMk cId="1966376482" sldId="262"/>
+            <ac:spMk id="8" creationId="{89D68277-2298-A254-A7C0-B76A0A5C6C98}"/>
+          </ac:spMkLst>
+        </pc:spChg>
+        <pc:spChg chg="add mod">
+          <ac:chgData name="Francesco Spangaro" userId="S::10734844@polimi.it::ba3753b7-8d44-4270-9361-938b439740f0" providerId="AD" clId="Web-{7182E702-E6B1-3165-C8DF-F11C8764D994}" dt="2024-05-25T08:18:19.879" v="38"/>
+          <ac:spMkLst>
+            <pc:docMk/>
+            <pc:sldMk cId="1966376482" sldId="262"/>
+            <ac:spMk id="14" creationId="{44822887-282F-18C2-1591-6811201E5EEA}"/>
+          </ac:spMkLst>
+        </pc:spChg>
+      </pc:sldChg>
+      <pc:sldChg chg="addSp delSp modSp">
+        <pc:chgData name="Francesco Spangaro" userId="S::10734844@polimi.it::ba3753b7-8d44-4270-9361-938b439740f0" providerId="AD" clId="Web-{7182E702-E6B1-3165-C8DF-F11C8764D994}" dt="2024-05-25T08:18:07.441" v="32" actId="1076"/>
+        <pc:sldMkLst>
+          <pc:docMk/>
+          <pc:sldMk cId="2710985118" sldId="263"/>
+        </pc:sldMkLst>
+        <pc:spChg chg="del">
+          <ac:chgData name="Francesco Spangaro" userId="S::10734844@polimi.it::ba3753b7-8d44-4270-9361-938b439740f0" providerId="AD" clId="Web-{7182E702-E6B1-3165-C8DF-F11C8764D994}" dt="2024-05-25T08:18:02.785" v="30"/>
+          <ac:spMkLst>
+            <pc:docMk/>
+            <pc:sldMk cId="2710985118" sldId="263"/>
+            <ac:spMk id="4" creationId="{EB2A02AF-7444-2EC7-B768-A1E8578BF5E4}"/>
+          </ac:spMkLst>
+        </pc:spChg>
+        <pc:spChg chg="add mod">
+          <ac:chgData name="Francesco Spangaro" userId="S::10734844@polimi.it::ba3753b7-8d44-4270-9361-938b439740f0" providerId="AD" clId="Web-{7182E702-E6B1-3165-C8DF-F11C8764D994}" dt="2024-05-25T08:18:07.441" v="32" actId="1076"/>
+          <ac:spMkLst>
+            <pc:docMk/>
+            <pc:sldMk cId="2710985118" sldId="263"/>
+            <ac:spMk id="8" creationId="{7BC61599-B2C2-1DD3-C17C-A251469616D8}"/>
+          </ac:spMkLst>
+        </pc:spChg>
+      </pc:sldChg>
+      <pc:sldChg chg="addSp delSp modSp">
+        <pc:chgData name="Francesco Spangaro" userId="S::10734844@polimi.it::ba3753b7-8d44-4270-9361-938b439740f0" providerId="AD" clId="Web-{7182E702-E6B1-3165-C8DF-F11C8764D994}" dt="2024-05-25T08:18:16.942" v="36" actId="1076"/>
+        <pc:sldMkLst>
+          <pc:docMk/>
+          <pc:sldMk cId="4190760898" sldId="264"/>
+        </pc:sldMkLst>
+        <pc:spChg chg="del mod">
+          <ac:chgData name="Francesco Spangaro" userId="S::10734844@polimi.it::ba3753b7-8d44-4270-9361-938b439740f0" providerId="AD" clId="Web-{7182E702-E6B1-3165-C8DF-F11C8764D994}" dt="2024-05-25T08:18:12.629" v="34"/>
+          <ac:spMkLst>
+            <pc:docMk/>
+            <pc:sldMk cId="4190760898" sldId="264"/>
+            <ac:spMk id="4" creationId="{EB2A02AF-7444-2EC7-B768-A1E8578BF5E4}"/>
+          </ac:spMkLst>
+        </pc:spChg>
+        <pc:spChg chg="add mod">
+          <ac:chgData name="Francesco Spangaro" userId="S::10734844@polimi.it::ba3753b7-8d44-4270-9361-938b439740f0" providerId="AD" clId="Web-{7182E702-E6B1-3165-C8DF-F11C8764D994}" dt="2024-05-25T08:18:16.942" v="36" actId="1076"/>
+          <ac:spMkLst>
+            <pc:docMk/>
+            <pc:sldMk cId="4190760898" sldId="264"/>
+            <ac:spMk id="11" creationId="{90D24739-237F-8AB4-0295-E30A76AB67A8}"/>
+          </ac:spMkLst>
+        </pc:spChg>
+      </pc:sldChg>
+      <pc:sldChg chg="addSp delSp modSp">
+        <pc:chgData name="Francesco Spangaro" userId="S::10734844@polimi.it::ba3753b7-8d44-4270-9361-938b439740f0" providerId="AD" clId="Web-{7182E702-E6B1-3165-C8DF-F11C8764D994}" dt="2024-05-25T08:20:48.512" v="94" actId="20577"/>
+        <pc:sldMkLst>
+          <pc:docMk/>
+          <pc:sldMk cId="1799355463" sldId="265"/>
+        </pc:sldMkLst>
+        <pc:spChg chg="del">
+          <ac:chgData name="Francesco Spangaro" userId="S::10734844@polimi.it::ba3753b7-8d44-4270-9361-938b439740f0" providerId="AD" clId="Web-{7182E702-E6B1-3165-C8DF-F11C8764D994}" dt="2024-05-25T08:18:29.224" v="39"/>
+          <ac:spMkLst>
+            <pc:docMk/>
+            <pc:sldMk cId="1799355463" sldId="265"/>
+            <ac:spMk id="4" creationId="{EB2A02AF-7444-2EC7-B768-A1E8578BF5E4}"/>
+          </ac:spMkLst>
+        </pc:spChg>
+        <pc:spChg chg="mod">
+          <ac:chgData name="Francesco Spangaro" userId="S::10734844@polimi.it::ba3753b7-8d44-4270-9361-938b439740f0" providerId="AD" clId="Web-{7182E702-E6B1-3165-C8DF-F11C8764D994}" dt="2024-05-25T08:20:48.512" v="94" actId="20577"/>
+          <ac:spMkLst>
+            <pc:docMk/>
+            <pc:sldMk cId="1799355463" sldId="265"/>
+            <ac:spMk id="21" creationId="{C83BFB3A-0A76-A17F-C5D5-5A35629B320F}"/>
+          </ac:spMkLst>
+        </pc:spChg>
+        <pc:spChg chg="add mod">
+          <ac:chgData name="Francesco Spangaro" userId="S::10734844@polimi.it::ba3753b7-8d44-4270-9361-938b439740f0" providerId="AD" clId="Web-{7182E702-E6B1-3165-C8DF-F11C8764D994}" dt="2024-05-25T08:18:29.458" v="40"/>
+          <ac:spMkLst>
+            <pc:docMk/>
+            <pc:sldMk cId="1799355463" sldId="265"/>
+            <ac:spMk id="22" creationId="{2AD02855-5704-2923-D10D-CBB7E63F565B}"/>
+          </ac:spMkLst>
+        </pc:spChg>
+      </pc:sldChg>
+      <pc:sldChg chg="addSp delSp modSp">
+        <pc:chgData name="Francesco Spangaro" userId="S::10734844@polimi.it::ba3753b7-8d44-4270-9361-938b439740f0" providerId="AD" clId="Web-{7182E702-E6B1-3165-C8DF-F11C8764D994}" dt="2024-05-25T08:33:00.177" v="393" actId="20577"/>
+        <pc:sldMkLst>
+          <pc:docMk/>
+          <pc:sldMk cId="2777351238" sldId="266"/>
+        </pc:sldMkLst>
+        <pc:spChg chg="del">
+          <ac:chgData name="Francesco Spangaro" userId="S::10734844@polimi.it::ba3753b7-8d44-4270-9361-938b439740f0" providerId="AD" clId="Web-{7182E702-E6B1-3165-C8DF-F11C8764D994}" dt="2024-05-25T08:18:32.411" v="41"/>
+          <ac:spMkLst>
+            <pc:docMk/>
+            <pc:sldMk cId="2777351238" sldId="266"/>
+            <ac:spMk id="4" creationId="{EB2A02AF-7444-2EC7-B768-A1E8578BF5E4}"/>
+          </ac:spMkLst>
+        </pc:spChg>
+        <pc:spChg chg="mod">
+          <ac:chgData name="Francesco Spangaro" userId="S::10734844@polimi.it::ba3753b7-8d44-4270-9361-938b439740f0" providerId="AD" clId="Web-{7182E702-E6B1-3165-C8DF-F11C8764D994}" dt="2024-05-25T08:33:00.177" v="393" actId="20577"/>
+          <ac:spMkLst>
+            <pc:docMk/>
+            <pc:sldMk cId="2777351238" sldId="266"/>
+            <ac:spMk id="6" creationId="{4562B018-1398-EC5A-2610-675687CFD253}"/>
+          </ac:spMkLst>
+        </pc:spChg>
+        <pc:spChg chg="mod">
+          <ac:chgData name="Francesco Spangaro" userId="S::10734844@polimi.it::ba3753b7-8d44-4270-9361-938b439740f0" providerId="AD" clId="Web-{7182E702-E6B1-3165-C8DF-F11C8764D994}" dt="2024-05-25T08:32:57.474" v="392" actId="20577"/>
+          <ac:spMkLst>
+            <pc:docMk/>
+            <pc:sldMk cId="2777351238" sldId="266"/>
+            <ac:spMk id="14" creationId="{F06E6D2A-D1D0-3F5B-71D7-6B519E868B46}"/>
+          </ac:spMkLst>
+        </pc:spChg>
+        <pc:spChg chg="add mod">
+          <ac:chgData name="Francesco Spangaro" userId="S::10734844@polimi.it::ba3753b7-8d44-4270-9361-938b439740f0" providerId="AD" clId="Web-{7182E702-E6B1-3165-C8DF-F11C8764D994}" dt="2024-05-25T08:18:32.599" v="42"/>
+          <ac:spMkLst>
+            <pc:docMk/>
+            <pc:sldMk cId="2777351238" sldId="266"/>
+            <ac:spMk id="25" creationId="{EE4A99F6-0330-2330-24C6-23345787BEAF}"/>
+          </ac:spMkLst>
+        </pc:spChg>
+      </pc:sldChg>
+      <pc:sldChg chg="addSp delSp modSp">
+        <pc:chgData name="Francesco Spangaro" userId="S::10734844@polimi.it::ba3753b7-8d44-4270-9361-938b439740f0" providerId="AD" clId="Web-{7182E702-E6B1-3165-C8DF-F11C8764D994}" dt="2024-05-25T08:18:35.661" v="44"/>
+        <pc:sldMkLst>
+          <pc:docMk/>
+          <pc:sldMk cId="647797854" sldId="267"/>
+        </pc:sldMkLst>
+        <pc:spChg chg="del">
+          <ac:chgData name="Francesco Spangaro" userId="S::10734844@polimi.it::ba3753b7-8d44-4270-9361-938b439740f0" providerId="AD" clId="Web-{7182E702-E6B1-3165-C8DF-F11C8764D994}" dt="2024-05-25T08:18:35.443" v="43"/>
+          <ac:spMkLst>
+            <pc:docMk/>
+            <pc:sldMk cId="647797854" sldId="267"/>
+            <ac:spMk id="4" creationId="{EB2A02AF-7444-2EC7-B768-A1E8578BF5E4}"/>
+          </ac:spMkLst>
+        </pc:spChg>
+        <pc:spChg chg="add mod">
+          <ac:chgData name="Francesco Spangaro" userId="S::10734844@polimi.it::ba3753b7-8d44-4270-9361-938b439740f0" providerId="AD" clId="Web-{7182E702-E6B1-3165-C8DF-F11C8764D994}" dt="2024-05-25T08:18:35.661" v="44"/>
+          <ac:spMkLst>
+            <pc:docMk/>
+            <pc:sldMk cId="647797854" sldId="267"/>
+            <ac:spMk id="29" creationId="{D1D269DC-B0CF-D7CF-B1E6-72CBA18AB148}"/>
+          </ac:spMkLst>
+        </pc:spChg>
+      </pc:sldChg>
+      <pc:sldChg chg="addSp delSp modSp">
+        <pc:chgData name="Francesco Spangaro" userId="S::10734844@polimi.it::ba3753b7-8d44-4270-9361-938b439740f0" providerId="AD" clId="Web-{7182E702-E6B1-3165-C8DF-F11C8764D994}" dt="2024-05-25T08:32:21.237" v="388" actId="20577"/>
+        <pc:sldMkLst>
+          <pc:docMk/>
+          <pc:sldMk cId="3966523128" sldId="269"/>
+        </pc:sldMkLst>
+        <pc:spChg chg="del">
+          <ac:chgData name="Francesco Spangaro" userId="S::10734844@polimi.it::ba3753b7-8d44-4270-9361-938b439740f0" providerId="AD" clId="Web-{7182E702-E6B1-3165-C8DF-F11C8764D994}" dt="2024-05-25T08:18:43.474" v="47"/>
+          <ac:spMkLst>
+            <pc:docMk/>
+            <pc:sldMk cId="3966523128" sldId="269"/>
+            <ac:spMk id="4" creationId="{EB2A02AF-7444-2EC7-B768-A1E8578BF5E4}"/>
+          </ac:spMkLst>
+        </pc:spChg>
+        <pc:spChg chg="add mod">
+          <ac:chgData name="Francesco Spangaro" userId="S::10734844@polimi.it::ba3753b7-8d44-4270-9361-938b439740f0" providerId="AD" clId="Web-{7182E702-E6B1-3165-C8DF-F11C8764D994}" dt="2024-05-25T08:18:43.740" v="48"/>
+          <ac:spMkLst>
+            <pc:docMk/>
+            <pc:sldMk cId="3966523128" sldId="269"/>
+            <ac:spMk id="6" creationId="{91625D7E-ABD3-D94E-CEB9-9BED2F5E36C2}"/>
+          </ac:spMkLst>
+        </pc:spChg>
+        <pc:spChg chg="mod">
+          <ac:chgData name="Francesco Spangaro" userId="S::10734844@polimi.it::ba3753b7-8d44-4270-9361-938b439740f0" providerId="AD" clId="Web-{7182E702-E6B1-3165-C8DF-F11C8764D994}" dt="2024-05-25T08:26:11.561" v="175" actId="20577"/>
+          <ac:spMkLst>
+            <pc:docMk/>
+            <pc:sldMk cId="3966523128" sldId="269"/>
+            <ac:spMk id="14" creationId="{ED35446F-D14D-8446-D71D-FCE12F4B2C4E}"/>
+          </ac:spMkLst>
+        </pc:spChg>
+        <pc:spChg chg="mod">
+          <ac:chgData name="Francesco Spangaro" userId="S::10734844@polimi.it::ba3753b7-8d44-4270-9361-938b439740f0" providerId="AD" clId="Web-{7182E702-E6B1-3165-C8DF-F11C8764D994}" dt="2024-05-25T08:25:16.480" v="156" actId="20577"/>
+          <ac:spMkLst>
+            <pc:docMk/>
+            <pc:sldMk cId="3966523128" sldId="269"/>
+            <ac:spMk id="15" creationId="{37720D51-7D8E-0041-23F8-47C29C6734A7}"/>
+          </ac:spMkLst>
+        </pc:spChg>
+        <pc:spChg chg="mod">
+          <ac:chgData name="Francesco Spangaro" userId="S::10734844@polimi.it::ba3753b7-8d44-4270-9361-938b439740f0" providerId="AD" clId="Web-{7182E702-E6B1-3165-C8DF-F11C8764D994}" dt="2024-05-25T08:32:15.768" v="387" actId="20577"/>
+          <ac:spMkLst>
+            <pc:docMk/>
+            <pc:sldMk cId="3966523128" sldId="269"/>
+            <ac:spMk id="19" creationId="{403627D5-DE1C-D439-E3D1-BE7940AC6F72}"/>
+          </ac:spMkLst>
+        </pc:spChg>
+        <pc:spChg chg="mod">
+          <ac:chgData name="Francesco Spangaro" userId="S::10734844@polimi.it::ba3753b7-8d44-4270-9361-938b439740f0" providerId="AD" clId="Web-{7182E702-E6B1-3165-C8DF-F11C8764D994}" dt="2024-05-25T08:32:21.237" v="388" actId="20577"/>
+          <ac:spMkLst>
+            <pc:docMk/>
+            <pc:sldMk cId="3966523128" sldId="269"/>
+            <ac:spMk id="20" creationId="{59777933-561B-1433-AA60-E7EF427F75F7}"/>
+          </ac:spMkLst>
+        </pc:spChg>
+        <pc:cxnChg chg="mod">
+          <ac:chgData name="Francesco Spangaro" userId="S::10734844@polimi.it::ba3753b7-8d44-4270-9361-938b439740f0" providerId="AD" clId="Web-{7182E702-E6B1-3165-C8DF-F11C8764D994}" dt="2024-05-25T08:25:13.527" v="155" actId="20577"/>
+          <ac:cxnSpMkLst>
+            <pc:docMk/>
+            <pc:sldMk cId="3966523128" sldId="269"/>
+            <ac:cxnSpMk id="17" creationId="{EC3B8D32-28CA-4E85-5371-673AAD39FC0D}"/>
+          </ac:cxnSpMkLst>
+        </pc:cxnChg>
+        <pc:cxnChg chg="mod">
+          <ac:chgData name="Francesco Spangaro" userId="S::10734844@polimi.it::ba3753b7-8d44-4270-9361-938b439740f0" providerId="AD" clId="Web-{7182E702-E6B1-3165-C8DF-F11C8764D994}" dt="2024-05-25T08:32:13.706" v="385" actId="20577"/>
+          <ac:cxnSpMkLst>
+            <pc:docMk/>
+            <pc:sldMk cId="3966523128" sldId="269"/>
+            <ac:cxnSpMk id="21" creationId="{858A7C5D-0BE8-5D67-5E1D-F99C762F6E0E}"/>
+          </ac:cxnSpMkLst>
+        </pc:cxnChg>
+        <pc:cxnChg chg="mod">
+          <ac:chgData name="Francesco Spangaro" userId="S::10734844@polimi.it::ba3753b7-8d44-4270-9361-938b439740f0" providerId="AD" clId="Web-{7182E702-E6B1-3165-C8DF-F11C8764D994}" dt="2024-05-25T08:24:53.791" v="148" actId="14100"/>
+          <ac:cxnSpMkLst>
+            <pc:docMk/>
+            <pc:sldMk cId="3966523128" sldId="269"/>
+            <ac:cxnSpMk id="24" creationId="{82C62B98-38C5-D28E-0AC0-1D82C2C88D93}"/>
+          </ac:cxnSpMkLst>
+        </pc:cxnChg>
+      </pc:sldChg>
+      <pc:sldChg chg="addSp delSp modSp">
+        <pc:chgData name="Francesco Spangaro" userId="S::10734844@polimi.it::ba3753b7-8d44-4270-9361-938b439740f0" providerId="AD" clId="Web-{7182E702-E6B1-3165-C8DF-F11C8764D994}" dt="2024-05-25T08:31:40.219" v="370" actId="14100"/>
+        <pc:sldMkLst>
+          <pc:docMk/>
+          <pc:sldMk cId="3955156056" sldId="270"/>
+        </pc:sldMkLst>
+        <pc:spChg chg="mod">
+          <ac:chgData name="Francesco Spangaro" userId="S::10734844@polimi.it::ba3753b7-8d44-4270-9361-938b439740f0" providerId="AD" clId="Web-{7182E702-E6B1-3165-C8DF-F11C8764D994}" dt="2024-05-25T08:27:02.751" v="183" actId="20577"/>
+          <ac:spMkLst>
+            <pc:docMk/>
+            <pc:sldMk cId="3955156056" sldId="270"/>
             <ac:spMk id="2" creationId="{E303BE9B-37ED-298D-882B-DAE33B6F4399}"/>
           </ac:spMkLst>
         </pc:spChg>
+        <pc:spChg chg="del">
+          <ac:chgData name="Francesco Spangaro" userId="S::10734844@polimi.it::ba3753b7-8d44-4270-9361-938b439740f0" providerId="AD" clId="Web-{7182E702-E6B1-3165-C8DF-F11C8764D994}" dt="2024-05-25T08:18:47.584" v="49"/>
+          <ac:spMkLst>
+            <pc:docMk/>
+            <pc:sldMk cId="3955156056" sldId="270"/>
+            <ac:spMk id="4" creationId="{EB2A02AF-7444-2EC7-B768-A1E8578BF5E4}"/>
+          </ac:spMkLst>
+        </pc:spChg>
+        <pc:spChg chg="add mod">
+          <ac:chgData name="Francesco Spangaro" userId="S::10734844@polimi.it::ba3753b7-8d44-4270-9361-938b439740f0" providerId="AD" clId="Web-{7182E702-E6B1-3165-C8DF-F11C8764D994}" dt="2024-05-25T08:18:47.803" v="50"/>
+          <ac:spMkLst>
+            <pc:docMk/>
+            <pc:sldMk cId="3955156056" sldId="270"/>
+            <ac:spMk id="6" creationId="{7EE28BE1-3D05-594C-DF8D-CF57A2EB51A4}"/>
+          </ac:spMkLst>
+        </pc:spChg>
+        <pc:spChg chg="mod">
+          <ac:chgData name="Francesco Spangaro" userId="S::10734844@polimi.it::ba3753b7-8d44-4270-9361-938b439740f0" providerId="AD" clId="Web-{7182E702-E6B1-3165-C8DF-F11C8764D994}" dt="2024-05-25T08:31:08.718" v="357" actId="1076"/>
+          <ac:spMkLst>
+            <pc:docMk/>
+            <pc:sldMk cId="3955156056" sldId="270"/>
+            <ac:spMk id="12" creationId="{71C9CD5F-D430-28D4-34D8-CC20B7CBFE4A}"/>
+          </ac:spMkLst>
+        </pc:spChg>
+        <pc:spChg chg="mod">
+          <ac:chgData name="Francesco Spangaro" userId="S::10734844@polimi.it::ba3753b7-8d44-4270-9361-938b439740f0" providerId="AD" clId="Web-{7182E702-E6B1-3165-C8DF-F11C8764D994}" dt="2024-05-25T08:31:33.875" v="367" actId="14100"/>
+          <ac:spMkLst>
+            <pc:docMk/>
+            <pc:sldMk cId="3955156056" sldId="270"/>
+            <ac:spMk id="14" creationId="{ED35446F-D14D-8446-D71D-FCE12F4B2C4E}"/>
+          </ac:spMkLst>
+        </pc:spChg>
+        <pc:spChg chg="mod">
+          <ac:chgData name="Francesco Spangaro" userId="S::10734844@polimi.it::ba3753b7-8d44-4270-9361-938b439740f0" providerId="AD" clId="Web-{7182E702-E6B1-3165-C8DF-F11C8764D994}" dt="2024-05-25T08:31:13.046" v="358" actId="1076"/>
+          <ac:spMkLst>
+            <pc:docMk/>
+            <pc:sldMk cId="3955156056" sldId="270"/>
+            <ac:spMk id="15" creationId="{37720D51-7D8E-0041-23F8-47C29C6734A7}"/>
+          </ac:spMkLst>
+        </pc:spChg>
+        <pc:spChg chg="mod">
+          <ac:chgData name="Francesco Spangaro" userId="S::10734844@polimi.it::ba3753b7-8d44-4270-9361-938b439740f0" providerId="AD" clId="Web-{7182E702-E6B1-3165-C8DF-F11C8764D994}" dt="2024-05-25T08:31:03.202" v="355" actId="1076"/>
+          <ac:spMkLst>
+            <pc:docMk/>
+            <pc:sldMk cId="3955156056" sldId="270"/>
+            <ac:spMk id="19" creationId="{403627D5-DE1C-D439-E3D1-BE7940AC6F72}"/>
+          </ac:spMkLst>
+        </pc:spChg>
+        <pc:spChg chg="mod">
+          <ac:chgData name="Francesco Spangaro" userId="S::10734844@polimi.it::ba3753b7-8d44-4270-9361-938b439740f0" providerId="AD" clId="Web-{7182E702-E6B1-3165-C8DF-F11C8764D994}" dt="2024-05-25T08:31:18.171" v="360" actId="1076"/>
+          <ac:spMkLst>
+            <pc:docMk/>
+            <pc:sldMk cId="3955156056" sldId="270"/>
+            <ac:spMk id="20" creationId="{59777933-561B-1433-AA60-E7EF427F75F7}"/>
+          </ac:spMkLst>
+        </pc:spChg>
+        <pc:spChg chg="mod">
+          <ac:chgData name="Francesco Spangaro" userId="S::10734844@polimi.it::ba3753b7-8d44-4270-9361-938b439740f0" providerId="AD" clId="Web-{7182E702-E6B1-3165-C8DF-F11C8764D994}" dt="2024-05-25T08:31:35.016" v="368" actId="1076"/>
+          <ac:spMkLst>
+            <pc:docMk/>
+            <pc:sldMk cId="3955156056" sldId="270"/>
+            <ac:spMk id="47" creationId="{6DCC8FCE-B10D-94DA-5F48-FE8A0C071373}"/>
+          </ac:spMkLst>
+        </pc:spChg>
+        <pc:cxnChg chg="mod">
+          <ac:chgData name="Francesco Spangaro" userId="S::10734844@polimi.it::ba3753b7-8d44-4270-9361-938b439740f0" providerId="AD" clId="Web-{7182E702-E6B1-3165-C8DF-F11C8764D994}" dt="2024-05-25T08:31:15.781" v="359" actId="14100"/>
+          <ac:cxnSpMkLst>
+            <pc:docMk/>
+            <pc:sldMk cId="3955156056" sldId="270"/>
+            <ac:cxnSpMk id="13" creationId="{E90E9778-96C3-EBA3-BB85-0FFA30A0FFA5}"/>
+          </ac:cxnSpMkLst>
+        </pc:cxnChg>
+        <pc:cxnChg chg="mod">
+          <ac:chgData name="Francesco Spangaro" userId="S::10734844@polimi.it::ba3753b7-8d44-4270-9361-938b439740f0" providerId="AD" clId="Web-{7182E702-E6B1-3165-C8DF-F11C8764D994}" dt="2024-05-25T08:31:00.873" v="354" actId="14100"/>
+          <ac:cxnSpMkLst>
+            <pc:docMk/>
+            <pc:sldMk cId="3955156056" sldId="270"/>
+            <ac:cxnSpMk id="17" creationId="{EC3B8D32-28CA-4E85-5371-673AAD39FC0D}"/>
+          </ac:cxnSpMkLst>
+        </pc:cxnChg>
+        <pc:cxnChg chg="mod">
+          <ac:chgData name="Francesco Spangaro" userId="S::10734844@polimi.it::ba3753b7-8d44-4270-9361-938b439740f0" providerId="AD" clId="Web-{7182E702-E6B1-3165-C8DF-F11C8764D994}" dt="2024-05-25T08:31:06.358" v="356" actId="14100"/>
+          <ac:cxnSpMkLst>
+            <pc:docMk/>
+            <pc:sldMk cId="3955156056" sldId="270"/>
+            <ac:cxnSpMk id="21" creationId="{858A7C5D-0BE8-5D67-5E1D-F99C762F6E0E}"/>
+          </ac:cxnSpMkLst>
+        </pc:cxnChg>
+        <pc:cxnChg chg="mod">
+          <ac:chgData name="Francesco Spangaro" userId="S::10734844@polimi.it::ba3753b7-8d44-4270-9361-938b439740f0" providerId="AD" clId="Web-{7182E702-E6B1-3165-C8DF-F11C8764D994}" dt="2024-05-25T08:31:40.219" v="370" actId="14100"/>
+          <ac:cxnSpMkLst>
+            <pc:docMk/>
+            <pc:sldMk cId="3955156056" sldId="270"/>
+            <ac:cxnSpMk id="24" creationId="{82C62B98-38C5-D28E-0AC0-1D82C2C88D93}"/>
+          </ac:cxnSpMkLst>
+        </pc:cxnChg>
+        <pc:cxnChg chg="mod">
+          <ac:chgData name="Francesco Spangaro" userId="S::10734844@polimi.it::ba3753b7-8d44-4270-9361-938b439740f0" providerId="AD" clId="Web-{7182E702-E6B1-3165-C8DF-F11C8764D994}" dt="2024-05-25T08:31:35.016" v="368" actId="1076"/>
+          <ac:cxnSpMkLst>
+            <pc:docMk/>
+            <pc:sldMk cId="3955156056" sldId="270"/>
+            <ac:cxnSpMk id="49" creationId="{71C81454-7F62-125F-C876-1458404DDA3C}"/>
+          </ac:cxnSpMkLst>
+        </pc:cxnChg>
       </pc:sldChg>
-      <pc:sldChg chg="modSp">
-        <pc:chgData name="Francesco Spangaro" userId="S::10734844@polimi.it::ba3753b7-8d44-4270-9361-938b439740f0" providerId="AD" clId="Web-{DE52B1D1-9FC2-61B0-EC2D-53E938823DFE}" dt="2024-05-27T11:48:56.613" v="3" actId="1076"/>
+    </pc:docChg>
+  </pc:docChgLst>
+  <pc:docChgLst>
+    <pc:chgData name="Giacomo Orsenigo" userId="f41eed6df4b91581" providerId="LiveId" clId="{8DFAA893-A629-4847-9D1F-D2C67D0EAC70}"/>
+    <pc:docChg chg="undo redo custSel delSld modSld">
+      <pc:chgData name="Giacomo Orsenigo" userId="f41eed6df4b91581" providerId="LiveId" clId="{8DFAA893-A629-4847-9D1F-D2C67D0EAC70}" dt="2024-09-07T15:16:29.973" v="530"/>
+      <pc:docMkLst>
+        <pc:docMk/>
+      </pc:docMkLst>
+      <pc:sldChg chg="addSp delSp modSp mod modAnim modNotesTx">
+        <pc:chgData name="Giacomo Orsenigo" userId="f41eed6df4b91581" providerId="LiveId" clId="{8DFAA893-A629-4847-9D1F-D2C67D0EAC70}" dt="2024-09-07T14:55:53.286" v="319" actId="1036"/>
         <pc:sldMkLst>
           <pc:docMk/>
           <pc:sldMk cId="475937262" sldId="260"/>
         </pc:sldMkLst>
         <pc:spChg chg="mod">
-          <ac:chgData name="Francesco Spangaro" userId="S::10734844@polimi.it::ba3753b7-8d44-4270-9361-938b439740f0" providerId="AD" clId="Web-{DE52B1D1-9FC2-61B0-EC2D-53E938823DFE}" dt="2024-05-27T11:48:56.613" v="3" actId="1076"/>
+          <ac:chgData name="Giacomo Orsenigo" userId="f41eed6df4b91581" providerId="LiveId" clId="{8DFAA893-A629-4847-9D1F-D2C67D0EAC70}" dt="2024-09-07T14:44:52.450" v="52" actId="27803"/>
           <ac:spMkLst>
             <pc:docMk/>
             <pc:sldMk cId="475937262" sldId="260"/>
-            <ac:spMk id="2" creationId="{E303BE9B-37ED-298D-882B-DAE33B6F4399}"/>
+            <ac:spMk id="29" creationId="{A1A8C8E0-3035-AACF-2A08-4B885F178473}"/>
           </ac:spMkLst>
         </pc:spChg>
+        <pc:spChg chg="mod">
+          <ac:chgData name="Giacomo Orsenigo" userId="f41eed6df4b91581" providerId="LiveId" clId="{8DFAA893-A629-4847-9D1F-D2C67D0EAC70}" dt="2024-09-07T14:44:52.450" v="52" actId="27803"/>
+          <ac:spMkLst>
+            <pc:docMk/>
+            <pc:sldMk cId="475937262" sldId="260"/>
+            <ac:spMk id="30" creationId="{29EABD11-F838-C115-7214-BEE487DF80E7}"/>
+          </ac:spMkLst>
+        </pc:spChg>
+        <pc:spChg chg="mod topLvl">
+          <ac:chgData name="Giacomo Orsenigo" userId="f41eed6df4b91581" providerId="LiveId" clId="{8DFAA893-A629-4847-9D1F-D2C67D0EAC70}" dt="2024-09-07T14:47:52.493" v="202" actId="164"/>
+          <ac:spMkLst>
+            <pc:docMk/>
+            <pc:sldMk cId="475937262" sldId="260"/>
+            <ac:spMk id="34" creationId="{FD24A45E-1EC4-03AF-2764-BA2608DE29C4}"/>
+          </ac:spMkLst>
+        </pc:spChg>
+        <pc:spChg chg="del mod">
+          <ac:chgData name="Giacomo Orsenigo" userId="f41eed6df4b91581" providerId="LiveId" clId="{8DFAA893-A629-4847-9D1F-D2C67D0EAC70}" dt="2024-09-07T14:45:43.134" v="79" actId="478"/>
+          <ac:spMkLst>
+            <pc:docMk/>
+            <pc:sldMk cId="475937262" sldId="260"/>
+            <ac:spMk id="35" creationId="{86D39324-58BD-3464-F2C6-127D0CDFE343}"/>
+          </ac:spMkLst>
+        </pc:spChg>
+        <pc:spChg chg="mod">
+          <ac:chgData name="Giacomo Orsenigo" userId="f41eed6df4b91581" providerId="LiveId" clId="{8DFAA893-A629-4847-9D1F-D2C67D0EAC70}" dt="2024-09-07T14:46:28.414" v="133" actId="1037"/>
+          <ac:spMkLst>
+            <pc:docMk/>
+            <pc:sldMk cId="475937262" sldId="260"/>
+            <ac:spMk id="40" creationId="{E442807D-69F6-8C8E-FA5B-4981DC7478BF}"/>
+          </ac:spMkLst>
+        </pc:spChg>
+        <pc:spChg chg="del mod">
+          <ac:chgData name="Giacomo Orsenigo" userId="f41eed6df4b91581" providerId="LiveId" clId="{8DFAA893-A629-4847-9D1F-D2C67D0EAC70}" dt="2024-09-07T14:46:15.436" v="102" actId="478"/>
+          <ac:spMkLst>
+            <pc:docMk/>
+            <pc:sldMk cId="475937262" sldId="260"/>
+            <ac:spMk id="41" creationId="{27009E5D-70E4-B632-B737-4B3D89EC75DA}"/>
+          </ac:spMkLst>
+        </pc:spChg>
+        <pc:spChg chg="add del mod">
+          <ac:chgData name="Giacomo Orsenigo" userId="f41eed6df4b91581" providerId="LiveId" clId="{8DFAA893-A629-4847-9D1F-D2C67D0EAC70}" dt="2024-09-07T14:46:18.646" v="104"/>
+          <ac:spMkLst>
+            <pc:docMk/>
+            <pc:sldMk cId="475937262" sldId="260"/>
+            <ac:spMk id="42" creationId="{29B977D2-82A6-CCC2-AEE8-36A69D3B1960}"/>
+          </ac:spMkLst>
+        </pc:spChg>
+        <pc:spChg chg="mod">
+          <ac:chgData name="Giacomo Orsenigo" userId="f41eed6df4b91581" providerId="LiveId" clId="{8DFAA893-A629-4847-9D1F-D2C67D0EAC70}" dt="2024-09-07T14:47:51.793" v="195" actId="1037"/>
+          <ac:spMkLst>
+            <pc:docMk/>
+            <pc:sldMk cId="475937262" sldId="260"/>
+            <ac:spMk id="45" creationId="{4BF71AC6-EAE8-1958-33A9-DAC54F2424CD}"/>
+          </ac:spMkLst>
+        </pc:spChg>
+        <pc:spChg chg="del mod">
+          <ac:chgData name="Giacomo Orsenigo" userId="f41eed6df4b91581" providerId="LiveId" clId="{8DFAA893-A629-4847-9D1F-D2C67D0EAC70}" dt="2024-09-07T14:46:35.386" v="135" actId="478"/>
+          <ac:spMkLst>
+            <pc:docMk/>
+            <pc:sldMk cId="475937262" sldId="260"/>
+            <ac:spMk id="46" creationId="{DFB85901-4C27-957E-6C85-E5CB19AF5C4E}"/>
+          </ac:spMkLst>
+        </pc:spChg>
+        <pc:spChg chg="mod">
+          <ac:chgData name="Giacomo Orsenigo" userId="f41eed6df4b91581" providerId="LiveId" clId="{8DFAA893-A629-4847-9D1F-D2C67D0EAC70}" dt="2024-09-07T14:46:50.511" v="155" actId="1037"/>
+          <ac:spMkLst>
+            <pc:docMk/>
+            <pc:sldMk cId="475937262" sldId="260"/>
+            <ac:spMk id="49" creationId="{D468AB41-EF56-1A04-DFF7-76ABA31B6AE3}"/>
+          </ac:spMkLst>
+        </pc:spChg>
+        <pc:spChg chg="del mod">
+          <ac:chgData name="Giacomo Orsenigo" userId="f41eed6df4b91581" providerId="LiveId" clId="{8DFAA893-A629-4847-9D1F-D2C67D0EAC70}" dt="2024-09-07T14:46:42.232" v="137" actId="478"/>
+          <ac:spMkLst>
+            <pc:docMk/>
+            <pc:sldMk cId="475937262" sldId="260"/>
+            <ac:spMk id="50" creationId="{F6967D68-B8C7-D912-8D12-DDF3F66C9F32}"/>
+          </ac:spMkLst>
+        </pc:spChg>
+        <pc:spChg chg="mod">
+          <ac:chgData name="Giacomo Orsenigo" userId="f41eed6df4b91581" providerId="LiveId" clId="{8DFAA893-A629-4847-9D1F-D2C67D0EAC70}" dt="2024-09-07T14:47:33.968" v="181"/>
+          <ac:spMkLst>
+            <pc:docMk/>
+            <pc:sldMk cId="475937262" sldId="260"/>
+            <ac:spMk id="54" creationId="{BBA0094A-5CB9-A3D7-00DE-3D19741855A7}"/>
+          </ac:spMkLst>
+        </pc:spChg>
+        <pc:spChg chg="mod">
+          <ac:chgData name="Giacomo Orsenigo" userId="f41eed6df4b91581" providerId="LiveId" clId="{8DFAA893-A629-4847-9D1F-D2C67D0EAC70}" dt="2024-09-07T14:47:34.308" v="182"/>
+          <ac:spMkLst>
+            <pc:docMk/>
+            <pc:sldMk cId="475937262" sldId="260"/>
+            <ac:spMk id="57" creationId="{5C50CE0D-86D6-066F-CA3F-E925C5492ADD}"/>
+          </ac:spMkLst>
+        </pc:spChg>
+        <pc:spChg chg="mod">
+          <ac:chgData name="Giacomo Orsenigo" userId="f41eed6df4b91581" providerId="LiveId" clId="{8DFAA893-A629-4847-9D1F-D2C67D0EAC70}" dt="2024-09-07T14:48:10.728" v="209"/>
+          <ac:spMkLst>
+            <pc:docMk/>
+            <pc:sldMk cId="475937262" sldId="260"/>
+            <ac:spMk id="60" creationId="{3C0B13F1-6B7D-B806-3F33-5FA619A66642}"/>
+          </ac:spMkLst>
+        </pc:spChg>
+        <pc:grpChg chg="mod">
+          <ac:chgData name="Giacomo Orsenigo" userId="f41eed6df4b91581" providerId="LiveId" clId="{8DFAA893-A629-4847-9D1F-D2C67D0EAC70}" dt="2024-09-07T14:44:52.450" v="52" actId="27803"/>
+          <ac:grpSpMkLst>
+            <pc:docMk/>
+            <pc:sldMk cId="475937262" sldId="260"/>
+            <ac:grpSpMk id="11" creationId="{6F4CAFF3-C58F-8B02-04B5-7C28DBFE315C}"/>
+          </ac:grpSpMkLst>
+        </pc:grpChg>
+        <pc:grpChg chg="add del mod">
+          <ac:chgData name="Giacomo Orsenigo" userId="f41eed6df4b91581" providerId="LiveId" clId="{8DFAA893-A629-4847-9D1F-D2C67D0EAC70}" dt="2024-09-07T14:47:52.463" v="201" actId="165"/>
+          <ac:grpSpMkLst>
+            <pc:docMk/>
+            <pc:sldMk cId="475937262" sldId="260"/>
+            <ac:grpSpMk id="31" creationId="{C835B9DC-02B7-E764-E3F0-38CACF9650A8}"/>
+          </ac:grpSpMkLst>
+        </pc:grpChg>
+        <pc:grpChg chg="add del mod">
+          <ac:chgData name="Giacomo Orsenigo" userId="f41eed6df4b91581" providerId="LiveId" clId="{8DFAA893-A629-4847-9D1F-D2C67D0EAC70}" dt="2024-09-07T14:47:52.371" v="198" actId="478"/>
+          <ac:grpSpMkLst>
+            <pc:docMk/>
+            <pc:sldMk cId="475937262" sldId="260"/>
+            <ac:grpSpMk id="37" creationId="{0BDE49A5-7D36-B44E-5D26-F55503A93FDE}"/>
+          </ac:grpSpMkLst>
+        </pc:grpChg>
+        <pc:grpChg chg="add del mod">
+          <ac:chgData name="Giacomo Orsenigo" userId="f41eed6df4b91581" providerId="LiveId" clId="{8DFAA893-A629-4847-9D1F-D2C67D0EAC70}" dt="2024-09-07T14:47:52.402" v="199" actId="478"/>
+          <ac:grpSpMkLst>
+            <pc:docMk/>
+            <pc:sldMk cId="475937262" sldId="260"/>
+            <ac:grpSpMk id="43" creationId="{6F38A552-CFAA-2389-519F-67E2B1FC6A5A}"/>
+          </ac:grpSpMkLst>
+        </pc:grpChg>
+        <pc:grpChg chg="add del mod">
+          <ac:chgData name="Giacomo Orsenigo" userId="f41eed6df4b91581" providerId="LiveId" clId="{8DFAA893-A629-4847-9D1F-D2C67D0EAC70}" dt="2024-09-07T14:47:52.433" v="200" actId="478"/>
+          <ac:grpSpMkLst>
+            <pc:docMk/>
+            <pc:sldMk cId="475937262" sldId="260"/>
+            <ac:grpSpMk id="47" creationId="{0DA22FE2-EFAE-6332-A667-0A55AB38444F}"/>
+          </ac:grpSpMkLst>
+        </pc:grpChg>
+        <pc:grpChg chg="add mod">
+          <ac:chgData name="Giacomo Orsenigo" userId="f41eed6df4b91581" providerId="LiveId" clId="{8DFAA893-A629-4847-9D1F-D2C67D0EAC70}" dt="2024-09-07T14:53:41.309" v="287" actId="1035"/>
+          <ac:grpSpMkLst>
+            <pc:docMk/>
+            <pc:sldMk cId="475937262" sldId="260"/>
+            <ac:grpSpMk id="51" creationId="{71A50A4D-F64B-E33D-E76F-1487018D1F64}"/>
+          </ac:grpSpMkLst>
+        </pc:grpChg>
+        <pc:grpChg chg="add del mod">
+          <ac:chgData name="Giacomo Orsenigo" userId="f41eed6df4b91581" providerId="LiveId" clId="{8DFAA893-A629-4847-9D1F-D2C67D0EAC70}" dt="2024-09-07T14:48:09.623" v="208" actId="1076"/>
+          <ac:grpSpMkLst>
+            <pc:docMk/>
+            <pc:sldMk cId="475937262" sldId="260"/>
+            <ac:grpSpMk id="52" creationId="{46A21BA5-FDE0-D2DE-2FD3-3398E2BA0E0A}"/>
+          </ac:grpSpMkLst>
+        </pc:grpChg>
+        <pc:grpChg chg="add del mod">
+          <ac:chgData name="Giacomo Orsenigo" userId="f41eed6df4b91581" providerId="LiveId" clId="{8DFAA893-A629-4847-9D1F-D2C67D0EAC70}" dt="2024-09-07T14:50:41.655" v="226" actId="1076"/>
+          <ac:grpSpMkLst>
+            <pc:docMk/>
+            <pc:sldMk cId="475937262" sldId="260"/>
+            <ac:grpSpMk id="55" creationId="{70FBDF73-D62A-FFBB-F34F-62DA3ADD4494}"/>
+          </ac:grpSpMkLst>
+        </pc:grpChg>
+        <pc:grpChg chg="add mod">
+          <ac:chgData name="Giacomo Orsenigo" userId="f41eed6df4b91581" providerId="LiveId" clId="{8DFAA893-A629-4847-9D1F-D2C67D0EAC70}" dt="2024-09-07T14:55:53.286" v="319" actId="1036"/>
+          <ac:grpSpMkLst>
+            <pc:docMk/>
+            <pc:sldMk cId="475937262" sldId="260"/>
+            <ac:grpSpMk id="58" creationId="{C05B48DE-6F84-C873-70F4-F20783F9DFD1}"/>
+          </ac:grpSpMkLst>
+        </pc:grpChg>
+        <pc:picChg chg="add del mod modCrop">
+          <ac:chgData name="Giacomo Orsenigo" userId="f41eed6df4b91581" providerId="LiveId" clId="{8DFAA893-A629-4847-9D1F-D2C67D0EAC70}" dt="2024-09-07T14:46:13.604" v="101" actId="27803"/>
+          <ac:picMkLst>
+            <pc:docMk/>
+            <pc:sldMk cId="475937262" sldId="260"/>
+            <ac:picMk id="17" creationId="{E211124F-4576-F83C-F68E-2FE93DFD7465}"/>
+          </ac:picMkLst>
+        </pc:picChg>
+        <pc:picChg chg="mod">
+          <ac:chgData name="Giacomo Orsenigo" userId="f41eed6df4b91581" providerId="LiveId" clId="{8DFAA893-A629-4847-9D1F-D2C67D0EAC70}" dt="2024-09-07T14:44:52.450" v="52" actId="27803"/>
+          <ac:picMkLst>
+            <pc:docMk/>
+            <pc:sldMk cId="475937262" sldId="260"/>
+            <ac:picMk id="20" creationId="{98202481-AB2A-AD59-D41A-B361669BBCEC}"/>
+          </ac:picMkLst>
+        </pc:picChg>
+        <pc:picChg chg="del mod modCrop">
+          <ac:chgData name="Giacomo Orsenigo" userId="f41eed6df4b91581" providerId="LiveId" clId="{8DFAA893-A629-4847-9D1F-D2C67D0EAC70}" dt="2024-09-07T14:45:37.771" v="78" actId="27803"/>
+          <ac:picMkLst>
+            <pc:docMk/>
+            <pc:sldMk cId="475937262" sldId="260"/>
+            <ac:picMk id="21" creationId="{896A7FBB-C95E-54C1-852C-AC313FDD4E00}"/>
+          </ac:picMkLst>
+        </pc:picChg>
+        <pc:picChg chg="del mod modCrop">
+          <ac:chgData name="Giacomo Orsenigo" userId="f41eed6df4b91581" providerId="LiveId" clId="{8DFAA893-A629-4847-9D1F-D2C67D0EAC70}" dt="2024-09-07T14:46:33.316" v="134" actId="27803"/>
+          <ac:picMkLst>
+            <pc:docMk/>
+            <pc:sldMk cId="475937262" sldId="260"/>
+            <ac:picMk id="24" creationId="{14FB3458-01BD-BACD-2FAA-7F1CC0679654}"/>
+          </ac:picMkLst>
+        </pc:picChg>
+        <pc:picChg chg="del">
+          <ac:chgData name="Giacomo Orsenigo" userId="f41eed6df4b91581" providerId="LiveId" clId="{8DFAA893-A629-4847-9D1F-D2C67D0EAC70}" dt="2024-09-07T14:46:40.155" v="136" actId="27803"/>
+          <ac:picMkLst>
+            <pc:docMk/>
+            <pc:sldMk cId="475937262" sldId="260"/>
+            <ac:picMk id="27" creationId="{A6888C26-17CE-3A7A-FA4C-487930620D71}"/>
+          </ac:picMkLst>
+        </pc:picChg>
+        <pc:picChg chg="mod topLvl">
+          <ac:chgData name="Giacomo Orsenigo" userId="f41eed6df4b91581" providerId="LiveId" clId="{8DFAA893-A629-4847-9D1F-D2C67D0EAC70}" dt="2024-09-07T14:47:52.493" v="202" actId="164"/>
+          <ac:picMkLst>
+            <pc:docMk/>
+            <pc:sldMk cId="475937262" sldId="260"/>
+            <ac:picMk id="32" creationId="{1F27368B-220B-AB5B-3565-CF1BA75F7054}"/>
+          </ac:picMkLst>
+        </pc:picChg>
+        <pc:picChg chg="mod">
+          <ac:chgData name="Giacomo Orsenigo" userId="f41eed6df4b91581" providerId="LiveId" clId="{8DFAA893-A629-4847-9D1F-D2C67D0EAC70}" dt="2024-09-07T14:46:13.604" v="101" actId="27803"/>
+          <ac:picMkLst>
+            <pc:docMk/>
+            <pc:sldMk cId="475937262" sldId="260"/>
+            <ac:picMk id="38" creationId="{7D608EA2-175D-0628-6B3F-9378FD82BD9B}"/>
+          </ac:picMkLst>
+        </pc:picChg>
+        <pc:picChg chg="mod">
+          <ac:chgData name="Giacomo Orsenigo" userId="f41eed6df4b91581" providerId="LiveId" clId="{8DFAA893-A629-4847-9D1F-D2C67D0EAC70}" dt="2024-09-07T14:46:33.316" v="134" actId="27803"/>
+          <ac:picMkLst>
+            <pc:docMk/>
+            <pc:sldMk cId="475937262" sldId="260"/>
+            <ac:picMk id="44" creationId="{3DA6C8BB-DD16-E928-6882-585083DEE9E9}"/>
+          </ac:picMkLst>
+        </pc:picChg>
+        <pc:picChg chg="mod">
+          <ac:chgData name="Giacomo Orsenigo" userId="f41eed6df4b91581" providerId="LiveId" clId="{8DFAA893-A629-4847-9D1F-D2C67D0EAC70}" dt="2024-09-07T14:46:40.155" v="136" actId="27803"/>
+          <ac:picMkLst>
+            <pc:docMk/>
+            <pc:sldMk cId="475937262" sldId="260"/>
+            <ac:picMk id="48" creationId="{1159CF57-217C-BEE0-34DF-30E03788B39B}"/>
+          </ac:picMkLst>
+        </pc:picChg>
+        <pc:picChg chg="mod">
+          <ac:chgData name="Giacomo Orsenigo" userId="f41eed6df4b91581" providerId="LiveId" clId="{8DFAA893-A629-4847-9D1F-D2C67D0EAC70}" dt="2024-09-07T14:47:33.968" v="181"/>
+          <ac:picMkLst>
+            <pc:docMk/>
+            <pc:sldMk cId="475937262" sldId="260"/>
+            <ac:picMk id="53" creationId="{86C8740C-6024-B069-11BB-C877A0B08CA3}"/>
+          </ac:picMkLst>
+        </pc:picChg>
+        <pc:picChg chg="mod">
+          <ac:chgData name="Giacomo Orsenigo" userId="f41eed6df4b91581" providerId="LiveId" clId="{8DFAA893-A629-4847-9D1F-D2C67D0EAC70}" dt="2024-09-07T14:47:34.308" v="182"/>
+          <ac:picMkLst>
+            <pc:docMk/>
+            <pc:sldMk cId="475937262" sldId="260"/>
+            <ac:picMk id="56" creationId="{82F1E9D6-DE27-DD02-AD26-D65A700143CC}"/>
+          </ac:picMkLst>
+        </pc:picChg>
+        <pc:picChg chg="mod">
+          <ac:chgData name="Giacomo Orsenigo" userId="f41eed6df4b91581" providerId="LiveId" clId="{8DFAA893-A629-4847-9D1F-D2C67D0EAC70}" dt="2024-09-07T14:48:10.728" v="209"/>
+          <ac:picMkLst>
+            <pc:docMk/>
+            <pc:sldMk cId="475937262" sldId="260"/>
+            <ac:picMk id="59" creationId="{75D42939-6E6F-6427-30F0-29B370D087EF}"/>
+          </ac:picMkLst>
+        </pc:picChg>
       </pc:sldChg>
-      <pc:sldChg chg="modSp">
-        <pc:chgData name="Francesco Spangaro" userId="S::10734844@polimi.it::ba3753b7-8d44-4270-9361-938b439740f0" providerId="AD" clId="Web-{DE52B1D1-9FC2-61B0-EC2D-53E938823DFE}" dt="2024-05-27T11:49:07.926" v="5" actId="1076"/>
+      <pc:sldChg chg="modSp mod modNotesTx">
+        <pc:chgData name="Giacomo Orsenigo" userId="f41eed6df4b91581" providerId="LiveId" clId="{8DFAA893-A629-4847-9D1F-D2C67D0EAC70}" dt="2024-09-07T14:58:06.548" v="381" actId="20577"/>
         <pc:sldMkLst>
           <pc:docMk/>
           <pc:sldMk cId="1966376482" sldId="262"/>
         </pc:sldMkLst>
         <pc:spChg chg="mod">
-          <ac:chgData name="Francesco Spangaro" userId="S::10734844@polimi.it::ba3753b7-8d44-4270-9361-938b439740f0" providerId="AD" clId="Web-{DE52B1D1-9FC2-61B0-EC2D-53E938823DFE}" dt="2024-05-27T11:49:07.926" v="5" actId="1076"/>
+          <ac:chgData name="Giacomo Orsenigo" userId="f41eed6df4b91581" providerId="LiveId" clId="{8DFAA893-A629-4847-9D1F-D2C67D0EAC70}" dt="2024-09-07T14:57:15.768" v="327" actId="20577"/>
           <ac:spMkLst>
             <pc:docMk/>
             <pc:sldMk cId="1966376482" sldId="262"/>
+            <ac:spMk id="39" creationId="{6B86AA07-7522-DD5E-8717-9B9A423A1584}"/>
+          </ac:spMkLst>
+        </pc:spChg>
+      </pc:sldChg>
+      <pc:sldChg chg="modSp mod">
+        <pc:chgData name="Giacomo Orsenigo" userId="f41eed6df4b91581" providerId="LiveId" clId="{8DFAA893-A629-4847-9D1F-D2C67D0EAC70}" dt="2024-09-07T15:06:12.616" v="421" actId="790"/>
+        <pc:sldMkLst>
+          <pc:docMk/>
+          <pc:sldMk cId="3828822465" sldId="275"/>
+        </pc:sldMkLst>
+        <pc:spChg chg="mod">
+          <ac:chgData name="Giacomo Orsenigo" userId="f41eed6df4b91581" providerId="LiveId" clId="{8DFAA893-A629-4847-9D1F-D2C67D0EAC70}" dt="2024-09-07T15:06:12.616" v="421" actId="790"/>
+          <ac:spMkLst>
+            <pc:docMk/>
+            <pc:sldMk cId="3828822465" sldId="275"/>
             <ac:spMk id="2" creationId="{E303BE9B-37ED-298D-882B-DAE33B6F4399}"/>
           </ac:spMkLst>
         </pc:spChg>
-      </pc:sldChg>
-      <pc:sldChg chg="modSp">
-        <pc:chgData name="Francesco Spangaro" userId="S::10734844@polimi.it::ba3753b7-8d44-4270-9361-938b439740f0" providerId="AD" clId="Web-{DE52B1D1-9FC2-61B0-EC2D-53E938823DFE}" dt="2024-05-27T11:49:23.114" v="8" actId="1076"/>
-        <pc:sldMkLst>
-          <pc:docMk/>
-          <pc:sldMk cId="3966523128" sldId="269"/>
-        </pc:sldMkLst>
         <pc:spChg chg="mod">
-          <ac:chgData name="Francesco Spangaro" userId="S::10734844@polimi.it::ba3753b7-8d44-4270-9361-938b439740f0" providerId="AD" clId="Web-{DE52B1D1-9FC2-61B0-EC2D-53E938823DFE}" dt="2024-05-27T11:49:23.114" v="8" actId="1076"/>
+          <ac:chgData name="Giacomo Orsenigo" userId="f41eed6df4b91581" providerId="LiveId" clId="{8DFAA893-A629-4847-9D1F-D2C67D0EAC70}" dt="2024-09-07T15:06:02.785" v="420" actId="790"/>
           <ac:spMkLst>
             <pc:docMk/>
-            <pc:sldMk cId="3966523128" sldId="269"/>
-            <ac:spMk id="2" creationId="{E303BE9B-37ED-298D-882B-DAE33B6F4399}"/>
+            <pc:sldMk cId="3828822465" sldId="275"/>
+            <ac:spMk id="8" creationId="{5B21954A-A97A-1E68-23D6-B82344955A7B}"/>
+          </ac:spMkLst>
+        </pc:spChg>
+        <pc:spChg chg="mod">
+          <ac:chgData name="Giacomo Orsenigo" userId="f41eed6df4b91581" providerId="LiveId" clId="{8DFAA893-A629-4847-9D1F-D2C67D0EAC70}" dt="2024-09-07T15:05:08.901" v="419" actId="790"/>
+          <ac:spMkLst>
+            <pc:docMk/>
+            <pc:sldMk cId="3828822465" sldId="275"/>
+            <ac:spMk id="28" creationId="{40049318-86E7-4485-9CB8-3705570F0B58}"/>
           </ac:spMkLst>
         </pc:spChg>
       </pc:sldChg>
-    </pc:docChg>
-  </pc:docChgLst>
-  <pc:docChgLst>
-    <pc:chgData name="Federico Saccani" userId="S::10700471@polimi.it::b6dd2c5c-0a47-4a0a-ae86-e0cc5a0bcfb7" providerId="AD" clId="Web-{3F17C0EF-3A61-04E4-3BF4-57142A76D667}"/>
-    <pc:docChg chg="addSld delSld modSld addMainMaster delMainMaster">
-      <pc:chgData name="Federico Saccani" userId="S::10700471@polimi.it::b6dd2c5c-0a47-4a0a-ae86-e0cc5a0bcfb7" providerId="AD" clId="Web-{3F17C0EF-3A61-04E4-3BF4-57142A76D667}" dt="2024-05-28T15:30:49.165" v="78" actId="1076"/>
-      <pc:docMkLst>
-        <pc:docMk/>
-      </pc:docMkLst>
-      <pc:sldChg chg="addSp delSp modSp mod modClrScheme delDesignElem chgLayout">
-        <pc:chgData name="Federico Saccani" userId="S::10700471@polimi.it::b6dd2c5c-0a47-4a0a-ae86-e0cc5a0bcfb7" providerId="AD" clId="Web-{3F17C0EF-3A61-04E4-3BF4-57142A76D667}" dt="2024-05-28T15:29:24.212" v="55"/>
+      <pc:sldChg chg="modSp mod">
+        <pc:chgData name="Giacomo Orsenigo" userId="f41eed6df4b91581" providerId="LiveId" clId="{8DFAA893-A629-4847-9D1F-D2C67D0EAC70}" dt="2024-09-07T15:09:18.184" v="426" actId="20577"/>
         <pc:sldMkLst>
           <pc:docMk/>
-          <pc:sldMk cId="2889831294" sldId="256"/>
+          <pc:sldMk cId="2909349142" sldId="276"/>
         </pc:sldMkLst>
-        <pc:spChg chg="mod ord">
-          <ac:chgData name="Federico Saccani" userId="S::10700471@polimi.it::b6dd2c5c-0a47-4a0a-ae86-e0cc5a0bcfb7" providerId="AD" clId="Web-{3F17C0EF-3A61-04E4-3BF4-57142A76D667}" dt="2024-05-28T15:28:04.117" v="34"/>
+        <pc:spChg chg="mod">
+          <ac:chgData name="Giacomo Orsenigo" userId="f41eed6df4b91581" providerId="LiveId" clId="{8DFAA893-A629-4847-9D1F-D2C67D0EAC70}" dt="2024-09-07T15:09:18.184" v="426" actId="20577"/>
           <ac:spMkLst>
             <pc:docMk/>
-            <pc:sldMk cId="2889831294" sldId="256"/>
-            <ac:spMk id="2" creationId="{720952E9-54A2-2E48-26D1-1EB0337065BB}"/>
-          </ac:spMkLst>
-        </pc:spChg>
-        <pc:spChg chg="mod ord">
-          <ac:chgData name="Federico Saccani" userId="S::10700471@polimi.it::b6dd2c5c-0a47-4a0a-ae86-e0cc5a0bcfb7" providerId="AD" clId="Web-{3F17C0EF-3A61-04E4-3BF4-57142A76D667}" dt="2024-05-28T15:28:04.117" v="34"/>
-          <ac:spMkLst>
-            <pc:docMk/>
-            <pc:sldMk cId="2889831294" sldId="256"/>
-            <ac:spMk id="3" creationId="{27F292CB-C8A6-5522-D8EF-744F55672CB0}"/>
-          </ac:spMkLst>
-        </pc:spChg>
-        <pc:spChg chg="del mod ord">
-          <ac:chgData name="Federico Saccani" userId="S::10700471@polimi.it::b6dd2c5c-0a47-4a0a-ae86-e0cc5a0bcfb7" providerId="AD" clId="Web-{3F17C0EF-3A61-04E4-3BF4-57142A76D667}" dt="2024-05-28T15:29:24.212" v="55"/>
-          <ac:spMkLst>
-            <pc:docMk/>
-            <pc:sldMk cId="2889831294" sldId="256"/>
-            <ac:spMk id="5" creationId="{F1A0EA7B-A6B8-C0F5-4949-B7BF32EC4D6E}"/>
-          </ac:spMkLst>
-        </pc:spChg>
-        <pc:spChg chg="mod ord">
-          <ac:chgData name="Federico Saccani" userId="S::10700471@polimi.it::b6dd2c5c-0a47-4a0a-ae86-e0cc5a0bcfb7" providerId="AD" clId="Web-{3F17C0EF-3A61-04E4-3BF4-57142A76D667}" dt="2024-05-28T15:28:04.117" v="34"/>
-          <ac:spMkLst>
-            <pc:docMk/>
-            <pc:sldMk cId="2889831294" sldId="256"/>
-            <ac:spMk id="6" creationId="{12BFF259-8E87-042F-8065-C0A00B162092}"/>
-          </ac:spMkLst>
-        </pc:spChg>
-        <pc:spChg chg="add del">
-          <ac:chgData name="Federico Saccani" userId="S::10700471@polimi.it::b6dd2c5c-0a47-4a0a-ae86-e0cc5a0bcfb7" providerId="AD" clId="Web-{3F17C0EF-3A61-04E4-3BF4-57142A76D667}" dt="2024-05-28T15:28:04.117" v="34"/>
-          <ac:spMkLst>
-            <pc:docMk/>
-            <pc:sldMk cId="2889831294" sldId="256"/>
-            <ac:spMk id="9" creationId="{23D09407-53BC-485E-B4CE-BC5E4FC4B25B}"/>
-          </ac:spMkLst>
-        </pc:spChg>
-        <pc:spChg chg="add del">
-          <ac:chgData name="Federico Saccani" userId="S::10700471@polimi.it::b6dd2c5c-0a47-4a0a-ae86-e0cc5a0bcfb7" providerId="AD" clId="Web-{3F17C0EF-3A61-04E4-3BF4-57142A76D667}" dt="2024-05-28T15:28:04.117" v="34"/>
-          <ac:spMkLst>
-            <pc:docMk/>
-            <pc:sldMk cId="2889831294" sldId="256"/>
-            <ac:spMk id="11" creationId="{921DB988-49FC-4608-B0A2-E2F3A4019041}"/>
-          </ac:spMkLst>
-        </pc:spChg>
-        <pc:grpChg chg="add del">
-          <ac:chgData name="Federico Saccani" userId="S::10700471@polimi.it::b6dd2c5c-0a47-4a0a-ae86-e0cc5a0bcfb7" providerId="AD" clId="Web-{3F17C0EF-3A61-04E4-3BF4-57142A76D667}" dt="2024-05-28T15:28:04.117" v="34"/>
-          <ac:grpSpMkLst>
-            <pc:docMk/>
-            <pc:sldMk cId="2889831294" sldId="256"/>
-            <ac:grpSpMk id="13" creationId="{E9B930FD-8671-4C4C-ADCF-73AC1D0CD417}"/>
-          </ac:grpSpMkLst>
-        </pc:grpChg>
-        <pc:grpChg chg="add del">
-          <ac:chgData name="Federico Saccani" userId="S::10700471@polimi.it::b6dd2c5c-0a47-4a0a-ae86-e0cc5a0bcfb7" providerId="AD" clId="Web-{3F17C0EF-3A61-04E4-3BF4-57142A76D667}" dt="2024-05-28T15:28:04.117" v="34"/>
-          <ac:grpSpMkLst>
-            <pc:docMk/>
-            <pc:sldMk cId="2889831294" sldId="256"/>
-            <ac:grpSpMk id="19" creationId="{383C2651-AE0C-4AE4-8725-E2F9414FE219}"/>
-          </ac:grpSpMkLst>
-        </pc:grpChg>
-      </pc:sldChg>
-      <pc:sldChg chg="addSp delSp modSp mod modClrScheme chgLayout">
-        <pc:chgData name="Federico Saccani" userId="S::10700471@polimi.it::b6dd2c5c-0a47-4a0a-ae86-e0cc5a0bcfb7" providerId="AD" clId="Web-{3F17C0EF-3A61-04E4-3BF4-57142A76D667}" dt="2024-05-28T15:30:30.150" v="73"/>
-        <pc:sldMkLst>
-          <pc:docMk/>
-          <pc:sldMk cId="941844537" sldId="257"/>
-        </pc:sldMkLst>
-        <pc:spChg chg="mod ord">
-          <ac:chgData name="Federico Saccani" userId="S::10700471@polimi.it::b6dd2c5c-0a47-4a0a-ae86-e0cc5a0bcfb7" providerId="AD" clId="Web-{3F17C0EF-3A61-04E4-3BF4-57142A76D667}" dt="2024-05-28T15:30:26.525" v="72"/>
-          <ac:spMkLst>
-            <pc:docMk/>
-            <pc:sldMk cId="941844537" sldId="257"/>
-            <ac:spMk id="2" creationId="{E303BE9B-37ED-298D-882B-DAE33B6F4399}"/>
-          </ac:spMkLst>
-        </pc:spChg>
-        <pc:spChg chg="add del mod ord">
-          <ac:chgData name="Federico Saccani" userId="S::10700471@polimi.it::b6dd2c5c-0a47-4a0a-ae86-e0cc5a0bcfb7" providerId="AD" clId="Web-{3F17C0EF-3A61-04E4-3BF4-57142A76D667}" dt="2024-05-28T15:30:30.150" v="73"/>
-          <ac:spMkLst>
-            <pc:docMk/>
-            <pc:sldMk cId="941844537" sldId="257"/>
-            <ac:spMk id="3" creationId="{43B0CDAB-17DB-F973-AAE7-560837D19448}"/>
-          </ac:spMkLst>
-        </pc:spChg>
-        <pc:spChg chg="mod ord">
-          <ac:chgData name="Federico Saccani" userId="S::10700471@polimi.it::b6dd2c5c-0a47-4a0a-ae86-e0cc5a0bcfb7" providerId="AD" clId="Web-{3F17C0EF-3A61-04E4-3BF4-57142A76D667}" dt="2024-05-28T15:30:26.525" v="72"/>
-          <ac:spMkLst>
-            <pc:docMk/>
-            <pc:sldMk cId="941844537" sldId="257"/>
-            <ac:spMk id="5" creationId="{EDC6C510-9FC6-2EE8-D765-4CFCAA9E1696}"/>
-          </ac:spMkLst>
-        </pc:spChg>
-        <pc:spChg chg="mod ord">
-          <ac:chgData name="Federico Saccani" userId="S::10700471@polimi.it::b6dd2c5c-0a47-4a0a-ae86-e0cc5a0bcfb7" providerId="AD" clId="Web-{3F17C0EF-3A61-04E4-3BF4-57142A76D667}" dt="2024-05-28T15:30:26.525" v="72"/>
-          <ac:spMkLst>
-            <pc:docMk/>
-            <pc:sldMk cId="941844537" sldId="257"/>
-            <ac:spMk id="6" creationId="{8647E559-96CA-1E3F-EA15-5DAD0CD72C5C}"/>
+            <pc:sldMk cId="2909349142" sldId="276"/>
+            <ac:spMk id="42" creationId="{BE052282-3C50-9540-0B14-A33652389AAA}"/>
           </ac:spMkLst>
         </pc:spChg>
       </pc:sldChg>
-      <pc:sldChg chg="addSp delSp modSp mod modClrScheme chgLayout">
-        <pc:chgData name="Federico Saccani" userId="S::10700471@polimi.it::b6dd2c5c-0a47-4a0a-ae86-e0cc5a0bcfb7" providerId="AD" clId="Web-{3F17C0EF-3A61-04E4-3BF4-57142A76D667}" dt="2024-05-28T15:30:49.165" v="78" actId="1076"/>
+      <pc:sldChg chg="addSp modSp mod modTransition modAnim">
+        <pc:chgData name="Giacomo Orsenigo" userId="f41eed6df4b91581" providerId="LiveId" clId="{8DFAA893-A629-4847-9D1F-D2C67D0EAC70}" dt="2024-09-07T15:16:29.973" v="530"/>
         <pc:sldMkLst>
           <pc:docMk/>
-          <pc:sldMk cId="1903131710" sldId="259"/>
+          <pc:sldMk cId="2864584109" sldId="277"/>
         </pc:sldMkLst>
-        <pc:spChg chg="mod ord">
-          <ac:chgData name="Federico Saccani" userId="S::10700471@polimi.it::b6dd2c5c-0a47-4a0a-ae86-e0cc5a0bcfb7" providerId="AD" clId="Web-{3F17C0EF-3A61-04E4-3BF4-57142A76D667}" dt="2024-05-28T15:30:49.165" v="78" actId="1076"/>
+        <pc:spChg chg="add mod">
+          <ac:chgData name="Giacomo Orsenigo" userId="f41eed6df4b91581" providerId="LiveId" clId="{8DFAA893-A629-4847-9D1F-D2C67D0EAC70}" dt="2024-09-07T15:11:14.920" v="465" actId="14100"/>
           <ac:spMkLst>
             <pc:docMk/>
-            <pc:sldMk cId="1903131710" sldId="259"/>
-            <ac:spMk id="2" creationId="{E303BE9B-37ED-298D-882B-DAE33B6F4399}"/>
+            <pc:sldMk cId="2864584109" sldId="277"/>
+            <ac:spMk id="10" creationId="{C8A1FE1B-C991-970A-5105-C29B623826C5}"/>
           </ac:spMkLst>
         </pc:spChg>
-        <pc:spChg chg="add del mod ord">
-          <ac:chgData name="Federico Saccani" userId="S::10700471@polimi.it::b6dd2c5c-0a47-4a0a-ae86-e0cc5a0bcfb7" providerId="AD" clId="Web-{3F17C0EF-3A61-04E4-3BF4-57142A76D667}" dt="2024-05-28T15:29:35.993" v="57"/>
+        <pc:spChg chg="add mod">
+          <ac:chgData name="Giacomo Orsenigo" userId="f41eed6df4b91581" providerId="LiveId" clId="{8DFAA893-A629-4847-9D1F-D2C67D0EAC70}" dt="2024-09-07T15:15:34.129" v="524"/>
           <ac:spMkLst>
             <pc:docMk/>
-            <pc:sldMk cId="1903131710" sldId="259"/>
-            <ac:spMk id="4" creationId="{990F1B23-19E5-0507-44F3-42BC6F946678}"/>
+            <pc:sldMk cId="2864584109" sldId="277"/>
+            <ac:spMk id="12" creationId="{FB369B4F-91AF-0ADE-A44A-20C48D7371E7}"/>
           </ac:spMkLst>
         </pc:spChg>
-        <pc:spChg chg="mod ord">
-          <ac:chgData name="Federico Saccani" userId="S::10700471@polimi.it::b6dd2c5c-0a47-4a0a-ae86-e0cc5a0bcfb7" providerId="AD" clId="Web-{3F17C0EF-3A61-04E4-3BF4-57142A76D667}" dt="2024-05-28T15:29:32.430" v="56"/>
+        <pc:spChg chg="add mod">
+          <ac:chgData name="Giacomo Orsenigo" userId="f41eed6df4b91581" providerId="LiveId" clId="{8DFAA893-A629-4847-9D1F-D2C67D0EAC70}" dt="2024-09-07T15:15:45.289" v="526"/>
           <ac:spMkLst>
             <pc:docMk/>
-            <pc:sldMk cId="1903131710" sldId="259"/>
-            <ac:spMk id="5" creationId="{EDC6C510-9FC6-2EE8-D765-4CFCAA9E1696}"/>
+            <pc:sldMk cId="2864584109" sldId="277"/>
+            <ac:spMk id="19" creationId="{7382C17D-B7EE-1F64-A566-775CD54F81B6}"/>
           </ac:spMkLst>
         </pc:spChg>
         <pc:spChg chg="mod">
-          <ac:chgData name="Federico Saccani" userId="S::10700471@polimi.it::b6dd2c5c-0a47-4a0a-ae86-e0cc5a0bcfb7" providerId="AD" clId="Web-{3F17C0EF-3A61-04E4-3BF4-57142A76D667}" dt="2024-05-28T15:29:11.915" v="53" actId="20577"/>
+          <ac:chgData name="Giacomo Orsenigo" userId="f41eed6df4b91581" providerId="LiveId" clId="{8DFAA893-A629-4847-9D1F-D2C67D0EAC70}" dt="2024-09-07T15:09:22.535" v="431" actId="20577"/>
           <ac:spMkLst>
             <pc:docMk/>
-            <pc:sldMk cId="1903131710" sldId="259"/>
-            <ac:spMk id="7" creationId="{91102608-827B-D296-F09E-0C6C93193949}"/>
+            <pc:sldMk cId="2864584109" sldId="277"/>
+            <ac:spMk id="24" creationId="{F44A636D-596A-B04A-4A7E-6552111973A5}"/>
           </ac:spMkLst>
         </pc:spChg>
       </pc:sldChg>
-      <pc:sldChg chg="addSp delSp modSp mod modClrScheme chgLayout">
-        <pc:chgData name="Federico Saccani" userId="S::10700471@polimi.it::b6dd2c5c-0a47-4a0a-ae86-e0cc5a0bcfb7" providerId="AD" clId="Web-{3F17C0EF-3A61-04E4-3BF4-57142A76D667}" dt="2024-05-28T15:29:46.087" v="59"/>
+      <pc:sldChg chg="addSp delSp modSp del mod modAnim">
+        <pc:chgData name="Giacomo Orsenigo" userId="f41eed6df4b91581" providerId="LiveId" clId="{8DFAA893-A629-4847-9D1F-D2C67D0EAC70}" dt="2024-09-07T15:15:48.738" v="527" actId="47"/>
         <pc:sldMkLst>
           <pc:docMk/>
-          <pc:sldMk cId="475937262" sldId="260"/>
+          <pc:sldMk cId="2495606005" sldId="278"/>
         </pc:sldMkLst>
-        <pc:spChg chg="mod ord">
-          <ac:chgData name="Federico Saccani" userId="S::10700471@polimi.it::b6dd2c5c-0a47-4a0a-ae86-e0cc5a0bcfb7" providerId="AD" clId="Web-{3F17C0EF-3A61-04E4-3BF4-57142A76D667}" dt="2024-05-28T15:29:43.868" v="58"/>
+        <pc:spChg chg="add mod">
+          <ac:chgData name="Giacomo Orsenigo" userId="f41eed6df4b91581" providerId="LiveId" clId="{8DFAA893-A629-4847-9D1F-D2C67D0EAC70}" dt="2024-09-07T15:11:21.197" v="466"/>
           <ac:spMkLst>
             <pc:docMk/>
-            <pc:sldMk cId="475937262" sldId="260"/>
-            <ac:spMk id="2" creationId="{E303BE9B-37ED-298D-882B-DAE33B6F4399}"/>
+            <pc:sldMk cId="2495606005" sldId="278"/>
+            <ac:spMk id="3" creationId="{3AA9E4BF-EE7E-EB61-39BE-259728D10C57}"/>
           </ac:spMkLst>
         </pc:spChg>
-        <pc:spChg chg="mod ord">
-          <ac:chgData name="Federico Saccani" userId="S::10700471@polimi.it::b6dd2c5c-0a47-4a0a-ae86-e0cc5a0bcfb7" providerId="AD" clId="Web-{3F17C0EF-3A61-04E4-3BF4-57142A76D667}" dt="2024-05-28T15:29:43.868" v="58"/>
+        <pc:spChg chg="add del mod">
+          <ac:chgData name="Giacomo Orsenigo" userId="f41eed6df4b91581" providerId="LiveId" clId="{8DFAA893-A629-4847-9D1F-D2C67D0EAC70}" dt="2024-09-07T15:15:44.224" v="525" actId="21"/>
           <ac:spMkLst>
             <pc:docMk/>
-            <pc:sldMk cId="475937262" sldId="260"/>
-            <ac:spMk id="5" creationId="{EDC6C510-9FC6-2EE8-D765-4CFCAA9E1696}"/>
+            <pc:sldMk cId="2495606005" sldId="278"/>
+            <ac:spMk id="6" creationId="{59899F8C-4A47-430D-8739-F8C399B251AD}"/>
+          </ac:spMkLst>
+        </pc:spChg>
+      </pc:sldChg>
+      <pc:sldChg chg="modSp mod modAnim">
+        <pc:chgData name="Giacomo Orsenigo" userId="f41eed6df4b91581" providerId="LiveId" clId="{8DFAA893-A629-4847-9D1F-D2C67D0EAC70}" dt="2024-09-07T15:02:54.424" v="418" actId="1037"/>
+        <pc:sldMkLst>
+          <pc:docMk/>
+          <pc:sldMk cId="2045967823" sldId="280"/>
+        </pc:sldMkLst>
+        <pc:spChg chg="mod">
+          <ac:chgData name="Giacomo Orsenigo" userId="f41eed6df4b91581" providerId="LiveId" clId="{8DFAA893-A629-4847-9D1F-D2C67D0EAC70}" dt="2024-09-07T15:02:41.272" v="399" actId="1038"/>
+          <ac:spMkLst>
+            <pc:docMk/>
+            <pc:sldMk cId="2045967823" sldId="280"/>
+            <ac:spMk id="27" creationId="{FE4EE16F-FB65-57EA-6CBA-78309E3D9544}"/>
           </ac:spMkLst>
         </pc:spChg>
         <pc:spChg chg="mod">
-          <ac:chgData name="Federico Saccani" userId="S::10700471@polimi.it::b6dd2c5c-0a47-4a0a-ae86-e0cc5a0bcfb7" providerId="AD" clId="Web-{3F17C0EF-3A61-04E4-3BF4-57142A76D667}" dt="2024-05-28T15:29:07.337" v="49" actId="20577"/>
+          <ac:chgData name="Giacomo Orsenigo" userId="f41eed6df4b91581" providerId="LiveId" clId="{8DFAA893-A629-4847-9D1F-D2C67D0EAC70}" dt="2024-09-07T15:02:54.424" v="418" actId="1037"/>
           <ac:spMkLst>
             <pc:docMk/>
-            <pc:sldMk cId="475937262" sldId="260"/>
-            <ac:spMk id="9" creationId="{76ABE0DD-62AA-F78B-26A5-E1BC99468D8C}"/>
-          </ac:spMkLst>
-        </pc:spChg>
-        <pc:spChg chg="add del mod ord">
-          <ac:chgData name="Federico Saccani" userId="S::10700471@polimi.it::b6dd2c5c-0a47-4a0a-ae86-e0cc5a0bcfb7" providerId="AD" clId="Web-{3F17C0EF-3A61-04E4-3BF4-57142A76D667}" dt="2024-05-28T15:29:46.087" v="59"/>
-          <ac:spMkLst>
-            <pc:docMk/>
-            <pc:sldMk cId="475937262" sldId="260"/>
-            <ac:spMk id="11" creationId="{E2B2DC2B-92A5-A4A2-40ED-1711D1A44BBD}"/>
+            <pc:sldMk cId="2045967823" sldId="280"/>
+            <ac:spMk id="46" creationId="{7D9DF06A-C3FA-3A28-B95A-222453A448E6}"/>
           </ac:spMkLst>
         </pc:spChg>
       </pc:sldChg>
-      <pc:sldChg chg="modSp add del mod modClrScheme chgLayout">
-        <pc:chgData name="Federico Saccani" userId="S::10700471@polimi.it::b6dd2c5c-0a47-4a0a-ae86-e0cc5a0bcfb7" providerId="AD" clId="Web-{3F17C0EF-3A61-04E4-3BF4-57142A76D667}" dt="2024-05-28T15:29:16.196" v="54"/>
-        <pc:sldMkLst>
-          <pc:docMk/>
-          <pc:sldMk cId="3358937745" sldId="261"/>
-        </pc:sldMkLst>
-        <pc:spChg chg="mod ord">
-          <ac:chgData name="Federico Saccani" userId="S::10700471@polimi.it::b6dd2c5c-0a47-4a0a-ae86-e0cc5a0bcfb7" providerId="AD" clId="Web-{3F17C0EF-3A61-04E4-3BF4-57142A76D667}" dt="2024-05-28T15:28:04.117" v="34"/>
-          <ac:spMkLst>
-            <pc:docMk/>
-            <pc:sldMk cId="3358937745" sldId="261"/>
-            <ac:spMk id="6" creationId="{EE1552B0-6E10-C25D-453A-CC811E743A00}"/>
-          </ac:spMkLst>
-        </pc:spChg>
-        <pc:spChg chg="mod ord">
-          <ac:chgData name="Federico Saccani" userId="S::10700471@polimi.it::b6dd2c5c-0a47-4a0a-ae86-e0cc5a0bcfb7" providerId="AD" clId="Web-{3F17C0EF-3A61-04E4-3BF4-57142A76D667}" dt="2024-05-28T15:28:04.117" v="34"/>
-          <ac:spMkLst>
-            <pc:docMk/>
-            <pc:sldMk cId="3358937745" sldId="261"/>
-            <ac:spMk id="7" creationId="{41CE79F2-404B-991F-157F-F18805847EB1}"/>
-          </ac:spMkLst>
-        </pc:spChg>
-      </pc:sldChg>
-      <pc:sldChg chg="addSp delSp modSp mod modClrScheme chgLayout">
-        <pc:chgData name="Federico Saccani" userId="S::10700471@polimi.it::b6dd2c5c-0a47-4a0a-ae86-e0cc5a0bcfb7" providerId="AD" clId="Web-{3F17C0EF-3A61-04E4-3BF4-57142A76D667}" dt="2024-05-28T15:30:05.259" v="65"/>
-        <pc:sldMkLst>
-          <pc:docMk/>
-          <pc:sldMk cId="1966376482" sldId="262"/>
-        </pc:sldMkLst>
-        <pc:spChg chg="mod ord">
-          <ac:chgData name="Federico Saccani" userId="S::10700471@polimi.it::b6dd2c5c-0a47-4a0a-ae86-e0cc5a0bcfb7" providerId="AD" clId="Web-{3F17C0EF-3A61-04E4-3BF4-57142A76D667}" dt="2024-05-28T15:30:03.321" v="64"/>
-          <ac:spMkLst>
-            <pc:docMk/>
-            <pc:sldMk cId="1966376482" sldId="262"/>
-            <ac:spMk id="2" creationId="{E303BE9B-37ED-298D-882B-DAE33B6F4399}"/>
-          </ac:spMkLst>
-        </pc:spChg>
-        <pc:spChg chg="add del mod ord">
-          <ac:chgData name="Federico Saccani" userId="S::10700471@polimi.it::b6dd2c5c-0a47-4a0a-ae86-e0cc5a0bcfb7" providerId="AD" clId="Web-{3F17C0EF-3A61-04E4-3BF4-57142A76D667}" dt="2024-05-28T15:30:05.259" v="65"/>
-          <ac:spMkLst>
-            <pc:docMk/>
-            <pc:sldMk cId="1966376482" sldId="262"/>
-            <ac:spMk id="4" creationId="{875224FA-5138-FBB8-A50C-F57C76B2EFCA}"/>
-          </ac:spMkLst>
-        </pc:spChg>
-        <pc:spChg chg="mod ord">
-          <ac:chgData name="Federico Saccani" userId="S::10700471@polimi.it::b6dd2c5c-0a47-4a0a-ae86-e0cc5a0bcfb7" providerId="AD" clId="Web-{3F17C0EF-3A61-04E4-3BF4-57142A76D667}" dt="2024-05-28T15:30:03.321" v="64"/>
-          <ac:spMkLst>
-            <pc:docMk/>
-            <pc:sldMk cId="1966376482" sldId="262"/>
-            <ac:spMk id="5" creationId="{EDC6C510-9FC6-2EE8-D765-4CFCAA9E1696}"/>
-          </ac:spMkLst>
-        </pc:spChg>
-        <pc:spChg chg="mod ord">
-          <ac:chgData name="Federico Saccani" userId="S::10700471@polimi.it::b6dd2c5c-0a47-4a0a-ae86-e0cc5a0bcfb7" providerId="AD" clId="Web-{3F17C0EF-3A61-04E4-3BF4-57142A76D667}" dt="2024-05-28T15:30:03.321" v="64"/>
-          <ac:spMkLst>
-            <pc:docMk/>
-            <pc:sldMk cId="1966376482" sldId="262"/>
-            <ac:spMk id="14" creationId="{44822887-282F-18C2-1591-6811201E5EEA}"/>
-          </ac:spMkLst>
-        </pc:spChg>
-      </pc:sldChg>
-      <pc:sldChg chg="addSp delSp modSp mod modClrScheme chgLayout">
-        <pc:chgData name="Federico Saccani" userId="S::10700471@polimi.it::b6dd2c5c-0a47-4a0a-ae86-e0cc5a0bcfb7" providerId="AD" clId="Web-{3F17C0EF-3A61-04E4-3BF4-57142A76D667}" dt="2024-05-28T15:29:53.712" v="61"/>
-        <pc:sldMkLst>
-          <pc:docMk/>
-          <pc:sldMk cId="2710985118" sldId="263"/>
-        </pc:sldMkLst>
-        <pc:spChg chg="mod ord">
-          <ac:chgData name="Federico Saccani" userId="S::10700471@polimi.it::b6dd2c5c-0a47-4a0a-ae86-e0cc5a0bcfb7" providerId="AD" clId="Web-{3F17C0EF-3A61-04E4-3BF4-57142A76D667}" dt="2024-05-28T15:29:50.712" v="60"/>
-          <ac:spMkLst>
-            <pc:docMk/>
-            <pc:sldMk cId="2710985118" sldId="263"/>
-            <ac:spMk id="2" creationId="{E303BE9B-37ED-298D-882B-DAE33B6F4399}"/>
-          </ac:spMkLst>
-        </pc:spChg>
-        <pc:spChg chg="add del mod ord">
-          <ac:chgData name="Federico Saccani" userId="S::10700471@polimi.it::b6dd2c5c-0a47-4a0a-ae86-e0cc5a0bcfb7" providerId="AD" clId="Web-{3F17C0EF-3A61-04E4-3BF4-57142A76D667}" dt="2024-05-28T15:29:53.712" v="61"/>
-          <ac:spMkLst>
-            <pc:docMk/>
-            <pc:sldMk cId="2710985118" sldId="263"/>
-            <ac:spMk id="4" creationId="{20594065-FC2F-710E-F174-269D113790C4}"/>
-          </ac:spMkLst>
-        </pc:spChg>
-        <pc:spChg chg="mod ord">
-          <ac:chgData name="Federico Saccani" userId="S::10700471@polimi.it::b6dd2c5c-0a47-4a0a-ae86-e0cc5a0bcfb7" providerId="AD" clId="Web-{3F17C0EF-3A61-04E4-3BF4-57142A76D667}" dt="2024-05-28T15:29:50.712" v="60"/>
-          <ac:spMkLst>
-            <pc:docMk/>
-            <pc:sldMk cId="2710985118" sldId="263"/>
-            <ac:spMk id="5" creationId="{EDC6C510-9FC6-2EE8-D765-4CFCAA9E1696}"/>
-          </ac:spMkLst>
-        </pc:spChg>
-        <pc:spChg chg="mod ord">
-          <ac:chgData name="Federico Saccani" userId="S::10700471@polimi.it::b6dd2c5c-0a47-4a0a-ae86-e0cc5a0bcfb7" providerId="AD" clId="Web-{3F17C0EF-3A61-04E4-3BF4-57142A76D667}" dt="2024-05-28T15:29:50.712" v="60"/>
-          <ac:spMkLst>
-            <pc:docMk/>
-            <pc:sldMk cId="2710985118" sldId="263"/>
-            <ac:spMk id="8" creationId="{7BC61599-B2C2-1DD3-C17C-A251469616D8}"/>
-          </ac:spMkLst>
-        </pc:spChg>
-      </pc:sldChg>
-      <pc:sldChg chg="addSp delSp modSp mod modClrScheme chgLayout">
-        <pc:chgData name="Federico Saccani" userId="S::10700471@polimi.it::b6dd2c5c-0a47-4a0a-ae86-e0cc5a0bcfb7" providerId="AD" clId="Web-{3F17C0EF-3A61-04E4-3BF4-57142A76D667}" dt="2024-05-28T15:29:59.852" v="63"/>
-        <pc:sldMkLst>
-          <pc:docMk/>
-          <pc:sldMk cId="4190760898" sldId="264"/>
-        </pc:sldMkLst>
-        <pc:spChg chg="mod ord">
-          <ac:chgData name="Federico Saccani" userId="S::10700471@polimi.it::b6dd2c5c-0a47-4a0a-ae86-e0cc5a0bcfb7" providerId="AD" clId="Web-{3F17C0EF-3A61-04E4-3BF4-57142A76D667}" dt="2024-05-28T15:29:57.774" v="62"/>
-          <ac:spMkLst>
-            <pc:docMk/>
-            <pc:sldMk cId="4190760898" sldId="264"/>
-            <ac:spMk id="2" creationId="{E303BE9B-37ED-298D-882B-DAE33B6F4399}"/>
-          </ac:spMkLst>
-        </pc:spChg>
-        <pc:spChg chg="add del mod ord">
-          <ac:chgData name="Federico Saccani" userId="S::10700471@polimi.it::b6dd2c5c-0a47-4a0a-ae86-e0cc5a0bcfb7" providerId="AD" clId="Web-{3F17C0EF-3A61-04E4-3BF4-57142A76D667}" dt="2024-05-28T15:29:59.852" v="63"/>
-          <ac:spMkLst>
-            <pc:docMk/>
-            <pc:sldMk cId="4190760898" sldId="264"/>
-            <ac:spMk id="4" creationId="{7910A588-7416-370C-B7CD-235A56226EF6}"/>
-          </ac:spMkLst>
-        </pc:spChg>
-        <pc:spChg chg="mod ord">
-          <ac:chgData name="Federico Saccani" userId="S::10700471@polimi.it::b6dd2c5c-0a47-4a0a-ae86-e0cc5a0bcfb7" providerId="AD" clId="Web-{3F17C0EF-3A61-04E4-3BF4-57142A76D667}" dt="2024-05-28T15:29:57.774" v="62"/>
-          <ac:spMkLst>
-            <pc:docMk/>
-            <pc:sldMk cId="4190760898" sldId="264"/>
-            <ac:spMk id="5" creationId="{EDC6C510-9FC6-2EE8-D765-4CFCAA9E1696}"/>
-          </ac:spMkLst>
-        </pc:spChg>
-        <pc:spChg chg="mod ord">
-          <ac:chgData name="Federico Saccani" userId="S::10700471@polimi.it::b6dd2c5c-0a47-4a0a-ae86-e0cc5a0bcfb7" providerId="AD" clId="Web-{3F17C0EF-3A61-04E4-3BF4-57142A76D667}" dt="2024-05-28T15:29:57.774" v="62"/>
-          <ac:spMkLst>
-            <pc:docMk/>
-            <pc:sldMk cId="4190760898" sldId="264"/>
-            <ac:spMk id="11" creationId="{90D24739-237F-8AB4-0295-E30A76AB67A8}"/>
-          </ac:spMkLst>
-        </pc:spChg>
-      </pc:sldChg>
-      <pc:sldChg chg="addSp delSp modSp mod modClrScheme chgLayout">
-        <pc:chgData name="Federico Saccani" userId="S::10700471@polimi.it::b6dd2c5c-0a47-4a0a-ae86-e0cc5a0bcfb7" providerId="AD" clId="Web-{3F17C0EF-3A61-04E4-3BF4-57142A76D667}" dt="2024-05-28T15:30:12.759" v="67"/>
-        <pc:sldMkLst>
-          <pc:docMk/>
-          <pc:sldMk cId="1799355463" sldId="265"/>
-        </pc:sldMkLst>
-        <pc:spChg chg="mod ord">
-          <ac:chgData name="Federico Saccani" userId="S::10700471@polimi.it::b6dd2c5c-0a47-4a0a-ae86-e0cc5a0bcfb7" providerId="AD" clId="Web-{3F17C0EF-3A61-04E4-3BF4-57142A76D667}" dt="2024-05-28T15:30:09.556" v="66"/>
-          <ac:spMkLst>
-            <pc:docMk/>
-            <pc:sldMk cId="1799355463" sldId="265"/>
-            <ac:spMk id="2" creationId="{E303BE9B-37ED-298D-882B-DAE33B6F4399}"/>
-          </ac:spMkLst>
-        </pc:spChg>
-        <pc:spChg chg="add del mod ord">
-          <ac:chgData name="Federico Saccani" userId="S::10700471@polimi.it::b6dd2c5c-0a47-4a0a-ae86-e0cc5a0bcfb7" providerId="AD" clId="Web-{3F17C0EF-3A61-04E4-3BF4-57142A76D667}" dt="2024-05-28T15:30:12.759" v="67"/>
-          <ac:spMkLst>
-            <pc:docMk/>
-            <pc:sldMk cId="1799355463" sldId="265"/>
-            <ac:spMk id="4" creationId="{471B4E92-BD7F-2ED9-AB6C-39333BFC3DD4}"/>
-          </ac:spMkLst>
-        </pc:spChg>
-        <pc:spChg chg="mod ord">
-          <ac:chgData name="Federico Saccani" userId="S::10700471@polimi.it::b6dd2c5c-0a47-4a0a-ae86-e0cc5a0bcfb7" providerId="AD" clId="Web-{3F17C0EF-3A61-04E4-3BF4-57142A76D667}" dt="2024-05-28T15:30:09.556" v="66"/>
-          <ac:spMkLst>
-            <pc:docMk/>
-            <pc:sldMk cId="1799355463" sldId="265"/>
-            <ac:spMk id="5" creationId="{EDC6C510-9FC6-2EE8-D765-4CFCAA9E1696}"/>
-          </ac:spMkLst>
-        </pc:spChg>
-        <pc:spChg chg="mod ord">
-          <ac:chgData name="Federico Saccani" userId="S::10700471@polimi.it::b6dd2c5c-0a47-4a0a-ae86-e0cc5a0bcfb7" providerId="AD" clId="Web-{3F17C0EF-3A61-04E4-3BF4-57142A76D667}" dt="2024-05-28T15:30:09.556" v="66"/>
-          <ac:spMkLst>
-            <pc:docMk/>
-            <pc:sldMk cId="1799355463" sldId="265"/>
-            <ac:spMk id="22" creationId="{2AD02855-5704-2923-D10D-CBB7E63F565B}"/>
-          </ac:spMkLst>
-        </pc:spChg>
-      </pc:sldChg>
-      <pc:sldChg chg="addSp delSp modSp mod modClrScheme chgLayout">
-        <pc:chgData name="Federico Saccani" userId="S::10700471@polimi.it::b6dd2c5c-0a47-4a0a-ae86-e0cc5a0bcfb7" providerId="AD" clId="Web-{3F17C0EF-3A61-04E4-3BF4-57142A76D667}" dt="2024-05-28T15:30:18.509" v="69"/>
-        <pc:sldMkLst>
-          <pc:docMk/>
-          <pc:sldMk cId="2777351238" sldId="266"/>
-        </pc:sldMkLst>
-        <pc:spChg chg="mod ord">
-          <ac:chgData name="Federico Saccani" userId="S::10700471@polimi.it::b6dd2c5c-0a47-4a0a-ae86-e0cc5a0bcfb7" providerId="AD" clId="Web-{3F17C0EF-3A61-04E4-3BF4-57142A76D667}" dt="2024-05-28T15:30:16.931" v="68"/>
-          <ac:spMkLst>
-            <pc:docMk/>
-            <pc:sldMk cId="2777351238" sldId="266"/>
-            <ac:spMk id="2" creationId="{E303BE9B-37ED-298D-882B-DAE33B6F4399}"/>
-          </ac:spMkLst>
-        </pc:spChg>
-        <pc:spChg chg="add del mod ord">
-          <ac:chgData name="Federico Saccani" userId="S::10700471@polimi.it::b6dd2c5c-0a47-4a0a-ae86-e0cc5a0bcfb7" providerId="AD" clId="Web-{3F17C0EF-3A61-04E4-3BF4-57142A76D667}" dt="2024-05-28T15:30:18.509" v="69"/>
-          <ac:spMkLst>
-            <pc:docMk/>
-            <pc:sldMk cId="2777351238" sldId="266"/>
-            <ac:spMk id="4" creationId="{1DBF720E-F82B-DC0B-C031-60B6A13D900A}"/>
-          </ac:spMkLst>
-        </pc:spChg>
-        <pc:spChg chg="mod ord">
-          <ac:chgData name="Federico Saccani" userId="S::10700471@polimi.it::b6dd2c5c-0a47-4a0a-ae86-e0cc5a0bcfb7" providerId="AD" clId="Web-{3F17C0EF-3A61-04E4-3BF4-57142A76D667}" dt="2024-05-28T15:30:16.931" v="68"/>
-          <ac:spMkLst>
-            <pc:docMk/>
-            <pc:sldMk cId="2777351238" sldId="266"/>
-            <ac:spMk id="5" creationId="{EDC6C510-9FC6-2EE8-D765-4CFCAA9E1696}"/>
-          </ac:spMkLst>
-        </pc:spChg>
-        <pc:spChg chg="mod ord">
-          <ac:chgData name="Federico Saccani" userId="S::10700471@polimi.it::b6dd2c5c-0a47-4a0a-ae86-e0cc5a0bcfb7" providerId="AD" clId="Web-{3F17C0EF-3A61-04E4-3BF4-57142A76D667}" dt="2024-05-28T15:30:16.931" v="68"/>
-          <ac:spMkLst>
-            <pc:docMk/>
-            <pc:sldMk cId="2777351238" sldId="266"/>
-            <ac:spMk id="25" creationId="{EE4A99F6-0330-2330-24C6-23345787BEAF}"/>
-          </ac:spMkLst>
-        </pc:spChg>
-      </pc:sldChg>
-      <pc:sldChg chg="addSp delSp modSp mod modClrScheme chgLayout">
-        <pc:chgData name="Federico Saccani" userId="S::10700471@polimi.it::b6dd2c5c-0a47-4a0a-ae86-e0cc5a0bcfb7" providerId="AD" clId="Web-{3F17C0EF-3A61-04E4-3BF4-57142A76D667}" dt="2024-05-28T15:30:23.603" v="71"/>
-        <pc:sldMkLst>
-          <pc:docMk/>
-          <pc:sldMk cId="647797854" sldId="267"/>
-        </pc:sldMkLst>
-        <pc:spChg chg="mod ord">
-          <ac:chgData name="Federico Saccani" userId="S::10700471@polimi.it::b6dd2c5c-0a47-4a0a-ae86-e0cc5a0bcfb7" providerId="AD" clId="Web-{3F17C0EF-3A61-04E4-3BF4-57142A76D667}" dt="2024-05-28T15:30:21.993" v="70"/>
-          <ac:spMkLst>
-            <pc:docMk/>
-            <pc:sldMk cId="647797854" sldId="267"/>
-            <ac:spMk id="2" creationId="{E303BE9B-37ED-298D-882B-DAE33B6F4399}"/>
-          </ac:spMkLst>
-        </pc:spChg>
-        <pc:spChg chg="add del mod ord">
-          <ac:chgData name="Federico Saccani" userId="S::10700471@polimi.it::b6dd2c5c-0a47-4a0a-ae86-e0cc5a0bcfb7" providerId="AD" clId="Web-{3F17C0EF-3A61-04E4-3BF4-57142A76D667}" dt="2024-05-28T15:30:23.603" v="71"/>
-          <ac:spMkLst>
-            <pc:docMk/>
-            <pc:sldMk cId="647797854" sldId="267"/>
-            <ac:spMk id="4" creationId="{729FD1B3-B040-50E4-EC22-3EEEFDBA0025}"/>
-          </ac:spMkLst>
-        </pc:spChg>
-        <pc:spChg chg="mod ord">
-          <ac:chgData name="Federico Saccani" userId="S::10700471@polimi.it::b6dd2c5c-0a47-4a0a-ae86-e0cc5a0bcfb7" providerId="AD" clId="Web-{3F17C0EF-3A61-04E4-3BF4-57142A76D667}" dt="2024-05-28T15:30:21.993" v="70"/>
-          <ac:spMkLst>
-            <pc:docMk/>
-            <pc:sldMk cId="647797854" sldId="267"/>
-            <ac:spMk id="5" creationId="{EDC6C510-9FC6-2EE8-D765-4CFCAA9E1696}"/>
-          </ac:spMkLst>
-        </pc:spChg>
-        <pc:spChg chg="mod ord">
-          <ac:chgData name="Federico Saccani" userId="S::10700471@polimi.it::b6dd2c5c-0a47-4a0a-ae86-e0cc5a0bcfb7" providerId="AD" clId="Web-{3F17C0EF-3A61-04E4-3BF4-57142A76D667}" dt="2024-05-28T15:30:21.993" v="70"/>
-          <ac:spMkLst>
-            <pc:docMk/>
-            <pc:sldMk cId="647797854" sldId="267"/>
-            <ac:spMk id="29" creationId="{D1D269DC-B0CF-D7CF-B1E6-72CBA18AB148}"/>
-          </ac:spMkLst>
-        </pc:spChg>
-      </pc:sldChg>
-      <pc:sldChg chg="addSp delSp modSp mod modClrScheme chgLayout">
-        <pc:chgData name="Federico Saccani" userId="S::10700471@polimi.it::b6dd2c5c-0a47-4a0a-ae86-e0cc5a0bcfb7" providerId="AD" clId="Web-{3F17C0EF-3A61-04E4-3BF4-57142A76D667}" dt="2024-05-28T15:30:36.696" v="75"/>
-        <pc:sldMkLst>
-          <pc:docMk/>
-          <pc:sldMk cId="3966523128" sldId="269"/>
-        </pc:sldMkLst>
-        <pc:spChg chg="mod ord">
-          <ac:chgData name="Federico Saccani" userId="S::10700471@polimi.it::b6dd2c5c-0a47-4a0a-ae86-e0cc5a0bcfb7" providerId="AD" clId="Web-{3F17C0EF-3A61-04E4-3BF4-57142A76D667}" dt="2024-05-28T15:30:35.118" v="74"/>
-          <ac:spMkLst>
-            <pc:docMk/>
-            <pc:sldMk cId="3966523128" sldId="269"/>
-            <ac:spMk id="2" creationId="{E303BE9B-37ED-298D-882B-DAE33B6F4399}"/>
-          </ac:spMkLst>
-        </pc:spChg>
-        <pc:spChg chg="add del mod ord">
-          <ac:chgData name="Federico Saccani" userId="S::10700471@polimi.it::b6dd2c5c-0a47-4a0a-ae86-e0cc5a0bcfb7" providerId="AD" clId="Web-{3F17C0EF-3A61-04E4-3BF4-57142A76D667}" dt="2024-05-28T15:30:36.696" v="75"/>
-          <ac:spMkLst>
-            <pc:docMk/>
-            <pc:sldMk cId="3966523128" sldId="269"/>
-            <ac:spMk id="3" creationId="{369646EC-1D1B-00A1-149C-A953A3900ADF}"/>
-          </ac:spMkLst>
-        </pc:spChg>
-        <pc:spChg chg="mod ord">
-          <ac:chgData name="Federico Saccani" userId="S::10700471@polimi.it::b6dd2c5c-0a47-4a0a-ae86-e0cc5a0bcfb7" providerId="AD" clId="Web-{3F17C0EF-3A61-04E4-3BF4-57142A76D667}" dt="2024-05-28T15:30:35.118" v="74"/>
-          <ac:spMkLst>
-            <pc:docMk/>
-            <pc:sldMk cId="3966523128" sldId="269"/>
-            <ac:spMk id="5" creationId="{EDC6C510-9FC6-2EE8-D765-4CFCAA9E1696}"/>
-          </ac:spMkLst>
-        </pc:spChg>
-        <pc:spChg chg="mod ord">
-          <ac:chgData name="Federico Saccani" userId="S::10700471@polimi.it::b6dd2c5c-0a47-4a0a-ae86-e0cc5a0bcfb7" providerId="AD" clId="Web-{3F17C0EF-3A61-04E4-3BF4-57142A76D667}" dt="2024-05-28T15:30:35.118" v="74"/>
-          <ac:spMkLst>
-            <pc:docMk/>
-            <pc:sldMk cId="3966523128" sldId="269"/>
-            <ac:spMk id="6" creationId="{91625D7E-ABD3-D94E-CEB9-9BED2F5E36C2}"/>
-          </ac:spMkLst>
-        </pc:spChg>
-      </pc:sldChg>
-      <pc:sldChg chg="addSp delSp modSp mod modClrScheme chgLayout">
-        <pc:chgData name="Federico Saccani" userId="S::10700471@polimi.it::b6dd2c5c-0a47-4a0a-ae86-e0cc5a0bcfb7" providerId="AD" clId="Web-{3F17C0EF-3A61-04E4-3BF4-57142A76D667}" dt="2024-05-28T15:30:41.743" v="77"/>
-        <pc:sldMkLst>
-          <pc:docMk/>
-          <pc:sldMk cId="3955156056" sldId="270"/>
-        </pc:sldMkLst>
-        <pc:spChg chg="mod ord">
-          <ac:chgData name="Federico Saccani" userId="S::10700471@polimi.it::b6dd2c5c-0a47-4a0a-ae86-e0cc5a0bcfb7" providerId="AD" clId="Web-{3F17C0EF-3A61-04E4-3BF4-57142A76D667}" dt="2024-05-28T15:30:40.056" v="76"/>
-          <ac:spMkLst>
-            <pc:docMk/>
-            <pc:sldMk cId="3955156056" sldId="270"/>
-            <ac:spMk id="2" creationId="{E303BE9B-37ED-298D-882B-DAE33B6F4399}"/>
-          </ac:spMkLst>
-        </pc:spChg>
-        <pc:spChg chg="add del mod ord">
-          <ac:chgData name="Federico Saccani" userId="S::10700471@polimi.it::b6dd2c5c-0a47-4a0a-ae86-e0cc5a0bcfb7" providerId="AD" clId="Web-{3F17C0EF-3A61-04E4-3BF4-57142A76D667}" dt="2024-05-28T15:30:41.743" v="77"/>
-          <ac:spMkLst>
-            <pc:docMk/>
-            <pc:sldMk cId="3955156056" sldId="270"/>
-            <ac:spMk id="3" creationId="{C9C28B79-BE05-0E75-C1B3-2B54AC47B7F6}"/>
-          </ac:spMkLst>
-        </pc:spChg>
-        <pc:spChg chg="mod ord">
-          <ac:chgData name="Federico Saccani" userId="S::10700471@polimi.it::b6dd2c5c-0a47-4a0a-ae86-e0cc5a0bcfb7" providerId="AD" clId="Web-{3F17C0EF-3A61-04E4-3BF4-57142A76D667}" dt="2024-05-28T15:30:40.056" v="76"/>
-          <ac:spMkLst>
-            <pc:docMk/>
-            <pc:sldMk cId="3955156056" sldId="270"/>
-            <ac:spMk id="5" creationId="{EDC6C510-9FC6-2EE8-D765-4CFCAA9E1696}"/>
-          </ac:spMkLst>
-        </pc:spChg>
-        <pc:spChg chg="mod ord">
-          <ac:chgData name="Federico Saccani" userId="S::10700471@polimi.it::b6dd2c5c-0a47-4a0a-ae86-e0cc5a0bcfb7" providerId="AD" clId="Web-{3F17C0EF-3A61-04E4-3BF4-57142A76D667}" dt="2024-05-28T15:30:40.056" v="76"/>
-          <ac:spMkLst>
-            <pc:docMk/>
-            <pc:sldMk cId="3955156056" sldId="270"/>
-            <ac:spMk id="6" creationId="{7EE28BE1-3D05-594C-DF8D-CF57A2EB51A4}"/>
-          </ac:spMkLst>
-        </pc:spChg>
-      </pc:sldChg>
-      <pc:sldMasterChg chg="add del addSldLayout delSldLayout">
-        <pc:chgData name="Federico Saccani" userId="S::10700471@polimi.it::b6dd2c5c-0a47-4a0a-ae86-e0cc5a0bcfb7" providerId="AD" clId="Web-{3F17C0EF-3A61-04E4-3BF4-57142A76D667}" dt="2024-05-28T15:28:04.117" v="34"/>
-        <pc:sldMasterMkLst>
-          <pc:docMk/>
-          <pc:sldMasterMk cId="3137297069" sldId="2147483660"/>
-        </pc:sldMasterMkLst>
-        <pc:sldLayoutChg chg="add del">
-          <pc:chgData name="Federico Saccani" userId="S::10700471@polimi.it::b6dd2c5c-0a47-4a0a-ae86-e0cc5a0bcfb7" providerId="AD" clId="Web-{3F17C0EF-3A61-04E4-3BF4-57142A76D667}" dt="2024-05-28T15:28:04.117" v="34"/>
-          <pc:sldLayoutMkLst>
-            <pc:docMk/>
-            <pc:sldMasterMk cId="3137297069" sldId="2147483660"/>
-            <pc:sldLayoutMk cId="2193088357" sldId="2147483661"/>
-          </pc:sldLayoutMkLst>
-        </pc:sldLayoutChg>
-        <pc:sldLayoutChg chg="add del">
-          <pc:chgData name="Federico Saccani" userId="S::10700471@polimi.it::b6dd2c5c-0a47-4a0a-ae86-e0cc5a0bcfb7" providerId="AD" clId="Web-{3F17C0EF-3A61-04E4-3BF4-57142A76D667}" dt="2024-05-28T15:28:04.117" v="34"/>
-          <pc:sldLayoutMkLst>
-            <pc:docMk/>
-            <pc:sldMasterMk cId="3137297069" sldId="2147483660"/>
-            <pc:sldLayoutMk cId="3465521588" sldId="2147483662"/>
-          </pc:sldLayoutMkLst>
-        </pc:sldLayoutChg>
-        <pc:sldLayoutChg chg="add del">
-          <pc:chgData name="Federico Saccani" userId="S::10700471@polimi.it::b6dd2c5c-0a47-4a0a-ae86-e0cc5a0bcfb7" providerId="AD" clId="Web-{3F17C0EF-3A61-04E4-3BF4-57142A76D667}" dt="2024-05-28T15:28:04.117" v="34"/>
-          <pc:sldLayoutMkLst>
-            <pc:docMk/>
-            <pc:sldMasterMk cId="3137297069" sldId="2147483660"/>
-            <pc:sldLayoutMk cId="3214957671" sldId="2147483663"/>
-          </pc:sldLayoutMkLst>
-        </pc:sldLayoutChg>
-        <pc:sldLayoutChg chg="add del">
-          <pc:chgData name="Federico Saccani" userId="S::10700471@polimi.it::b6dd2c5c-0a47-4a0a-ae86-e0cc5a0bcfb7" providerId="AD" clId="Web-{3F17C0EF-3A61-04E4-3BF4-57142A76D667}" dt="2024-05-28T15:28:04.117" v="34"/>
-          <pc:sldLayoutMkLst>
-            <pc:docMk/>
-            <pc:sldMasterMk cId="3137297069" sldId="2147483660"/>
-            <pc:sldLayoutMk cId="520393786" sldId="2147483664"/>
-          </pc:sldLayoutMkLst>
-        </pc:sldLayoutChg>
-        <pc:sldLayoutChg chg="add del">
-          <pc:chgData name="Federico Saccani" userId="S::10700471@polimi.it::b6dd2c5c-0a47-4a0a-ae86-e0cc5a0bcfb7" providerId="AD" clId="Web-{3F17C0EF-3A61-04E4-3BF4-57142A76D667}" dt="2024-05-28T15:28:04.117" v="34"/>
-          <pc:sldLayoutMkLst>
-            <pc:docMk/>
-            <pc:sldMasterMk cId="3137297069" sldId="2147483660"/>
-            <pc:sldLayoutMk cId="795938185" sldId="2147483665"/>
-          </pc:sldLayoutMkLst>
-        </pc:sldLayoutChg>
-        <pc:sldLayoutChg chg="add del">
-          <pc:chgData name="Federico Saccani" userId="S::10700471@polimi.it::b6dd2c5c-0a47-4a0a-ae86-e0cc5a0bcfb7" providerId="AD" clId="Web-{3F17C0EF-3A61-04E4-3BF4-57142A76D667}" dt="2024-05-28T15:28:04.117" v="34"/>
-          <pc:sldLayoutMkLst>
-            <pc:docMk/>
-            <pc:sldMasterMk cId="3137297069" sldId="2147483660"/>
-            <pc:sldLayoutMk cId="661884451" sldId="2147483666"/>
-          </pc:sldLayoutMkLst>
-        </pc:sldLayoutChg>
-        <pc:sldLayoutChg chg="add del">
-          <pc:chgData name="Federico Saccani" userId="S::10700471@polimi.it::b6dd2c5c-0a47-4a0a-ae86-e0cc5a0bcfb7" providerId="AD" clId="Web-{3F17C0EF-3A61-04E4-3BF4-57142A76D667}" dt="2024-05-28T15:28:04.117" v="34"/>
-          <pc:sldLayoutMkLst>
-            <pc:docMk/>
-            <pc:sldMasterMk cId="3137297069" sldId="2147483660"/>
-            <pc:sldLayoutMk cId="1651275246" sldId="2147483667"/>
-          </pc:sldLayoutMkLst>
-        </pc:sldLayoutChg>
-        <pc:sldLayoutChg chg="add del">
-          <pc:chgData name="Federico Saccani" userId="S::10700471@polimi.it::b6dd2c5c-0a47-4a0a-ae86-e0cc5a0bcfb7" providerId="AD" clId="Web-{3F17C0EF-3A61-04E4-3BF4-57142A76D667}" dt="2024-05-28T15:28:04.117" v="34"/>
-          <pc:sldLayoutMkLst>
-            <pc:docMk/>
-            <pc:sldMasterMk cId="3137297069" sldId="2147483660"/>
-            <pc:sldLayoutMk cId="2750029917" sldId="2147483668"/>
-          </pc:sldLayoutMkLst>
-        </pc:sldLayoutChg>
-        <pc:sldLayoutChg chg="add del">
-          <pc:chgData name="Federico Saccani" userId="S::10700471@polimi.it::b6dd2c5c-0a47-4a0a-ae86-e0cc5a0bcfb7" providerId="AD" clId="Web-{3F17C0EF-3A61-04E4-3BF4-57142A76D667}" dt="2024-05-28T15:28:04.117" v="34"/>
-          <pc:sldLayoutMkLst>
-            <pc:docMk/>
-            <pc:sldMasterMk cId="3137297069" sldId="2147483660"/>
-            <pc:sldLayoutMk cId="1373568623" sldId="2147483669"/>
-          </pc:sldLayoutMkLst>
-        </pc:sldLayoutChg>
-        <pc:sldLayoutChg chg="add del">
-          <pc:chgData name="Federico Saccani" userId="S::10700471@polimi.it::b6dd2c5c-0a47-4a0a-ae86-e0cc5a0bcfb7" providerId="AD" clId="Web-{3F17C0EF-3A61-04E4-3BF4-57142A76D667}" dt="2024-05-28T15:28:04.117" v="34"/>
-          <pc:sldLayoutMkLst>
-            <pc:docMk/>
-            <pc:sldMasterMk cId="3137297069" sldId="2147483660"/>
-            <pc:sldLayoutMk cId="2831590501" sldId="2147483670"/>
-          </pc:sldLayoutMkLst>
-        </pc:sldLayoutChg>
-        <pc:sldLayoutChg chg="add del">
-          <pc:chgData name="Federico Saccani" userId="S::10700471@polimi.it::b6dd2c5c-0a47-4a0a-ae86-e0cc5a0bcfb7" providerId="AD" clId="Web-{3F17C0EF-3A61-04E4-3BF4-57142A76D667}" dt="2024-05-28T15:28:04.117" v="34"/>
-          <pc:sldLayoutMkLst>
-            <pc:docMk/>
-            <pc:sldMasterMk cId="3137297069" sldId="2147483660"/>
-            <pc:sldLayoutMk cId="3928080659" sldId="2147483671"/>
-          </pc:sldLayoutMkLst>
-        </pc:sldLayoutChg>
-        <pc:sldLayoutChg chg="add del">
-          <pc:chgData name="Federico Saccani" userId="S::10700471@polimi.it::b6dd2c5c-0a47-4a0a-ae86-e0cc5a0bcfb7" providerId="AD" clId="Web-{3F17C0EF-3A61-04E4-3BF4-57142A76D667}" dt="2024-05-28T15:28:04.117" v="34"/>
-          <pc:sldLayoutMkLst>
-            <pc:docMk/>
-            <pc:sldMasterMk cId="3137297069" sldId="2147483660"/>
-            <pc:sldLayoutMk cId="3620645551" sldId="2147483672"/>
-          </pc:sldLayoutMkLst>
-        </pc:sldLayoutChg>
-      </pc:sldMasterChg>
-      <pc:sldMasterChg chg="add del addSldLayout delSldLayout">
-        <pc:chgData name="Federico Saccani" userId="S::10700471@polimi.it::b6dd2c5c-0a47-4a0a-ae86-e0cc5a0bcfb7" providerId="AD" clId="Web-{3F17C0EF-3A61-04E4-3BF4-57142A76D667}" dt="2024-05-28T15:28:04.117" v="34"/>
-        <pc:sldMasterMkLst>
-          <pc:docMk/>
-          <pc:sldMasterMk cId="640986672" sldId="2147483673"/>
-        </pc:sldMasterMkLst>
-        <pc:sldLayoutChg chg="add del">
-          <pc:chgData name="Federico Saccani" userId="S::10700471@polimi.it::b6dd2c5c-0a47-4a0a-ae86-e0cc5a0bcfb7" providerId="AD" clId="Web-{3F17C0EF-3A61-04E4-3BF4-57142A76D667}" dt="2024-05-28T15:28:04.117" v="34"/>
-          <pc:sldLayoutMkLst>
-            <pc:docMk/>
-            <pc:sldMasterMk cId="640986672" sldId="2147483673"/>
-            <pc:sldLayoutMk cId="1913735067" sldId="2147483674"/>
-          </pc:sldLayoutMkLst>
-        </pc:sldLayoutChg>
-        <pc:sldLayoutChg chg="add del">
-          <pc:chgData name="Federico Saccani" userId="S::10700471@polimi.it::b6dd2c5c-0a47-4a0a-ae86-e0cc5a0bcfb7" providerId="AD" clId="Web-{3F17C0EF-3A61-04E4-3BF4-57142A76D667}" dt="2024-05-28T15:28:04.117" v="34"/>
-          <pc:sldLayoutMkLst>
-            <pc:docMk/>
-            <pc:sldMasterMk cId="640986672" sldId="2147483673"/>
-            <pc:sldLayoutMk cId="4178018560" sldId="2147483675"/>
-          </pc:sldLayoutMkLst>
-        </pc:sldLayoutChg>
-        <pc:sldLayoutChg chg="add del">
-          <pc:chgData name="Federico Saccani" userId="S::10700471@polimi.it::b6dd2c5c-0a47-4a0a-ae86-e0cc5a0bcfb7" providerId="AD" clId="Web-{3F17C0EF-3A61-04E4-3BF4-57142A76D667}" dt="2024-05-28T15:28:04.117" v="34"/>
-          <pc:sldLayoutMkLst>
-            <pc:docMk/>
-            <pc:sldMasterMk cId="640986672" sldId="2147483673"/>
-            <pc:sldLayoutMk cId="3701986362" sldId="2147483676"/>
-          </pc:sldLayoutMkLst>
-        </pc:sldLayoutChg>
-        <pc:sldLayoutChg chg="add del">
-          <pc:chgData name="Federico Saccani" userId="S::10700471@polimi.it::b6dd2c5c-0a47-4a0a-ae86-e0cc5a0bcfb7" providerId="AD" clId="Web-{3F17C0EF-3A61-04E4-3BF4-57142A76D667}" dt="2024-05-28T15:28:04.117" v="34"/>
-          <pc:sldLayoutMkLst>
-            <pc:docMk/>
-            <pc:sldMasterMk cId="640986672" sldId="2147483673"/>
-            <pc:sldLayoutMk cId="987092236" sldId="2147483677"/>
-          </pc:sldLayoutMkLst>
-        </pc:sldLayoutChg>
-        <pc:sldLayoutChg chg="add del">
-          <pc:chgData name="Federico Saccani" userId="S::10700471@polimi.it::b6dd2c5c-0a47-4a0a-ae86-e0cc5a0bcfb7" providerId="AD" clId="Web-{3F17C0EF-3A61-04E4-3BF4-57142A76D667}" dt="2024-05-28T15:28:04.117" v="34"/>
-          <pc:sldLayoutMkLst>
-            <pc:docMk/>
-            <pc:sldMasterMk cId="640986672" sldId="2147483673"/>
-            <pc:sldLayoutMk cId="1282473542" sldId="2147483678"/>
-          </pc:sldLayoutMkLst>
-        </pc:sldLayoutChg>
-        <pc:sldLayoutChg chg="add del">
-          <pc:chgData name="Federico Saccani" userId="S::10700471@polimi.it::b6dd2c5c-0a47-4a0a-ae86-e0cc5a0bcfb7" providerId="AD" clId="Web-{3F17C0EF-3A61-04E4-3BF4-57142A76D667}" dt="2024-05-28T15:28:04.117" v="34"/>
-          <pc:sldLayoutMkLst>
-            <pc:docMk/>
-            <pc:sldMasterMk cId="640986672" sldId="2147483673"/>
-            <pc:sldLayoutMk cId="3877740644" sldId="2147483679"/>
-          </pc:sldLayoutMkLst>
-        </pc:sldLayoutChg>
-        <pc:sldLayoutChg chg="add del">
-          <pc:chgData name="Federico Saccani" userId="S::10700471@polimi.it::b6dd2c5c-0a47-4a0a-ae86-e0cc5a0bcfb7" providerId="AD" clId="Web-{3F17C0EF-3A61-04E4-3BF4-57142A76D667}" dt="2024-05-28T15:28:04.117" v="34"/>
-          <pc:sldLayoutMkLst>
-            <pc:docMk/>
-            <pc:sldMasterMk cId="640986672" sldId="2147483673"/>
-            <pc:sldLayoutMk cId="3232860186" sldId="2147483680"/>
-          </pc:sldLayoutMkLst>
-        </pc:sldLayoutChg>
-        <pc:sldLayoutChg chg="add del">
-          <pc:chgData name="Federico Saccani" userId="S::10700471@polimi.it::b6dd2c5c-0a47-4a0a-ae86-e0cc5a0bcfb7" providerId="AD" clId="Web-{3F17C0EF-3A61-04E4-3BF4-57142A76D667}" dt="2024-05-28T15:28:04.117" v="34"/>
-          <pc:sldLayoutMkLst>
-            <pc:docMk/>
-            <pc:sldMasterMk cId="640986672" sldId="2147483673"/>
-            <pc:sldLayoutMk cId="3970775126" sldId="2147483681"/>
-          </pc:sldLayoutMkLst>
-        </pc:sldLayoutChg>
-        <pc:sldLayoutChg chg="add del">
-          <pc:chgData name="Federico Saccani" userId="S::10700471@polimi.it::b6dd2c5c-0a47-4a0a-ae86-e0cc5a0bcfb7" providerId="AD" clId="Web-{3F17C0EF-3A61-04E4-3BF4-57142A76D667}" dt="2024-05-28T15:28:04.117" v="34"/>
-          <pc:sldLayoutMkLst>
-            <pc:docMk/>
-            <pc:sldMasterMk cId="640986672" sldId="2147483673"/>
-            <pc:sldLayoutMk cId="2627950453" sldId="2147483682"/>
-          </pc:sldLayoutMkLst>
-        </pc:sldLayoutChg>
-        <pc:sldLayoutChg chg="add del">
-          <pc:chgData name="Federico Saccani" userId="S::10700471@polimi.it::b6dd2c5c-0a47-4a0a-ae86-e0cc5a0bcfb7" providerId="AD" clId="Web-{3F17C0EF-3A61-04E4-3BF4-57142A76D667}" dt="2024-05-28T15:28:04.117" v="34"/>
-          <pc:sldLayoutMkLst>
-            <pc:docMk/>
-            <pc:sldMasterMk cId="640986672" sldId="2147483673"/>
-            <pc:sldLayoutMk cId="2138596701" sldId="2147483683"/>
-          </pc:sldLayoutMkLst>
-        </pc:sldLayoutChg>
-        <pc:sldLayoutChg chg="add del">
-          <pc:chgData name="Federico Saccani" userId="S::10700471@polimi.it::b6dd2c5c-0a47-4a0a-ae86-e0cc5a0bcfb7" providerId="AD" clId="Web-{3F17C0EF-3A61-04E4-3BF4-57142A76D667}" dt="2024-05-28T15:28:04.117" v="34"/>
-          <pc:sldLayoutMkLst>
-            <pc:docMk/>
-            <pc:sldMasterMk cId="640986672" sldId="2147483673"/>
-            <pc:sldLayoutMk cId="311020229" sldId="2147483684"/>
-          </pc:sldLayoutMkLst>
-        </pc:sldLayoutChg>
-        <pc:sldLayoutChg chg="add del">
-          <pc:chgData name="Federico Saccani" userId="S::10700471@polimi.it::b6dd2c5c-0a47-4a0a-ae86-e0cc5a0bcfb7" providerId="AD" clId="Web-{3F17C0EF-3A61-04E4-3BF4-57142A76D667}" dt="2024-05-28T15:28:04.117" v="34"/>
-          <pc:sldLayoutMkLst>
-            <pc:docMk/>
-            <pc:sldMasterMk cId="640986672" sldId="2147483673"/>
-            <pc:sldLayoutMk cId="3481208" sldId="2147483685"/>
-          </pc:sldLayoutMkLst>
-        </pc:sldLayoutChg>
-      </pc:sldMasterChg>
-      <pc:sldMasterChg chg="add del addSldLayout delSldLayout modSldLayout">
-        <pc:chgData name="Federico Saccani" userId="S::10700471@polimi.it::b6dd2c5c-0a47-4a0a-ae86-e0cc5a0bcfb7" providerId="AD" clId="Web-{3F17C0EF-3A61-04E4-3BF4-57142A76D667}" dt="2024-05-28T15:26:04.835" v="23"/>
-        <pc:sldMasterMkLst>
-          <pc:docMk/>
-          <pc:sldMasterMk cId="3783129394" sldId="2147483673"/>
-        </pc:sldMasterMkLst>
-        <pc:sldLayoutChg chg="add del mod replId">
-          <pc:chgData name="Federico Saccani" userId="S::10700471@polimi.it::b6dd2c5c-0a47-4a0a-ae86-e0cc5a0bcfb7" providerId="AD" clId="Web-{3F17C0EF-3A61-04E4-3BF4-57142A76D667}" dt="2024-05-28T15:26:04.835" v="23"/>
-          <pc:sldLayoutMkLst>
-            <pc:docMk/>
-            <pc:sldMasterMk cId="3783129394" sldId="2147483673"/>
-            <pc:sldLayoutMk cId="655727027" sldId="2147483674"/>
-          </pc:sldLayoutMkLst>
-        </pc:sldLayoutChg>
-        <pc:sldLayoutChg chg="add del mod replId">
-          <pc:chgData name="Federico Saccani" userId="S::10700471@polimi.it::b6dd2c5c-0a47-4a0a-ae86-e0cc5a0bcfb7" providerId="AD" clId="Web-{3F17C0EF-3A61-04E4-3BF4-57142A76D667}" dt="2024-05-28T15:26:04.835" v="23"/>
-          <pc:sldLayoutMkLst>
-            <pc:docMk/>
-            <pc:sldMasterMk cId="3783129394" sldId="2147483673"/>
-            <pc:sldLayoutMk cId="3681552848" sldId="2147483675"/>
-          </pc:sldLayoutMkLst>
-        </pc:sldLayoutChg>
-        <pc:sldLayoutChg chg="add del mod replId">
-          <pc:chgData name="Federico Saccani" userId="S::10700471@polimi.it::b6dd2c5c-0a47-4a0a-ae86-e0cc5a0bcfb7" providerId="AD" clId="Web-{3F17C0EF-3A61-04E4-3BF4-57142A76D667}" dt="2024-05-28T15:26:04.835" v="23"/>
-          <pc:sldLayoutMkLst>
-            <pc:docMk/>
-            <pc:sldMasterMk cId="3783129394" sldId="2147483673"/>
-            <pc:sldLayoutMk cId="2356197173" sldId="2147483676"/>
-          </pc:sldLayoutMkLst>
-        </pc:sldLayoutChg>
-        <pc:sldLayoutChg chg="add del mod replId">
-          <pc:chgData name="Federico Saccani" userId="S::10700471@polimi.it::b6dd2c5c-0a47-4a0a-ae86-e0cc5a0bcfb7" providerId="AD" clId="Web-{3F17C0EF-3A61-04E4-3BF4-57142A76D667}" dt="2024-05-28T15:26:04.835" v="23"/>
-          <pc:sldLayoutMkLst>
-            <pc:docMk/>
-            <pc:sldMasterMk cId="3783129394" sldId="2147483673"/>
-            <pc:sldLayoutMk cId="4186327946" sldId="2147483677"/>
-          </pc:sldLayoutMkLst>
-        </pc:sldLayoutChg>
-        <pc:sldLayoutChg chg="add del mod replId">
-          <pc:chgData name="Federico Saccani" userId="S::10700471@polimi.it::b6dd2c5c-0a47-4a0a-ae86-e0cc5a0bcfb7" providerId="AD" clId="Web-{3F17C0EF-3A61-04E4-3BF4-57142A76D667}" dt="2024-05-28T15:26:04.835" v="23"/>
-          <pc:sldLayoutMkLst>
-            <pc:docMk/>
-            <pc:sldMasterMk cId="3783129394" sldId="2147483673"/>
-            <pc:sldLayoutMk cId="3187551282" sldId="2147483678"/>
-          </pc:sldLayoutMkLst>
-        </pc:sldLayoutChg>
-        <pc:sldLayoutChg chg="add del mod replId">
-          <pc:chgData name="Federico Saccani" userId="S::10700471@polimi.it::b6dd2c5c-0a47-4a0a-ae86-e0cc5a0bcfb7" providerId="AD" clId="Web-{3F17C0EF-3A61-04E4-3BF4-57142A76D667}" dt="2024-05-28T15:26:04.835" v="23"/>
-          <pc:sldLayoutMkLst>
-            <pc:docMk/>
-            <pc:sldMasterMk cId="3783129394" sldId="2147483673"/>
-            <pc:sldLayoutMk cId="1753109932" sldId="2147483679"/>
-          </pc:sldLayoutMkLst>
-        </pc:sldLayoutChg>
-        <pc:sldLayoutChg chg="add del mod replId">
-          <pc:chgData name="Federico Saccani" userId="S::10700471@polimi.it::b6dd2c5c-0a47-4a0a-ae86-e0cc5a0bcfb7" providerId="AD" clId="Web-{3F17C0EF-3A61-04E4-3BF4-57142A76D667}" dt="2024-05-28T15:26:04.835" v="23"/>
-          <pc:sldLayoutMkLst>
-            <pc:docMk/>
-            <pc:sldMasterMk cId="3783129394" sldId="2147483673"/>
-            <pc:sldLayoutMk cId="3717892626" sldId="2147483680"/>
-          </pc:sldLayoutMkLst>
-        </pc:sldLayoutChg>
-        <pc:sldLayoutChg chg="add del mod replId">
-          <pc:chgData name="Federico Saccani" userId="S::10700471@polimi.it::b6dd2c5c-0a47-4a0a-ae86-e0cc5a0bcfb7" providerId="AD" clId="Web-{3F17C0EF-3A61-04E4-3BF4-57142A76D667}" dt="2024-05-28T15:26:04.835" v="23"/>
-          <pc:sldLayoutMkLst>
-            <pc:docMk/>
-            <pc:sldMasterMk cId="3783129394" sldId="2147483673"/>
-            <pc:sldLayoutMk cId="1998179811" sldId="2147483681"/>
-          </pc:sldLayoutMkLst>
-        </pc:sldLayoutChg>
-        <pc:sldLayoutChg chg="add del mod replId">
-          <pc:chgData name="Federico Saccani" userId="S::10700471@polimi.it::b6dd2c5c-0a47-4a0a-ae86-e0cc5a0bcfb7" providerId="AD" clId="Web-{3F17C0EF-3A61-04E4-3BF4-57142A76D667}" dt="2024-05-28T15:26:04.835" v="23"/>
-          <pc:sldLayoutMkLst>
-            <pc:docMk/>
-            <pc:sldMasterMk cId="3783129394" sldId="2147483673"/>
-            <pc:sldLayoutMk cId="153739593" sldId="2147483682"/>
-          </pc:sldLayoutMkLst>
-        </pc:sldLayoutChg>
-        <pc:sldLayoutChg chg="add del mod replId">
-          <pc:chgData name="Federico Saccani" userId="S::10700471@polimi.it::b6dd2c5c-0a47-4a0a-ae86-e0cc5a0bcfb7" providerId="AD" clId="Web-{3F17C0EF-3A61-04E4-3BF4-57142A76D667}" dt="2024-05-28T15:26:04.835" v="23"/>
-          <pc:sldLayoutMkLst>
-            <pc:docMk/>
-            <pc:sldMasterMk cId="3783129394" sldId="2147483673"/>
-            <pc:sldLayoutMk cId="3491910141" sldId="2147483683"/>
-          </pc:sldLayoutMkLst>
-        </pc:sldLayoutChg>
-        <pc:sldLayoutChg chg="add del mod replId">
-          <pc:chgData name="Federico Saccani" userId="S::10700471@polimi.it::b6dd2c5c-0a47-4a0a-ae86-e0cc5a0bcfb7" providerId="AD" clId="Web-{3F17C0EF-3A61-04E4-3BF4-57142A76D667}" dt="2024-05-28T15:26:04.835" v="23"/>
-          <pc:sldLayoutMkLst>
-            <pc:docMk/>
-            <pc:sldMasterMk cId="3783129394" sldId="2147483673"/>
-            <pc:sldLayoutMk cId="1380375594" sldId="2147483684"/>
-          </pc:sldLayoutMkLst>
-        </pc:sldLayoutChg>
-      </pc:sldMasterChg>
-      <pc:sldMasterChg chg="add del addSldLayout delSldLayout modSldLayout">
-        <pc:chgData name="Federico Saccani" userId="S::10700471@polimi.it::b6dd2c5c-0a47-4a0a-ae86-e0cc5a0bcfb7" providerId="AD" clId="Web-{3F17C0EF-3A61-04E4-3BF4-57142A76D667}" dt="2024-05-28T15:26:23.835" v="25"/>
-        <pc:sldMasterMkLst>
-          <pc:docMk/>
-          <pc:sldMasterMk cId="3814935715" sldId="2147483673"/>
-        </pc:sldMasterMkLst>
-        <pc:sldLayoutChg chg="add del mod replId">
-          <pc:chgData name="Federico Saccani" userId="S::10700471@polimi.it::b6dd2c5c-0a47-4a0a-ae86-e0cc5a0bcfb7" providerId="AD" clId="Web-{3F17C0EF-3A61-04E4-3BF4-57142A76D667}" dt="2024-05-28T15:26:23.835" v="25"/>
-          <pc:sldLayoutMkLst>
-            <pc:docMk/>
-            <pc:sldMasterMk cId="3814935715" sldId="2147483673"/>
-            <pc:sldLayoutMk cId="273193924" sldId="2147483674"/>
-          </pc:sldLayoutMkLst>
-        </pc:sldLayoutChg>
-        <pc:sldLayoutChg chg="add del mod replId">
-          <pc:chgData name="Federico Saccani" userId="S::10700471@polimi.it::b6dd2c5c-0a47-4a0a-ae86-e0cc5a0bcfb7" providerId="AD" clId="Web-{3F17C0EF-3A61-04E4-3BF4-57142A76D667}" dt="2024-05-28T15:26:23.835" v="25"/>
-          <pc:sldLayoutMkLst>
-            <pc:docMk/>
-            <pc:sldMasterMk cId="3814935715" sldId="2147483673"/>
-            <pc:sldLayoutMk cId="4232779000" sldId="2147483675"/>
-          </pc:sldLayoutMkLst>
-        </pc:sldLayoutChg>
-        <pc:sldLayoutChg chg="add del mod replId">
-          <pc:chgData name="Federico Saccani" userId="S::10700471@polimi.it::b6dd2c5c-0a47-4a0a-ae86-e0cc5a0bcfb7" providerId="AD" clId="Web-{3F17C0EF-3A61-04E4-3BF4-57142A76D667}" dt="2024-05-28T15:26:23.835" v="25"/>
-          <pc:sldLayoutMkLst>
-            <pc:docMk/>
-            <pc:sldMasterMk cId="3814935715" sldId="2147483673"/>
-            <pc:sldLayoutMk cId="1043902473" sldId="2147483676"/>
-          </pc:sldLayoutMkLst>
-        </pc:sldLayoutChg>
-        <pc:sldLayoutChg chg="add del mod replId">
-          <pc:chgData name="Federico Saccani" userId="S::10700471@polimi.it::b6dd2c5c-0a47-4a0a-ae86-e0cc5a0bcfb7" providerId="AD" clId="Web-{3F17C0EF-3A61-04E4-3BF4-57142A76D667}" dt="2024-05-28T15:26:23.835" v="25"/>
-          <pc:sldLayoutMkLst>
-            <pc:docMk/>
-            <pc:sldMasterMk cId="3814935715" sldId="2147483673"/>
-            <pc:sldLayoutMk cId="3145777631" sldId="2147483677"/>
-          </pc:sldLayoutMkLst>
-        </pc:sldLayoutChg>
-        <pc:sldLayoutChg chg="add del mod replId">
-          <pc:chgData name="Federico Saccani" userId="S::10700471@polimi.it::b6dd2c5c-0a47-4a0a-ae86-e0cc5a0bcfb7" providerId="AD" clId="Web-{3F17C0EF-3A61-04E4-3BF4-57142A76D667}" dt="2024-05-28T15:26:23.835" v="25"/>
-          <pc:sldLayoutMkLst>
-            <pc:docMk/>
-            <pc:sldMasterMk cId="3814935715" sldId="2147483673"/>
-            <pc:sldLayoutMk cId="3780699032" sldId="2147483678"/>
-          </pc:sldLayoutMkLst>
-        </pc:sldLayoutChg>
-        <pc:sldLayoutChg chg="add del mod replId">
-          <pc:chgData name="Federico Saccani" userId="S::10700471@polimi.it::b6dd2c5c-0a47-4a0a-ae86-e0cc5a0bcfb7" providerId="AD" clId="Web-{3F17C0EF-3A61-04E4-3BF4-57142A76D667}" dt="2024-05-28T15:26:23.835" v="25"/>
-          <pc:sldLayoutMkLst>
-            <pc:docMk/>
-            <pc:sldMasterMk cId="3814935715" sldId="2147483673"/>
-            <pc:sldLayoutMk cId="12138549" sldId="2147483679"/>
-          </pc:sldLayoutMkLst>
-        </pc:sldLayoutChg>
-        <pc:sldLayoutChg chg="add del mod replId">
-          <pc:chgData name="Federico Saccani" userId="S::10700471@polimi.it::b6dd2c5c-0a47-4a0a-ae86-e0cc5a0bcfb7" providerId="AD" clId="Web-{3F17C0EF-3A61-04E4-3BF4-57142A76D667}" dt="2024-05-28T15:26:23.835" v="25"/>
-          <pc:sldLayoutMkLst>
-            <pc:docMk/>
-            <pc:sldMasterMk cId="3814935715" sldId="2147483673"/>
-            <pc:sldLayoutMk cId="3112064698" sldId="2147483680"/>
-          </pc:sldLayoutMkLst>
-        </pc:sldLayoutChg>
-        <pc:sldLayoutChg chg="add del mod replId">
-          <pc:chgData name="Federico Saccani" userId="S::10700471@polimi.it::b6dd2c5c-0a47-4a0a-ae86-e0cc5a0bcfb7" providerId="AD" clId="Web-{3F17C0EF-3A61-04E4-3BF4-57142A76D667}" dt="2024-05-28T15:26:23.835" v="25"/>
-          <pc:sldLayoutMkLst>
-            <pc:docMk/>
-            <pc:sldMasterMk cId="3814935715" sldId="2147483673"/>
-            <pc:sldLayoutMk cId="2738884598" sldId="2147483681"/>
-          </pc:sldLayoutMkLst>
-        </pc:sldLayoutChg>
-        <pc:sldLayoutChg chg="add del mod replId">
-          <pc:chgData name="Federico Saccani" userId="S::10700471@polimi.it::b6dd2c5c-0a47-4a0a-ae86-e0cc5a0bcfb7" providerId="AD" clId="Web-{3F17C0EF-3A61-04E4-3BF4-57142A76D667}" dt="2024-05-28T15:26:23.835" v="25"/>
-          <pc:sldLayoutMkLst>
-            <pc:docMk/>
-            <pc:sldMasterMk cId="3814935715" sldId="2147483673"/>
-            <pc:sldLayoutMk cId="325509284" sldId="2147483682"/>
-          </pc:sldLayoutMkLst>
-        </pc:sldLayoutChg>
-        <pc:sldLayoutChg chg="add del mod replId">
-          <pc:chgData name="Federico Saccani" userId="S::10700471@polimi.it::b6dd2c5c-0a47-4a0a-ae86-e0cc5a0bcfb7" providerId="AD" clId="Web-{3F17C0EF-3A61-04E4-3BF4-57142A76D667}" dt="2024-05-28T15:26:23.835" v="25"/>
-          <pc:sldLayoutMkLst>
-            <pc:docMk/>
-            <pc:sldMasterMk cId="3814935715" sldId="2147483673"/>
-            <pc:sldLayoutMk cId="2908132578" sldId="2147483683"/>
-          </pc:sldLayoutMkLst>
-        </pc:sldLayoutChg>
-        <pc:sldLayoutChg chg="add del mod replId">
-          <pc:chgData name="Federico Saccani" userId="S::10700471@polimi.it::b6dd2c5c-0a47-4a0a-ae86-e0cc5a0bcfb7" providerId="AD" clId="Web-{3F17C0EF-3A61-04E4-3BF4-57142A76D667}" dt="2024-05-28T15:26:23.835" v="25"/>
-          <pc:sldLayoutMkLst>
-            <pc:docMk/>
-            <pc:sldMasterMk cId="3814935715" sldId="2147483673"/>
-            <pc:sldLayoutMk cId="981166391" sldId="2147483684"/>
-          </pc:sldLayoutMkLst>
-        </pc:sldLayoutChg>
-      </pc:sldMasterChg>
-      <pc:sldMasterChg chg="add del addSldLayout delSldLayout modSldLayout">
-        <pc:chgData name="Federico Saccani" userId="S::10700471@polimi.it::b6dd2c5c-0a47-4a0a-ae86-e0cc5a0bcfb7" providerId="AD" clId="Web-{3F17C0EF-3A61-04E4-3BF4-57142A76D667}" dt="2024-05-28T15:28:04.117" v="34"/>
-        <pc:sldMasterMkLst>
-          <pc:docMk/>
-          <pc:sldMasterMk cId="3897303395" sldId="2147483686"/>
-        </pc:sldMasterMkLst>
-        <pc:sldLayoutChg chg="add del mod replId">
-          <pc:chgData name="Federico Saccani" userId="S::10700471@polimi.it::b6dd2c5c-0a47-4a0a-ae86-e0cc5a0bcfb7" providerId="AD" clId="Web-{3F17C0EF-3A61-04E4-3BF4-57142A76D667}" dt="2024-05-28T15:28:04.117" v="34"/>
-          <pc:sldLayoutMkLst>
-            <pc:docMk/>
-            <pc:sldMasterMk cId="3897303395" sldId="2147483686"/>
-            <pc:sldLayoutMk cId="2664630136" sldId="2147483687"/>
-          </pc:sldLayoutMkLst>
-        </pc:sldLayoutChg>
-        <pc:sldLayoutChg chg="add del mod replId">
-          <pc:chgData name="Federico Saccani" userId="S::10700471@polimi.it::b6dd2c5c-0a47-4a0a-ae86-e0cc5a0bcfb7" providerId="AD" clId="Web-{3F17C0EF-3A61-04E4-3BF4-57142A76D667}" dt="2024-05-28T15:28:04.117" v="34"/>
-          <pc:sldLayoutMkLst>
-            <pc:docMk/>
-            <pc:sldMasterMk cId="3897303395" sldId="2147483686"/>
-            <pc:sldLayoutMk cId="2337701399" sldId="2147483688"/>
-          </pc:sldLayoutMkLst>
-        </pc:sldLayoutChg>
-        <pc:sldLayoutChg chg="add del mod replId">
-          <pc:chgData name="Federico Saccani" userId="S::10700471@polimi.it::b6dd2c5c-0a47-4a0a-ae86-e0cc5a0bcfb7" providerId="AD" clId="Web-{3F17C0EF-3A61-04E4-3BF4-57142A76D667}" dt="2024-05-28T15:28:04.117" v="34"/>
-          <pc:sldLayoutMkLst>
-            <pc:docMk/>
-            <pc:sldMasterMk cId="3897303395" sldId="2147483686"/>
-            <pc:sldLayoutMk cId="1376037461" sldId="2147483689"/>
-          </pc:sldLayoutMkLst>
-        </pc:sldLayoutChg>
-        <pc:sldLayoutChg chg="add del mod replId">
-          <pc:chgData name="Federico Saccani" userId="S::10700471@polimi.it::b6dd2c5c-0a47-4a0a-ae86-e0cc5a0bcfb7" providerId="AD" clId="Web-{3F17C0EF-3A61-04E4-3BF4-57142A76D667}" dt="2024-05-28T15:28:04.117" v="34"/>
-          <pc:sldLayoutMkLst>
-            <pc:docMk/>
-            <pc:sldMasterMk cId="3897303395" sldId="2147483686"/>
-            <pc:sldLayoutMk cId="2086982511" sldId="2147483690"/>
-          </pc:sldLayoutMkLst>
-        </pc:sldLayoutChg>
-        <pc:sldLayoutChg chg="add del mod replId">
-          <pc:chgData name="Federico Saccani" userId="S::10700471@polimi.it::b6dd2c5c-0a47-4a0a-ae86-e0cc5a0bcfb7" providerId="AD" clId="Web-{3F17C0EF-3A61-04E4-3BF4-57142A76D667}" dt="2024-05-28T15:28:04.117" v="34"/>
-          <pc:sldLayoutMkLst>
-            <pc:docMk/>
-            <pc:sldMasterMk cId="3897303395" sldId="2147483686"/>
-            <pc:sldLayoutMk cId="3410621239" sldId="2147483691"/>
-          </pc:sldLayoutMkLst>
-        </pc:sldLayoutChg>
-        <pc:sldLayoutChg chg="add del mod replId">
-          <pc:chgData name="Federico Saccani" userId="S::10700471@polimi.it::b6dd2c5c-0a47-4a0a-ae86-e0cc5a0bcfb7" providerId="AD" clId="Web-{3F17C0EF-3A61-04E4-3BF4-57142A76D667}" dt="2024-05-28T15:28:04.117" v="34"/>
-          <pc:sldLayoutMkLst>
-            <pc:docMk/>
-            <pc:sldMasterMk cId="3897303395" sldId="2147483686"/>
-            <pc:sldLayoutMk cId="4106882134" sldId="2147483692"/>
-          </pc:sldLayoutMkLst>
-        </pc:sldLayoutChg>
-        <pc:sldLayoutChg chg="add del mod replId">
-          <pc:chgData name="Federico Saccani" userId="S::10700471@polimi.it::b6dd2c5c-0a47-4a0a-ae86-e0cc5a0bcfb7" providerId="AD" clId="Web-{3F17C0EF-3A61-04E4-3BF4-57142A76D667}" dt="2024-05-28T15:28:04.117" v="34"/>
-          <pc:sldLayoutMkLst>
-            <pc:docMk/>
-            <pc:sldMasterMk cId="3897303395" sldId="2147483686"/>
-            <pc:sldLayoutMk cId="2326870976" sldId="2147483693"/>
-          </pc:sldLayoutMkLst>
-        </pc:sldLayoutChg>
-        <pc:sldLayoutChg chg="add del mod replId">
-          <pc:chgData name="Federico Saccani" userId="S::10700471@polimi.it::b6dd2c5c-0a47-4a0a-ae86-e0cc5a0bcfb7" providerId="AD" clId="Web-{3F17C0EF-3A61-04E4-3BF4-57142A76D667}" dt="2024-05-28T15:28:04.117" v="34"/>
-          <pc:sldLayoutMkLst>
-            <pc:docMk/>
-            <pc:sldMasterMk cId="3897303395" sldId="2147483686"/>
-            <pc:sldLayoutMk cId="3854151780" sldId="2147483694"/>
-          </pc:sldLayoutMkLst>
-        </pc:sldLayoutChg>
-        <pc:sldLayoutChg chg="add del mod replId">
-          <pc:chgData name="Federico Saccani" userId="S::10700471@polimi.it::b6dd2c5c-0a47-4a0a-ae86-e0cc5a0bcfb7" providerId="AD" clId="Web-{3F17C0EF-3A61-04E4-3BF4-57142A76D667}" dt="2024-05-28T15:28:04.117" v="34"/>
-          <pc:sldLayoutMkLst>
-            <pc:docMk/>
-            <pc:sldMasterMk cId="3897303395" sldId="2147483686"/>
-            <pc:sldLayoutMk cId="2220701190" sldId="2147483695"/>
-          </pc:sldLayoutMkLst>
-        </pc:sldLayoutChg>
-        <pc:sldLayoutChg chg="add del mod replId">
-          <pc:chgData name="Federico Saccani" userId="S::10700471@polimi.it::b6dd2c5c-0a47-4a0a-ae86-e0cc5a0bcfb7" providerId="AD" clId="Web-{3F17C0EF-3A61-04E4-3BF4-57142A76D667}" dt="2024-05-28T15:28:04.117" v="34"/>
-          <pc:sldLayoutMkLst>
-            <pc:docMk/>
-            <pc:sldMasterMk cId="3897303395" sldId="2147483686"/>
-            <pc:sldLayoutMk cId="1045657295" sldId="2147483696"/>
-          </pc:sldLayoutMkLst>
-        </pc:sldLayoutChg>
-        <pc:sldLayoutChg chg="add del mod replId">
-          <pc:chgData name="Federico Saccani" userId="S::10700471@polimi.it::b6dd2c5c-0a47-4a0a-ae86-e0cc5a0bcfb7" providerId="AD" clId="Web-{3F17C0EF-3A61-04E4-3BF4-57142A76D667}" dt="2024-05-28T15:28:04.117" v="34"/>
-          <pc:sldLayoutMkLst>
-            <pc:docMk/>
-            <pc:sldMasterMk cId="3897303395" sldId="2147483686"/>
-            <pc:sldLayoutMk cId="2357373303" sldId="2147483697"/>
-          </pc:sldLayoutMkLst>
-        </pc:sldLayoutChg>
-        <pc:sldLayoutChg chg="add del mod replId">
-          <pc:chgData name="Federico Saccani" userId="S::10700471@polimi.it::b6dd2c5c-0a47-4a0a-ae86-e0cc5a0bcfb7" providerId="AD" clId="Web-{3F17C0EF-3A61-04E4-3BF4-57142A76D667}" dt="2024-05-28T15:28:04.117" v="34"/>
-          <pc:sldLayoutMkLst>
-            <pc:docMk/>
-            <pc:sldMasterMk cId="3897303395" sldId="2147483686"/>
-            <pc:sldLayoutMk cId="780869069" sldId="2147483698"/>
-          </pc:sldLayoutMkLst>
-        </pc:sldLayoutChg>
-      </pc:sldMasterChg>
-      <pc:sldMasterChg chg="add del addSldLayout delSldLayout modSldLayout">
-        <pc:chgData name="Federico Saccani" userId="S::10700471@polimi.it::b6dd2c5c-0a47-4a0a-ae86-e0cc5a0bcfb7" providerId="AD" clId="Web-{3F17C0EF-3A61-04E4-3BF4-57142A76D667}" dt="2024-05-28T15:27:58.992" v="33"/>
-        <pc:sldMasterMkLst>
-          <pc:docMk/>
-          <pc:sldMasterMk cId="3198721480" sldId="2147483699"/>
-        </pc:sldMasterMkLst>
-        <pc:sldLayoutChg chg="add del mod replId">
-          <pc:chgData name="Federico Saccani" userId="S::10700471@polimi.it::b6dd2c5c-0a47-4a0a-ae86-e0cc5a0bcfb7" providerId="AD" clId="Web-{3F17C0EF-3A61-04E4-3BF4-57142A76D667}" dt="2024-05-28T15:27:58.992" v="33"/>
-          <pc:sldLayoutMkLst>
-            <pc:docMk/>
-            <pc:sldMasterMk cId="3198721480" sldId="2147483699"/>
-            <pc:sldLayoutMk cId="3527865024" sldId="2147483700"/>
-          </pc:sldLayoutMkLst>
-        </pc:sldLayoutChg>
-        <pc:sldLayoutChg chg="add del mod replId">
-          <pc:chgData name="Federico Saccani" userId="S::10700471@polimi.it::b6dd2c5c-0a47-4a0a-ae86-e0cc5a0bcfb7" providerId="AD" clId="Web-{3F17C0EF-3A61-04E4-3BF4-57142A76D667}" dt="2024-05-28T15:27:58.992" v="33"/>
-          <pc:sldLayoutMkLst>
-            <pc:docMk/>
-            <pc:sldMasterMk cId="3198721480" sldId="2147483699"/>
-            <pc:sldLayoutMk cId="897431232" sldId="2147483701"/>
-          </pc:sldLayoutMkLst>
-        </pc:sldLayoutChg>
-        <pc:sldLayoutChg chg="add del mod replId">
-          <pc:chgData name="Federico Saccani" userId="S::10700471@polimi.it::b6dd2c5c-0a47-4a0a-ae86-e0cc5a0bcfb7" providerId="AD" clId="Web-{3F17C0EF-3A61-04E4-3BF4-57142A76D667}" dt="2024-05-28T15:27:58.992" v="33"/>
-          <pc:sldLayoutMkLst>
-            <pc:docMk/>
-            <pc:sldMasterMk cId="3198721480" sldId="2147483699"/>
-            <pc:sldLayoutMk cId="800192285" sldId="2147483702"/>
-          </pc:sldLayoutMkLst>
-        </pc:sldLayoutChg>
-        <pc:sldLayoutChg chg="add del mod replId">
-          <pc:chgData name="Federico Saccani" userId="S::10700471@polimi.it::b6dd2c5c-0a47-4a0a-ae86-e0cc5a0bcfb7" providerId="AD" clId="Web-{3F17C0EF-3A61-04E4-3BF4-57142A76D667}" dt="2024-05-28T15:27:58.992" v="33"/>
-          <pc:sldLayoutMkLst>
-            <pc:docMk/>
-            <pc:sldMasterMk cId="3198721480" sldId="2147483699"/>
-            <pc:sldLayoutMk cId="107822231" sldId="2147483703"/>
-          </pc:sldLayoutMkLst>
-        </pc:sldLayoutChg>
-        <pc:sldLayoutChg chg="add del mod replId">
-          <pc:chgData name="Federico Saccani" userId="S::10700471@polimi.it::b6dd2c5c-0a47-4a0a-ae86-e0cc5a0bcfb7" providerId="AD" clId="Web-{3F17C0EF-3A61-04E4-3BF4-57142A76D667}" dt="2024-05-28T15:27:58.992" v="33"/>
-          <pc:sldLayoutMkLst>
-            <pc:docMk/>
-            <pc:sldMasterMk cId="3198721480" sldId="2147483699"/>
-            <pc:sldLayoutMk cId="3099208364" sldId="2147483704"/>
-          </pc:sldLayoutMkLst>
-        </pc:sldLayoutChg>
-        <pc:sldLayoutChg chg="add del mod replId">
-          <pc:chgData name="Federico Saccani" userId="S::10700471@polimi.it::b6dd2c5c-0a47-4a0a-ae86-e0cc5a0bcfb7" providerId="AD" clId="Web-{3F17C0EF-3A61-04E4-3BF4-57142A76D667}" dt="2024-05-28T15:27:58.992" v="33"/>
-          <pc:sldLayoutMkLst>
-            <pc:docMk/>
-            <pc:sldMasterMk cId="3198721480" sldId="2147483699"/>
-            <pc:sldLayoutMk cId="2752525665" sldId="2147483705"/>
-          </pc:sldLayoutMkLst>
-        </pc:sldLayoutChg>
-        <pc:sldLayoutChg chg="add del mod replId">
-          <pc:chgData name="Federico Saccani" userId="S::10700471@polimi.it::b6dd2c5c-0a47-4a0a-ae86-e0cc5a0bcfb7" providerId="AD" clId="Web-{3F17C0EF-3A61-04E4-3BF4-57142A76D667}" dt="2024-05-28T15:27:58.992" v="33"/>
-          <pc:sldLayoutMkLst>
-            <pc:docMk/>
-            <pc:sldMasterMk cId="3198721480" sldId="2147483699"/>
-            <pc:sldLayoutMk cId="4143020470" sldId="2147483706"/>
-          </pc:sldLayoutMkLst>
-        </pc:sldLayoutChg>
-        <pc:sldLayoutChg chg="add del mod replId">
-          <pc:chgData name="Federico Saccani" userId="S::10700471@polimi.it::b6dd2c5c-0a47-4a0a-ae86-e0cc5a0bcfb7" providerId="AD" clId="Web-{3F17C0EF-3A61-04E4-3BF4-57142A76D667}" dt="2024-05-28T15:27:58.992" v="33"/>
-          <pc:sldLayoutMkLst>
-            <pc:docMk/>
-            <pc:sldMasterMk cId="3198721480" sldId="2147483699"/>
-            <pc:sldLayoutMk cId="2285168922" sldId="2147483707"/>
-          </pc:sldLayoutMkLst>
-        </pc:sldLayoutChg>
-        <pc:sldLayoutChg chg="add del mod replId">
-          <pc:chgData name="Federico Saccani" userId="S::10700471@polimi.it::b6dd2c5c-0a47-4a0a-ae86-e0cc5a0bcfb7" providerId="AD" clId="Web-{3F17C0EF-3A61-04E4-3BF4-57142A76D667}" dt="2024-05-28T15:27:58.992" v="33"/>
-          <pc:sldLayoutMkLst>
-            <pc:docMk/>
-            <pc:sldMasterMk cId="3198721480" sldId="2147483699"/>
-            <pc:sldLayoutMk cId="149985980" sldId="2147483708"/>
-          </pc:sldLayoutMkLst>
-        </pc:sldLayoutChg>
-        <pc:sldLayoutChg chg="add del mod replId">
-          <pc:chgData name="Federico Saccani" userId="S::10700471@polimi.it::b6dd2c5c-0a47-4a0a-ae86-e0cc5a0bcfb7" providerId="AD" clId="Web-{3F17C0EF-3A61-04E4-3BF4-57142A76D667}" dt="2024-05-28T15:27:58.992" v="33"/>
-          <pc:sldLayoutMkLst>
-            <pc:docMk/>
-            <pc:sldMasterMk cId="3198721480" sldId="2147483699"/>
-            <pc:sldLayoutMk cId="2230954205" sldId="2147483709"/>
-          </pc:sldLayoutMkLst>
-        </pc:sldLayoutChg>
-        <pc:sldLayoutChg chg="add del mod replId">
-          <pc:chgData name="Federico Saccani" userId="S::10700471@polimi.it::b6dd2c5c-0a47-4a0a-ae86-e0cc5a0bcfb7" providerId="AD" clId="Web-{3F17C0EF-3A61-04E4-3BF4-57142A76D667}" dt="2024-05-28T15:27:58.992" v="33"/>
-          <pc:sldLayoutMkLst>
-            <pc:docMk/>
-            <pc:sldMasterMk cId="3198721480" sldId="2147483699"/>
-            <pc:sldLayoutMk cId="1311888848" sldId="2147483710"/>
-          </pc:sldLayoutMkLst>
-        </pc:sldLayoutChg>
-        <pc:sldLayoutChg chg="add del mod replId">
-          <pc:chgData name="Federico Saccani" userId="S::10700471@polimi.it::b6dd2c5c-0a47-4a0a-ae86-e0cc5a0bcfb7" providerId="AD" clId="Web-{3F17C0EF-3A61-04E4-3BF4-57142A76D667}" dt="2024-05-28T15:27:58.992" v="33"/>
-          <pc:sldLayoutMkLst>
-            <pc:docMk/>
-            <pc:sldMasterMk cId="3198721480" sldId="2147483699"/>
-            <pc:sldLayoutMk cId="227476349" sldId="2147483711"/>
-          </pc:sldLayoutMkLst>
-        </pc:sldLayoutChg>
-      </pc:sldMasterChg>
-      <pc:sldMasterChg chg="add del addSldLayout delSldLayout modSldLayout">
-        <pc:chgData name="Federico Saccani" userId="S::10700471@polimi.it::b6dd2c5c-0a47-4a0a-ae86-e0cc5a0bcfb7" providerId="AD" clId="Web-{3F17C0EF-3A61-04E4-3BF4-57142A76D667}" dt="2024-05-28T15:27:56.883" v="32"/>
-        <pc:sldMasterMkLst>
-          <pc:docMk/>
-          <pc:sldMasterMk cId="858817852" sldId="2147483712"/>
-        </pc:sldMasterMkLst>
-        <pc:sldLayoutChg chg="add del mod replId">
-          <pc:chgData name="Federico Saccani" userId="S::10700471@polimi.it::b6dd2c5c-0a47-4a0a-ae86-e0cc5a0bcfb7" providerId="AD" clId="Web-{3F17C0EF-3A61-04E4-3BF4-57142A76D667}" dt="2024-05-28T15:27:56.883" v="32"/>
-          <pc:sldLayoutMkLst>
-            <pc:docMk/>
-            <pc:sldMasterMk cId="858817852" sldId="2147483712"/>
-            <pc:sldLayoutMk cId="895126073" sldId="2147483713"/>
-          </pc:sldLayoutMkLst>
-        </pc:sldLayoutChg>
-        <pc:sldLayoutChg chg="add del mod replId">
-          <pc:chgData name="Federico Saccani" userId="S::10700471@polimi.it::b6dd2c5c-0a47-4a0a-ae86-e0cc5a0bcfb7" providerId="AD" clId="Web-{3F17C0EF-3A61-04E4-3BF4-57142A76D667}" dt="2024-05-28T15:27:56.883" v="32"/>
-          <pc:sldLayoutMkLst>
-            <pc:docMk/>
-            <pc:sldMasterMk cId="858817852" sldId="2147483712"/>
-            <pc:sldLayoutMk cId="1355497789" sldId="2147483714"/>
-          </pc:sldLayoutMkLst>
-        </pc:sldLayoutChg>
-        <pc:sldLayoutChg chg="add del mod replId">
-          <pc:chgData name="Federico Saccani" userId="S::10700471@polimi.it::b6dd2c5c-0a47-4a0a-ae86-e0cc5a0bcfb7" providerId="AD" clId="Web-{3F17C0EF-3A61-04E4-3BF4-57142A76D667}" dt="2024-05-28T15:27:56.883" v="32"/>
-          <pc:sldLayoutMkLst>
-            <pc:docMk/>
-            <pc:sldMasterMk cId="858817852" sldId="2147483712"/>
-            <pc:sldLayoutMk cId="1427840251" sldId="2147483715"/>
-          </pc:sldLayoutMkLst>
-        </pc:sldLayoutChg>
-        <pc:sldLayoutChg chg="add del mod replId">
-          <pc:chgData name="Federico Saccani" userId="S::10700471@polimi.it::b6dd2c5c-0a47-4a0a-ae86-e0cc5a0bcfb7" providerId="AD" clId="Web-{3F17C0EF-3A61-04E4-3BF4-57142A76D667}" dt="2024-05-28T15:27:56.883" v="32"/>
-          <pc:sldLayoutMkLst>
-            <pc:docMk/>
-            <pc:sldMasterMk cId="858817852" sldId="2147483712"/>
-            <pc:sldLayoutMk cId="2366797711" sldId="2147483716"/>
-          </pc:sldLayoutMkLst>
-        </pc:sldLayoutChg>
-        <pc:sldLayoutChg chg="add del mod replId">
-          <pc:chgData name="Federico Saccani" userId="S::10700471@polimi.it::b6dd2c5c-0a47-4a0a-ae86-e0cc5a0bcfb7" providerId="AD" clId="Web-{3F17C0EF-3A61-04E4-3BF4-57142A76D667}" dt="2024-05-28T15:27:56.883" v="32"/>
-          <pc:sldLayoutMkLst>
-            <pc:docMk/>
-            <pc:sldMasterMk cId="858817852" sldId="2147483712"/>
-            <pc:sldLayoutMk cId="912108308" sldId="2147483717"/>
-          </pc:sldLayoutMkLst>
-        </pc:sldLayoutChg>
-        <pc:sldLayoutChg chg="add del mod replId">
-          <pc:chgData name="Federico Saccani" userId="S::10700471@polimi.it::b6dd2c5c-0a47-4a0a-ae86-e0cc5a0bcfb7" providerId="AD" clId="Web-{3F17C0EF-3A61-04E4-3BF4-57142A76D667}" dt="2024-05-28T15:27:56.883" v="32"/>
-          <pc:sldLayoutMkLst>
-            <pc:docMk/>
-            <pc:sldMasterMk cId="858817852" sldId="2147483712"/>
-            <pc:sldLayoutMk cId="2604557684" sldId="2147483718"/>
-          </pc:sldLayoutMkLst>
-        </pc:sldLayoutChg>
-        <pc:sldLayoutChg chg="add del mod replId">
-          <pc:chgData name="Federico Saccani" userId="S::10700471@polimi.it::b6dd2c5c-0a47-4a0a-ae86-e0cc5a0bcfb7" providerId="AD" clId="Web-{3F17C0EF-3A61-04E4-3BF4-57142A76D667}" dt="2024-05-28T15:27:56.883" v="32"/>
-          <pc:sldLayoutMkLst>
-            <pc:docMk/>
-            <pc:sldMasterMk cId="858817852" sldId="2147483712"/>
-            <pc:sldLayoutMk cId="2693136397" sldId="2147483719"/>
-          </pc:sldLayoutMkLst>
-        </pc:sldLayoutChg>
-        <pc:sldLayoutChg chg="add del mod replId">
-          <pc:chgData name="Federico Saccani" userId="S::10700471@polimi.it::b6dd2c5c-0a47-4a0a-ae86-e0cc5a0bcfb7" providerId="AD" clId="Web-{3F17C0EF-3A61-04E4-3BF4-57142A76D667}" dt="2024-05-28T15:27:56.883" v="32"/>
-          <pc:sldLayoutMkLst>
-            <pc:docMk/>
-            <pc:sldMasterMk cId="858817852" sldId="2147483712"/>
-            <pc:sldLayoutMk cId="2418881323" sldId="2147483720"/>
-          </pc:sldLayoutMkLst>
-        </pc:sldLayoutChg>
-        <pc:sldLayoutChg chg="add del mod replId">
-          <pc:chgData name="Federico Saccani" userId="S::10700471@polimi.it::b6dd2c5c-0a47-4a0a-ae86-e0cc5a0bcfb7" providerId="AD" clId="Web-{3F17C0EF-3A61-04E4-3BF4-57142A76D667}" dt="2024-05-28T15:27:56.883" v="32"/>
-          <pc:sldLayoutMkLst>
-            <pc:docMk/>
-            <pc:sldMasterMk cId="858817852" sldId="2147483712"/>
-            <pc:sldLayoutMk cId="517793146" sldId="2147483721"/>
-          </pc:sldLayoutMkLst>
-        </pc:sldLayoutChg>
-        <pc:sldLayoutChg chg="add del mod replId">
-          <pc:chgData name="Federico Saccani" userId="S::10700471@polimi.it::b6dd2c5c-0a47-4a0a-ae86-e0cc5a0bcfb7" providerId="AD" clId="Web-{3F17C0EF-3A61-04E4-3BF4-57142A76D667}" dt="2024-05-28T15:27:56.883" v="32"/>
-          <pc:sldLayoutMkLst>
-            <pc:docMk/>
-            <pc:sldMasterMk cId="858817852" sldId="2147483712"/>
-            <pc:sldLayoutMk cId="3870932949" sldId="2147483722"/>
-          </pc:sldLayoutMkLst>
-        </pc:sldLayoutChg>
-        <pc:sldLayoutChg chg="add del mod replId">
-          <pc:chgData name="Federico Saccani" userId="S::10700471@polimi.it::b6dd2c5c-0a47-4a0a-ae86-e0cc5a0bcfb7" providerId="AD" clId="Web-{3F17C0EF-3A61-04E4-3BF4-57142A76D667}" dt="2024-05-28T15:27:56.883" v="32"/>
-          <pc:sldLayoutMkLst>
-            <pc:docMk/>
-            <pc:sldMasterMk cId="858817852" sldId="2147483712"/>
-            <pc:sldLayoutMk cId="874073671" sldId="2147483723"/>
-          </pc:sldLayoutMkLst>
-        </pc:sldLayoutChg>
-        <pc:sldLayoutChg chg="add del mod replId">
-          <pc:chgData name="Federico Saccani" userId="S::10700471@polimi.it::b6dd2c5c-0a47-4a0a-ae86-e0cc5a0bcfb7" providerId="AD" clId="Web-{3F17C0EF-3A61-04E4-3BF4-57142A76D667}" dt="2024-05-28T15:27:56.883" v="32"/>
-          <pc:sldLayoutMkLst>
-            <pc:docMk/>
-            <pc:sldMasterMk cId="858817852" sldId="2147483712"/>
-            <pc:sldLayoutMk cId="2734879479" sldId="2147483724"/>
-          </pc:sldLayoutMkLst>
-        </pc:sldLayoutChg>
-      </pc:sldMasterChg>
     </pc:docChg>
   </pc:docChgLst>
   <pc:docChgLst>
@@ -4760,6 +5888,75 @@
     </pc:docChg>
   </pc:docChgLst>
   <pc:docChgLst>
+    <pc:chgData name="Francesco Spangaro" userId="S::10734844@polimi.it::ba3753b7-8d44-4270-9361-938b439740f0" providerId="AD" clId="Web-{DE52B1D1-9FC2-61B0-EC2D-53E938823DFE}"/>
+    <pc:docChg chg="modSld">
+      <pc:chgData name="Francesco Spangaro" userId="S::10734844@polimi.it::ba3753b7-8d44-4270-9361-938b439740f0" providerId="AD" clId="Web-{DE52B1D1-9FC2-61B0-EC2D-53E938823DFE}" dt="2024-05-27T11:49:23.114" v="8" actId="1076"/>
+      <pc:docMkLst>
+        <pc:docMk/>
+      </pc:docMkLst>
+      <pc:sldChg chg="modSp">
+        <pc:chgData name="Francesco Spangaro" userId="S::10734844@polimi.it::ba3753b7-8d44-4270-9361-938b439740f0" providerId="AD" clId="Web-{DE52B1D1-9FC2-61B0-EC2D-53E938823DFE}" dt="2024-05-27T11:48:49.082" v="1" actId="1076"/>
+        <pc:sldMkLst>
+          <pc:docMk/>
+          <pc:sldMk cId="1903131710" sldId="259"/>
+        </pc:sldMkLst>
+        <pc:spChg chg="mod">
+          <ac:chgData name="Francesco Spangaro" userId="S::10734844@polimi.it::ba3753b7-8d44-4270-9361-938b439740f0" providerId="AD" clId="Web-{DE52B1D1-9FC2-61B0-EC2D-53E938823DFE}" dt="2024-05-27T11:48:49.082" v="1" actId="1076"/>
+          <ac:spMkLst>
+            <pc:docMk/>
+            <pc:sldMk cId="1903131710" sldId="259"/>
+            <ac:spMk id="2" creationId="{E303BE9B-37ED-298D-882B-DAE33B6F4399}"/>
+          </ac:spMkLst>
+        </pc:spChg>
+      </pc:sldChg>
+      <pc:sldChg chg="modSp">
+        <pc:chgData name="Francesco Spangaro" userId="S::10734844@polimi.it::ba3753b7-8d44-4270-9361-938b439740f0" providerId="AD" clId="Web-{DE52B1D1-9FC2-61B0-EC2D-53E938823DFE}" dt="2024-05-27T11:48:56.613" v="3" actId="1076"/>
+        <pc:sldMkLst>
+          <pc:docMk/>
+          <pc:sldMk cId="475937262" sldId="260"/>
+        </pc:sldMkLst>
+        <pc:spChg chg="mod">
+          <ac:chgData name="Francesco Spangaro" userId="S::10734844@polimi.it::ba3753b7-8d44-4270-9361-938b439740f0" providerId="AD" clId="Web-{DE52B1D1-9FC2-61B0-EC2D-53E938823DFE}" dt="2024-05-27T11:48:56.613" v="3" actId="1076"/>
+          <ac:spMkLst>
+            <pc:docMk/>
+            <pc:sldMk cId="475937262" sldId="260"/>
+            <ac:spMk id="2" creationId="{E303BE9B-37ED-298D-882B-DAE33B6F4399}"/>
+          </ac:spMkLst>
+        </pc:spChg>
+      </pc:sldChg>
+      <pc:sldChg chg="modSp">
+        <pc:chgData name="Francesco Spangaro" userId="S::10734844@polimi.it::ba3753b7-8d44-4270-9361-938b439740f0" providerId="AD" clId="Web-{DE52B1D1-9FC2-61B0-EC2D-53E938823DFE}" dt="2024-05-27T11:49:07.926" v="5" actId="1076"/>
+        <pc:sldMkLst>
+          <pc:docMk/>
+          <pc:sldMk cId="1966376482" sldId="262"/>
+        </pc:sldMkLst>
+        <pc:spChg chg="mod">
+          <ac:chgData name="Francesco Spangaro" userId="S::10734844@polimi.it::ba3753b7-8d44-4270-9361-938b439740f0" providerId="AD" clId="Web-{DE52B1D1-9FC2-61B0-EC2D-53E938823DFE}" dt="2024-05-27T11:49:07.926" v="5" actId="1076"/>
+          <ac:spMkLst>
+            <pc:docMk/>
+            <pc:sldMk cId="1966376482" sldId="262"/>
+            <ac:spMk id="2" creationId="{E303BE9B-37ED-298D-882B-DAE33B6F4399}"/>
+          </ac:spMkLst>
+        </pc:spChg>
+      </pc:sldChg>
+      <pc:sldChg chg="modSp">
+        <pc:chgData name="Francesco Spangaro" userId="S::10734844@polimi.it::ba3753b7-8d44-4270-9361-938b439740f0" providerId="AD" clId="Web-{DE52B1D1-9FC2-61B0-EC2D-53E938823DFE}" dt="2024-05-27T11:49:23.114" v="8" actId="1076"/>
+        <pc:sldMkLst>
+          <pc:docMk/>
+          <pc:sldMk cId="3966523128" sldId="269"/>
+        </pc:sldMkLst>
+        <pc:spChg chg="mod">
+          <ac:chgData name="Francesco Spangaro" userId="S::10734844@polimi.it::ba3753b7-8d44-4270-9361-938b439740f0" providerId="AD" clId="Web-{DE52B1D1-9FC2-61B0-EC2D-53E938823DFE}" dt="2024-05-27T11:49:23.114" v="8" actId="1076"/>
+          <ac:spMkLst>
+            <pc:docMk/>
+            <pc:sldMk cId="3966523128" sldId="269"/>
+            <ac:spMk id="2" creationId="{E303BE9B-37ED-298D-882B-DAE33B6F4399}"/>
+          </ac:spMkLst>
+        </pc:spChg>
+      </pc:sldChg>
+    </pc:docChg>
+  </pc:docChgLst>
+  <pc:docChgLst>
     <pc:chgData name="Francesco Spangaro" userId="S::10734844@polimi.it::ba3753b7-8d44-4270-9361-938b439740f0" providerId="AD" clId="Web-{2446989E-068E-93E9-660A-425DB6DD87F1}"/>
     <pc:docChg chg="mod addSld delSld modSld modMainMaster">
       <pc:chgData name="Francesco Spangaro" userId="S::10734844@polimi.it::ba3753b7-8d44-4270-9361-938b439740f0" providerId="AD" clId="Web-{2446989E-068E-93E9-660A-425DB6DD87F1}" dt="2024-05-28T18:23:30.133" v="342" actId="20577"/>
@@ -5738,750 +6935,6 @@
           </pc:spChg>
         </pc:sldLayoutChg>
       </pc:sldMasterChg>
-    </pc:docChg>
-  </pc:docChgLst>
-  <pc:docChgLst>
-    <pc:chgData name="Francesco Spangaro" userId="S::10734844@polimi.it::ba3753b7-8d44-4270-9361-938b439740f0" providerId="AD" clId="Web-{7182E702-E6B1-3165-C8DF-F11C8764D994}"/>
-    <pc:docChg chg="modSld">
-      <pc:chgData name="Francesco Spangaro" userId="S::10734844@polimi.it::ba3753b7-8d44-4270-9361-938b439740f0" providerId="AD" clId="Web-{7182E702-E6B1-3165-C8DF-F11C8764D994}" dt="2024-05-25T08:33:00.177" v="393" actId="20577"/>
-      <pc:docMkLst>
-        <pc:docMk/>
-      </pc:docMkLst>
-      <pc:sldChg chg="modSp">
-        <pc:chgData name="Francesco Spangaro" userId="S::10734844@polimi.it::ba3753b7-8d44-4270-9361-938b439740f0" providerId="AD" clId="Web-{7182E702-E6B1-3165-C8DF-F11C8764D994}" dt="2024-05-25T08:17:08.938" v="20" actId="20577"/>
-        <pc:sldMkLst>
-          <pc:docMk/>
-          <pc:sldMk cId="2889831294" sldId="256"/>
-        </pc:sldMkLst>
-        <pc:spChg chg="mod">
-          <ac:chgData name="Francesco Spangaro" userId="S::10734844@polimi.it::ba3753b7-8d44-4270-9361-938b439740f0" providerId="AD" clId="Web-{7182E702-E6B1-3165-C8DF-F11C8764D994}" dt="2024-05-25T08:17:08.938" v="20" actId="20577"/>
-          <ac:spMkLst>
-            <pc:docMk/>
-            <pc:sldMk cId="2889831294" sldId="256"/>
-            <ac:spMk id="5" creationId="{F1A0EA7B-A6B8-C0F5-4949-B7BF32EC4D6E}"/>
-          </ac:spMkLst>
-        </pc:spChg>
-      </pc:sldChg>
-      <pc:sldChg chg="addSp delSp modSp">
-        <pc:chgData name="Francesco Spangaro" userId="S::10734844@polimi.it::ba3753b7-8d44-4270-9361-938b439740f0" providerId="AD" clId="Web-{7182E702-E6B1-3165-C8DF-F11C8764D994}" dt="2024-05-25T08:23:27.521" v="115" actId="20577"/>
-        <pc:sldMkLst>
-          <pc:docMk/>
-          <pc:sldMk cId="941844537" sldId="257"/>
-        </pc:sldMkLst>
-        <pc:spChg chg="del">
-          <ac:chgData name="Francesco Spangaro" userId="S::10734844@polimi.it::ba3753b7-8d44-4270-9361-938b439740f0" providerId="AD" clId="Web-{7182E702-E6B1-3165-C8DF-F11C8764D994}" dt="2024-05-25T08:18:40.021" v="45"/>
-          <ac:spMkLst>
-            <pc:docMk/>
-            <pc:sldMk cId="941844537" sldId="257"/>
-            <ac:spMk id="4" creationId="{EB2A02AF-7444-2EC7-B768-A1E8578BF5E4}"/>
-          </ac:spMkLst>
-        </pc:spChg>
-        <pc:spChg chg="add mod">
-          <ac:chgData name="Francesco Spangaro" userId="S::10734844@polimi.it::ba3753b7-8d44-4270-9361-938b439740f0" providerId="AD" clId="Web-{7182E702-E6B1-3165-C8DF-F11C8764D994}" dt="2024-05-25T08:18:40.224" v="46"/>
-          <ac:spMkLst>
-            <pc:docMk/>
-            <pc:sldMk cId="941844537" sldId="257"/>
-            <ac:spMk id="6" creationId="{8647E559-96CA-1E3F-EA15-5DAD0CD72C5C}"/>
-          </ac:spMkLst>
-        </pc:spChg>
-        <pc:spChg chg="mod">
-          <ac:chgData name="Francesco Spangaro" userId="S::10734844@polimi.it::ba3753b7-8d44-4270-9361-938b439740f0" providerId="AD" clId="Web-{7182E702-E6B1-3165-C8DF-F11C8764D994}" dt="2024-05-25T08:23:27.521" v="115" actId="20577"/>
-          <ac:spMkLst>
-            <pc:docMk/>
-            <pc:sldMk cId="941844537" sldId="257"/>
-            <ac:spMk id="8" creationId="{5B21954A-A97A-1E68-23D6-B82344955A7B}"/>
-          </ac:spMkLst>
-        </pc:spChg>
-      </pc:sldChg>
-      <pc:sldChg chg="addSp delSp modSp">
-        <pc:chgData name="Francesco Spangaro" userId="S::10734844@polimi.it::ba3753b7-8d44-4270-9361-938b439740f0" providerId="AD" clId="Web-{7182E702-E6B1-3165-C8DF-F11C8764D994}" dt="2024-05-25T08:17:44.127" v="25" actId="1076"/>
-        <pc:sldMkLst>
-          <pc:docMk/>
-          <pc:sldMk cId="1903131710" sldId="259"/>
-        </pc:sldMkLst>
-        <pc:spChg chg="del mod">
-          <ac:chgData name="Francesco Spangaro" userId="S::10734844@polimi.it::ba3753b7-8d44-4270-9361-938b439740f0" providerId="AD" clId="Web-{7182E702-E6B1-3165-C8DF-F11C8764D994}" dt="2024-05-25T08:17:38.065" v="24"/>
-          <ac:spMkLst>
-            <pc:docMk/>
-            <pc:sldMk cId="1903131710" sldId="259"/>
-            <ac:spMk id="4" creationId="{EB2A02AF-7444-2EC7-B768-A1E8578BF5E4}"/>
-          </ac:spMkLst>
-        </pc:spChg>
-        <pc:spChg chg="add mod">
-          <ac:chgData name="Francesco Spangaro" userId="S::10734844@polimi.it::ba3753b7-8d44-4270-9361-938b439740f0" providerId="AD" clId="Web-{7182E702-E6B1-3165-C8DF-F11C8764D994}" dt="2024-05-25T08:17:44.127" v="25" actId="1076"/>
-          <ac:spMkLst>
-            <pc:docMk/>
-            <pc:sldMk cId="1903131710" sldId="259"/>
-            <ac:spMk id="7" creationId="{91102608-827B-D296-F09E-0C6C93193949}"/>
-          </ac:spMkLst>
-        </pc:spChg>
-        <pc:spChg chg="mod">
-          <ac:chgData name="Francesco Spangaro" userId="S::10734844@polimi.it::ba3753b7-8d44-4270-9361-938b439740f0" providerId="AD" clId="Web-{7182E702-E6B1-3165-C8DF-F11C8764D994}" dt="2024-05-25T08:16:18.107" v="10" actId="20577"/>
-          <ac:spMkLst>
-            <pc:docMk/>
-            <pc:sldMk cId="1903131710" sldId="259"/>
-            <ac:spMk id="39" creationId="{6B86AA07-7522-DD5E-8717-9B9A423A1584}"/>
-          </ac:spMkLst>
-        </pc:spChg>
-      </pc:sldChg>
-      <pc:sldChg chg="addSp delSp modSp">
-        <pc:chgData name="Francesco Spangaro" userId="S::10734844@polimi.it::ba3753b7-8d44-4270-9361-938b439740f0" providerId="AD" clId="Web-{7182E702-E6B1-3165-C8DF-F11C8764D994}" dt="2024-05-25T08:19:25.695" v="73" actId="14100"/>
-        <pc:sldMkLst>
-          <pc:docMk/>
-          <pc:sldMk cId="475937262" sldId="260"/>
-        </pc:sldMkLst>
-        <pc:spChg chg="del">
-          <ac:chgData name="Francesco Spangaro" userId="S::10734844@polimi.it::ba3753b7-8d44-4270-9361-938b439740f0" providerId="AD" clId="Web-{7182E702-E6B1-3165-C8DF-F11C8764D994}" dt="2024-05-25T08:17:56.284" v="28"/>
-          <ac:spMkLst>
-            <pc:docMk/>
-            <pc:sldMk cId="475937262" sldId="260"/>
-            <ac:spMk id="4" creationId="{EB2A02AF-7444-2EC7-B768-A1E8578BF5E4}"/>
-          </ac:spMkLst>
-        </pc:spChg>
-        <pc:spChg chg="mod">
-          <ac:chgData name="Francesco Spangaro" userId="S::10734844@polimi.it::ba3753b7-8d44-4270-9361-938b439740f0" providerId="AD" clId="Web-{7182E702-E6B1-3165-C8DF-F11C8764D994}" dt="2024-05-25T08:19:25.695" v="73" actId="14100"/>
-          <ac:spMkLst>
-            <pc:docMk/>
-            <pc:sldMk cId="475937262" sldId="260"/>
-            <ac:spMk id="8" creationId="{89D68277-2298-A254-A7C0-B76A0A5C6C98}"/>
-          </ac:spMkLst>
-        </pc:spChg>
-        <pc:spChg chg="add mod">
-          <ac:chgData name="Francesco Spangaro" userId="S::10734844@polimi.it::ba3753b7-8d44-4270-9361-938b439740f0" providerId="AD" clId="Web-{7182E702-E6B1-3165-C8DF-F11C8764D994}" dt="2024-05-25T08:18:00.097" v="29" actId="1076"/>
-          <ac:spMkLst>
-            <pc:docMk/>
-            <pc:sldMk cId="475937262" sldId="260"/>
-            <ac:spMk id="9" creationId="{76ABE0DD-62AA-F78B-26A5-E1BC99468D8C}"/>
-          </ac:spMkLst>
-        </pc:spChg>
-        <pc:spChg chg="mod">
-          <ac:chgData name="Francesco Spangaro" userId="S::10734844@polimi.it::ba3753b7-8d44-4270-9361-938b439740f0" providerId="AD" clId="Web-{7182E702-E6B1-3165-C8DF-F11C8764D994}" dt="2024-05-25T08:19:12.663" v="65" actId="20577"/>
-          <ac:spMkLst>
-            <pc:docMk/>
-            <pc:sldMk cId="475937262" sldId="260"/>
-            <ac:spMk id="39" creationId="{6B86AA07-7522-DD5E-8717-9B9A423A1584}"/>
-          </ac:spMkLst>
-        </pc:spChg>
-      </pc:sldChg>
-      <pc:sldChg chg="addSp delSp modSp">
-        <pc:chgData name="Francesco Spangaro" userId="S::10734844@polimi.it::ba3753b7-8d44-4270-9361-938b439740f0" providerId="AD" clId="Web-{7182E702-E6B1-3165-C8DF-F11C8764D994}" dt="2024-05-25T08:20:13.214" v="85" actId="20577"/>
-        <pc:sldMkLst>
-          <pc:docMk/>
-          <pc:sldMk cId="1966376482" sldId="262"/>
-        </pc:sldMkLst>
-        <pc:spChg chg="del">
-          <ac:chgData name="Francesco Spangaro" userId="S::10734844@polimi.it::ba3753b7-8d44-4270-9361-938b439740f0" providerId="AD" clId="Web-{7182E702-E6B1-3165-C8DF-F11C8764D994}" dt="2024-05-25T08:18:19.598" v="37"/>
-          <ac:spMkLst>
-            <pc:docMk/>
-            <pc:sldMk cId="1966376482" sldId="262"/>
-            <ac:spMk id="4" creationId="{EB2A02AF-7444-2EC7-B768-A1E8578BF5E4}"/>
-          </ac:spMkLst>
-        </pc:spChg>
-        <pc:spChg chg="mod">
-          <ac:chgData name="Francesco Spangaro" userId="S::10734844@polimi.it::ba3753b7-8d44-4270-9361-938b439740f0" providerId="AD" clId="Web-{7182E702-E6B1-3165-C8DF-F11C8764D994}" dt="2024-05-25T08:20:13.214" v="85" actId="20577"/>
-          <ac:spMkLst>
-            <pc:docMk/>
-            <pc:sldMk cId="1966376482" sldId="262"/>
-            <ac:spMk id="8" creationId="{89D68277-2298-A254-A7C0-B76A0A5C6C98}"/>
-          </ac:spMkLst>
-        </pc:spChg>
-        <pc:spChg chg="add mod">
-          <ac:chgData name="Francesco Spangaro" userId="S::10734844@polimi.it::ba3753b7-8d44-4270-9361-938b439740f0" providerId="AD" clId="Web-{7182E702-E6B1-3165-C8DF-F11C8764D994}" dt="2024-05-25T08:18:19.879" v="38"/>
-          <ac:spMkLst>
-            <pc:docMk/>
-            <pc:sldMk cId="1966376482" sldId="262"/>
-            <ac:spMk id="14" creationId="{44822887-282F-18C2-1591-6811201E5EEA}"/>
-          </ac:spMkLst>
-        </pc:spChg>
-      </pc:sldChg>
-      <pc:sldChg chg="addSp delSp modSp">
-        <pc:chgData name="Francesco Spangaro" userId="S::10734844@polimi.it::ba3753b7-8d44-4270-9361-938b439740f0" providerId="AD" clId="Web-{7182E702-E6B1-3165-C8DF-F11C8764D994}" dt="2024-05-25T08:18:07.441" v="32" actId="1076"/>
-        <pc:sldMkLst>
-          <pc:docMk/>
-          <pc:sldMk cId="2710985118" sldId="263"/>
-        </pc:sldMkLst>
-        <pc:spChg chg="del">
-          <ac:chgData name="Francesco Spangaro" userId="S::10734844@polimi.it::ba3753b7-8d44-4270-9361-938b439740f0" providerId="AD" clId="Web-{7182E702-E6B1-3165-C8DF-F11C8764D994}" dt="2024-05-25T08:18:02.785" v="30"/>
-          <ac:spMkLst>
-            <pc:docMk/>
-            <pc:sldMk cId="2710985118" sldId="263"/>
-            <ac:spMk id="4" creationId="{EB2A02AF-7444-2EC7-B768-A1E8578BF5E4}"/>
-          </ac:spMkLst>
-        </pc:spChg>
-        <pc:spChg chg="add mod">
-          <ac:chgData name="Francesco Spangaro" userId="S::10734844@polimi.it::ba3753b7-8d44-4270-9361-938b439740f0" providerId="AD" clId="Web-{7182E702-E6B1-3165-C8DF-F11C8764D994}" dt="2024-05-25T08:18:07.441" v="32" actId="1076"/>
-          <ac:spMkLst>
-            <pc:docMk/>
-            <pc:sldMk cId="2710985118" sldId="263"/>
-            <ac:spMk id="8" creationId="{7BC61599-B2C2-1DD3-C17C-A251469616D8}"/>
-          </ac:spMkLst>
-        </pc:spChg>
-      </pc:sldChg>
-      <pc:sldChg chg="addSp delSp modSp">
-        <pc:chgData name="Francesco Spangaro" userId="S::10734844@polimi.it::ba3753b7-8d44-4270-9361-938b439740f0" providerId="AD" clId="Web-{7182E702-E6B1-3165-C8DF-F11C8764D994}" dt="2024-05-25T08:18:16.942" v="36" actId="1076"/>
-        <pc:sldMkLst>
-          <pc:docMk/>
-          <pc:sldMk cId="4190760898" sldId="264"/>
-        </pc:sldMkLst>
-        <pc:spChg chg="del mod">
-          <ac:chgData name="Francesco Spangaro" userId="S::10734844@polimi.it::ba3753b7-8d44-4270-9361-938b439740f0" providerId="AD" clId="Web-{7182E702-E6B1-3165-C8DF-F11C8764D994}" dt="2024-05-25T08:18:12.629" v="34"/>
-          <ac:spMkLst>
-            <pc:docMk/>
-            <pc:sldMk cId="4190760898" sldId="264"/>
-            <ac:spMk id="4" creationId="{EB2A02AF-7444-2EC7-B768-A1E8578BF5E4}"/>
-          </ac:spMkLst>
-        </pc:spChg>
-        <pc:spChg chg="add mod">
-          <ac:chgData name="Francesco Spangaro" userId="S::10734844@polimi.it::ba3753b7-8d44-4270-9361-938b439740f0" providerId="AD" clId="Web-{7182E702-E6B1-3165-C8DF-F11C8764D994}" dt="2024-05-25T08:18:16.942" v="36" actId="1076"/>
-          <ac:spMkLst>
-            <pc:docMk/>
-            <pc:sldMk cId="4190760898" sldId="264"/>
-            <ac:spMk id="11" creationId="{90D24739-237F-8AB4-0295-E30A76AB67A8}"/>
-          </ac:spMkLst>
-        </pc:spChg>
-      </pc:sldChg>
-      <pc:sldChg chg="addSp delSp modSp">
-        <pc:chgData name="Francesco Spangaro" userId="S::10734844@polimi.it::ba3753b7-8d44-4270-9361-938b439740f0" providerId="AD" clId="Web-{7182E702-E6B1-3165-C8DF-F11C8764D994}" dt="2024-05-25T08:20:48.512" v="94" actId="20577"/>
-        <pc:sldMkLst>
-          <pc:docMk/>
-          <pc:sldMk cId="1799355463" sldId="265"/>
-        </pc:sldMkLst>
-        <pc:spChg chg="del">
-          <ac:chgData name="Francesco Spangaro" userId="S::10734844@polimi.it::ba3753b7-8d44-4270-9361-938b439740f0" providerId="AD" clId="Web-{7182E702-E6B1-3165-C8DF-F11C8764D994}" dt="2024-05-25T08:18:29.224" v="39"/>
-          <ac:spMkLst>
-            <pc:docMk/>
-            <pc:sldMk cId="1799355463" sldId="265"/>
-            <ac:spMk id="4" creationId="{EB2A02AF-7444-2EC7-B768-A1E8578BF5E4}"/>
-          </ac:spMkLst>
-        </pc:spChg>
-        <pc:spChg chg="mod">
-          <ac:chgData name="Francesco Spangaro" userId="S::10734844@polimi.it::ba3753b7-8d44-4270-9361-938b439740f0" providerId="AD" clId="Web-{7182E702-E6B1-3165-C8DF-F11C8764D994}" dt="2024-05-25T08:20:48.512" v="94" actId="20577"/>
-          <ac:spMkLst>
-            <pc:docMk/>
-            <pc:sldMk cId="1799355463" sldId="265"/>
-            <ac:spMk id="21" creationId="{C83BFB3A-0A76-A17F-C5D5-5A35629B320F}"/>
-          </ac:spMkLst>
-        </pc:spChg>
-        <pc:spChg chg="add mod">
-          <ac:chgData name="Francesco Spangaro" userId="S::10734844@polimi.it::ba3753b7-8d44-4270-9361-938b439740f0" providerId="AD" clId="Web-{7182E702-E6B1-3165-C8DF-F11C8764D994}" dt="2024-05-25T08:18:29.458" v="40"/>
-          <ac:spMkLst>
-            <pc:docMk/>
-            <pc:sldMk cId="1799355463" sldId="265"/>
-            <ac:spMk id="22" creationId="{2AD02855-5704-2923-D10D-CBB7E63F565B}"/>
-          </ac:spMkLst>
-        </pc:spChg>
-      </pc:sldChg>
-      <pc:sldChg chg="addSp delSp modSp">
-        <pc:chgData name="Francesco Spangaro" userId="S::10734844@polimi.it::ba3753b7-8d44-4270-9361-938b439740f0" providerId="AD" clId="Web-{7182E702-E6B1-3165-C8DF-F11C8764D994}" dt="2024-05-25T08:33:00.177" v="393" actId="20577"/>
-        <pc:sldMkLst>
-          <pc:docMk/>
-          <pc:sldMk cId="2777351238" sldId="266"/>
-        </pc:sldMkLst>
-        <pc:spChg chg="del">
-          <ac:chgData name="Francesco Spangaro" userId="S::10734844@polimi.it::ba3753b7-8d44-4270-9361-938b439740f0" providerId="AD" clId="Web-{7182E702-E6B1-3165-C8DF-F11C8764D994}" dt="2024-05-25T08:18:32.411" v="41"/>
-          <ac:spMkLst>
-            <pc:docMk/>
-            <pc:sldMk cId="2777351238" sldId="266"/>
-            <ac:spMk id="4" creationId="{EB2A02AF-7444-2EC7-B768-A1E8578BF5E4}"/>
-          </ac:spMkLst>
-        </pc:spChg>
-        <pc:spChg chg="mod">
-          <ac:chgData name="Francesco Spangaro" userId="S::10734844@polimi.it::ba3753b7-8d44-4270-9361-938b439740f0" providerId="AD" clId="Web-{7182E702-E6B1-3165-C8DF-F11C8764D994}" dt="2024-05-25T08:33:00.177" v="393" actId="20577"/>
-          <ac:spMkLst>
-            <pc:docMk/>
-            <pc:sldMk cId="2777351238" sldId="266"/>
-            <ac:spMk id="6" creationId="{4562B018-1398-EC5A-2610-675687CFD253}"/>
-          </ac:spMkLst>
-        </pc:spChg>
-        <pc:spChg chg="mod">
-          <ac:chgData name="Francesco Spangaro" userId="S::10734844@polimi.it::ba3753b7-8d44-4270-9361-938b439740f0" providerId="AD" clId="Web-{7182E702-E6B1-3165-C8DF-F11C8764D994}" dt="2024-05-25T08:32:57.474" v="392" actId="20577"/>
-          <ac:spMkLst>
-            <pc:docMk/>
-            <pc:sldMk cId="2777351238" sldId="266"/>
-            <ac:spMk id="14" creationId="{F06E6D2A-D1D0-3F5B-71D7-6B519E868B46}"/>
-          </ac:spMkLst>
-        </pc:spChg>
-        <pc:spChg chg="add mod">
-          <ac:chgData name="Francesco Spangaro" userId="S::10734844@polimi.it::ba3753b7-8d44-4270-9361-938b439740f0" providerId="AD" clId="Web-{7182E702-E6B1-3165-C8DF-F11C8764D994}" dt="2024-05-25T08:18:32.599" v="42"/>
-          <ac:spMkLst>
-            <pc:docMk/>
-            <pc:sldMk cId="2777351238" sldId="266"/>
-            <ac:spMk id="25" creationId="{EE4A99F6-0330-2330-24C6-23345787BEAF}"/>
-          </ac:spMkLst>
-        </pc:spChg>
-      </pc:sldChg>
-      <pc:sldChg chg="addSp delSp modSp">
-        <pc:chgData name="Francesco Spangaro" userId="S::10734844@polimi.it::ba3753b7-8d44-4270-9361-938b439740f0" providerId="AD" clId="Web-{7182E702-E6B1-3165-C8DF-F11C8764D994}" dt="2024-05-25T08:18:35.661" v="44"/>
-        <pc:sldMkLst>
-          <pc:docMk/>
-          <pc:sldMk cId="647797854" sldId="267"/>
-        </pc:sldMkLst>
-        <pc:spChg chg="del">
-          <ac:chgData name="Francesco Spangaro" userId="S::10734844@polimi.it::ba3753b7-8d44-4270-9361-938b439740f0" providerId="AD" clId="Web-{7182E702-E6B1-3165-C8DF-F11C8764D994}" dt="2024-05-25T08:18:35.443" v="43"/>
-          <ac:spMkLst>
-            <pc:docMk/>
-            <pc:sldMk cId="647797854" sldId="267"/>
-            <ac:spMk id="4" creationId="{EB2A02AF-7444-2EC7-B768-A1E8578BF5E4}"/>
-          </ac:spMkLst>
-        </pc:spChg>
-        <pc:spChg chg="add mod">
-          <ac:chgData name="Francesco Spangaro" userId="S::10734844@polimi.it::ba3753b7-8d44-4270-9361-938b439740f0" providerId="AD" clId="Web-{7182E702-E6B1-3165-C8DF-F11C8764D994}" dt="2024-05-25T08:18:35.661" v="44"/>
-          <ac:spMkLst>
-            <pc:docMk/>
-            <pc:sldMk cId="647797854" sldId="267"/>
-            <ac:spMk id="29" creationId="{D1D269DC-B0CF-D7CF-B1E6-72CBA18AB148}"/>
-          </ac:spMkLst>
-        </pc:spChg>
-      </pc:sldChg>
-      <pc:sldChg chg="addSp delSp modSp">
-        <pc:chgData name="Francesco Spangaro" userId="S::10734844@polimi.it::ba3753b7-8d44-4270-9361-938b439740f0" providerId="AD" clId="Web-{7182E702-E6B1-3165-C8DF-F11C8764D994}" dt="2024-05-25T08:32:21.237" v="388" actId="20577"/>
-        <pc:sldMkLst>
-          <pc:docMk/>
-          <pc:sldMk cId="3966523128" sldId="269"/>
-        </pc:sldMkLst>
-        <pc:spChg chg="del">
-          <ac:chgData name="Francesco Spangaro" userId="S::10734844@polimi.it::ba3753b7-8d44-4270-9361-938b439740f0" providerId="AD" clId="Web-{7182E702-E6B1-3165-C8DF-F11C8764D994}" dt="2024-05-25T08:18:43.474" v="47"/>
-          <ac:spMkLst>
-            <pc:docMk/>
-            <pc:sldMk cId="3966523128" sldId="269"/>
-            <ac:spMk id="4" creationId="{EB2A02AF-7444-2EC7-B768-A1E8578BF5E4}"/>
-          </ac:spMkLst>
-        </pc:spChg>
-        <pc:spChg chg="add mod">
-          <ac:chgData name="Francesco Spangaro" userId="S::10734844@polimi.it::ba3753b7-8d44-4270-9361-938b439740f0" providerId="AD" clId="Web-{7182E702-E6B1-3165-C8DF-F11C8764D994}" dt="2024-05-25T08:18:43.740" v="48"/>
-          <ac:spMkLst>
-            <pc:docMk/>
-            <pc:sldMk cId="3966523128" sldId="269"/>
-            <ac:spMk id="6" creationId="{91625D7E-ABD3-D94E-CEB9-9BED2F5E36C2}"/>
-          </ac:spMkLst>
-        </pc:spChg>
-        <pc:spChg chg="mod">
-          <ac:chgData name="Francesco Spangaro" userId="S::10734844@polimi.it::ba3753b7-8d44-4270-9361-938b439740f0" providerId="AD" clId="Web-{7182E702-E6B1-3165-C8DF-F11C8764D994}" dt="2024-05-25T08:26:11.561" v="175" actId="20577"/>
-          <ac:spMkLst>
-            <pc:docMk/>
-            <pc:sldMk cId="3966523128" sldId="269"/>
-            <ac:spMk id="14" creationId="{ED35446F-D14D-8446-D71D-FCE12F4B2C4E}"/>
-          </ac:spMkLst>
-        </pc:spChg>
-        <pc:spChg chg="mod">
-          <ac:chgData name="Francesco Spangaro" userId="S::10734844@polimi.it::ba3753b7-8d44-4270-9361-938b439740f0" providerId="AD" clId="Web-{7182E702-E6B1-3165-C8DF-F11C8764D994}" dt="2024-05-25T08:25:16.480" v="156" actId="20577"/>
-          <ac:spMkLst>
-            <pc:docMk/>
-            <pc:sldMk cId="3966523128" sldId="269"/>
-            <ac:spMk id="15" creationId="{37720D51-7D8E-0041-23F8-47C29C6734A7}"/>
-          </ac:spMkLst>
-        </pc:spChg>
-        <pc:spChg chg="mod">
-          <ac:chgData name="Francesco Spangaro" userId="S::10734844@polimi.it::ba3753b7-8d44-4270-9361-938b439740f0" providerId="AD" clId="Web-{7182E702-E6B1-3165-C8DF-F11C8764D994}" dt="2024-05-25T08:32:15.768" v="387" actId="20577"/>
-          <ac:spMkLst>
-            <pc:docMk/>
-            <pc:sldMk cId="3966523128" sldId="269"/>
-            <ac:spMk id="19" creationId="{403627D5-DE1C-D439-E3D1-BE7940AC6F72}"/>
-          </ac:spMkLst>
-        </pc:spChg>
-        <pc:spChg chg="mod">
-          <ac:chgData name="Francesco Spangaro" userId="S::10734844@polimi.it::ba3753b7-8d44-4270-9361-938b439740f0" providerId="AD" clId="Web-{7182E702-E6B1-3165-C8DF-F11C8764D994}" dt="2024-05-25T08:32:21.237" v="388" actId="20577"/>
-          <ac:spMkLst>
-            <pc:docMk/>
-            <pc:sldMk cId="3966523128" sldId="269"/>
-            <ac:spMk id="20" creationId="{59777933-561B-1433-AA60-E7EF427F75F7}"/>
-          </ac:spMkLst>
-        </pc:spChg>
-        <pc:cxnChg chg="mod">
-          <ac:chgData name="Francesco Spangaro" userId="S::10734844@polimi.it::ba3753b7-8d44-4270-9361-938b439740f0" providerId="AD" clId="Web-{7182E702-E6B1-3165-C8DF-F11C8764D994}" dt="2024-05-25T08:25:13.527" v="155" actId="20577"/>
-          <ac:cxnSpMkLst>
-            <pc:docMk/>
-            <pc:sldMk cId="3966523128" sldId="269"/>
-            <ac:cxnSpMk id="17" creationId="{EC3B8D32-28CA-4E85-5371-673AAD39FC0D}"/>
-          </ac:cxnSpMkLst>
-        </pc:cxnChg>
-        <pc:cxnChg chg="mod">
-          <ac:chgData name="Francesco Spangaro" userId="S::10734844@polimi.it::ba3753b7-8d44-4270-9361-938b439740f0" providerId="AD" clId="Web-{7182E702-E6B1-3165-C8DF-F11C8764D994}" dt="2024-05-25T08:32:13.706" v="385" actId="20577"/>
-          <ac:cxnSpMkLst>
-            <pc:docMk/>
-            <pc:sldMk cId="3966523128" sldId="269"/>
-            <ac:cxnSpMk id="21" creationId="{858A7C5D-0BE8-5D67-5E1D-F99C762F6E0E}"/>
-          </ac:cxnSpMkLst>
-        </pc:cxnChg>
-        <pc:cxnChg chg="mod">
-          <ac:chgData name="Francesco Spangaro" userId="S::10734844@polimi.it::ba3753b7-8d44-4270-9361-938b439740f0" providerId="AD" clId="Web-{7182E702-E6B1-3165-C8DF-F11C8764D994}" dt="2024-05-25T08:24:53.791" v="148" actId="14100"/>
-          <ac:cxnSpMkLst>
-            <pc:docMk/>
-            <pc:sldMk cId="3966523128" sldId="269"/>
-            <ac:cxnSpMk id="24" creationId="{82C62B98-38C5-D28E-0AC0-1D82C2C88D93}"/>
-          </ac:cxnSpMkLst>
-        </pc:cxnChg>
-      </pc:sldChg>
-      <pc:sldChg chg="addSp delSp modSp">
-        <pc:chgData name="Francesco Spangaro" userId="S::10734844@polimi.it::ba3753b7-8d44-4270-9361-938b439740f0" providerId="AD" clId="Web-{7182E702-E6B1-3165-C8DF-F11C8764D994}" dt="2024-05-25T08:31:40.219" v="370" actId="14100"/>
-        <pc:sldMkLst>
-          <pc:docMk/>
-          <pc:sldMk cId="3955156056" sldId="270"/>
-        </pc:sldMkLst>
-        <pc:spChg chg="mod">
-          <ac:chgData name="Francesco Spangaro" userId="S::10734844@polimi.it::ba3753b7-8d44-4270-9361-938b439740f0" providerId="AD" clId="Web-{7182E702-E6B1-3165-C8DF-F11C8764D994}" dt="2024-05-25T08:27:02.751" v="183" actId="20577"/>
-          <ac:spMkLst>
-            <pc:docMk/>
-            <pc:sldMk cId="3955156056" sldId="270"/>
-            <ac:spMk id="2" creationId="{E303BE9B-37ED-298D-882B-DAE33B6F4399}"/>
-          </ac:spMkLst>
-        </pc:spChg>
-        <pc:spChg chg="del">
-          <ac:chgData name="Francesco Spangaro" userId="S::10734844@polimi.it::ba3753b7-8d44-4270-9361-938b439740f0" providerId="AD" clId="Web-{7182E702-E6B1-3165-C8DF-F11C8764D994}" dt="2024-05-25T08:18:47.584" v="49"/>
-          <ac:spMkLst>
-            <pc:docMk/>
-            <pc:sldMk cId="3955156056" sldId="270"/>
-            <ac:spMk id="4" creationId="{EB2A02AF-7444-2EC7-B768-A1E8578BF5E4}"/>
-          </ac:spMkLst>
-        </pc:spChg>
-        <pc:spChg chg="add mod">
-          <ac:chgData name="Francesco Spangaro" userId="S::10734844@polimi.it::ba3753b7-8d44-4270-9361-938b439740f0" providerId="AD" clId="Web-{7182E702-E6B1-3165-C8DF-F11C8764D994}" dt="2024-05-25T08:18:47.803" v="50"/>
-          <ac:spMkLst>
-            <pc:docMk/>
-            <pc:sldMk cId="3955156056" sldId="270"/>
-            <ac:spMk id="6" creationId="{7EE28BE1-3D05-594C-DF8D-CF57A2EB51A4}"/>
-          </ac:spMkLst>
-        </pc:spChg>
-        <pc:spChg chg="mod">
-          <ac:chgData name="Francesco Spangaro" userId="S::10734844@polimi.it::ba3753b7-8d44-4270-9361-938b439740f0" providerId="AD" clId="Web-{7182E702-E6B1-3165-C8DF-F11C8764D994}" dt="2024-05-25T08:31:08.718" v="357" actId="1076"/>
-          <ac:spMkLst>
-            <pc:docMk/>
-            <pc:sldMk cId="3955156056" sldId="270"/>
-            <ac:spMk id="12" creationId="{71C9CD5F-D430-28D4-34D8-CC20B7CBFE4A}"/>
-          </ac:spMkLst>
-        </pc:spChg>
-        <pc:spChg chg="mod">
-          <ac:chgData name="Francesco Spangaro" userId="S::10734844@polimi.it::ba3753b7-8d44-4270-9361-938b439740f0" providerId="AD" clId="Web-{7182E702-E6B1-3165-C8DF-F11C8764D994}" dt="2024-05-25T08:31:33.875" v="367" actId="14100"/>
-          <ac:spMkLst>
-            <pc:docMk/>
-            <pc:sldMk cId="3955156056" sldId="270"/>
-            <ac:spMk id="14" creationId="{ED35446F-D14D-8446-D71D-FCE12F4B2C4E}"/>
-          </ac:spMkLst>
-        </pc:spChg>
-        <pc:spChg chg="mod">
-          <ac:chgData name="Francesco Spangaro" userId="S::10734844@polimi.it::ba3753b7-8d44-4270-9361-938b439740f0" providerId="AD" clId="Web-{7182E702-E6B1-3165-C8DF-F11C8764D994}" dt="2024-05-25T08:31:13.046" v="358" actId="1076"/>
-          <ac:spMkLst>
-            <pc:docMk/>
-            <pc:sldMk cId="3955156056" sldId="270"/>
-            <ac:spMk id="15" creationId="{37720D51-7D8E-0041-23F8-47C29C6734A7}"/>
-          </ac:spMkLst>
-        </pc:spChg>
-        <pc:spChg chg="mod">
-          <ac:chgData name="Francesco Spangaro" userId="S::10734844@polimi.it::ba3753b7-8d44-4270-9361-938b439740f0" providerId="AD" clId="Web-{7182E702-E6B1-3165-C8DF-F11C8764D994}" dt="2024-05-25T08:31:03.202" v="355" actId="1076"/>
-          <ac:spMkLst>
-            <pc:docMk/>
-            <pc:sldMk cId="3955156056" sldId="270"/>
-            <ac:spMk id="19" creationId="{403627D5-DE1C-D439-E3D1-BE7940AC6F72}"/>
-          </ac:spMkLst>
-        </pc:spChg>
-        <pc:spChg chg="mod">
-          <ac:chgData name="Francesco Spangaro" userId="S::10734844@polimi.it::ba3753b7-8d44-4270-9361-938b439740f0" providerId="AD" clId="Web-{7182E702-E6B1-3165-C8DF-F11C8764D994}" dt="2024-05-25T08:31:18.171" v="360" actId="1076"/>
-          <ac:spMkLst>
-            <pc:docMk/>
-            <pc:sldMk cId="3955156056" sldId="270"/>
-            <ac:spMk id="20" creationId="{59777933-561B-1433-AA60-E7EF427F75F7}"/>
-          </ac:spMkLst>
-        </pc:spChg>
-        <pc:spChg chg="mod">
-          <ac:chgData name="Francesco Spangaro" userId="S::10734844@polimi.it::ba3753b7-8d44-4270-9361-938b439740f0" providerId="AD" clId="Web-{7182E702-E6B1-3165-C8DF-F11C8764D994}" dt="2024-05-25T08:31:35.016" v="368" actId="1076"/>
-          <ac:spMkLst>
-            <pc:docMk/>
-            <pc:sldMk cId="3955156056" sldId="270"/>
-            <ac:spMk id="47" creationId="{6DCC8FCE-B10D-94DA-5F48-FE8A0C071373}"/>
-          </ac:spMkLst>
-        </pc:spChg>
-        <pc:cxnChg chg="mod">
-          <ac:chgData name="Francesco Spangaro" userId="S::10734844@polimi.it::ba3753b7-8d44-4270-9361-938b439740f0" providerId="AD" clId="Web-{7182E702-E6B1-3165-C8DF-F11C8764D994}" dt="2024-05-25T08:31:15.781" v="359" actId="14100"/>
-          <ac:cxnSpMkLst>
-            <pc:docMk/>
-            <pc:sldMk cId="3955156056" sldId="270"/>
-            <ac:cxnSpMk id="13" creationId="{E90E9778-96C3-EBA3-BB85-0FFA30A0FFA5}"/>
-          </ac:cxnSpMkLst>
-        </pc:cxnChg>
-        <pc:cxnChg chg="mod">
-          <ac:chgData name="Francesco Spangaro" userId="S::10734844@polimi.it::ba3753b7-8d44-4270-9361-938b439740f0" providerId="AD" clId="Web-{7182E702-E6B1-3165-C8DF-F11C8764D994}" dt="2024-05-25T08:31:00.873" v="354" actId="14100"/>
-          <ac:cxnSpMkLst>
-            <pc:docMk/>
-            <pc:sldMk cId="3955156056" sldId="270"/>
-            <ac:cxnSpMk id="17" creationId="{EC3B8D32-28CA-4E85-5371-673AAD39FC0D}"/>
-          </ac:cxnSpMkLst>
-        </pc:cxnChg>
-        <pc:cxnChg chg="mod">
-          <ac:chgData name="Francesco Spangaro" userId="S::10734844@polimi.it::ba3753b7-8d44-4270-9361-938b439740f0" providerId="AD" clId="Web-{7182E702-E6B1-3165-C8DF-F11C8764D994}" dt="2024-05-25T08:31:06.358" v="356" actId="14100"/>
-          <ac:cxnSpMkLst>
-            <pc:docMk/>
-            <pc:sldMk cId="3955156056" sldId="270"/>
-            <ac:cxnSpMk id="21" creationId="{858A7C5D-0BE8-5D67-5E1D-F99C762F6E0E}"/>
-          </ac:cxnSpMkLst>
-        </pc:cxnChg>
-        <pc:cxnChg chg="mod">
-          <ac:chgData name="Francesco Spangaro" userId="S::10734844@polimi.it::ba3753b7-8d44-4270-9361-938b439740f0" providerId="AD" clId="Web-{7182E702-E6B1-3165-C8DF-F11C8764D994}" dt="2024-05-25T08:31:40.219" v="370" actId="14100"/>
-          <ac:cxnSpMkLst>
-            <pc:docMk/>
-            <pc:sldMk cId="3955156056" sldId="270"/>
-            <ac:cxnSpMk id="24" creationId="{82C62B98-38C5-D28E-0AC0-1D82C2C88D93}"/>
-          </ac:cxnSpMkLst>
-        </pc:cxnChg>
-        <pc:cxnChg chg="mod">
-          <ac:chgData name="Francesco Spangaro" userId="S::10734844@polimi.it::ba3753b7-8d44-4270-9361-938b439740f0" providerId="AD" clId="Web-{7182E702-E6B1-3165-C8DF-F11C8764D994}" dt="2024-05-25T08:31:35.016" v="368" actId="1076"/>
-          <ac:cxnSpMkLst>
-            <pc:docMk/>
-            <pc:sldMk cId="3955156056" sldId="270"/>
-            <ac:cxnSpMk id="49" creationId="{71C81454-7F62-125F-C876-1458404DDA3C}"/>
-          </ac:cxnSpMkLst>
-        </pc:cxnChg>
-      </pc:sldChg>
-    </pc:docChg>
-  </pc:docChgLst>
-  <pc:docChgLst>
-    <pc:chgData name="Francesco Spangaro" userId="S::10734844@polimi.it::ba3753b7-8d44-4270-9361-938b439740f0" providerId="AD" clId="Web-{A40869C7-C539-7437-8096-3DF922CC132D}"/>
-    <pc:docChg chg="modSld">
-      <pc:chgData name="Francesco Spangaro" userId="S::10734844@polimi.it::ba3753b7-8d44-4270-9361-938b439740f0" providerId="AD" clId="Web-{A40869C7-C539-7437-8096-3DF922CC132D}" dt="2024-05-25T08:51:25.085" v="283" actId="14100"/>
-      <pc:docMkLst>
-        <pc:docMk/>
-      </pc:docMkLst>
-      <pc:sldChg chg="modSp">
-        <pc:chgData name="Francesco Spangaro" userId="S::10734844@polimi.it::ba3753b7-8d44-4270-9361-938b439740f0" providerId="AD" clId="Web-{A40869C7-C539-7437-8096-3DF922CC132D}" dt="2024-05-25T08:50:16.344" v="271" actId="14100"/>
-        <pc:sldMkLst>
-          <pc:docMk/>
-          <pc:sldMk cId="941844537" sldId="257"/>
-        </pc:sldMkLst>
-        <pc:spChg chg="mod">
-          <ac:chgData name="Francesco Spangaro" userId="S::10734844@polimi.it::ba3753b7-8d44-4270-9361-938b439740f0" providerId="AD" clId="Web-{A40869C7-C539-7437-8096-3DF922CC132D}" dt="2024-05-25T08:48:07.561" v="142" actId="1076"/>
-          <ac:spMkLst>
-            <pc:docMk/>
-            <pc:sldMk cId="941844537" sldId="257"/>
-            <ac:spMk id="2" creationId="{E303BE9B-37ED-298D-882B-DAE33B6F4399}"/>
-          </ac:spMkLst>
-        </pc:spChg>
-        <pc:spChg chg="mod">
-          <ac:chgData name="Francesco Spangaro" userId="S::10734844@polimi.it::ba3753b7-8d44-4270-9361-938b439740f0" providerId="AD" clId="Web-{A40869C7-C539-7437-8096-3DF922CC132D}" dt="2024-05-25T08:50:16.344" v="271" actId="14100"/>
-          <ac:spMkLst>
-            <pc:docMk/>
-            <pc:sldMk cId="941844537" sldId="257"/>
-            <ac:spMk id="8" creationId="{5B21954A-A97A-1E68-23D6-B82344955A7B}"/>
-          </ac:spMkLst>
-        </pc:spChg>
-      </pc:sldChg>
-      <pc:sldChg chg="modSp">
-        <pc:chgData name="Francesco Spangaro" userId="S::10734844@polimi.it::ba3753b7-8d44-4270-9361-938b439740f0" providerId="AD" clId="Web-{A40869C7-C539-7437-8096-3DF922CC132D}" dt="2024-05-25T08:47:48.795" v="140" actId="20577"/>
-        <pc:sldMkLst>
-          <pc:docMk/>
-          <pc:sldMk cId="1966376482" sldId="262"/>
-        </pc:sldMkLst>
-        <pc:spChg chg="mod">
-          <ac:chgData name="Francesco Spangaro" userId="S::10734844@polimi.it::ba3753b7-8d44-4270-9361-938b439740f0" providerId="AD" clId="Web-{A40869C7-C539-7437-8096-3DF922CC132D}" dt="2024-05-25T08:47:26.420" v="126" actId="20577"/>
-          <ac:spMkLst>
-            <pc:docMk/>
-            <pc:sldMk cId="1966376482" sldId="262"/>
-            <ac:spMk id="2" creationId="{E303BE9B-37ED-298D-882B-DAE33B6F4399}"/>
-          </ac:spMkLst>
-        </pc:spChg>
-        <pc:spChg chg="mod">
-          <ac:chgData name="Francesco Spangaro" userId="S::10734844@polimi.it::ba3753b7-8d44-4270-9361-938b439740f0" providerId="AD" clId="Web-{A40869C7-C539-7437-8096-3DF922CC132D}" dt="2024-05-25T08:47:47.436" v="139" actId="20577"/>
-          <ac:spMkLst>
-            <pc:docMk/>
-            <pc:sldMk cId="1966376482" sldId="262"/>
-            <ac:spMk id="8" creationId="{89D68277-2298-A254-A7C0-B76A0A5C6C98}"/>
-          </ac:spMkLst>
-        </pc:spChg>
-        <pc:spChg chg="mod">
-          <ac:chgData name="Francesco Spangaro" userId="S::10734844@polimi.it::ba3753b7-8d44-4270-9361-938b439740f0" providerId="AD" clId="Web-{A40869C7-C539-7437-8096-3DF922CC132D}" dt="2024-05-25T08:47:48.795" v="140" actId="20577"/>
-          <ac:spMkLst>
-            <pc:docMk/>
-            <pc:sldMk cId="1966376482" sldId="262"/>
-            <ac:spMk id="29" creationId="{4F0108EB-231D-76FB-7058-43F2BDEA6767}"/>
-          </ac:spMkLst>
-        </pc:spChg>
-        <pc:spChg chg="mod">
-          <ac:chgData name="Francesco Spangaro" userId="S::10734844@polimi.it::ba3753b7-8d44-4270-9361-938b439740f0" providerId="AD" clId="Web-{A40869C7-C539-7437-8096-3DF922CC132D}" dt="2024-05-25T08:47:32.264" v="135" actId="20577"/>
-          <ac:spMkLst>
-            <pc:docMk/>
-            <pc:sldMk cId="1966376482" sldId="262"/>
-            <ac:spMk id="39" creationId="{6B86AA07-7522-DD5E-8717-9B9A423A1584}"/>
-          </ac:spMkLst>
-        </pc:spChg>
-      </pc:sldChg>
-      <pc:sldChg chg="addSp delSp modSp addAnim">
-        <pc:chgData name="Francesco Spangaro" userId="S::10734844@polimi.it::ba3753b7-8d44-4270-9361-938b439740f0" providerId="AD" clId="Web-{A40869C7-C539-7437-8096-3DF922CC132D}" dt="2024-05-25T08:46:41.326" v="119" actId="20577"/>
-        <pc:sldMkLst>
-          <pc:docMk/>
-          <pc:sldMk cId="2710985118" sldId="263"/>
-        </pc:sldMkLst>
-        <pc:spChg chg="mod">
-          <ac:chgData name="Francesco Spangaro" userId="S::10734844@polimi.it::ba3753b7-8d44-4270-9361-938b439740f0" providerId="AD" clId="Web-{A40869C7-C539-7437-8096-3DF922CC132D}" dt="2024-05-25T08:44:50.996" v="85" actId="1076"/>
-          <ac:spMkLst>
-            <pc:docMk/>
-            <pc:sldMk cId="2710985118" sldId="263"/>
-            <ac:spMk id="2" creationId="{E303BE9B-37ED-298D-882B-DAE33B6F4399}"/>
-          </ac:spMkLst>
-        </pc:spChg>
-        <pc:spChg chg="add del mod">
-          <ac:chgData name="Francesco Spangaro" userId="S::10734844@polimi.it::ba3753b7-8d44-4270-9361-938b439740f0" providerId="AD" clId="Web-{A40869C7-C539-7437-8096-3DF922CC132D}" dt="2024-05-25T08:42:21.541" v="65"/>
-          <ac:spMkLst>
-            <pc:docMk/>
-            <pc:sldMk cId="2710985118" sldId="263"/>
-            <ac:spMk id="6" creationId="{260690D9-64A0-BAF2-E74A-9864C368D34A}"/>
-          </ac:spMkLst>
-        </pc:spChg>
-        <pc:spChg chg="add mod">
-          <ac:chgData name="Francesco Spangaro" userId="S::10734844@polimi.it::ba3753b7-8d44-4270-9361-938b439740f0" providerId="AD" clId="Web-{A40869C7-C539-7437-8096-3DF922CC132D}" dt="2024-05-25T08:46:36.701" v="115" actId="20577"/>
-          <ac:spMkLst>
-            <pc:docMk/>
-            <pc:sldMk cId="2710985118" sldId="263"/>
-            <ac:spMk id="6" creationId="{7FA3137C-CEE4-E478-F866-6E806E319BAD}"/>
-          </ac:spMkLst>
-        </pc:spChg>
-        <pc:spChg chg="add mod">
-          <ac:chgData name="Francesco Spangaro" userId="S::10734844@polimi.it::ba3753b7-8d44-4270-9361-938b439740f0" providerId="AD" clId="Web-{A40869C7-C539-7437-8096-3DF922CC132D}" dt="2024-05-25T08:46:41.326" v="119" actId="20577"/>
-          <ac:spMkLst>
-            <pc:docMk/>
-            <pc:sldMk cId="2710985118" sldId="263"/>
-            <ac:spMk id="11" creationId="{1C50486A-66AE-7CCA-4A7F-596371763265}"/>
-          </ac:spMkLst>
-        </pc:spChg>
-        <pc:spChg chg="add mod">
-          <ac:chgData name="Francesco Spangaro" userId="S::10734844@polimi.it::ba3753b7-8d44-4270-9361-938b439740f0" providerId="AD" clId="Web-{A40869C7-C539-7437-8096-3DF922CC132D}" dt="2024-05-25T08:46:33.404" v="111" actId="20577"/>
-          <ac:spMkLst>
-            <pc:docMk/>
-            <pc:sldMk cId="2710985118" sldId="263"/>
-            <ac:spMk id="14" creationId="{B198961A-C2EB-BE8D-55A9-1377D2C60411}"/>
-          </ac:spMkLst>
-        </pc:spChg>
-        <pc:spChg chg="mod">
-          <ac:chgData name="Francesco Spangaro" userId="S::10734844@polimi.it::ba3753b7-8d44-4270-9361-938b439740f0" providerId="AD" clId="Web-{A40869C7-C539-7437-8096-3DF922CC132D}" dt="2024-05-25T08:43:19.011" v="76" actId="20577"/>
-          <ac:spMkLst>
-            <pc:docMk/>
-            <pc:sldMk cId="2710985118" sldId="263"/>
-            <ac:spMk id="27" creationId="{FE4EE16F-FB65-57EA-6CBA-78309E3D9544}"/>
-          </ac:spMkLst>
-        </pc:spChg>
-        <pc:spChg chg="mod">
-          <ac:chgData name="Francesco Spangaro" userId="S::10734844@polimi.it::ba3753b7-8d44-4270-9361-938b439740f0" providerId="AD" clId="Web-{A40869C7-C539-7437-8096-3DF922CC132D}" dt="2024-05-25T08:44:22.277" v="82" actId="1076"/>
-          <ac:spMkLst>
-            <pc:docMk/>
-            <pc:sldMk cId="2710985118" sldId="263"/>
-            <ac:spMk id="28" creationId="{C76CEBCD-3059-EFCC-D639-F18417FE10EC}"/>
-          </ac:spMkLst>
-        </pc:spChg>
-        <pc:spChg chg="mod">
-          <ac:chgData name="Francesco Spangaro" userId="S::10734844@polimi.it::ba3753b7-8d44-4270-9361-938b439740f0" providerId="AD" clId="Web-{A40869C7-C539-7437-8096-3DF922CC132D}" dt="2024-05-25T08:42:02.713" v="50" actId="1076"/>
-          <ac:spMkLst>
-            <pc:docMk/>
-            <pc:sldMk cId="2710985118" sldId="263"/>
-            <ac:spMk id="46" creationId="{7D9DF06A-C3FA-3A28-B95A-222453A448E6}"/>
-          </ac:spMkLst>
-        </pc:spChg>
-        <pc:spChg chg="mod">
-          <ac:chgData name="Francesco Spangaro" userId="S::10734844@polimi.it::ba3753b7-8d44-4270-9361-938b439740f0" providerId="AD" clId="Web-{A40869C7-C539-7437-8096-3DF922CC132D}" dt="2024-05-25T08:41:52.775" v="47" actId="1076"/>
-          <ac:spMkLst>
-            <pc:docMk/>
-            <pc:sldMk cId="2710985118" sldId="263"/>
-            <ac:spMk id="47" creationId="{FEC5AA98-9D3A-DF1C-8B90-3D54E2AFD1E9}"/>
-          </ac:spMkLst>
-        </pc:spChg>
-        <pc:grpChg chg="mod">
-          <ac:chgData name="Francesco Spangaro" userId="S::10734844@polimi.it::ba3753b7-8d44-4270-9361-938b439740f0" providerId="AD" clId="Web-{A40869C7-C539-7437-8096-3DF922CC132D}" dt="2024-05-25T08:43:46.730" v="78" actId="1076"/>
-          <ac:grpSpMkLst>
-            <pc:docMk/>
-            <pc:sldMk cId="2710985118" sldId="263"/>
-            <ac:grpSpMk id="25" creationId="{9E9CAD46-A56B-90AA-6DE2-1978DE7BDE38}"/>
-          </ac:grpSpMkLst>
-        </pc:grpChg>
-        <pc:grpChg chg="mod">
-          <ac:chgData name="Francesco Spangaro" userId="S::10734844@polimi.it::ba3753b7-8d44-4270-9361-938b439740f0" providerId="AD" clId="Web-{A40869C7-C539-7437-8096-3DF922CC132D}" dt="2024-05-25T08:41:58.572" v="49" actId="14100"/>
-          <ac:grpSpMkLst>
-            <pc:docMk/>
-            <pc:sldMk cId="2710985118" sldId="263"/>
-            <ac:grpSpMk id="44" creationId="{FE770B73-40F0-E2EA-73A8-9EF2FBB08701}"/>
-          </ac:grpSpMkLst>
-        </pc:grpChg>
-      </pc:sldChg>
-      <pc:sldChg chg="modSp">
-        <pc:chgData name="Francesco Spangaro" userId="S::10734844@polimi.it::ba3753b7-8d44-4270-9361-938b439740f0" providerId="AD" clId="Web-{A40869C7-C539-7437-8096-3DF922CC132D}" dt="2024-05-25T08:47:15.717" v="123" actId="20577"/>
-        <pc:sldMkLst>
-          <pc:docMk/>
-          <pc:sldMk cId="4190760898" sldId="264"/>
-        </pc:sldMkLst>
-        <pc:spChg chg="mod">
-          <ac:chgData name="Francesco Spangaro" userId="S::10734844@polimi.it::ba3753b7-8d44-4270-9361-938b439740f0" providerId="AD" clId="Web-{A40869C7-C539-7437-8096-3DF922CC132D}" dt="2024-05-25T08:47:15.717" v="123" actId="20577"/>
-          <ac:spMkLst>
-            <pc:docMk/>
-            <pc:sldMk cId="4190760898" sldId="264"/>
-            <ac:spMk id="2" creationId="{E303BE9B-37ED-298D-882B-DAE33B6F4399}"/>
-          </ac:spMkLst>
-        </pc:spChg>
-      </pc:sldChg>
-      <pc:sldChg chg="addSp delSp modSp addAnim delAnim">
-        <pc:chgData name="Francesco Spangaro" userId="S::10734844@polimi.it::ba3753b7-8d44-4270-9361-938b439740f0" providerId="AD" clId="Web-{A40869C7-C539-7437-8096-3DF922CC132D}" dt="2024-05-25T08:40:19.446" v="13" actId="20577"/>
-        <pc:sldMkLst>
-          <pc:docMk/>
-          <pc:sldMk cId="647797854" sldId="267"/>
-        </pc:sldMkLst>
-        <pc:spChg chg="add del mod">
-          <ac:chgData name="Francesco Spangaro" userId="S::10734844@polimi.it::ba3753b7-8d44-4270-9361-938b439740f0" providerId="AD" clId="Web-{A40869C7-C539-7437-8096-3DF922CC132D}" dt="2024-05-25T08:40:14.462" v="11" actId="20577"/>
-          <ac:spMkLst>
-            <pc:docMk/>
-            <pc:sldMk cId="647797854" sldId="267"/>
-            <ac:spMk id="25" creationId="{8FABCE63-6BDA-7A02-A850-170DE5347418}"/>
-          </ac:spMkLst>
-        </pc:spChg>
-        <pc:spChg chg="mod">
-          <ac:chgData name="Francesco Spangaro" userId="S::10734844@polimi.it::ba3753b7-8d44-4270-9361-938b439740f0" providerId="AD" clId="Web-{A40869C7-C539-7437-8096-3DF922CC132D}" dt="2024-05-25T08:40:19.446" v="13" actId="20577"/>
-          <ac:spMkLst>
-            <pc:docMk/>
-            <pc:sldMk cId="647797854" sldId="267"/>
-            <ac:spMk id="26" creationId="{2F3C734E-DF9E-C191-3E5B-5FFD983D8AF9}"/>
-          </ac:spMkLst>
-        </pc:spChg>
-      </pc:sldChg>
-      <pc:sldChg chg="modSp">
-        <pc:chgData name="Francesco Spangaro" userId="S::10734844@polimi.it::ba3753b7-8d44-4270-9361-938b439740f0" providerId="AD" clId="Web-{A40869C7-C539-7437-8096-3DF922CC132D}" dt="2024-05-25T08:51:25.085" v="283" actId="14100"/>
-        <pc:sldMkLst>
-          <pc:docMk/>
-          <pc:sldMk cId="3955156056" sldId="270"/>
-        </pc:sldMkLst>
-        <pc:spChg chg="mod">
-          <ac:chgData name="Francesco Spangaro" userId="S::10734844@polimi.it::ba3753b7-8d44-4270-9361-938b439740f0" providerId="AD" clId="Web-{A40869C7-C539-7437-8096-3DF922CC132D}" dt="2024-05-25T08:51:03.782" v="272" actId="1076"/>
-          <ac:spMkLst>
-            <pc:docMk/>
-            <pc:sldMk cId="3955156056" sldId="270"/>
-            <ac:spMk id="12" creationId="{71C9CD5F-D430-28D4-34D8-CC20B7CBFE4A}"/>
-          </ac:spMkLst>
-        </pc:spChg>
-        <pc:spChg chg="mod">
-          <ac:chgData name="Francesco Spangaro" userId="S::10734844@polimi.it::ba3753b7-8d44-4270-9361-938b439740f0" providerId="AD" clId="Web-{A40869C7-C539-7437-8096-3DF922CC132D}" dt="2024-05-25T08:51:13.141" v="278" actId="20577"/>
-          <ac:spMkLst>
-            <pc:docMk/>
-            <pc:sldMk cId="3955156056" sldId="270"/>
-            <ac:spMk id="20" creationId="{59777933-561B-1433-AA60-E7EF427F75F7}"/>
-          </ac:spMkLst>
-        </pc:spChg>
-        <pc:spChg chg="mod">
-          <ac:chgData name="Francesco Spangaro" userId="S::10734844@polimi.it::ba3753b7-8d44-4270-9361-938b439740f0" providerId="AD" clId="Web-{A40869C7-C539-7437-8096-3DF922CC132D}" dt="2024-05-25T08:51:17.798" v="280" actId="1076"/>
-          <ac:spMkLst>
-            <pc:docMk/>
-            <pc:sldMk cId="3955156056" sldId="270"/>
-            <ac:spMk id="47" creationId="{6DCC8FCE-B10D-94DA-5F48-FE8A0C071373}"/>
-          </ac:spMkLst>
-        </pc:spChg>
-        <pc:cxnChg chg="mod">
-          <ac:chgData name="Francesco Spangaro" userId="S::10734844@polimi.it::ba3753b7-8d44-4270-9361-938b439740f0" providerId="AD" clId="Web-{A40869C7-C539-7437-8096-3DF922CC132D}" dt="2024-05-25T08:51:15.360" v="279" actId="14100"/>
-          <ac:cxnSpMkLst>
-            <pc:docMk/>
-            <pc:sldMk cId="3955156056" sldId="270"/>
-            <ac:cxnSpMk id="24" creationId="{82C62B98-38C5-D28E-0AC0-1D82C2C88D93}"/>
-          </ac:cxnSpMkLst>
-        </pc:cxnChg>
-        <pc:cxnChg chg="mod">
-          <ac:chgData name="Francesco Spangaro" userId="S::10734844@polimi.it::ba3753b7-8d44-4270-9361-938b439740f0" providerId="AD" clId="Web-{A40869C7-C539-7437-8096-3DF922CC132D}" dt="2024-05-25T08:51:25.085" v="283" actId="14100"/>
-          <ac:cxnSpMkLst>
-            <pc:docMk/>
-            <pc:sldMk cId="3955156056" sldId="270"/>
-            <ac:cxnSpMk id="49" creationId="{71C81454-7F62-125F-C876-1458404DDA3C}"/>
-          </ac:cxnSpMkLst>
-        </pc:cxnChg>
-      </pc:sldChg>
     </pc:docChg>
   </pc:docChgLst>
 </pc:chgInfo>
@@ -6569,7 +7022,7 @@
           <a:p>
             <a:fld id="{1A05A006-E5E5-4D42-BEF5-08CEA4D5B32B}" type="datetimeFigureOut">
               <a:rPr lang="it-IT" smtClean="0"/>
-              <a:t>12/08/2024</a:t>
+              <a:t>07/09/2024</a:t>
             </a:fld>
             <a:endParaRPr lang="it-IT"/>
           </a:p>
@@ -7244,90 +7697,6 @@
 </p:notes>
 </file>
 
-<file path=ppt/notesSlides/notesSlide13.xml><?xml version="1.0" encoding="utf-8"?>
-<p:notes xmlns:a="http://schemas.openxmlformats.org/drawingml/2006/main" xmlns:r="http://schemas.openxmlformats.org/officeDocument/2006/relationships" xmlns:p="http://schemas.openxmlformats.org/presentationml/2006/main">
-  <p:cSld>
-    <p:spTree>
-      <p:nvGrpSpPr>
-        <p:cNvPr id="1" name=""/>
-        <p:cNvGrpSpPr/>
-        <p:nvPr/>
-      </p:nvGrpSpPr>
-      <p:grpSpPr>
-        <a:xfrm>
-          <a:off x="0" y="0"/>
-          <a:ext cx="0" cy="0"/>
-          <a:chOff x="0" y="0"/>
-          <a:chExt cx="0" cy="0"/>
-        </a:xfrm>
-      </p:grpSpPr>
-      <p:sp>
-        <p:nvSpPr>
-          <p:cNvPr id="2" name="Segnaposto immagine diapositiva 1"/>
-          <p:cNvSpPr>
-            <a:spLocks noGrp="1" noRot="1" noChangeAspect="1"/>
-          </p:cNvSpPr>
-          <p:nvPr>
-            <p:ph type="sldImg"/>
-          </p:nvPr>
-        </p:nvSpPr>
-        <p:spPr/>
-      </p:sp>
-      <p:sp>
-        <p:nvSpPr>
-          <p:cNvPr id="3" name="Segnaposto note 2"/>
-          <p:cNvSpPr>
-            <a:spLocks noGrp="1"/>
-          </p:cNvSpPr>
-          <p:nvPr>
-            <p:ph type="body" idx="1"/>
-          </p:nvPr>
-        </p:nvSpPr>
-        <p:spPr/>
-        <p:txBody>
-          <a:bodyPr/>
-          <a:lstStyle/>
-          <a:p>
-            <a:endParaRPr lang="it-IT"/>
-          </a:p>
-        </p:txBody>
-      </p:sp>
-      <p:sp>
-        <p:nvSpPr>
-          <p:cNvPr id="4" name="Segnaposto numero diapositiva 3"/>
-          <p:cNvSpPr>
-            <a:spLocks noGrp="1"/>
-          </p:cNvSpPr>
-          <p:nvPr>
-            <p:ph type="sldNum" sz="quarter" idx="5"/>
-          </p:nvPr>
-        </p:nvSpPr>
-        <p:spPr/>
-        <p:txBody>
-          <a:bodyPr/>
-          <a:lstStyle/>
-          <a:p>
-            <a:fld id="{ABEA9E24-D6D6-47F0-8FD2-0D08A880BECB}" type="slidenum">
-              <a:rPr lang="it-IT" smtClean="0"/>
-              <a:t>21</a:t>
-            </a:fld>
-            <a:endParaRPr lang="it-IT"/>
-          </a:p>
-        </p:txBody>
-      </p:sp>
-    </p:spTree>
-    <p:extLst>
-      <p:ext uri="{BB962C8B-B14F-4D97-AF65-F5344CB8AC3E}">
-        <p14:creationId xmlns:p14="http://schemas.microsoft.com/office/powerpoint/2010/main" val="3266186420"/>
-      </p:ext>
-    </p:extLst>
-  </p:cSld>
-  <p:clrMapOvr>
-    <a:masterClrMapping/>
-  </p:clrMapOvr>
-</p:notes>
-</file>
-
 <file path=ppt/notesSlides/notesSlide2.xml><?xml version="1.0" encoding="utf-8"?>
 <p:notes xmlns:a="http://schemas.openxmlformats.org/drawingml/2006/main" xmlns:r="http://schemas.openxmlformats.org/officeDocument/2006/relationships" xmlns:p="http://schemas.openxmlformats.org/presentationml/2006/main">
   <p:cSld>
@@ -7391,7 +7760,7 @@
             </a:r>
             <a:r>
               <a:rPr lang="it-IT" dirty="0"/>
-              <a:t> un pacchetto contenente il suo nome e la porta sulla quale ascolterà per nuove connessioni.</a:t>
+              <a:t> un pacchetto contenente il suo nome.</a:t>
             </a:r>
             <a:br>
               <a:rPr lang="it-IT" dirty="0"/>
@@ -7406,7 +7775,7 @@
             </a:r>
             <a:r>
               <a:rPr lang="it-IT" dirty="0"/>
-              <a:t> server risponde con l’elenco di tutti i peer attivi e i relativi indirizzi.</a:t>
+              <a:t> server risponde con l’elenco di tutti i peer attivi e i relativi indirizzi e lo aggiunge alla sua lista.</a:t>
             </a:r>
           </a:p>
           <a:p>
@@ -7415,7 +7784,7 @@
             </a:pPr>
             <a:r>
               <a:rPr lang="it-IT" dirty="0"/>
-              <a:t>A questo punto il nuovo peer invia a loro un pacchetto contenente il suo nome.</a:t>
+              <a:t>A questo punto il nuovo peer invia a tutti gli altri peer un pacchetto contenente il suo nome.</a:t>
             </a:r>
             <a:br>
               <a:rPr lang="it-IT" dirty="0"/>
@@ -7628,13 +7997,21 @@
             </a:r>
             <a:r>
               <a:rPr lang="it-IT" dirty="0"/>
-              <a:t> di conferma, il peer corrispondente viene considerato disconnesso.</a:t>
-            </a:r>
-          </a:p>
-          <a:p>
+              <a:t> di conferma, il peer corrispondente viene considerato </a:t>
+            </a:r>
+            <a:r>
+              <a:rPr lang="it-IT" b="1" dirty="0"/>
+              <a:t>non raggiungibile</a:t>
+            </a:r>
             <a:r>
               <a:rPr lang="it-IT" dirty="0"/>
-              <a:t>Tutti i pacchetti da inviare al peer disconnesso vengono accodati.</a:t>
+              <a:t>.</a:t>
+            </a:r>
+          </a:p>
+          <a:p>
+            <a:r>
+              <a:rPr lang="it-IT" dirty="0"/>
+              <a:t>Tutti i pacchetti da inviare al peer non raggiungibile vengono accodati.</a:t>
             </a:r>
           </a:p>
           <a:p>
@@ -7655,7 +8032,7 @@
           <a:p>
             <a:r>
               <a:rPr lang="it-IT" dirty="0"/>
-              <a:t>In questo modo i peer connessi potranno continuare a comunicare e, quando la connessione tornerà attiva, il peer disconnesso riceverà tutti i messaggi.</a:t>
+              <a:t>In questo modo i peer connessi potranno continuare a comunicare e, quando la connessione tornerà attiva, il peer non raggiungibile riceverà tutti i messaggi.</a:t>
             </a:r>
           </a:p>
         </p:txBody>
@@ -8275,7 +8652,7 @@
           <a:p>
             <a:fld id="{C614813C-874D-4F61-A237-9FAA06020E30}" type="datetime1">
               <a:rPr lang="it-IT" smtClean="0"/>
-              <a:t>12/08/2024</a:t>
+              <a:t>07/09/2024</a:t>
             </a:fld>
             <a:endParaRPr lang="en-US"/>
           </a:p>
@@ -8448,7 +8825,7 @@
           <a:p>
             <a:fld id="{425CDFC0-E046-4B68-8C8D-E0BF1DB29F7C}" type="datetime1">
               <a:rPr lang="it-IT" smtClean="0"/>
-              <a:t>12/08/2024</a:t>
+              <a:t>07/09/2024</a:t>
             </a:fld>
             <a:endParaRPr lang="en-US"/>
           </a:p>
@@ -8631,7 +9008,7 @@
           <a:p>
             <a:fld id="{EE20C6E3-556A-40D2-974D-DB280A8EA14B}" type="datetime1">
               <a:rPr lang="it-IT" smtClean="0"/>
-              <a:t>12/08/2024</a:t>
+              <a:t>07/09/2024</a:t>
             </a:fld>
             <a:endParaRPr lang="en-US"/>
           </a:p>
@@ -8870,7 +9247,7 @@
           <a:p>
             <a:fld id="{DA17E139-60F4-4C71-9AB3-4EA3A02BD3E5}" type="datetime1">
               <a:rPr lang="it-IT" smtClean="0"/>
-              <a:t>12/08/2024</a:t>
+              <a:t>07/09/2024</a:t>
             </a:fld>
             <a:endParaRPr lang="it-IT"/>
           </a:p>
@@ -9076,7 +9453,7 @@
           <a:p>
             <a:fld id="{E9F4952F-BB00-4E17-9C7C-9FC3A52C3C87}" type="datetime1">
               <a:rPr lang="it-IT" smtClean="0"/>
-              <a:t>12/08/2024</a:t>
+              <a:t>07/09/2024</a:t>
             </a:fld>
             <a:endParaRPr lang="en-US"/>
           </a:p>
@@ -9249,7 +9626,7 @@
           <a:p>
             <a:fld id="{A3E1B157-CDB0-4F9D-97AB-C1EA340F5D1B}" type="datetime1">
               <a:rPr lang="it-IT" smtClean="0"/>
-              <a:t>12/08/2024</a:t>
+              <a:t>07/09/2024</a:t>
             </a:fld>
             <a:endParaRPr lang="en-US"/>
           </a:p>
@@ -9499,7 +9876,7 @@
           <a:p>
             <a:fld id="{92F3B6A9-1BD4-46BB-B11E-496691FE1CEE}" type="datetime1">
               <a:rPr lang="it-IT" smtClean="0"/>
-              <a:t>12/08/2024</a:t>
+              <a:t>07/09/2024</a:t>
             </a:fld>
             <a:endParaRPr lang="en-US"/>
           </a:p>
@@ -9733,7 +10110,7 @@
           <a:p>
             <a:fld id="{84548BB3-0C4A-4AF4-A21D-71D4A8545695}" type="datetime1">
               <a:rPr lang="it-IT" smtClean="0"/>
-              <a:t>12/08/2024</a:t>
+              <a:t>07/09/2024</a:t>
             </a:fld>
             <a:endParaRPr lang="en-US"/>
           </a:p>
@@ -10102,7 +10479,7 @@
           <a:p>
             <a:fld id="{42D61C14-2558-4D97-8039-6009B1D8885D}" type="datetime1">
               <a:rPr lang="it-IT" smtClean="0"/>
-              <a:t>12/08/2024</a:t>
+              <a:t>07/09/2024</a:t>
             </a:fld>
             <a:endParaRPr lang="en-US"/>
           </a:p>
@@ -10224,7 +10601,7 @@
           <a:p>
             <a:fld id="{C269E9E0-4600-42DD-B0F3-B30E1027534F}" type="datetime1">
               <a:rPr lang="it-IT" smtClean="0"/>
-              <a:t>12/08/2024</a:t>
+              <a:t>07/09/2024</a:t>
             </a:fld>
             <a:endParaRPr lang="en-US"/>
           </a:p>
@@ -10324,7 +10701,7 @@
           <a:p>
             <a:fld id="{EE564F92-91EE-47CB-8DA8-D8762F7C5CF8}" type="datetime1">
               <a:rPr lang="it-IT" smtClean="0"/>
-              <a:t>12/08/2024</a:t>
+              <a:t>07/09/2024</a:t>
             </a:fld>
             <a:endParaRPr lang="en-US"/>
           </a:p>
@@ -10497,7 +10874,7 @@
           <a:p>
             <a:fld id="{8FD28BDD-DB29-4FCD-86D1-B7D9325A024C}" type="datetime1">
               <a:rPr lang="it-IT" smtClean="0"/>
-              <a:t>12/08/2024</a:t>
+              <a:t>07/09/2024</a:t>
             </a:fld>
             <a:endParaRPr lang="en-US"/>
           </a:p>
@@ -10777,7 +11154,7 @@
           <a:p>
             <a:fld id="{BBB78261-86E3-43FE-B0A8-85B7DF6AAFF9}" type="datetime1">
               <a:rPr lang="it-IT" smtClean="0"/>
-              <a:t>12/08/2024</a:t>
+              <a:t>07/09/2024</a:t>
             </a:fld>
             <a:endParaRPr lang="en-US"/>
           </a:p>
@@ -11034,7 +11411,7 @@
           <a:p>
             <a:fld id="{580EBBB2-A301-4472-9839-4C9EE18BA36D}" type="datetime1">
               <a:rPr lang="it-IT" smtClean="0"/>
-              <a:t>12/08/2024</a:t>
+              <a:t>07/09/2024</a:t>
             </a:fld>
             <a:endParaRPr lang="en-US"/>
           </a:p>
@@ -11207,7 +11584,7 @@
           <a:p>
             <a:fld id="{C8B3315B-FC60-4EC8-BCB3-97314DF4400D}" type="datetime1">
               <a:rPr lang="it-IT" smtClean="0"/>
-              <a:t>12/08/2024</a:t>
+              <a:t>07/09/2024</a:t>
             </a:fld>
             <a:endParaRPr lang="en-US"/>
           </a:p>
@@ -11390,7 +11767,7 @@
           <a:p>
             <a:fld id="{6DF73E07-5458-4FCF-9D53-B39136E51855}" type="datetime1">
               <a:rPr lang="it-IT" smtClean="0"/>
-              <a:t>12/08/2024</a:t>
+              <a:t>07/09/2024</a:t>
             </a:fld>
             <a:endParaRPr lang="en-US"/>
           </a:p>
@@ -11629,7 +12006,7 @@
           <a:p>
             <a:fld id="{A97B55A9-1303-4D85-B2AD-467C56F1584B}" type="datetime1">
               <a:rPr lang="it-IT" smtClean="0"/>
-              <a:t>12/08/2024</a:t>
+              <a:t>07/09/2024</a:t>
             </a:fld>
             <a:endParaRPr lang="it-IT"/>
           </a:p>
@@ -11890,7 +12267,7 @@
           <a:p>
             <a:fld id="{BCF07D82-A95F-476E-B512-B8E9A07F1245}" type="datetime1">
               <a:rPr lang="it-IT" smtClean="0"/>
-              <a:t>12/08/2024</a:t>
+              <a:t>07/09/2024</a:t>
             </a:fld>
             <a:endParaRPr lang="en-US"/>
           </a:p>
@@ -12124,7 +12501,7 @@
           <a:p>
             <a:fld id="{FF1BBC8E-38FD-4EE4-AF17-4BC608041644}" type="datetime1">
               <a:rPr lang="it-IT" smtClean="0"/>
-              <a:t>12/08/2024</a:t>
+              <a:t>07/09/2024</a:t>
             </a:fld>
             <a:endParaRPr lang="en-US"/>
           </a:p>
@@ -12493,7 +12870,7 @@
           <a:p>
             <a:fld id="{D8E852D4-3E95-4DB0-BAF2-F33F5F96236C}" type="datetime1">
               <a:rPr lang="it-IT" smtClean="0"/>
-              <a:t>12/08/2024</a:t>
+              <a:t>07/09/2024</a:t>
             </a:fld>
             <a:endParaRPr lang="en-US"/>
           </a:p>
@@ -12615,7 +12992,7 @@
           <a:p>
             <a:fld id="{E11CD725-9BAB-4F68-B765-3DA9261DFC52}" type="datetime1">
               <a:rPr lang="it-IT" smtClean="0"/>
-              <a:t>12/08/2024</a:t>
+              <a:t>07/09/2024</a:t>
             </a:fld>
             <a:endParaRPr lang="en-US"/>
           </a:p>
@@ -12715,7 +13092,7 @@
           <a:p>
             <a:fld id="{D66D24C4-8AA4-4D54-8796-2E9ED6CE3C7C}" type="datetime1">
               <a:rPr lang="it-IT" smtClean="0"/>
-              <a:t>12/08/2024</a:t>
+              <a:t>07/09/2024</a:t>
             </a:fld>
             <a:endParaRPr lang="en-US"/>
           </a:p>
@@ -12995,7 +13372,7 @@
           <a:p>
             <a:fld id="{C72CB900-E5D8-4BB7-B45D-9AB05C9EE6E9}" type="datetime1">
               <a:rPr lang="it-IT" smtClean="0"/>
-              <a:t>12/08/2024</a:t>
+              <a:t>07/09/2024</a:t>
             </a:fld>
             <a:endParaRPr lang="en-US"/>
           </a:p>
@@ -13252,7 +13629,7 @@
           <a:p>
             <a:fld id="{85C8562D-51C9-418D-8D1B-D541B63F997D}" type="datetime1">
               <a:rPr lang="it-IT" smtClean="0"/>
-              <a:t>12/08/2024</a:t>
+              <a:t>07/09/2024</a:t>
             </a:fld>
             <a:endParaRPr lang="en-US"/>
           </a:p>
@@ -13468,7 +13845,7 @@
           <a:p>
             <a:fld id="{B388880E-9428-4B51-80EA-B507AEEAFED0}" type="datetime1">
               <a:rPr lang="it-IT" smtClean="0"/>
-              <a:t>12/08/2024</a:t>
+              <a:t>07/09/2024</a:t>
             </a:fld>
             <a:endParaRPr lang="en-US"/>
           </a:p>
@@ -14012,7 +14389,7 @@
           <a:p>
             <a:fld id="{7DD9BBA4-6D06-473D-B78D-50C5AE229252}" type="datetime1">
               <a:rPr lang="it-IT" smtClean="0"/>
-              <a:t>12/08/2024</a:t>
+              <a:t>07/09/2024</a:t>
             </a:fld>
             <a:endParaRPr lang="en-US"/>
           </a:p>
@@ -25954,7 +26331,7 @@
           <a:lstStyle/>
           <a:p>
             <a:r>
-              <a:rPr lang="en-GB">
+              <a:rPr lang="en-GB" dirty="0">
                 <a:ea typeface="Calibri"/>
                 <a:cs typeface="Calibri"/>
               </a:rPr>
@@ -26767,10 +27144,10 @@
         </p:nvGrpSpPr>
         <p:grpSpPr>
           <a:xfrm>
-            <a:off x="708947" y="2494777"/>
-            <a:ext cx="1062502" cy="1004015"/>
-            <a:chOff x="639125" y="2543354"/>
-            <a:chExt cx="1062502" cy="1004015"/>
+            <a:off x="730267" y="2494777"/>
+            <a:ext cx="1041182" cy="1004015"/>
+            <a:chOff x="660445" y="2543354"/>
+            <a:chExt cx="1041182" cy="1004015"/>
           </a:xfrm>
           <a:solidFill>
             <a:srgbClr val="000000"/>
@@ -26865,7 +27242,7 @@
           </p:nvSpPr>
           <p:spPr>
             <a:xfrm>
-              <a:off x="639125" y="2999631"/>
+              <a:off x="762695" y="2999631"/>
               <a:ext cx="716543" cy="338554"/>
             </a:xfrm>
             <a:prstGeom prst="rect">
@@ -26935,7 +27312,7 @@
             <a:p>
               <a:pPr algn="l"/>
               <a:r>
-                <a:rPr lang="en-GB" sz="1600" spc="0" baseline="0">
+                <a:rPr lang="en-GB" sz="1600" spc="0" baseline="0" dirty="0">
                   <a:ln/>
                   <a:solidFill>
                     <a:srgbClr val="000000"/>
@@ -26966,10 +27343,10 @@
         </p:nvGrpSpPr>
         <p:grpSpPr>
           <a:xfrm>
-            <a:off x="2156783" y="1252650"/>
-            <a:ext cx="1106880" cy="1034575"/>
-            <a:chOff x="600753" y="2543354"/>
-            <a:chExt cx="1083630" cy="1024278"/>
+            <a:off x="2185597" y="1252650"/>
+            <a:ext cx="1063522" cy="1034575"/>
+            <a:chOff x="628961" y="2543354"/>
+            <a:chExt cx="1041182" cy="1024278"/>
           </a:xfrm>
           <a:solidFill>
             <a:srgbClr val="000000"/>
@@ -27062,8 +27439,8 @@
           </p:nvSpPr>
           <p:spPr>
             <a:xfrm>
-              <a:off x="600753" y="3037288"/>
-              <a:ext cx="1083630" cy="338554"/>
+              <a:off x="794311" y="3037288"/>
+              <a:ext cx="809078" cy="335184"/>
             </a:xfrm>
             <a:prstGeom prst="rect">
               <a:avLst/>
@@ -27637,7 +28014,7 @@
                                     <p:cond delay="0"/>
                                   </p:stCondLst>
                                   <p:childTnLst>
-                                    <p:animMotion origin="layout" path="M -2.70833E-6 2.96296E-6 L 0.32644 0.32152 " pathEditMode="relative" rAng="0" ptsTypes="AA">
+                                    <p:animMotion origin="layout" path="M -4.16667E-6 2.96296E-6 L 0.32644 0.32152 " pathEditMode="relative" rAng="0" ptsTypes="AA">
                                       <p:cBhvr>
                                         <p:cTn id="13" dur="2000" fill="hold"/>
                                         <p:tgtEl>
@@ -27659,7 +28036,7 @@
                                     <p:cond delay="0"/>
                                   </p:stCondLst>
                                   <p:childTnLst>
-                                    <p:animMotion origin="layout" path="M 4.375E-6 -1.85185E-6 L 0.25729 0.00278 " pathEditMode="relative" rAng="0" ptsTypes="AA">
+                                    <p:animMotion origin="layout" path="M 3.33333E-6 -1.85185E-6 L 0.25729 0.00278 " pathEditMode="relative" rAng="0" ptsTypes="AA">
                                       <p:cBhvr>
                                         <p:cTn id="15" dur="2000" fill="hold"/>
                                         <p:tgtEl>
@@ -28050,24 +28427,15 @@
                                   </p:childTnLst>
                                 </p:cTn>
                               </p:par>
-                            </p:childTnLst>
-                          </p:cTn>
-                        </p:par>
-                        <p:par>
-                          <p:cTn id="49" fill="hold">
-                            <p:stCondLst>
-                              <p:cond delay="7000"/>
-                            </p:stCondLst>
-                            <p:childTnLst>
                               <p:par>
-                                <p:cTn id="50" presetID="10" presetClass="entr" presetSubtype="0" fill="hold" grpId="0" nodeType="afterEffect">
+                                <p:cTn id="49" presetID="10" presetClass="entr" presetSubtype="0" fill="hold" grpId="0" nodeType="withEffect">
                                   <p:stCondLst>
                                     <p:cond delay="0"/>
                                   </p:stCondLst>
                                   <p:childTnLst>
                                     <p:set>
                                       <p:cBhvr>
-                                        <p:cTn id="51" dur="1" fill="hold">
+                                        <p:cTn id="50" dur="1" fill="hold">
                                           <p:stCondLst>
                                             <p:cond delay="0"/>
                                           </p:stCondLst>
@@ -28085,7 +28453,7 @@
                                     </p:set>
                                     <p:animEffect transition="in" filter="fade">
                                       <p:cBhvr>
-                                        <p:cTn id="52" dur="500"/>
+                                        <p:cTn id="51" dur="500"/>
                                         <p:tgtEl>
                                           <p:spTgt spid="5"/>
                                         </p:tgtEl>
@@ -30734,7 +31102,7 @@
           <a:lstStyle/>
           <a:p>
             <a:r>
-              <a:rPr lang="en-GB" sz="2400"/>
+              <a:rPr lang="en-GB" sz="2400" dirty="0"/>
               <a:t>When the network recovers</a:t>
             </a:r>
           </a:p>
@@ -31477,10 +31845,9 @@
               <a:t>’s </a:t>
             </a:r>
             <a:r>
-              <a:rPr lang="it-IT" dirty="0" err="1"/>
+              <a:rPr lang="en-GB" dirty="0"/>
               <a:t>disconnection</a:t>
             </a:r>
-            <a:endParaRPr lang="en-GB" dirty="0"/>
           </a:p>
         </p:txBody>
       </p:sp>
@@ -31567,51 +31934,12 @@
               <a:buAutoNum type="arabicPeriod"/>
             </a:pPr>
             <a:r>
-              <a:rPr lang="it-IT" sz="2000" dirty="0" err="1">
+              <a:rPr lang="en-GB" sz="2000" dirty="0">
                 <a:ea typeface="Calibri"/>
                 <a:cs typeface="Calibri"/>
               </a:rPr>
-              <a:t>Send</a:t>
-            </a:r>
-            <a:r>
-              <a:rPr lang="it-IT" sz="2000" dirty="0">
-                <a:ea typeface="Calibri"/>
-                <a:cs typeface="Calibri"/>
-              </a:rPr>
-              <a:t> </a:t>
-            </a:r>
-            <a:r>
-              <a:rPr lang="it-IT" sz="2000" dirty="0" err="1">
-                <a:ea typeface="Calibri"/>
-                <a:cs typeface="Calibri"/>
-              </a:rPr>
-              <a:t>these</a:t>
-            </a:r>
-            <a:r>
-              <a:rPr lang="it-IT" sz="2000" dirty="0">
-                <a:ea typeface="Calibri"/>
-                <a:cs typeface="Calibri"/>
-              </a:rPr>
-              <a:t> </a:t>
-            </a:r>
-            <a:r>
-              <a:rPr lang="it-IT" sz="2000" dirty="0" err="1">
-                <a:ea typeface="Calibri"/>
-                <a:cs typeface="Calibri"/>
-              </a:rPr>
-              <a:t>packets</a:t>
-            </a:r>
-            <a:r>
-              <a:rPr lang="it-IT" sz="2000" dirty="0">
-                <a:ea typeface="Calibri"/>
-                <a:cs typeface="Calibri"/>
-              </a:rPr>
-              <a:t> to the discovery server</a:t>
-            </a:r>
-            <a:endParaRPr lang="en-GB" sz="2000" dirty="0">
-              <a:ea typeface="Calibri"/>
-              <a:cs typeface="Calibri"/>
-            </a:endParaRPr>
+              <a:t>Send these packets to the discovery server</a:t>
+            </a:r>
           </a:p>
           <a:p>
             <a:pPr marL="457200" indent="-457200">
@@ -32102,42 +32430,17 @@
           <a:lstStyle/>
           <a:p>
             <a:r>
-              <a:rPr lang="it-IT" sz="2000" dirty="0"/>
-              <a:t>If the discovery server </a:t>
-            </a:r>
-            <a:r>
-              <a:rPr lang="it-IT" sz="2000" dirty="0" err="1"/>
-              <a:t>is</a:t>
-            </a:r>
-            <a:r>
-              <a:rPr lang="it-IT" sz="2000" dirty="0"/>
-              <a:t> </a:t>
-            </a:r>
-            <a:r>
-              <a:rPr lang="it-IT" sz="2000" dirty="0" err="1"/>
-              <a:t>unreachable</a:t>
-            </a:r>
-            <a:r>
-              <a:rPr lang="it-IT" sz="2000" dirty="0"/>
-              <a:t>, the peer </a:t>
-            </a:r>
-            <a:r>
-              <a:rPr lang="it-IT" sz="2000" b="1" dirty="0" err="1"/>
+              <a:rPr lang="en-GB" sz="2000" dirty="0"/>
+              <a:t>If the discovery server is unreachable, the peer </a:t>
+            </a:r>
+            <a:r>
+              <a:rPr lang="en-GB" sz="2000" b="1" dirty="0"/>
               <a:t>can’t</a:t>
             </a:r>
             <a:r>
-              <a:rPr lang="it-IT" sz="2000" dirty="0"/>
-              <a:t> </a:t>
-            </a:r>
-            <a:r>
-              <a:rPr lang="it-IT" sz="2000" dirty="0" err="1"/>
-              <a:t>leave</a:t>
-            </a:r>
-            <a:r>
-              <a:rPr lang="it-IT" sz="2000" dirty="0"/>
-              <a:t> the network!</a:t>
-            </a:r>
-            <a:endParaRPr lang="en-US" sz="2000" dirty="0"/>
+              <a:rPr lang="en-GB" sz="2000" dirty="0"/>
+              <a:t> leave the network!</a:t>
+            </a:r>
           </a:p>
         </p:txBody>
       </p:sp>
@@ -32956,9 +33259,9 @@
         <p:grpSpPr>
           <a:xfrm>
             <a:off x="6235502" y="4640710"/>
-            <a:ext cx="1532984" cy="789719"/>
+            <a:ext cx="1496115" cy="789719"/>
             <a:chOff x="357536" y="2543354"/>
-            <a:chExt cx="1532984" cy="789719"/>
+            <a:chExt cx="1496115" cy="789719"/>
           </a:xfrm>
           <a:solidFill>
             <a:srgbClr val="000000"/>
@@ -33054,7 +33357,7 @@
           <p:spPr>
             <a:xfrm>
               <a:off x="357536" y="3025296"/>
-              <a:ext cx="1532984" cy="307777"/>
+              <a:ext cx="1496115" cy="307777"/>
             </a:xfrm>
             <a:prstGeom prst="rect">
               <a:avLst/>
@@ -33080,7 +33383,7 @@
                   <a:sym typeface="Calibri"/>
                   <a:rtl val="0"/>
                 </a:rPr>
-                <a:t>Forwarding packet</a:t>
+                <a:t>Forwarded packet</a:t>
               </a:r>
             </a:p>
           </p:txBody>
@@ -35004,9 +35307,9 @@
         <p:grpSpPr>
           <a:xfrm>
             <a:off x="6235502" y="4641094"/>
-            <a:ext cx="1532984" cy="789719"/>
+            <a:ext cx="1496115" cy="789719"/>
             <a:chOff x="357536" y="2543354"/>
-            <a:chExt cx="1532984" cy="789719"/>
+            <a:chExt cx="1496115" cy="789719"/>
           </a:xfrm>
           <a:solidFill>
             <a:srgbClr val="000000"/>
@@ -35102,7 +35405,7 @@
           <p:spPr>
             <a:xfrm>
               <a:off x="357536" y="3025296"/>
-              <a:ext cx="1532984" cy="307777"/>
+              <a:ext cx="1496115" cy="307777"/>
             </a:xfrm>
             <a:prstGeom prst="rect">
               <a:avLst/>
@@ -35128,7 +35431,7 @@
                   <a:sym typeface="Calibri"/>
                   <a:rtl val="0"/>
                 </a:rPr>
-                <a:t>Forwarding packet</a:t>
+                <a:t>Forwarded packet</a:t>
               </a:r>
             </a:p>
           </p:txBody>
@@ -35172,6 +35475,151 @@
           </a:prstGeom>
         </p:spPr>
       </p:pic>
+      <p:sp>
+        <p:nvSpPr>
+          <p:cNvPr id="10" name="CasellaDiTesto 9">
+            <a:extLst>
+              <a:ext uri="{FF2B5EF4-FFF2-40B4-BE49-F238E27FC236}">
+                <a16:creationId xmlns:a16="http://schemas.microsoft.com/office/drawing/2014/main" id="{C8A1FE1B-C991-970A-5105-C29B623826C5}"/>
+              </a:ext>
+            </a:extLst>
+          </p:cNvPr>
+          <p:cNvSpPr txBox="1"/>
+          <p:nvPr/>
+        </p:nvSpPr>
+        <p:spPr>
+          <a:xfrm>
+            <a:off x="4399005" y="2931830"/>
+            <a:ext cx="3893606" cy="461665"/>
+          </a:xfrm>
+          <a:prstGeom prst="rect">
+            <a:avLst/>
+          </a:prstGeom>
+          <a:noFill/>
+        </p:spPr>
+        <p:txBody>
+          <a:bodyPr wrap="square" rtlCol="0">
+            <a:spAutoFit/>
+          </a:bodyPr>
+          <a:lstStyle/>
+          <a:p>
+            <a:r>
+              <a:rPr lang="it-IT" sz="2400" dirty="0" err="1"/>
+              <a:t>if</a:t>
+            </a:r>
+            <a:r>
+              <a:rPr lang="it-IT" sz="2400" dirty="0"/>
+              <a:t> the </a:t>
+            </a:r>
+            <a:r>
+              <a:rPr lang="it-IT" sz="2400" dirty="0" err="1"/>
+              <a:t>discovery</a:t>
+            </a:r>
+            <a:r>
+              <a:rPr lang="it-IT" sz="2400" dirty="0"/>
+              <a:t> can </a:t>
+            </a:r>
+            <a:r>
+              <a:rPr lang="it-IT" sz="2400" dirty="0" err="1"/>
+              <a:t>reach</a:t>
+            </a:r>
+            <a:r>
+              <a:rPr lang="it-IT" sz="2400" dirty="0"/>
+              <a:t> B</a:t>
+            </a:r>
+          </a:p>
+        </p:txBody>
+      </p:sp>
+      <p:sp>
+        <p:nvSpPr>
+          <p:cNvPr id="12" name="CasellaDiTesto 11">
+            <a:extLst>
+              <a:ext uri="{FF2B5EF4-FFF2-40B4-BE49-F238E27FC236}">
+                <a16:creationId xmlns:a16="http://schemas.microsoft.com/office/drawing/2014/main" id="{FB369B4F-91AF-0ADE-A44A-20C48D7371E7}"/>
+              </a:ext>
+            </a:extLst>
+          </p:cNvPr>
+          <p:cNvSpPr txBox="1"/>
+          <p:nvPr/>
+        </p:nvSpPr>
+        <p:spPr>
+          <a:xfrm>
+            <a:off x="10627586" y="1819046"/>
+            <a:ext cx="1107996" cy="738664"/>
+          </a:xfrm>
+          <a:prstGeom prst="rect">
+            <a:avLst/>
+          </a:prstGeom>
+          <a:solidFill>
+            <a:srgbClr val="92D050"/>
+          </a:solidFill>
+          <a:ln>
+            <a:solidFill>
+              <a:schemeClr val="tx1"/>
+            </a:solidFill>
+          </a:ln>
+        </p:spPr>
+        <p:txBody>
+          <a:bodyPr wrap="square" rtlCol="0">
+            <a:spAutoFit/>
+          </a:bodyPr>
+          <a:lstStyle/>
+          <a:p>
+            <a:r>
+              <a:rPr lang="en-GB" sz="1400" b="1" dirty="0"/>
+              <a:t>Chat 1:</a:t>
+            </a:r>
+          </a:p>
+          <a:p>
+            <a:r>
+              <a:rPr lang="en-GB" sz="1400" dirty="0"/>
+              <a:t>Message 1</a:t>
+            </a:r>
+          </a:p>
+          <a:p>
+            <a:r>
+              <a:rPr lang="en-GB" sz="1400" dirty="0"/>
+              <a:t>Message 2</a:t>
+            </a:r>
+          </a:p>
+        </p:txBody>
+      </p:sp>
+      <p:sp>
+        <p:nvSpPr>
+          <p:cNvPr id="19" name="CasellaDiTesto 18">
+            <a:extLst>
+              <a:ext uri="{FF2B5EF4-FFF2-40B4-BE49-F238E27FC236}">
+                <a16:creationId xmlns:a16="http://schemas.microsoft.com/office/drawing/2014/main" id="{7382C17D-B7EE-1F64-A566-775CD54F81B6}"/>
+              </a:ext>
+            </a:extLst>
+          </p:cNvPr>
+          <p:cNvSpPr txBox="1"/>
+          <p:nvPr/>
+        </p:nvSpPr>
+        <p:spPr>
+          <a:xfrm>
+            <a:off x="7554097" y="4436739"/>
+            <a:ext cx="2875006" cy="830997"/>
+          </a:xfrm>
+          <a:prstGeom prst="rect">
+            <a:avLst/>
+          </a:prstGeom>
+          <a:noFill/>
+        </p:spPr>
+        <p:txBody>
+          <a:bodyPr wrap="square" rtlCol="0">
+            <a:spAutoFit/>
+          </a:bodyPr>
+          <a:lstStyle/>
+          <a:p>
+            <a:r>
+              <a:rPr lang="en-US" sz="2400" dirty="0"/>
+              <a:t>otherwise it will try again later</a:t>
+            </a:r>
+            <a:endParaRPr lang="it-IT" sz="2400" dirty="0"/>
+          </a:p>
+        </p:txBody>
+      </p:sp>
     </p:spTree>
     <p:extLst>
       <p:ext uri="{BB962C8B-B14F-4D97-AF65-F5344CB8AC3E}">
@@ -35182,14 +35630,6 @@
   <p:clrMapOvr>
     <a:masterClrMapping/>
   </p:clrMapOvr>
-  <mc:AlternateContent xmlns:mc="http://schemas.openxmlformats.org/markup-compatibility/2006">
-    <mc:Choice xmlns:p14="http://schemas.microsoft.com/office/powerpoint/2010/main" Requires="p14">
-      <p:transition spd="slow" p14:dur="2000" advTm="7000"/>
-    </mc:Choice>
-    <mc:Fallback>
-      <p:transition spd="slow" advTm="7000"/>
-    </mc:Fallback>
-  </mc:AlternateContent>
   <p:timing>
     <p:tnLst>
       <p:par>
@@ -35652,453 +36092,21 @@
                                   </p:childTnLst>
                                 </p:cTn>
                               </p:par>
-                            </p:childTnLst>
-                          </p:cTn>
-                        </p:par>
-                      </p:childTnLst>
-                    </p:cTn>
-                  </p:par>
-                </p:childTnLst>
-              </p:cTn>
-              <p:prevCondLst>
-                <p:cond evt="onPrev" delay="0">
-                  <p:tgtEl>
-                    <p:sldTgt/>
-                  </p:tgtEl>
-                </p:cond>
-              </p:prevCondLst>
-              <p:nextCondLst>
-                <p:cond evt="onNext" delay="0">
-                  <p:tgtEl>
-                    <p:sldTgt/>
-                  </p:tgtEl>
-                </p:cond>
-              </p:nextCondLst>
-            </p:seq>
-          </p:childTnLst>
-        </p:cTn>
-      </p:par>
-    </p:tnLst>
-    <p:bldLst>
-      <p:bldP spid="6" grpId="0" animBg="1"/>
-      <p:bldP spid="11" grpId="0" animBg="1"/>
-      <p:bldP spid="21" grpId="0" animBg="1"/>
-    </p:bldLst>
-  </p:timing>
-</p:sld>
-</file>
-
-<file path=ppt/slides/slide21.xml><?xml version="1.0" encoding="utf-8"?>
-<p:sld xmlns:a="http://schemas.openxmlformats.org/drawingml/2006/main" xmlns:r="http://schemas.openxmlformats.org/officeDocument/2006/relationships" xmlns:p="http://schemas.openxmlformats.org/presentationml/2006/main">
-  <p:cSld>
-    <p:spTree>
-      <p:nvGrpSpPr>
-        <p:cNvPr id="1" name=""/>
-        <p:cNvGrpSpPr/>
-        <p:nvPr/>
-      </p:nvGrpSpPr>
-      <p:grpSpPr>
-        <a:xfrm>
-          <a:off x="0" y="0"/>
-          <a:ext cx="0" cy="0"/>
-          <a:chOff x="0" y="0"/>
-          <a:chExt cx="0" cy="0"/>
-        </a:xfrm>
-      </p:grpSpPr>
-      <p:sp>
-        <p:nvSpPr>
-          <p:cNvPr id="2" name="Titolo 1">
-            <a:extLst>
-              <a:ext uri="{FF2B5EF4-FFF2-40B4-BE49-F238E27FC236}">
-                <a16:creationId xmlns:a16="http://schemas.microsoft.com/office/drawing/2014/main" id="{E303BE9B-37ED-298D-882B-DAE33B6F4399}"/>
-              </a:ext>
-            </a:extLst>
-          </p:cNvPr>
-          <p:cNvSpPr>
-            <a:spLocks noGrp="1"/>
-          </p:cNvSpPr>
-          <p:nvPr>
-            <p:ph type="title"/>
-          </p:nvPr>
-        </p:nvSpPr>
-        <p:spPr>
-          <a:xfrm>
-            <a:off x="254541" y="338"/>
-            <a:ext cx="10515600" cy="1325563"/>
-          </a:xfrm>
-        </p:spPr>
-        <p:txBody>
-          <a:bodyPr>
-            <a:normAutofit/>
-          </a:bodyPr>
-          <a:lstStyle/>
-          <a:p>
-            <a:r>
-              <a:rPr lang="en-GB" noProof="0" dirty="0"/>
-              <a:t>Peer’s disconnection</a:t>
-            </a:r>
-          </a:p>
-        </p:txBody>
-      </p:sp>
-      <p:grpSp>
-        <p:nvGrpSpPr>
-          <p:cNvPr id="17" name="Gruppo 16">
-            <a:extLst>
-              <a:ext uri="{FF2B5EF4-FFF2-40B4-BE49-F238E27FC236}">
-                <a16:creationId xmlns:a16="http://schemas.microsoft.com/office/drawing/2014/main" id="{213F14BB-FF56-9F88-731C-2E409339521C}"/>
-              </a:ext>
-            </a:extLst>
-          </p:cNvPr>
-          <p:cNvGrpSpPr/>
-          <p:nvPr/>
-        </p:nvGrpSpPr>
-        <p:grpSpPr>
-          <a:xfrm>
-            <a:off x="9880483" y="1557436"/>
-            <a:ext cx="747103" cy="1079289"/>
-            <a:chOff x="3682178" y="1557436"/>
-            <a:chExt cx="747103" cy="1079289"/>
-          </a:xfrm>
-        </p:grpSpPr>
-        <p:pic>
-          <p:nvPicPr>
-            <p:cNvPr id="13" name="Immagine 12">
-              <a:extLst>
-                <a:ext uri="{FF2B5EF4-FFF2-40B4-BE49-F238E27FC236}">
-                  <a16:creationId xmlns:a16="http://schemas.microsoft.com/office/drawing/2014/main" id="{E69F2073-9900-FF9E-025A-2CBD08BEFCA5}"/>
-                </a:ext>
-              </a:extLst>
-            </p:cNvPr>
-            <p:cNvPicPr>
-              <a:picLocks noChangeAspect="1"/>
-            </p:cNvPicPr>
-            <p:nvPr/>
-          </p:nvPicPr>
-          <p:blipFill>
-            <a:blip r:embed="rId3"/>
-            <a:stretch>
-              <a:fillRect/>
-            </a:stretch>
-          </p:blipFill>
-          <p:spPr>
-            <a:xfrm>
-              <a:off x="3682178" y="1977963"/>
-              <a:ext cx="658762" cy="658762"/>
-            </a:xfrm>
-            <a:prstGeom prst="rect">
-              <a:avLst/>
-            </a:prstGeom>
-          </p:spPr>
-        </p:pic>
-        <p:sp>
-          <p:nvSpPr>
-            <p:cNvPr id="9" name="CasellaDiTesto 8">
-              <a:extLst>
-                <a:ext uri="{FF2B5EF4-FFF2-40B4-BE49-F238E27FC236}">
-                  <a16:creationId xmlns:a16="http://schemas.microsoft.com/office/drawing/2014/main" id="{4AE595B2-49A0-5BE2-8784-588ADF02453D}"/>
-                </a:ext>
-              </a:extLst>
-            </p:cNvPr>
-            <p:cNvSpPr txBox="1"/>
-            <p:nvPr/>
-          </p:nvSpPr>
-          <p:spPr>
-            <a:xfrm>
-              <a:off x="3793876" y="1557436"/>
-              <a:ext cx="635405" cy="523220"/>
-            </a:xfrm>
-            <a:prstGeom prst="rect">
-              <a:avLst/>
-            </a:prstGeom>
-            <a:noFill/>
-          </p:spPr>
-          <p:txBody>
-            <a:bodyPr wrap="square" rtlCol="0">
-              <a:spAutoFit/>
-            </a:bodyPr>
-            <a:lstStyle/>
-            <a:p>
-              <a:r>
-                <a:rPr lang="en-GB" sz="2800"/>
-                <a:t>B</a:t>
-              </a:r>
-            </a:p>
-          </p:txBody>
-        </p:sp>
-      </p:grpSp>
-      <p:sp>
-        <p:nvSpPr>
-          <p:cNvPr id="4" name="Segnaposto piè di pagina 3">
-            <a:extLst>
-              <a:ext uri="{FF2B5EF4-FFF2-40B4-BE49-F238E27FC236}">
-                <a16:creationId xmlns:a16="http://schemas.microsoft.com/office/drawing/2014/main" id="{447B5F20-43C6-B557-8377-5BCAA65183E0}"/>
-              </a:ext>
-            </a:extLst>
-          </p:cNvPr>
-          <p:cNvSpPr>
-            <a:spLocks noGrp="1"/>
-          </p:cNvSpPr>
-          <p:nvPr>
-            <p:ph type="ftr" sz="quarter" idx="11"/>
-          </p:nvPr>
-        </p:nvSpPr>
-        <p:spPr/>
-        <p:txBody>
-          <a:bodyPr/>
-          <a:lstStyle/>
-          <a:p>
-            <a:r>
-              <a:rPr lang="it-IT"/>
-              <a:t>Francesco Spangaro - Giacomo Orsenigo - Federico Saccani</a:t>
-            </a:r>
-          </a:p>
-        </p:txBody>
-      </p:sp>
-      <p:pic>
-        <p:nvPicPr>
-          <p:cNvPr id="5" name="Immagine 4">
-            <a:extLst>
-              <a:ext uri="{FF2B5EF4-FFF2-40B4-BE49-F238E27FC236}">
-                <a16:creationId xmlns:a16="http://schemas.microsoft.com/office/drawing/2014/main" id="{95D30687-C230-44F9-5AC8-81FD8DCFD96B}"/>
-              </a:ext>
-            </a:extLst>
-          </p:cNvPr>
-          <p:cNvPicPr>
-            <a:picLocks noChangeAspect="1"/>
-          </p:cNvPicPr>
-          <p:nvPr/>
-        </p:nvPicPr>
-        <p:blipFill>
-          <a:blip r:embed="rId4"/>
-          <a:stretch>
-            <a:fillRect/>
-          </a:stretch>
-        </p:blipFill>
-        <p:spPr>
-          <a:xfrm>
-            <a:off x="5482850" y="4550656"/>
-            <a:ext cx="885457" cy="885457"/>
-          </a:xfrm>
-          <a:prstGeom prst="rect">
-            <a:avLst/>
-          </a:prstGeom>
-        </p:spPr>
-      </p:pic>
-      <p:sp>
-        <p:nvSpPr>
-          <p:cNvPr id="15" name="CasellaDiTesto 14">
-            <a:extLst>
-              <a:ext uri="{FF2B5EF4-FFF2-40B4-BE49-F238E27FC236}">
-                <a16:creationId xmlns:a16="http://schemas.microsoft.com/office/drawing/2014/main" id="{6DEE50EC-8660-985A-FE37-9DD9E99436D4}"/>
-              </a:ext>
-            </a:extLst>
-          </p:cNvPr>
-          <p:cNvSpPr txBox="1"/>
-          <p:nvPr/>
-        </p:nvSpPr>
-        <p:spPr>
-          <a:xfrm>
-            <a:off x="5075925" y="5430813"/>
-            <a:ext cx="1926069" cy="377438"/>
-          </a:xfrm>
-          <a:prstGeom prst="rect">
-            <a:avLst/>
-          </a:prstGeom>
-          <a:noFill/>
-        </p:spPr>
-        <p:txBody>
-          <a:bodyPr wrap="square" lIns="91440" tIns="45720" rIns="91440" bIns="45720" rtlCol="0" anchor="t">
-            <a:spAutoFit/>
-          </a:bodyPr>
-          <a:lstStyle/>
-          <a:p>
-            <a:r>
-              <a:rPr lang="en-GB">
-                <a:ea typeface="Calibri"/>
-                <a:cs typeface="Calibri"/>
-              </a:rPr>
-              <a:t>Discovery Server</a:t>
-            </a:r>
-          </a:p>
-        </p:txBody>
-      </p:sp>
-      <p:cxnSp>
-        <p:nvCxnSpPr>
-          <p:cNvPr id="8" name="Connettore diritto 7">
-            <a:extLst>
-              <a:ext uri="{FF2B5EF4-FFF2-40B4-BE49-F238E27FC236}">
-                <a16:creationId xmlns:a16="http://schemas.microsoft.com/office/drawing/2014/main" id="{58DEB782-2B8C-1F8B-95BD-1C397716B6DC}"/>
-              </a:ext>
-            </a:extLst>
-          </p:cNvPr>
-          <p:cNvCxnSpPr>
-            <a:cxnSpLocks/>
-            <a:stCxn id="13" idx="2"/>
-            <a:endCxn id="5" idx="0"/>
-          </p:cNvCxnSpPr>
-          <p:nvPr/>
-        </p:nvCxnSpPr>
-        <p:spPr>
-          <a:xfrm flipH="1">
-            <a:off x="5925579" y="2636725"/>
-            <a:ext cx="4284285" cy="1913931"/>
-          </a:xfrm>
-          <a:prstGeom prst="line">
-            <a:avLst/>
-          </a:prstGeom>
-        </p:spPr>
-        <p:style>
-          <a:lnRef idx="3">
-            <a:schemeClr val="dk1"/>
-          </a:lnRef>
-          <a:fillRef idx="0">
-            <a:schemeClr val="dk1"/>
-          </a:fillRef>
-          <a:effectRef idx="2">
-            <a:schemeClr val="dk1"/>
-          </a:effectRef>
-          <a:fontRef idx="minor">
-            <a:schemeClr val="tx1"/>
-          </a:fontRef>
-        </p:style>
-      </p:cxnSp>
-      <p:sp>
-        <p:nvSpPr>
-          <p:cNvPr id="14" name="CasellaDiTesto 13">
-            <a:extLst>
-              <a:ext uri="{FF2B5EF4-FFF2-40B4-BE49-F238E27FC236}">
-                <a16:creationId xmlns:a16="http://schemas.microsoft.com/office/drawing/2014/main" id="{267ADD6A-BE77-9EAA-A0DA-C66E272B6A16}"/>
-              </a:ext>
-            </a:extLst>
-          </p:cNvPr>
-          <p:cNvSpPr txBox="1"/>
-          <p:nvPr/>
-        </p:nvSpPr>
-        <p:spPr>
-          <a:xfrm>
-            <a:off x="10627586" y="1819046"/>
-            <a:ext cx="1107996" cy="738664"/>
-          </a:xfrm>
-          <a:prstGeom prst="rect">
-            <a:avLst/>
-          </a:prstGeom>
-          <a:solidFill>
-            <a:srgbClr val="92D050"/>
-          </a:solidFill>
-          <a:ln>
-            <a:solidFill>
-              <a:schemeClr val="tx1"/>
-            </a:solidFill>
-          </a:ln>
-        </p:spPr>
-        <p:txBody>
-          <a:bodyPr wrap="square" rtlCol="0">
-            <a:spAutoFit/>
-          </a:bodyPr>
-          <a:lstStyle/>
-          <a:p>
-            <a:r>
-              <a:rPr lang="en-GB" sz="1400" b="1" dirty="0"/>
-              <a:t>Chat 1:</a:t>
-            </a:r>
-          </a:p>
-          <a:p>
-            <a:r>
-              <a:rPr lang="en-GB" sz="1400" dirty="0"/>
-              <a:t>Message 1</a:t>
-            </a:r>
-          </a:p>
-          <a:p>
-            <a:r>
-              <a:rPr lang="en-GB" sz="1400" dirty="0"/>
-              <a:t>Message 2</a:t>
-            </a:r>
-          </a:p>
-        </p:txBody>
-      </p:sp>
-    </p:spTree>
-    <p:extLst>
-      <p:ext uri="{BB962C8B-B14F-4D97-AF65-F5344CB8AC3E}">
-        <p14:creationId xmlns:p14="http://schemas.microsoft.com/office/powerpoint/2010/main" val="2495606005"/>
-      </p:ext>
-    </p:extLst>
-  </p:cSld>
-  <p:clrMapOvr>
-    <a:masterClrMapping/>
-  </p:clrMapOvr>
-  <p:timing>
-    <p:tnLst>
-      <p:par>
-        <p:cTn id="1" dur="indefinite" restart="never" nodeType="tmRoot">
-          <p:childTnLst>
-            <p:seq concurrent="1" nextAc="seek">
-              <p:cTn id="2" dur="indefinite" nodeType="mainSeq">
-                <p:childTnLst>
-                  <p:par>
-                    <p:cTn id="3" fill="hold">
-                      <p:stCondLst>
-                        <p:cond delay="indefinite"/>
-                        <p:cond evt="onBegin" delay="0">
-                          <p:tn val="2"/>
-                        </p:cond>
-                      </p:stCondLst>
-                      <p:childTnLst>
-                        <p:par>
-                          <p:cTn id="4" fill="hold">
-                            <p:stCondLst>
-                              <p:cond delay="0"/>
-                            </p:stCondLst>
-                            <p:childTnLst>
                               <p:par>
-                                <p:cTn id="5" presetID="10" presetClass="exit" presetSubtype="0" fill="hold" nodeType="withEffect">
-                                  <p:stCondLst>
-                                    <p:cond delay="0"/>
-                                  </p:stCondLst>
-                                  <p:childTnLst>
-                                    <p:animEffect transition="out" filter="fade">
-                                      <p:cBhvr>
-                                        <p:cTn id="6" dur="500"/>
-                                        <p:tgtEl>
-                                          <p:spTgt spid="8"/>
-                                        </p:tgtEl>
-                                      </p:cBhvr>
-                                    </p:animEffect>
-                                    <p:set>
-                                      <p:cBhvr>
-                                        <p:cTn id="7" dur="1" fill="hold">
-                                          <p:stCondLst>
-                                            <p:cond delay="499"/>
-                                          </p:stCondLst>
-                                        </p:cTn>
-                                        <p:tgtEl>
-                                          <p:spTgt spid="8"/>
-                                        </p:tgtEl>
-                                        <p:attrNameLst>
-                                          <p:attrName>style.visibility</p:attrName>
-                                        </p:attrNameLst>
-                                      </p:cBhvr>
-                                      <p:to>
-                                        <p:strVal val="hidden"/>
-                                      </p:to>
-                                    </p:set>
-                                  </p:childTnLst>
-                                </p:cTn>
-                              </p:par>
-                              <p:par>
-                                <p:cTn id="8" presetID="10" presetClass="entr" presetSubtype="0" fill="hold" grpId="0" nodeType="withEffect">
+                                <p:cTn id="44" presetID="10" presetClass="entr" presetSubtype="0" fill="hold" grpId="0" nodeType="withEffect">
                                   <p:stCondLst>
                                     <p:cond delay="0"/>
                                   </p:stCondLst>
                                   <p:childTnLst>
                                     <p:set>
                                       <p:cBhvr>
-                                        <p:cTn id="9" dur="1" fill="hold">
+                                        <p:cTn id="45" dur="1" fill="hold">
                                           <p:stCondLst>
                                             <p:cond delay="0"/>
                                           </p:stCondLst>
                                         </p:cTn>
                                         <p:tgtEl>
-                                          <p:spTgt spid="14"/>
+                                          <p:spTgt spid="12"/>
                                         </p:tgtEl>
                                         <p:attrNameLst>
                                           <p:attrName>style.visibility</p:attrName>
@@ -36110,9 +36118,53 @@
                                     </p:set>
                                     <p:animEffect transition="in" filter="fade">
                                       <p:cBhvr>
-                                        <p:cTn id="10" dur="500"/>
+                                        <p:cTn id="46" dur="500"/>
                                         <p:tgtEl>
-                                          <p:spTgt spid="14"/>
+                                          <p:spTgt spid="12"/>
+                                        </p:tgtEl>
+                                      </p:cBhvr>
+                                    </p:animEffect>
+                                  </p:childTnLst>
+                                </p:cTn>
+                              </p:par>
+                            </p:childTnLst>
+                          </p:cTn>
+                        </p:par>
+                        <p:par>
+                          <p:cTn id="47" fill="hold">
+                            <p:stCondLst>
+                              <p:cond delay="6500"/>
+                            </p:stCondLst>
+                            <p:childTnLst>
+                              <p:par>
+                                <p:cTn id="48" presetID="10" presetClass="entr" presetSubtype="0" fill="hold" grpId="0" nodeType="afterEffect">
+                                  <p:stCondLst>
+                                    <p:cond delay="0"/>
+                                  </p:stCondLst>
+                                  <p:childTnLst>
+                                    <p:set>
+                                      <p:cBhvr>
+                                        <p:cTn id="49" dur="1" fill="hold">
+                                          <p:stCondLst>
+                                            <p:cond delay="0"/>
+                                          </p:stCondLst>
+                                        </p:cTn>
+                                        <p:tgtEl>
+                                          <p:spTgt spid="19"/>
+                                        </p:tgtEl>
+                                        <p:attrNameLst>
+                                          <p:attrName>style.visibility</p:attrName>
+                                        </p:attrNameLst>
+                                      </p:cBhvr>
+                                      <p:to>
+                                        <p:strVal val="visible"/>
+                                      </p:to>
+                                    </p:set>
+                                    <p:animEffect transition="in" filter="fade">
+                                      <p:cBhvr>
+                                        <p:cTn id="50" dur="500"/>
+                                        <p:tgtEl>
+                                          <p:spTgt spid="19"/>
                                         </p:tgtEl>
                                       </p:cBhvr>
                                     </p:animEffect>
@@ -36147,7 +36199,11 @@
       </p:par>
     </p:tnLst>
     <p:bldLst>
-      <p:bldP spid="14" grpId="0" animBg="1"/>
+      <p:bldP spid="6" grpId="0" animBg="1"/>
+      <p:bldP spid="11" grpId="0" animBg="1"/>
+      <p:bldP spid="21" grpId="0" animBg="1"/>
+      <p:bldP spid="12" grpId="0" animBg="1"/>
+      <p:bldP spid="19" grpId="0"/>
     </p:bldLst>
   </p:timing>
 </p:sld>
@@ -36984,44 +37040,145 @@
           <a:chExt cx="0" cy="0"/>
         </a:xfrm>
       </p:grpSpPr>
-      <p:pic>
-        <p:nvPicPr>
-          <p:cNvPr id="21" name="Immagine 20">
+      <p:grpSp>
+        <p:nvGrpSpPr>
+          <p:cNvPr id="51" name="Gruppo 50">
             <a:extLst>
               <a:ext uri="{FF2B5EF4-FFF2-40B4-BE49-F238E27FC236}">
-                <a16:creationId xmlns:a16="http://schemas.microsoft.com/office/drawing/2014/main" id="{896A7FBB-C95E-54C1-852C-AC313FDD4E00}"/>
+                <a16:creationId xmlns:a16="http://schemas.microsoft.com/office/drawing/2014/main" id="{71A50A4D-F64B-E33D-E76F-1487018D1F64}"/>
               </a:ext>
             </a:extLst>
           </p:cNvPr>
-          <p:cNvPicPr>
-            <a:picLocks noChangeAspect="1"/>
-          </p:cNvPicPr>
+          <p:cNvGrpSpPr/>
           <p:nvPr/>
-        </p:nvPicPr>
-        <p:blipFill>
-          <a:blip r:embed="rId3">
-            <a:extLst>
-              <a:ext uri="{28A0092B-C50C-407E-A947-70E740481C1C}">
-                <a14:useLocalDpi xmlns:a14="http://schemas.microsoft.com/office/drawing/2010/main" val="0"/>
-              </a:ext>
-              <a:ext uri="{96DAC541-7B7A-43D3-8B79-37D633B846F1}">
-                <asvg:svgBlip xmlns:asvg="http://schemas.microsoft.com/office/drawing/2016/SVG/main" r:embed="rId4"/>
-              </a:ext>
-            </a:extLst>
-          </a:blip>
-          <a:srcRect/>
-          <a:stretch/>
-        </p:blipFill>
-        <p:spPr>
+        </p:nvGrpSpPr>
+        <p:grpSpPr>
           <a:xfrm>
-            <a:off x="7986667" y="4535652"/>
-            <a:ext cx="847956" cy="1057453"/>
+            <a:off x="7850307" y="4435423"/>
+            <a:ext cx="950901" cy="806536"/>
+            <a:chOff x="7850307" y="4535651"/>
+            <a:chExt cx="950901" cy="806536"/>
           </a:xfrm>
-          <a:prstGeom prst="rect">
-            <a:avLst/>
-          </a:prstGeom>
-        </p:spPr>
-      </p:pic>
+        </p:grpSpPr>
+        <p:pic>
+          <p:nvPicPr>
+            <p:cNvPr id="32" name="Immagine 31">
+              <a:extLst>
+                <a:ext uri="{FF2B5EF4-FFF2-40B4-BE49-F238E27FC236}">
+                  <a16:creationId xmlns:a16="http://schemas.microsoft.com/office/drawing/2014/main" id="{1F27368B-220B-AB5B-3565-CF1BA75F7054}"/>
+                </a:ext>
+              </a:extLst>
+            </p:cNvPr>
+            <p:cNvPicPr>
+              <a:picLocks noChangeAspect="1"/>
+            </p:cNvPicPr>
+            <p:nvPr/>
+          </p:nvPicPr>
+          <p:blipFill>
+            <a:blip r:embed="rId3"/>
+            <a:stretch>
+              <a:fillRect/>
+            </a:stretch>
+          </p:blipFill>
+          <p:spPr>
+            <a:xfrm>
+              <a:off x="8016594" y="4535651"/>
+              <a:ext cx="578605" cy="588582"/>
+            </a:xfrm>
+            <a:custGeom>
+              <a:avLst/>
+              <a:gdLst>
+                <a:gd name="connsiteX0" fmla="*/ 0 w 578605"/>
+                <a:gd name="connsiteY0" fmla="*/ -3 h 588582"/>
+                <a:gd name="connsiteX1" fmla="*/ 578606 w 578605"/>
+                <a:gd name="connsiteY1" fmla="*/ -3 h 588582"/>
+                <a:gd name="connsiteX2" fmla="*/ 578606 w 578605"/>
+                <a:gd name="connsiteY2" fmla="*/ 588580 h 588582"/>
+                <a:gd name="connsiteX3" fmla="*/ 0 w 578605"/>
+                <a:gd name="connsiteY3" fmla="*/ 588580 h 588582"/>
+              </a:gdLst>
+              <a:ahLst/>
+              <a:cxnLst>
+                <a:cxn ang="0">
+                  <a:pos x="connsiteX0" y="connsiteY0"/>
+                </a:cxn>
+                <a:cxn ang="0">
+                  <a:pos x="connsiteX1" y="connsiteY1"/>
+                </a:cxn>
+                <a:cxn ang="0">
+                  <a:pos x="connsiteX2" y="connsiteY2"/>
+                </a:cxn>
+                <a:cxn ang="0">
+                  <a:pos x="connsiteX3" y="connsiteY3"/>
+                </a:cxn>
+              </a:cxnLst>
+              <a:rect l="l" t="t" r="r" b="b"/>
+              <a:pathLst>
+                <a:path w="578605" h="588582">
+                  <a:moveTo>
+                    <a:pt x="0" y="-3"/>
+                  </a:moveTo>
+                  <a:lnTo>
+                    <a:pt x="578606" y="-3"/>
+                  </a:lnTo>
+                  <a:lnTo>
+                    <a:pt x="578606" y="588580"/>
+                  </a:lnTo>
+                  <a:lnTo>
+                    <a:pt x="0" y="588580"/>
+                  </a:lnTo>
+                  <a:close/>
+                </a:path>
+              </a:pathLst>
+            </a:custGeom>
+          </p:spPr>
+        </p:pic>
+        <p:sp>
+          <p:nvSpPr>
+            <p:cNvPr id="34" name="CasellaDiTesto 33">
+              <a:extLst>
+                <a:ext uri="{FF2B5EF4-FFF2-40B4-BE49-F238E27FC236}">
+                  <a16:creationId xmlns:a16="http://schemas.microsoft.com/office/drawing/2014/main" id="{FD24A45E-1EC4-03AF-2764-BA2608DE29C4}"/>
+                </a:ext>
+              </a:extLst>
+            </p:cNvPr>
+            <p:cNvSpPr txBox="1"/>
+            <p:nvPr/>
+          </p:nvSpPr>
+          <p:spPr>
+            <a:xfrm>
+              <a:off x="7850307" y="5030563"/>
+              <a:ext cx="950901" cy="311624"/>
+            </a:xfrm>
+            <a:prstGeom prst="rect">
+              <a:avLst/>
+            </a:prstGeom>
+            <a:noFill/>
+          </p:spPr>
+          <p:txBody>
+            <a:bodyPr wrap="none" rtlCol="0">
+              <a:spAutoFit/>
+            </a:bodyPr>
+            <a:lstStyle/>
+            <a:p>
+              <a:pPr algn="l"/>
+              <a:r>
+                <a:rPr lang="it-IT" sz="1425" spc="0" baseline="0" dirty="0">
+                  <a:ln/>
+                  <a:solidFill>
+                    <a:srgbClr val="000000"/>
+                  </a:solidFill>
+                  <a:latin typeface="Calibri"/>
+                  <a:cs typeface="Calibri"/>
+                  <a:sym typeface="Calibri"/>
+                  <a:rtl val="0"/>
+                </a:rPr>
+                <a:t>Username</a:t>
+              </a:r>
+            </a:p>
+          </p:txBody>
+        </p:sp>
+      </p:grpSp>
       <p:sp>
         <p:nvSpPr>
           <p:cNvPr id="2" name="Titolo 1">
@@ -37071,7 +37228,7 @@
           <p:nvPr/>
         </p:nvPicPr>
         <p:blipFill>
-          <a:blip r:embed="rId5"/>
+          <a:blip r:embed="rId4"/>
           <a:stretch>
             <a:fillRect/>
           </a:stretch>
@@ -37101,7 +37258,7 @@
           <p:nvPr/>
         </p:nvPicPr>
         <p:blipFill>
-          <a:blip r:embed="rId5"/>
+          <a:blip r:embed="rId4"/>
           <a:stretch>
             <a:fillRect/>
           </a:stretch>
@@ -37131,7 +37288,7 @@
           <p:nvPr/>
         </p:nvPicPr>
         <p:blipFill>
-          <a:blip r:embed="rId5"/>
+          <a:blip r:embed="rId4"/>
           <a:stretch>
             <a:fillRect/>
           </a:stretch>
@@ -37161,7 +37318,7 @@
           <p:nvPr/>
         </p:nvPicPr>
         <p:blipFill>
-          <a:blip r:embed="rId5"/>
+          <a:blip r:embed="rId4"/>
           <a:stretch>
             <a:fillRect/>
           </a:stretch>
@@ -37191,7 +37348,7 @@
           <p:nvPr/>
         </p:nvPicPr>
         <p:blipFill>
-          <a:blip r:embed="rId6"/>
+          <a:blip r:embed="rId5"/>
           <a:stretch>
             <a:fillRect/>
           </a:stretch>
@@ -37521,44 +37678,6 @@
           </a:fontRef>
         </p:style>
       </p:cxnSp>
-      <p:pic>
-        <p:nvPicPr>
-          <p:cNvPr id="17" name="Immagine 16">
-            <a:extLst>
-              <a:ext uri="{FF2B5EF4-FFF2-40B4-BE49-F238E27FC236}">
-                <a16:creationId xmlns:a16="http://schemas.microsoft.com/office/drawing/2014/main" id="{E211124F-4576-F83C-F68E-2FE93DFD7465}"/>
-              </a:ext>
-            </a:extLst>
-          </p:cNvPr>
-          <p:cNvPicPr>
-            <a:picLocks noChangeAspect="1"/>
-          </p:cNvPicPr>
-          <p:nvPr/>
-        </p:nvPicPr>
-        <p:blipFill>
-          <a:blip r:embed="rId3">
-            <a:extLst>
-              <a:ext uri="{28A0092B-C50C-407E-A947-70E740481C1C}">
-                <a14:useLocalDpi xmlns:a14="http://schemas.microsoft.com/office/drawing/2010/main" val="0"/>
-              </a:ext>
-              <a:ext uri="{96DAC541-7B7A-43D3-8B79-37D633B846F1}">
-                <asvg:svgBlip xmlns:asvg="http://schemas.microsoft.com/office/drawing/2016/SVG/main" r:embed="rId4"/>
-              </a:ext>
-            </a:extLst>
-          </a:blip>
-          <a:srcRect/>
-          <a:stretch/>
-        </p:blipFill>
-        <p:spPr>
-          <a:xfrm>
-            <a:off x="8711063" y="4107293"/>
-            <a:ext cx="847956" cy="1057452"/>
-          </a:xfrm>
-          <a:prstGeom prst="rect">
-            <a:avLst/>
-          </a:prstGeom>
-        </p:spPr>
-      </p:pic>
       <p:grpSp>
         <p:nvGrpSpPr>
           <p:cNvPr id="4" name="Immagine 19">
@@ -37597,7 +37716,7 @@
             <p:nvPr/>
           </p:nvPicPr>
           <p:blipFill>
-            <a:blip r:embed="rId7"/>
+            <a:blip r:embed="rId3"/>
             <a:stretch>
               <a:fillRect/>
             </a:stretch>
@@ -37756,13 +37875,13 @@
           <p:nvPr/>
         </p:nvPicPr>
         <p:blipFill>
-          <a:blip r:embed="rId8">
+          <a:blip r:embed="rId6">
             <a:extLst>
               <a:ext uri="{28A0092B-C50C-407E-A947-70E740481C1C}">
                 <a14:useLocalDpi xmlns:a14="http://schemas.microsoft.com/office/drawing/2010/main" val="0"/>
               </a:ext>
               <a:ext uri="{96DAC541-7B7A-43D3-8B79-37D633B846F1}">
-                <asvg:svgBlip xmlns:asvg="http://schemas.microsoft.com/office/drawing/2016/SVG/main" r:embed="rId9"/>
+                <asvg:svgBlip xmlns:asvg="http://schemas.microsoft.com/office/drawing/2016/SVG/main" r:embed="rId7"/>
               </a:ext>
             </a:extLst>
           </a:blip>
@@ -37773,44 +37892,6 @@
           <a:xfrm>
             <a:off x="5363747" y="4508303"/>
             <a:ext cx="550940" cy="560439"/>
-          </a:xfrm>
-          <a:prstGeom prst="rect">
-            <a:avLst/>
-          </a:prstGeom>
-        </p:spPr>
-      </p:pic>
-      <p:pic>
-        <p:nvPicPr>
-          <p:cNvPr id="24" name="Immagine 23">
-            <a:extLst>
-              <a:ext uri="{FF2B5EF4-FFF2-40B4-BE49-F238E27FC236}">
-                <a16:creationId xmlns:a16="http://schemas.microsoft.com/office/drawing/2014/main" id="{14FB3458-01BD-BACD-2FAA-7F1CC0679654}"/>
-              </a:ext>
-            </a:extLst>
-          </p:cNvPr>
-          <p:cNvPicPr>
-            <a:picLocks noChangeAspect="1"/>
-          </p:cNvPicPr>
-          <p:nvPr/>
-        </p:nvPicPr>
-        <p:blipFill>
-          <a:blip r:embed="rId3">
-            <a:extLst>
-              <a:ext uri="{28A0092B-C50C-407E-A947-70E740481C1C}">
-                <a14:useLocalDpi xmlns:a14="http://schemas.microsoft.com/office/drawing/2010/main" val="0"/>
-              </a:ext>
-              <a:ext uri="{96DAC541-7B7A-43D3-8B79-37D633B846F1}">
-                <asvg:svgBlip xmlns:asvg="http://schemas.microsoft.com/office/drawing/2016/SVG/main" r:embed="rId4"/>
-              </a:ext>
-            </a:extLst>
-          </a:blip>
-          <a:srcRect/>
-          <a:stretch/>
-        </p:blipFill>
-        <p:spPr>
-          <a:xfrm>
-            <a:off x="8645705" y="3407577"/>
-            <a:ext cx="786581" cy="980914"/>
           </a:xfrm>
           <a:prstGeom prst="rect">
             <a:avLst/>
@@ -37832,13 +37913,13 @@
           <p:nvPr/>
         </p:nvPicPr>
         <p:blipFill>
-          <a:blip r:embed="rId8">
+          <a:blip r:embed="rId6">
             <a:extLst>
               <a:ext uri="{28A0092B-C50C-407E-A947-70E740481C1C}">
                 <a14:useLocalDpi xmlns:a14="http://schemas.microsoft.com/office/drawing/2010/main" val="0"/>
               </a:ext>
               <a:ext uri="{96DAC541-7B7A-43D3-8B79-37D633B846F1}">
-                <asvg:svgBlip xmlns:asvg="http://schemas.microsoft.com/office/drawing/2016/SVG/main" r:embed="rId9"/>
+                <asvg:svgBlip xmlns:asvg="http://schemas.microsoft.com/office/drawing/2016/SVG/main" r:embed="rId7"/>
               </a:ext>
             </a:extLst>
           </a:blip>
@@ -37849,44 +37930,6 @@
           <a:xfrm>
             <a:off x="8675983" y="2068269"/>
             <a:ext cx="550940" cy="560439"/>
-          </a:xfrm>
-          <a:prstGeom prst="rect">
-            <a:avLst/>
-          </a:prstGeom>
-        </p:spPr>
-      </p:pic>
-      <p:pic>
-        <p:nvPicPr>
-          <p:cNvPr id="27" name="Immagine 26">
-            <a:extLst>
-              <a:ext uri="{FF2B5EF4-FFF2-40B4-BE49-F238E27FC236}">
-                <a16:creationId xmlns:a16="http://schemas.microsoft.com/office/drawing/2014/main" id="{A6888C26-17CE-3A7A-FA4C-487930620D71}"/>
-              </a:ext>
-            </a:extLst>
-          </p:cNvPr>
-          <p:cNvPicPr>
-            <a:picLocks noChangeAspect="1"/>
-          </p:cNvPicPr>
-          <p:nvPr/>
-        </p:nvPicPr>
-        <p:blipFill>
-          <a:blip r:embed="rId3">
-            <a:extLst>
-              <a:ext uri="{28A0092B-C50C-407E-A947-70E740481C1C}">
-                <a14:useLocalDpi xmlns:a14="http://schemas.microsoft.com/office/drawing/2010/main" val="0"/>
-              </a:ext>
-              <a:ext uri="{96DAC541-7B7A-43D3-8B79-37D633B846F1}">
-                <asvg:svgBlip xmlns:asvg="http://schemas.microsoft.com/office/drawing/2016/SVG/main" r:embed="rId4"/>
-              </a:ext>
-            </a:extLst>
-          </a:blip>
-          <a:srcRect/>
-          <a:stretch/>
-        </p:blipFill>
-        <p:spPr>
-          <a:xfrm>
-            <a:off x="7696338" y="3085539"/>
-            <a:ext cx="826268" cy="1030407"/>
           </a:xfrm>
           <a:prstGeom prst="rect">
             <a:avLst/>
@@ -37908,13 +37951,13 @@
           <p:nvPr/>
         </p:nvPicPr>
         <p:blipFill>
-          <a:blip r:embed="rId8">
+          <a:blip r:embed="rId6">
             <a:extLst>
               <a:ext uri="{28A0092B-C50C-407E-A947-70E740481C1C}">
                 <a14:useLocalDpi xmlns:a14="http://schemas.microsoft.com/office/drawing/2010/main" val="0"/>
               </a:ext>
               <a:ext uri="{96DAC541-7B7A-43D3-8B79-37D633B846F1}">
-                <asvg:svgBlip xmlns:asvg="http://schemas.microsoft.com/office/drawing/2016/SVG/main" r:embed="rId9"/>
+                <asvg:svgBlip xmlns:asvg="http://schemas.microsoft.com/office/drawing/2016/SVG/main" r:embed="rId7"/>
               </a:ext>
             </a:extLst>
           </a:blip>
@@ -38193,6 +38236,423 @@
           </a:p>
         </p:txBody>
       </p:sp>
+      <p:grpSp>
+        <p:nvGrpSpPr>
+          <p:cNvPr id="52" name="Gruppo 51">
+            <a:extLst>
+              <a:ext uri="{FF2B5EF4-FFF2-40B4-BE49-F238E27FC236}">
+                <a16:creationId xmlns:a16="http://schemas.microsoft.com/office/drawing/2014/main" id="{46A21BA5-FDE0-D2DE-2FD3-3398E2BA0E0A}"/>
+              </a:ext>
+            </a:extLst>
+          </p:cNvPr>
+          <p:cNvGrpSpPr/>
+          <p:nvPr/>
+        </p:nvGrpSpPr>
+        <p:grpSpPr>
+          <a:xfrm>
+            <a:off x="8559111" y="4219229"/>
+            <a:ext cx="950901" cy="806536"/>
+            <a:chOff x="7850307" y="4535651"/>
+            <a:chExt cx="950901" cy="806536"/>
+          </a:xfrm>
+        </p:grpSpPr>
+        <p:pic>
+          <p:nvPicPr>
+            <p:cNvPr id="53" name="Immagine 52">
+              <a:extLst>
+                <a:ext uri="{FF2B5EF4-FFF2-40B4-BE49-F238E27FC236}">
+                  <a16:creationId xmlns:a16="http://schemas.microsoft.com/office/drawing/2014/main" id="{86C8740C-6024-B069-11BB-C877A0B08CA3}"/>
+                </a:ext>
+              </a:extLst>
+            </p:cNvPr>
+            <p:cNvPicPr>
+              <a:picLocks noChangeAspect="1"/>
+            </p:cNvPicPr>
+            <p:nvPr/>
+          </p:nvPicPr>
+          <p:blipFill>
+            <a:blip r:embed="rId3"/>
+            <a:stretch>
+              <a:fillRect/>
+            </a:stretch>
+          </p:blipFill>
+          <p:spPr>
+            <a:xfrm>
+              <a:off x="8016594" y="4535651"/>
+              <a:ext cx="578605" cy="588582"/>
+            </a:xfrm>
+            <a:custGeom>
+              <a:avLst/>
+              <a:gdLst>
+                <a:gd name="connsiteX0" fmla="*/ 0 w 578605"/>
+                <a:gd name="connsiteY0" fmla="*/ -3 h 588582"/>
+                <a:gd name="connsiteX1" fmla="*/ 578606 w 578605"/>
+                <a:gd name="connsiteY1" fmla="*/ -3 h 588582"/>
+                <a:gd name="connsiteX2" fmla="*/ 578606 w 578605"/>
+                <a:gd name="connsiteY2" fmla="*/ 588580 h 588582"/>
+                <a:gd name="connsiteX3" fmla="*/ 0 w 578605"/>
+                <a:gd name="connsiteY3" fmla="*/ 588580 h 588582"/>
+              </a:gdLst>
+              <a:ahLst/>
+              <a:cxnLst>
+                <a:cxn ang="0">
+                  <a:pos x="connsiteX0" y="connsiteY0"/>
+                </a:cxn>
+                <a:cxn ang="0">
+                  <a:pos x="connsiteX1" y="connsiteY1"/>
+                </a:cxn>
+                <a:cxn ang="0">
+                  <a:pos x="connsiteX2" y="connsiteY2"/>
+                </a:cxn>
+                <a:cxn ang="0">
+                  <a:pos x="connsiteX3" y="connsiteY3"/>
+                </a:cxn>
+              </a:cxnLst>
+              <a:rect l="l" t="t" r="r" b="b"/>
+              <a:pathLst>
+                <a:path w="578605" h="588582">
+                  <a:moveTo>
+                    <a:pt x="0" y="-3"/>
+                  </a:moveTo>
+                  <a:lnTo>
+                    <a:pt x="578606" y="-3"/>
+                  </a:lnTo>
+                  <a:lnTo>
+                    <a:pt x="578606" y="588580"/>
+                  </a:lnTo>
+                  <a:lnTo>
+                    <a:pt x="0" y="588580"/>
+                  </a:lnTo>
+                  <a:close/>
+                </a:path>
+              </a:pathLst>
+            </a:custGeom>
+          </p:spPr>
+        </p:pic>
+        <p:sp>
+          <p:nvSpPr>
+            <p:cNvPr id="54" name="CasellaDiTesto 53">
+              <a:extLst>
+                <a:ext uri="{FF2B5EF4-FFF2-40B4-BE49-F238E27FC236}">
+                  <a16:creationId xmlns:a16="http://schemas.microsoft.com/office/drawing/2014/main" id="{BBA0094A-5CB9-A3D7-00DE-3D19741855A7}"/>
+                </a:ext>
+              </a:extLst>
+            </p:cNvPr>
+            <p:cNvSpPr txBox="1"/>
+            <p:nvPr/>
+          </p:nvSpPr>
+          <p:spPr>
+            <a:xfrm>
+              <a:off x="7850307" y="5030563"/>
+              <a:ext cx="950901" cy="311624"/>
+            </a:xfrm>
+            <a:prstGeom prst="rect">
+              <a:avLst/>
+            </a:prstGeom>
+            <a:noFill/>
+          </p:spPr>
+          <p:txBody>
+            <a:bodyPr wrap="none" rtlCol="0">
+              <a:spAutoFit/>
+            </a:bodyPr>
+            <a:lstStyle/>
+            <a:p>
+              <a:pPr algn="l"/>
+              <a:r>
+                <a:rPr lang="it-IT" sz="1425" spc="0" baseline="0" dirty="0">
+                  <a:ln/>
+                  <a:solidFill>
+                    <a:srgbClr val="000000"/>
+                  </a:solidFill>
+                  <a:latin typeface="Calibri"/>
+                  <a:cs typeface="Calibri"/>
+                  <a:sym typeface="Calibri"/>
+                  <a:rtl val="0"/>
+                </a:rPr>
+                <a:t>Username</a:t>
+              </a:r>
+            </a:p>
+          </p:txBody>
+        </p:sp>
+      </p:grpSp>
+      <p:grpSp>
+        <p:nvGrpSpPr>
+          <p:cNvPr id="55" name="Gruppo 54">
+            <a:extLst>
+              <a:ext uri="{FF2B5EF4-FFF2-40B4-BE49-F238E27FC236}">
+                <a16:creationId xmlns:a16="http://schemas.microsoft.com/office/drawing/2014/main" id="{70FBDF73-D62A-FFBB-F34F-62DA3ADD4494}"/>
+              </a:ext>
+            </a:extLst>
+          </p:cNvPr>
+          <p:cNvGrpSpPr/>
+          <p:nvPr/>
+        </p:nvGrpSpPr>
+        <p:grpSpPr>
+          <a:xfrm>
+            <a:off x="8577155" y="3843800"/>
+            <a:ext cx="950901" cy="806536"/>
+            <a:chOff x="7850307" y="4535651"/>
+            <a:chExt cx="950901" cy="806536"/>
+          </a:xfrm>
+        </p:grpSpPr>
+        <p:pic>
+          <p:nvPicPr>
+            <p:cNvPr id="56" name="Immagine 55">
+              <a:extLst>
+                <a:ext uri="{FF2B5EF4-FFF2-40B4-BE49-F238E27FC236}">
+                  <a16:creationId xmlns:a16="http://schemas.microsoft.com/office/drawing/2014/main" id="{82F1E9D6-DE27-DD02-AD26-D65A700143CC}"/>
+                </a:ext>
+              </a:extLst>
+            </p:cNvPr>
+            <p:cNvPicPr>
+              <a:picLocks noChangeAspect="1"/>
+            </p:cNvPicPr>
+            <p:nvPr/>
+          </p:nvPicPr>
+          <p:blipFill>
+            <a:blip r:embed="rId3"/>
+            <a:stretch>
+              <a:fillRect/>
+            </a:stretch>
+          </p:blipFill>
+          <p:spPr>
+            <a:xfrm>
+              <a:off x="8016594" y="4535651"/>
+              <a:ext cx="578605" cy="588582"/>
+            </a:xfrm>
+            <a:custGeom>
+              <a:avLst/>
+              <a:gdLst>
+                <a:gd name="connsiteX0" fmla="*/ 0 w 578605"/>
+                <a:gd name="connsiteY0" fmla="*/ -3 h 588582"/>
+                <a:gd name="connsiteX1" fmla="*/ 578606 w 578605"/>
+                <a:gd name="connsiteY1" fmla="*/ -3 h 588582"/>
+                <a:gd name="connsiteX2" fmla="*/ 578606 w 578605"/>
+                <a:gd name="connsiteY2" fmla="*/ 588580 h 588582"/>
+                <a:gd name="connsiteX3" fmla="*/ 0 w 578605"/>
+                <a:gd name="connsiteY3" fmla="*/ 588580 h 588582"/>
+              </a:gdLst>
+              <a:ahLst/>
+              <a:cxnLst>
+                <a:cxn ang="0">
+                  <a:pos x="connsiteX0" y="connsiteY0"/>
+                </a:cxn>
+                <a:cxn ang="0">
+                  <a:pos x="connsiteX1" y="connsiteY1"/>
+                </a:cxn>
+                <a:cxn ang="0">
+                  <a:pos x="connsiteX2" y="connsiteY2"/>
+                </a:cxn>
+                <a:cxn ang="0">
+                  <a:pos x="connsiteX3" y="connsiteY3"/>
+                </a:cxn>
+              </a:cxnLst>
+              <a:rect l="l" t="t" r="r" b="b"/>
+              <a:pathLst>
+                <a:path w="578605" h="588582">
+                  <a:moveTo>
+                    <a:pt x="0" y="-3"/>
+                  </a:moveTo>
+                  <a:lnTo>
+                    <a:pt x="578606" y="-3"/>
+                  </a:lnTo>
+                  <a:lnTo>
+                    <a:pt x="578606" y="588580"/>
+                  </a:lnTo>
+                  <a:lnTo>
+                    <a:pt x="0" y="588580"/>
+                  </a:lnTo>
+                  <a:close/>
+                </a:path>
+              </a:pathLst>
+            </a:custGeom>
+          </p:spPr>
+        </p:pic>
+        <p:sp>
+          <p:nvSpPr>
+            <p:cNvPr id="57" name="CasellaDiTesto 56">
+              <a:extLst>
+                <a:ext uri="{FF2B5EF4-FFF2-40B4-BE49-F238E27FC236}">
+                  <a16:creationId xmlns:a16="http://schemas.microsoft.com/office/drawing/2014/main" id="{5C50CE0D-86D6-066F-CA3F-E925C5492ADD}"/>
+                </a:ext>
+              </a:extLst>
+            </p:cNvPr>
+            <p:cNvSpPr txBox="1"/>
+            <p:nvPr/>
+          </p:nvSpPr>
+          <p:spPr>
+            <a:xfrm>
+              <a:off x="7850307" y="5030563"/>
+              <a:ext cx="950901" cy="311624"/>
+            </a:xfrm>
+            <a:prstGeom prst="rect">
+              <a:avLst/>
+            </a:prstGeom>
+            <a:noFill/>
+          </p:spPr>
+          <p:txBody>
+            <a:bodyPr wrap="none" rtlCol="0">
+              <a:spAutoFit/>
+            </a:bodyPr>
+            <a:lstStyle/>
+            <a:p>
+              <a:pPr algn="l"/>
+              <a:r>
+                <a:rPr lang="it-IT" sz="1425" spc="0" baseline="0" dirty="0">
+                  <a:ln/>
+                  <a:solidFill>
+                    <a:srgbClr val="000000"/>
+                  </a:solidFill>
+                  <a:latin typeface="Calibri"/>
+                  <a:cs typeface="Calibri"/>
+                  <a:sym typeface="Calibri"/>
+                  <a:rtl val="0"/>
+                </a:rPr>
+                <a:t>Username</a:t>
+              </a:r>
+            </a:p>
+          </p:txBody>
+        </p:sp>
+      </p:grpSp>
+      <p:grpSp>
+        <p:nvGrpSpPr>
+          <p:cNvPr id="58" name="Gruppo 57">
+            <a:extLst>
+              <a:ext uri="{FF2B5EF4-FFF2-40B4-BE49-F238E27FC236}">
+                <a16:creationId xmlns:a16="http://schemas.microsoft.com/office/drawing/2014/main" id="{C05B48DE-6F84-C873-70F4-F20783F9DFD1}"/>
+              </a:ext>
+            </a:extLst>
+          </p:cNvPr>
+          <p:cNvGrpSpPr/>
+          <p:nvPr/>
+        </p:nvGrpSpPr>
+        <p:grpSpPr>
+          <a:xfrm>
+            <a:off x="7261217" y="3371193"/>
+            <a:ext cx="950901" cy="806536"/>
+            <a:chOff x="7850307" y="4535651"/>
+            <a:chExt cx="950901" cy="806536"/>
+          </a:xfrm>
+        </p:grpSpPr>
+        <p:pic>
+          <p:nvPicPr>
+            <p:cNvPr id="59" name="Immagine 58">
+              <a:extLst>
+                <a:ext uri="{FF2B5EF4-FFF2-40B4-BE49-F238E27FC236}">
+                  <a16:creationId xmlns:a16="http://schemas.microsoft.com/office/drawing/2014/main" id="{75D42939-6E6F-6427-30F0-29B370D087EF}"/>
+                </a:ext>
+              </a:extLst>
+            </p:cNvPr>
+            <p:cNvPicPr>
+              <a:picLocks noChangeAspect="1"/>
+            </p:cNvPicPr>
+            <p:nvPr/>
+          </p:nvPicPr>
+          <p:blipFill>
+            <a:blip r:embed="rId3"/>
+            <a:stretch>
+              <a:fillRect/>
+            </a:stretch>
+          </p:blipFill>
+          <p:spPr>
+            <a:xfrm>
+              <a:off x="8016594" y="4535651"/>
+              <a:ext cx="578605" cy="588582"/>
+            </a:xfrm>
+            <a:custGeom>
+              <a:avLst/>
+              <a:gdLst>
+                <a:gd name="connsiteX0" fmla="*/ 0 w 578605"/>
+                <a:gd name="connsiteY0" fmla="*/ -3 h 588582"/>
+                <a:gd name="connsiteX1" fmla="*/ 578606 w 578605"/>
+                <a:gd name="connsiteY1" fmla="*/ -3 h 588582"/>
+                <a:gd name="connsiteX2" fmla="*/ 578606 w 578605"/>
+                <a:gd name="connsiteY2" fmla="*/ 588580 h 588582"/>
+                <a:gd name="connsiteX3" fmla="*/ 0 w 578605"/>
+                <a:gd name="connsiteY3" fmla="*/ 588580 h 588582"/>
+              </a:gdLst>
+              <a:ahLst/>
+              <a:cxnLst>
+                <a:cxn ang="0">
+                  <a:pos x="connsiteX0" y="connsiteY0"/>
+                </a:cxn>
+                <a:cxn ang="0">
+                  <a:pos x="connsiteX1" y="connsiteY1"/>
+                </a:cxn>
+                <a:cxn ang="0">
+                  <a:pos x="connsiteX2" y="connsiteY2"/>
+                </a:cxn>
+                <a:cxn ang="0">
+                  <a:pos x="connsiteX3" y="connsiteY3"/>
+                </a:cxn>
+              </a:cxnLst>
+              <a:rect l="l" t="t" r="r" b="b"/>
+              <a:pathLst>
+                <a:path w="578605" h="588582">
+                  <a:moveTo>
+                    <a:pt x="0" y="-3"/>
+                  </a:moveTo>
+                  <a:lnTo>
+                    <a:pt x="578606" y="-3"/>
+                  </a:lnTo>
+                  <a:lnTo>
+                    <a:pt x="578606" y="588580"/>
+                  </a:lnTo>
+                  <a:lnTo>
+                    <a:pt x="0" y="588580"/>
+                  </a:lnTo>
+                  <a:close/>
+                </a:path>
+              </a:pathLst>
+            </a:custGeom>
+          </p:spPr>
+        </p:pic>
+        <p:sp>
+          <p:nvSpPr>
+            <p:cNvPr id="60" name="CasellaDiTesto 59">
+              <a:extLst>
+                <a:ext uri="{FF2B5EF4-FFF2-40B4-BE49-F238E27FC236}">
+                  <a16:creationId xmlns:a16="http://schemas.microsoft.com/office/drawing/2014/main" id="{3C0B13F1-6B7D-B806-3F33-5FA619A66642}"/>
+                </a:ext>
+              </a:extLst>
+            </p:cNvPr>
+            <p:cNvSpPr txBox="1"/>
+            <p:nvPr/>
+          </p:nvSpPr>
+          <p:spPr>
+            <a:xfrm>
+              <a:off x="7850307" y="5030563"/>
+              <a:ext cx="950901" cy="311624"/>
+            </a:xfrm>
+            <a:prstGeom prst="rect">
+              <a:avLst/>
+            </a:prstGeom>
+            <a:noFill/>
+          </p:spPr>
+          <p:txBody>
+            <a:bodyPr wrap="none" rtlCol="0">
+              <a:spAutoFit/>
+            </a:bodyPr>
+            <a:lstStyle/>
+            <a:p>
+              <a:pPr algn="l"/>
+              <a:r>
+                <a:rPr lang="it-IT" sz="1425" spc="0" baseline="0" dirty="0">
+                  <a:ln/>
+                  <a:solidFill>
+                    <a:srgbClr val="000000"/>
+                  </a:solidFill>
+                  <a:latin typeface="Calibri"/>
+                  <a:cs typeface="Calibri"/>
+                  <a:sym typeface="Calibri"/>
+                  <a:rtl val="0"/>
+                </a:rPr>
+                <a:t>Username</a:t>
+              </a:r>
+            </a:p>
+          </p:txBody>
+        </p:sp>
+      </p:grpSp>
     </p:spTree>
     <p:extLst>
       <p:ext uri="{BB962C8B-B14F-4D97-AF65-F5344CB8AC3E}">
@@ -38289,7 +38749,7 @@
                                           </p:stCondLst>
                                         </p:cTn>
                                         <p:tgtEl>
-                                          <p:spTgt spid="6"/>
+                                          <p:spTgt spid="52"/>
                                         </p:tgtEl>
                                         <p:attrNameLst>
                                           <p:attrName>style.visibility</p:attrName>
@@ -38303,6 +38763,63 @@
                                       <p:cBhvr>
                                         <p:cTn id="11" dur="500"/>
                                         <p:tgtEl>
+                                          <p:spTgt spid="52"/>
+                                        </p:tgtEl>
+                                      </p:cBhvr>
+                                    </p:animEffect>
+                                  </p:childTnLst>
+                                </p:cTn>
+                              </p:par>
+                              <p:par>
+                                <p:cTn id="12" presetID="42" presetClass="path" presetSubtype="0" accel="50000" decel="50000" fill="hold" nodeType="withEffect">
+                                  <p:stCondLst>
+                                    <p:cond delay="0"/>
+                                  </p:stCondLst>
+                                  <p:childTnLst>
+                                    <p:animMotion origin="layout" path="M 4.375E-6 -4.07407E-6 L 0.18958 -0.15024 " pathEditMode="relative" rAng="0" ptsTypes="AA">
+                                      <p:cBhvr>
+                                        <p:cTn id="13" dur="2000" fill="hold"/>
+                                        <p:tgtEl>
+                                          <p:spTgt spid="52"/>
+                                        </p:tgtEl>
+                                        <p:attrNameLst>
+                                          <p:attrName>ppt_x</p:attrName>
+                                          <p:attrName>ppt_y</p:attrName>
+                                        </p:attrNameLst>
+                                      </p:cBhvr>
+                                      <p:rCtr x="9297" y="-7500"/>
+                                    </p:animMotion>
+                                  </p:childTnLst>
+                                </p:cTn>
+                              </p:par>
+                              <p:par>
+                                <p:cTn id="14" presetID="10" presetClass="entr" presetSubtype="0" fill="hold" nodeType="withEffect">
+                                  <p:stCondLst>
+                                    <p:cond delay="0"/>
+                                  </p:stCondLst>
+                                  <p:childTnLst>
+                                    <p:set>
+                                      <p:cBhvr>
+                                        <p:cTn id="15" dur="1" fill="hold">
+                                          <p:stCondLst>
+                                            <p:cond delay="0"/>
+                                          </p:stCondLst>
+                                        </p:cTn>
+                                        <p:tgtEl>
+                                          <p:spTgt spid="6"/>
+                                        </p:tgtEl>
+                                        <p:attrNameLst>
+                                          <p:attrName>style.visibility</p:attrName>
+                                        </p:attrNameLst>
+                                      </p:cBhvr>
+                                      <p:to>
+                                        <p:strVal val="visible"/>
+                                      </p:to>
+                                    </p:set>
+                                    <p:animEffect transition="in" filter="fade">
+                                      <p:cBhvr>
+                                        <p:cTn id="16" dur="500"/>
+                                        <p:tgtEl>
                                           <p:spTgt spid="6"/>
                                         </p:tgtEl>
                                       </p:cBhvr>
@@ -38314,109 +38831,34 @@
                           </p:cTn>
                         </p:par>
                         <p:par>
-                          <p:cTn id="12" fill="hold">
+                          <p:cTn id="17" fill="hold">
                             <p:stCondLst>
-                              <p:cond delay="1500"/>
+                              <p:cond delay="2500"/>
                             </p:stCondLst>
                             <p:childTnLst>
                               <p:par>
-                                <p:cTn id="13" presetID="10" presetClass="entr" presetSubtype="0" fill="hold" nodeType="afterEffect">
-                                  <p:stCondLst>
-                                    <p:cond delay="0"/>
-                                  </p:stCondLst>
-                                  <p:childTnLst>
-                                    <p:set>
-                                      <p:cBhvr>
-                                        <p:cTn id="14" dur="1" fill="hold">
-                                          <p:stCondLst>
-                                            <p:cond delay="0"/>
-                                          </p:stCondLst>
-                                        </p:cTn>
-                                        <p:tgtEl>
-                                          <p:spTgt spid="17"/>
-                                        </p:tgtEl>
-                                        <p:attrNameLst>
-                                          <p:attrName>style.visibility</p:attrName>
-                                        </p:attrNameLst>
-                                      </p:cBhvr>
-                                      <p:to>
-                                        <p:strVal val="visible"/>
-                                      </p:to>
-                                    </p:set>
-                                    <p:animEffect transition="in" filter="fade">
-                                      <p:cBhvr>
-                                        <p:cTn id="15" dur="500"/>
-                                        <p:tgtEl>
-                                          <p:spTgt spid="17"/>
-                                        </p:tgtEl>
-                                      </p:cBhvr>
-                                    </p:animEffect>
-                                  </p:childTnLst>
-                                </p:cTn>
-                              </p:par>
-                            </p:childTnLst>
-                          </p:cTn>
-                        </p:par>
-                        <p:par>
-                          <p:cTn id="16" fill="hold">
-                            <p:stCondLst>
-                              <p:cond delay="2000"/>
-                            </p:stCondLst>
-                            <p:childTnLst>
-                              <p:par>
-                                <p:cTn id="17" presetID="42" presetClass="path" presetSubtype="0" accel="50000" decel="50000" fill="hold" nodeType="afterEffect">
-                                  <p:stCondLst>
-                                    <p:cond delay="0"/>
-                                  </p:stCondLst>
-                                  <p:childTnLst>
-                                    <p:animMotion origin="layout" path="M -3.95833E-6 3.7037E-7 L 0.14258 -0.11343 " pathEditMode="relative" rAng="0" ptsTypes="AA">
-                                      <p:cBhvr>
-                                        <p:cTn id="18" dur="2000" fill="hold"/>
-                                        <p:tgtEl>
-                                          <p:spTgt spid="17"/>
-                                        </p:tgtEl>
-                                        <p:attrNameLst>
-                                          <p:attrName>ppt_x</p:attrName>
-                                          <p:attrName>ppt_y</p:attrName>
-                                        </p:attrNameLst>
-                                      </p:cBhvr>
-                                      <p:rCtr x="7122" y="-5671"/>
-                                    </p:animMotion>
-                                  </p:childTnLst>
-                                </p:cTn>
-                              </p:par>
-                            </p:childTnLst>
-                          </p:cTn>
-                        </p:par>
-                        <p:par>
-                          <p:cTn id="19" fill="hold">
-                            <p:stCondLst>
-                              <p:cond delay="4000"/>
-                            </p:stCondLst>
-                            <p:childTnLst>
-                              <p:par>
-                                <p:cTn id="20" presetID="10" presetClass="exit" presetSubtype="0" fill="hold" nodeType="afterEffect">
+                                <p:cTn id="18" presetID="10" presetClass="exit" presetSubtype="0" fill="hold" nodeType="afterEffect">
                                   <p:stCondLst>
                                     <p:cond delay="0"/>
                                   </p:stCondLst>
                                   <p:childTnLst>
                                     <p:animEffect transition="out" filter="fade">
                                       <p:cBhvr>
-                                        <p:cTn id="21" dur="500"/>
+                                        <p:cTn id="19" dur="500"/>
                                         <p:tgtEl>
-                                          <p:spTgt spid="17"/>
+                                          <p:spTgt spid="52"/>
                                         </p:tgtEl>
                                       </p:cBhvr>
                                     </p:animEffect>
                                     <p:set>
                                       <p:cBhvr>
-                                        <p:cTn id="22" dur="1" fill="hold">
+                                        <p:cTn id="20" dur="1" fill="hold">
                                           <p:stCondLst>
                                             <p:cond delay="499"/>
                                           </p:stCondLst>
                                         </p:cTn>
                                         <p:tgtEl>
-                                          <p:spTgt spid="17"/>
+                                          <p:spTgt spid="52"/>
                                         </p:tgtEl>
                                         <p:attrNameLst>
                                           <p:attrName>style.visibility</p:attrName>
@@ -38433,20 +38875,20 @@
                           </p:cTn>
                         </p:par>
                         <p:par>
-                          <p:cTn id="23" fill="hold">
+                          <p:cTn id="21" fill="hold">
                             <p:stCondLst>
-                              <p:cond delay="4500"/>
+                              <p:cond delay="3000"/>
                             </p:stCondLst>
                             <p:childTnLst>
                               <p:par>
-                                <p:cTn id="24" presetID="10" presetClass="entr" presetSubtype="0" fill="hold" grpId="0" nodeType="afterEffect">
+                                <p:cTn id="22" presetID="10" presetClass="entr" presetSubtype="0" fill="hold" grpId="0" nodeType="afterEffect">
                                   <p:stCondLst>
                                     <p:cond delay="0"/>
                                   </p:stCondLst>
                                   <p:childTnLst>
                                     <p:set>
                                       <p:cBhvr>
-                                        <p:cTn id="25" dur="1" fill="hold">
+                                        <p:cTn id="23" dur="1" fill="hold">
                                           <p:stCondLst>
                                             <p:cond delay="0"/>
                                           </p:stCondLst>
@@ -38464,7 +38906,7 @@
                                     </p:set>
                                     <p:animEffect transition="in" filter="fade">
                                       <p:cBhvr>
-                                        <p:cTn id="26" dur="500"/>
+                                        <p:cTn id="24" dur="500"/>
                                         <p:tgtEl>
                                           <p:spTgt spid="9"/>
                                         </p:tgtEl>
@@ -38474,14 +38916,14 @@
                                 </p:cTn>
                               </p:par>
                               <p:par>
-                                <p:cTn id="27" presetID="10" presetClass="entr" presetSubtype="0" fill="hold" nodeType="withEffect">
+                                <p:cTn id="25" presetID="10" presetClass="entr" presetSubtype="0" fill="hold" nodeType="withEffect">
                                   <p:stCondLst>
                                     <p:cond delay="0"/>
                                   </p:stCondLst>
                                   <p:childTnLst>
                                     <p:set>
                                       <p:cBhvr>
-                                        <p:cTn id="28" dur="1" fill="hold">
+                                        <p:cTn id="26" dur="1" fill="hold">
                                           <p:stCondLst>
                                             <p:cond delay="0"/>
                                           </p:stCondLst>
@@ -38499,7 +38941,7 @@
                                     </p:set>
                                     <p:animEffect transition="in" filter="fade">
                                       <p:cBhvr>
-                                        <p:cTn id="29" dur="500"/>
+                                        <p:cTn id="27" dur="500"/>
                                         <p:tgtEl>
                                           <p:spTgt spid="4"/>
                                         </p:tgtEl>
@@ -38509,14 +38951,14 @@
                                 </p:cTn>
                               </p:par>
                               <p:par>
-                                <p:cTn id="30" presetID="10" presetClass="exit" presetSubtype="0" fill="hold" grpId="0" nodeType="withEffect">
+                                <p:cTn id="28" presetID="10" presetClass="exit" presetSubtype="0" fill="hold" grpId="0" nodeType="withEffect">
                                   <p:stCondLst>
                                     <p:cond delay="0"/>
                                   </p:stCondLst>
                                   <p:childTnLst>
                                     <p:animEffect transition="out" filter="fade">
                                       <p:cBhvr>
-                                        <p:cTn id="31" dur="500"/>
+                                        <p:cTn id="29" dur="500"/>
                                         <p:tgtEl>
                                           <p:spTgt spid="5"/>
                                         </p:tgtEl>
@@ -38524,7 +38966,7 @@
                                     </p:animEffect>
                                     <p:set>
                                       <p:cBhvr>
-                                        <p:cTn id="32" dur="1" fill="hold">
+                                        <p:cTn id="30" dur="1" fill="hold">
                                           <p:stCondLst>
                                             <p:cond delay="499"/>
                                           </p:stCondLst>
@@ -38547,20 +38989,20 @@
                           </p:cTn>
                         </p:par>
                         <p:par>
-                          <p:cTn id="33" fill="hold">
+                          <p:cTn id="31" fill="hold">
                             <p:stCondLst>
-                              <p:cond delay="5000"/>
+                              <p:cond delay="3500"/>
                             </p:stCondLst>
                             <p:childTnLst>
                               <p:par>
-                                <p:cTn id="34" presetID="42" presetClass="path" presetSubtype="0" accel="50000" decel="50000" fill="hold" nodeType="afterEffect">
+                                <p:cTn id="32" presetID="42" presetClass="path" presetSubtype="0" accel="50000" decel="50000" fill="hold" nodeType="afterEffect">
                                   <p:stCondLst>
                                     <p:cond delay="0"/>
                                   </p:stCondLst>
                                   <p:childTnLst>
                                     <p:animMotion origin="layout" path="M -3.95833E-6 -4.81481E-6 L -0.18125 0.15231 " pathEditMode="relative" rAng="0" ptsTypes="AA">
                                       <p:cBhvr>
-                                        <p:cTn id="35" dur="2000" fill="hold"/>
+                                        <p:cTn id="33" dur="2000" fill="hold"/>
                                         <p:tgtEl>
                                           <p:spTgt spid="4"/>
                                         </p:tgtEl>
@@ -38578,20 +39020,20 @@
                           </p:cTn>
                         </p:par>
                         <p:par>
-                          <p:cTn id="36" fill="hold">
+                          <p:cTn id="34" fill="hold">
                             <p:stCondLst>
-                              <p:cond delay="7000"/>
+                              <p:cond delay="5500"/>
                             </p:stCondLst>
                             <p:childTnLst>
                               <p:par>
-                                <p:cTn id="37" presetID="10" presetClass="exit" presetSubtype="0" fill="hold" nodeType="afterEffect">
+                                <p:cTn id="35" presetID="10" presetClass="exit" presetSubtype="0" fill="hold" nodeType="afterEffect">
                                   <p:stCondLst>
                                     <p:cond delay="0"/>
                                   </p:stCondLst>
                                   <p:childTnLst>
                                     <p:animEffect transition="out" filter="fade">
                                       <p:cBhvr>
-                                        <p:cTn id="38" dur="500"/>
+                                        <p:cTn id="36" dur="500"/>
                                         <p:tgtEl>
                                           <p:spTgt spid="4"/>
                                         </p:tgtEl>
@@ -38599,7 +39041,7 @@
                                     </p:animEffect>
                                     <p:set>
                                       <p:cBhvr>
-                                        <p:cTn id="39" dur="1" fill="hold">
+                                        <p:cTn id="37" dur="1" fill="hold">
                                           <p:stCondLst>
                                             <p:cond delay="499"/>
                                           </p:stCondLst>
@@ -38622,20 +39064,20 @@
                           </p:cTn>
                         </p:par>
                         <p:par>
-                          <p:cTn id="40" fill="hold">
+                          <p:cTn id="38" fill="hold">
                             <p:stCondLst>
-                              <p:cond delay="7500"/>
+                              <p:cond delay="6000"/>
                             </p:stCondLst>
                             <p:childTnLst>
                               <p:par>
-                                <p:cTn id="41" presetID="10" presetClass="exit" presetSubtype="0" fill="hold" nodeType="afterEffect">
+                                <p:cTn id="39" presetID="10" presetClass="exit" presetSubtype="0" fill="hold" nodeType="afterEffect">
                                   <p:stCondLst>
                                     <p:cond delay="0"/>
                                   </p:stCondLst>
                                   <p:childTnLst>
                                     <p:animEffect transition="out" filter="fade">
                                       <p:cBhvr>
-                                        <p:cTn id="42" dur="500"/>
+                                        <p:cTn id="40" dur="500"/>
                                         <p:tgtEl>
                                           <p:spTgt spid="6"/>
                                         </p:tgtEl>
@@ -38643,7 +39085,7 @@
                                     </p:animEffect>
                                     <p:set>
                                       <p:cBhvr>
-                                        <p:cTn id="43" dur="1" fill="hold">
+                                        <p:cTn id="41" dur="1" fill="hold">
                                           <p:stCondLst>
                                             <p:cond delay="499"/>
                                           </p:stCondLst>
@@ -38669,26 +39111,26 @@
                     </p:cTn>
                   </p:par>
                   <p:par>
-                    <p:cTn id="44" fill="hold">
+                    <p:cTn id="42" fill="hold">
                       <p:stCondLst>
                         <p:cond delay="indefinite"/>
                       </p:stCondLst>
                       <p:childTnLst>
                         <p:par>
-                          <p:cTn id="45" fill="hold">
+                          <p:cTn id="43" fill="hold">
                             <p:stCondLst>
                               <p:cond delay="0"/>
                             </p:stCondLst>
                             <p:childTnLst>
                               <p:par>
-                                <p:cTn id="46" presetID="10" presetClass="entr" presetSubtype="0" fill="hold" nodeType="clickEffect">
+                                <p:cTn id="44" presetID="10" presetClass="entr" presetSubtype="0" fill="hold" nodeType="clickEffect">
                                   <p:stCondLst>
                                     <p:cond delay="0"/>
                                   </p:stCondLst>
                                   <p:childTnLst>
                                     <p:set>
                                       <p:cBhvr>
-                                        <p:cTn id="47" dur="1" fill="hold">
+                                        <p:cTn id="45" dur="1" fill="hold">
                                           <p:stCondLst>
                                             <p:cond delay="0"/>
                                           </p:stCondLst>
@@ -38710,7 +39152,7 @@
                                     </p:set>
                                     <p:animEffect transition="in" filter="fade">
                                       <p:cBhvr>
-                                        <p:cTn id="48" dur="500"/>
+                                        <p:cTn id="46" dur="500"/>
                                         <p:tgtEl>
                                           <p:spTgt spid="8">
                                             <p:txEl>
@@ -38727,20 +39169,20 @@
                           </p:cTn>
                         </p:par>
                         <p:par>
-                          <p:cTn id="49" fill="hold">
+                          <p:cTn id="47" fill="hold">
                             <p:stCondLst>
                               <p:cond delay="500"/>
                             </p:stCondLst>
                             <p:childTnLst>
                               <p:par>
-                                <p:cTn id="50" presetID="10" presetClass="entr" presetSubtype="0" fill="hold" nodeType="afterEffect">
+                                <p:cTn id="48" presetID="10" presetClass="entr" presetSubtype="0" fill="hold" nodeType="afterEffect">
                                   <p:stCondLst>
                                     <p:cond delay="0"/>
                                   </p:stCondLst>
                                   <p:childTnLst>
                                     <p:set>
                                       <p:cBhvr>
-                                        <p:cTn id="51" dur="1" fill="hold">
+                                        <p:cTn id="49" dur="1" fill="hold">
                                           <p:stCondLst>
                                             <p:cond delay="0"/>
                                           </p:stCondLst>
@@ -38758,7 +39200,7 @@
                                     </p:set>
                                     <p:animEffect transition="in" filter="fade">
                                       <p:cBhvr>
-                                        <p:cTn id="52" dur="500"/>
+                                        <p:cTn id="50" dur="500"/>
                                         <p:tgtEl>
                                           <p:spTgt spid="22"/>
                                         </p:tgtEl>
@@ -38768,14 +39210,14 @@
                                 </p:cTn>
                               </p:par>
                               <p:par>
-                                <p:cTn id="53" presetID="10" presetClass="entr" presetSubtype="0" fill="hold" nodeType="withEffect">
+                                <p:cTn id="51" presetID="10" presetClass="entr" presetSubtype="0" fill="hold" nodeType="withEffect">
                                   <p:stCondLst>
                                     <p:cond delay="0"/>
                                   </p:stCondLst>
                                   <p:childTnLst>
                                     <p:set>
                                       <p:cBhvr>
-                                        <p:cTn id="54" dur="1" fill="hold">
+                                        <p:cTn id="52" dur="1" fill="hold">
                                           <p:stCondLst>
                                             <p:cond delay="0"/>
                                           </p:stCondLst>
@@ -38793,7 +39235,7 @@
                                     </p:set>
                                     <p:animEffect transition="in" filter="fade">
                                       <p:cBhvr>
-                                        <p:cTn id="55" dur="500"/>
+                                        <p:cTn id="53" dur="500"/>
                                         <p:tgtEl>
                                           <p:spTgt spid="36"/>
                                         </p:tgtEl>
@@ -38803,14 +39245,14 @@
                                 </p:cTn>
                               </p:par>
                               <p:par>
-                                <p:cTn id="56" presetID="10" presetClass="entr" presetSubtype="0" fill="hold" nodeType="withEffect">
+                                <p:cTn id="54" presetID="10" presetClass="entr" presetSubtype="0" fill="hold" nodeType="withEffect">
                                   <p:stCondLst>
                                     <p:cond delay="0"/>
                                   </p:stCondLst>
                                   <p:childTnLst>
                                     <p:set>
                                       <p:cBhvr>
-                                        <p:cTn id="57" dur="1" fill="hold">
+                                        <p:cTn id="55" dur="1" fill="hold">
                                           <p:stCondLst>
                                             <p:cond delay="0"/>
                                           </p:stCondLst>
@@ -38828,7 +39270,7 @@
                                     </p:set>
                                     <p:animEffect transition="in" filter="fade">
                                       <p:cBhvr>
-                                        <p:cTn id="58" dur="500"/>
+                                        <p:cTn id="56" dur="500"/>
                                         <p:tgtEl>
                                           <p:spTgt spid="25"/>
                                         </p:tgtEl>
@@ -38841,26 +39283,26 @@
                           </p:cTn>
                         </p:par>
                         <p:par>
-                          <p:cTn id="59" fill="hold">
+                          <p:cTn id="57" fill="hold">
                             <p:stCondLst>
                               <p:cond delay="1000"/>
                             </p:stCondLst>
                             <p:childTnLst>
                               <p:par>
-                                <p:cTn id="60" presetID="10" presetClass="entr" presetSubtype="0" fill="hold" nodeType="afterEffect">
+                                <p:cTn id="58" presetID="10" presetClass="entr" presetSubtype="0" fill="hold" nodeType="afterEffect">
                                   <p:stCondLst>
                                     <p:cond delay="0"/>
                                   </p:stCondLst>
                                   <p:childTnLst>
                                     <p:set>
                                       <p:cBhvr>
-                                        <p:cTn id="61" dur="1" fill="hold">
+                                        <p:cTn id="59" dur="1" fill="hold">
                                           <p:stCondLst>
                                             <p:cond delay="0"/>
                                           </p:stCondLst>
                                         </p:cTn>
                                         <p:tgtEl>
-                                          <p:spTgt spid="21"/>
+                                          <p:spTgt spid="51"/>
                                         </p:tgtEl>
                                         <p:attrNameLst>
                                           <p:attrName>style.visibility</p:attrName>
@@ -38872,9 +39314,9 @@
                                     </p:set>
                                     <p:animEffect transition="in" filter="fade">
                                       <p:cBhvr>
-                                        <p:cTn id="62" dur="500"/>
+                                        <p:cTn id="60" dur="500"/>
                                         <p:tgtEl>
-                                          <p:spTgt spid="21"/>
+                                          <p:spTgt spid="51"/>
                                         </p:tgtEl>
                                       </p:cBhvr>
                                     </p:animEffect>
@@ -38882,20 +39324,20 @@
                                 </p:cTn>
                               </p:par>
                               <p:par>
-                                <p:cTn id="63" presetID="10" presetClass="entr" presetSubtype="0" fill="hold" nodeType="withEffect">
+                                <p:cTn id="61" presetID="10" presetClass="entr" presetSubtype="0" fill="hold" nodeType="withEffect">
                                   <p:stCondLst>
                                     <p:cond delay="0"/>
                                   </p:stCondLst>
                                   <p:childTnLst>
                                     <p:set>
                                       <p:cBhvr>
-                                        <p:cTn id="64" dur="1" fill="hold">
+                                        <p:cTn id="62" dur="1" fill="hold">
                                           <p:stCondLst>
                                             <p:cond delay="0"/>
                                           </p:stCondLst>
                                         </p:cTn>
                                         <p:tgtEl>
-                                          <p:spTgt spid="24"/>
+                                          <p:spTgt spid="58"/>
                                         </p:tgtEl>
                                         <p:attrNameLst>
                                           <p:attrName>style.visibility</p:attrName>
@@ -38907,9 +39349,9 @@
                                     </p:set>
                                     <p:animEffect transition="in" filter="fade">
                                       <p:cBhvr>
-                                        <p:cTn id="65" dur="500"/>
+                                        <p:cTn id="63" dur="500"/>
                                         <p:tgtEl>
-                                          <p:spTgt spid="24"/>
+                                          <p:spTgt spid="58"/>
                                         </p:tgtEl>
                                       </p:cBhvr>
                                     </p:animEffect>
@@ -38917,20 +39359,20 @@
                                 </p:cTn>
                               </p:par>
                               <p:par>
-                                <p:cTn id="66" presetID="10" presetClass="entr" presetSubtype="0" fill="hold" nodeType="withEffect">
+                                <p:cTn id="64" presetID="10" presetClass="entr" presetSubtype="0" fill="hold" nodeType="withEffect">
                                   <p:stCondLst>
                                     <p:cond delay="0"/>
                                   </p:stCondLst>
                                   <p:childTnLst>
                                     <p:set>
                                       <p:cBhvr>
-                                        <p:cTn id="67" dur="1" fill="hold">
+                                        <p:cTn id="65" dur="1" fill="hold">
                                           <p:stCondLst>
                                             <p:cond delay="0"/>
                                           </p:stCondLst>
                                         </p:cTn>
                                         <p:tgtEl>
-                                          <p:spTgt spid="27"/>
+                                          <p:spTgt spid="55"/>
                                         </p:tgtEl>
                                         <p:attrNameLst>
                                           <p:attrName>style.visibility</p:attrName>
@@ -38942,9 +39384,9 @@
                                     </p:set>
                                     <p:animEffect transition="in" filter="fade">
                                       <p:cBhvr>
-                                        <p:cTn id="68" dur="500"/>
+                                        <p:cTn id="66" dur="500"/>
                                         <p:tgtEl>
-                                          <p:spTgt spid="27"/>
+                                          <p:spTgt spid="55"/>
                                         </p:tgtEl>
                                       </p:cBhvr>
                                     </p:animEffect>
@@ -38955,29 +39397,51 @@
                           </p:cTn>
                         </p:par>
                         <p:par>
-                          <p:cTn id="69" fill="hold">
+                          <p:cTn id="67" fill="hold">
                             <p:stCondLst>
                               <p:cond delay="1500"/>
                             </p:stCondLst>
                             <p:childTnLst>
                               <p:par>
-                                <p:cTn id="70" presetID="42" presetClass="path" presetSubtype="0" accel="50000" decel="50000" fill="hold" nodeType="afterEffect">
+                                <p:cTn id="68" presetID="42" presetClass="path" presetSubtype="0" accel="50000" decel="50000" fill="hold" nodeType="afterEffect">
                                   <p:stCondLst>
                                     <p:cond delay="0"/>
                                   </p:stCondLst>
                                   <p:childTnLst>
-                                    <p:animMotion origin="layout" path="M 1.25E-6 1.85185E-6 L -0.22357 0.01157 " pathEditMode="relative" rAng="0" ptsTypes="AA">
+                                    <p:animMotion origin="layout" path="M -2.5E-6 4.44444E-6 L -0.22031 -0.00741 " pathEditMode="relative" rAng="0" ptsTypes="AA">
                                       <p:cBhvr>
-                                        <p:cTn id="71" dur="2000" fill="hold"/>
+                                        <p:cTn id="69" dur="2000" fill="hold"/>
                                         <p:tgtEl>
-                                          <p:spTgt spid="21"/>
+                                          <p:spTgt spid="51"/>
                                         </p:tgtEl>
                                         <p:attrNameLst>
                                           <p:attrName>ppt_x</p:attrName>
                                           <p:attrName>ppt_y</p:attrName>
                                         </p:attrNameLst>
                                       </p:cBhvr>
-                                      <p:rCtr x="-11185" y="579"/>
+                                      <p:rCtr x="-10807" y="509"/>
+                                    </p:animMotion>
+                                  </p:childTnLst>
+                                </p:cTn>
+                              </p:par>
+                              <p:par>
+                                <p:cTn id="70" presetID="42" presetClass="path" presetSubtype="0" accel="50000" decel="50000" fill="hold" nodeType="withEffect">
+                                  <p:stCondLst>
+                                    <p:cond delay="0"/>
+                                  </p:stCondLst>
+                                  <p:childTnLst>
+                                    <p:animMotion origin="layout" path="M 2.08333E-6 -2.96296E-6 L -0.00833 -0.27685 " pathEditMode="relative" rAng="0" ptsTypes="AA">
+                                      <p:cBhvr>
+                                        <p:cTn id="71" dur="2000" fill="hold"/>
+                                        <p:tgtEl>
+                                          <p:spTgt spid="55"/>
+                                        </p:tgtEl>
+                                        <p:attrNameLst>
+                                          <p:attrName>ppt_x</p:attrName>
+                                          <p:attrName>ppt_y</p:attrName>
+                                        </p:attrNameLst>
+                                      </p:cBhvr>
+                                      <p:rCtr x="0" y="-13634"/>
                                     </p:animMotion>
                                   </p:childTnLst>
                                 </p:cTn>
@@ -38988,40 +39452,18 @@
                                     <p:cond delay="0"/>
                                   </p:stCondLst>
                                   <p:childTnLst>
-                                    <p:animMotion origin="layout" path="M -1.25E-6 -7.40741E-7 L -1.25E-6 -0.22361 " pathEditMode="relative" rAng="0" ptsTypes="AA">
+                                    <p:animMotion origin="layout" path="M 4.79167E-6 -2.96296E-6 L -0.11993 -0.18449 " pathEditMode="relative" rAng="0" ptsTypes="AA">
                                       <p:cBhvr>
                                         <p:cTn id="73" dur="2000" fill="hold"/>
                                         <p:tgtEl>
-                                          <p:spTgt spid="24"/>
+                                          <p:spTgt spid="58"/>
                                         </p:tgtEl>
                                         <p:attrNameLst>
                                           <p:attrName>ppt_x</p:attrName>
                                           <p:attrName>ppt_y</p:attrName>
                                         </p:attrNameLst>
                                       </p:cBhvr>
-                                      <p:rCtr x="0" y="-11181"/>
-                                    </p:animMotion>
-                                  </p:childTnLst>
-                                </p:cTn>
-                              </p:par>
-                              <p:par>
-                                <p:cTn id="74" presetID="42" presetClass="path" presetSubtype="0" accel="50000" decel="50000" fill="hold" nodeType="withEffect">
-                                  <p:stCondLst>
-                                    <p:cond delay="0"/>
-                                  </p:stCondLst>
-                                  <p:childTnLst>
-                                    <p:animMotion origin="layout" path="M 6.25E-7 -2.22222E-6 L -0.12669 -0.17407 " pathEditMode="relative" rAng="0" ptsTypes="AA">
-                                      <p:cBhvr>
-                                        <p:cTn id="75" dur="2000" fill="hold"/>
-                                        <p:tgtEl>
-                                          <p:spTgt spid="27"/>
-                                        </p:tgtEl>
-                                        <p:attrNameLst>
-                                          <p:attrName>ppt_x</p:attrName>
-                                          <p:attrName>ppt_y</p:attrName>
-                                        </p:attrNameLst>
-                                      </p:cBhvr>
-                                      <p:rCtr x="-6341" y="-8704"/>
+                                      <p:rCtr x="-6003" y="-9236"/>
                                     </p:animMotion>
                                   </p:childTnLst>
                                 </p:cTn>
@@ -39030,34 +39472,34 @@
                           </p:cTn>
                         </p:par>
                         <p:par>
-                          <p:cTn id="76" fill="hold">
+                          <p:cTn id="74" fill="hold">
                             <p:stCondLst>
                               <p:cond delay="3500"/>
                             </p:stCondLst>
                             <p:childTnLst>
                               <p:par>
-                                <p:cTn id="77" presetID="10" presetClass="exit" presetSubtype="0" fill="hold" nodeType="afterEffect">
+                                <p:cTn id="75" presetID="10" presetClass="exit" presetSubtype="0" fill="hold" nodeType="afterEffect">
                                   <p:stCondLst>
                                     <p:cond delay="0"/>
                                   </p:stCondLst>
                                   <p:childTnLst>
                                     <p:animEffect transition="out" filter="fade">
                                       <p:cBhvr>
-                                        <p:cTn id="78" dur="500"/>
+                                        <p:cTn id="76" dur="500"/>
                                         <p:tgtEl>
-                                          <p:spTgt spid="21"/>
+                                          <p:spTgt spid="51"/>
                                         </p:tgtEl>
                                       </p:cBhvr>
                                     </p:animEffect>
                                     <p:set>
                                       <p:cBhvr>
-                                        <p:cTn id="79" dur="1" fill="hold">
+                                        <p:cTn id="77" dur="1" fill="hold">
                                           <p:stCondLst>
                                             <p:cond delay="499"/>
                                           </p:stCondLst>
                                         </p:cTn>
                                         <p:tgtEl>
-                                          <p:spTgt spid="21"/>
+                                          <p:spTgt spid="51"/>
                                         </p:tgtEl>
                                         <p:attrNameLst>
                                           <p:attrName>style.visibility</p:attrName>
@@ -39071,28 +39513,28 @@
                                 </p:cTn>
                               </p:par>
                               <p:par>
-                                <p:cTn id="80" presetID="10" presetClass="exit" presetSubtype="0" fill="hold" nodeType="withEffect">
+                                <p:cTn id="78" presetID="10" presetClass="exit" presetSubtype="0" fill="hold" nodeType="withEffect">
                                   <p:stCondLst>
                                     <p:cond delay="0"/>
                                   </p:stCondLst>
                                   <p:childTnLst>
                                     <p:animEffect transition="out" filter="fade">
                                       <p:cBhvr>
-                                        <p:cTn id="81" dur="500"/>
+                                        <p:cTn id="79" dur="500"/>
                                         <p:tgtEl>
-                                          <p:spTgt spid="24"/>
+                                          <p:spTgt spid="55"/>
                                         </p:tgtEl>
                                       </p:cBhvr>
                                     </p:animEffect>
                                     <p:set>
                                       <p:cBhvr>
-                                        <p:cTn id="82" dur="1" fill="hold">
+                                        <p:cTn id="80" dur="1" fill="hold">
                                           <p:stCondLst>
                                             <p:cond delay="499"/>
                                           </p:stCondLst>
                                         </p:cTn>
                                         <p:tgtEl>
-                                          <p:spTgt spid="24"/>
+                                          <p:spTgt spid="55"/>
                                         </p:tgtEl>
                                         <p:attrNameLst>
                                           <p:attrName>style.visibility</p:attrName>
@@ -39106,28 +39548,28 @@
                                 </p:cTn>
                               </p:par>
                               <p:par>
-                                <p:cTn id="83" presetID="10" presetClass="exit" presetSubtype="0" fill="hold" nodeType="withEffect">
+                                <p:cTn id="81" presetID="10" presetClass="exit" presetSubtype="0" fill="hold" nodeType="withEffect">
                                   <p:stCondLst>
                                     <p:cond delay="0"/>
                                   </p:stCondLst>
                                   <p:childTnLst>
                                     <p:animEffect transition="out" filter="fade">
                                       <p:cBhvr>
-                                        <p:cTn id="84" dur="500"/>
+                                        <p:cTn id="82" dur="500"/>
                                         <p:tgtEl>
-                                          <p:spTgt spid="27"/>
+                                          <p:spTgt spid="58"/>
                                         </p:tgtEl>
                                       </p:cBhvr>
                                     </p:animEffect>
                                     <p:set>
                                       <p:cBhvr>
-                                        <p:cTn id="85" dur="1" fill="hold">
+                                        <p:cTn id="83" dur="1" fill="hold">
                                           <p:stCondLst>
                                             <p:cond delay="499"/>
                                           </p:stCondLst>
                                         </p:cTn>
                                         <p:tgtEl>
-                                          <p:spTgt spid="27"/>
+                                          <p:spTgt spid="58"/>
                                         </p:tgtEl>
                                         <p:attrNameLst>
                                           <p:attrName>style.visibility</p:attrName>
@@ -39144,20 +39586,20 @@
                           </p:cTn>
                         </p:par>
                         <p:par>
-                          <p:cTn id="86" fill="hold">
+                          <p:cTn id="84" fill="hold">
                             <p:stCondLst>
                               <p:cond delay="4000"/>
                             </p:stCondLst>
                             <p:childTnLst>
                               <p:par>
-                                <p:cTn id="87" presetID="10" presetClass="entr" presetSubtype="0" fill="hold" nodeType="afterEffect">
+                                <p:cTn id="85" presetID="10" presetClass="entr" presetSubtype="0" fill="hold" nodeType="afterEffect">
                                   <p:stCondLst>
                                     <p:cond delay="0"/>
                                   </p:stCondLst>
                                   <p:childTnLst>
                                     <p:set>
                                       <p:cBhvr>
-                                        <p:cTn id="88" dur="1" fill="hold">
+                                        <p:cTn id="86" dur="1" fill="hold">
                                           <p:stCondLst>
                                             <p:cond delay="0"/>
                                           </p:stCondLst>
@@ -39175,7 +39617,7 @@
                                     </p:set>
                                     <p:animEffect transition="in" filter="fade">
                                       <p:cBhvr>
-                                        <p:cTn id="89" dur="500"/>
+                                        <p:cTn id="87" dur="500"/>
                                         <p:tgtEl>
                                           <p:spTgt spid="23"/>
                                         </p:tgtEl>
@@ -39185,14 +39627,14 @@
                                 </p:cTn>
                               </p:par>
                               <p:par>
-                                <p:cTn id="90" presetID="10" presetClass="entr" presetSubtype="0" fill="hold" nodeType="withEffect">
+                                <p:cTn id="88" presetID="10" presetClass="entr" presetSubtype="0" fill="hold" nodeType="withEffect">
                                   <p:stCondLst>
                                     <p:cond delay="0"/>
                                   </p:stCondLst>
                                   <p:childTnLst>
                                     <p:set>
                                       <p:cBhvr>
-                                        <p:cTn id="91" dur="1" fill="hold">
+                                        <p:cTn id="89" dur="1" fill="hold">
                                           <p:stCondLst>
                                             <p:cond delay="0"/>
                                           </p:stCondLst>
@@ -39210,7 +39652,7 @@
                                     </p:set>
                                     <p:animEffect transition="in" filter="fade">
                                       <p:cBhvr>
-                                        <p:cTn id="92" dur="500"/>
+                                        <p:cTn id="90" dur="500"/>
                                         <p:tgtEl>
                                           <p:spTgt spid="26"/>
                                         </p:tgtEl>
@@ -39220,14 +39662,14 @@
                                 </p:cTn>
                               </p:par>
                               <p:par>
-                                <p:cTn id="93" presetID="10" presetClass="entr" presetSubtype="0" fill="hold" nodeType="withEffect">
+                                <p:cTn id="91" presetID="10" presetClass="entr" presetSubtype="0" fill="hold" nodeType="withEffect">
                                   <p:stCondLst>
                                     <p:cond delay="0"/>
                                   </p:stCondLst>
                                   <p:childTnLst>
                                     <p:set>
                                       <p:cBhvr>
-                                        <p:cTn id="94" dur="1" fill="hold">
+                                        <p:cTn id="92" dur="1" fill="hold">
                                           <p:stCondLst>
                                             <p:cond delay="0"/>
                                           </p:stCondLst>
@@ -39245,7 +39687,7 @@
                                     </p:set>
                                     <p:animEffect transition="in" filter="fade">
                                       <p:cBhvr>
-                                        <p:cTn id="95" dur="500"/>
+                                        <p:cTn id="93" dur="500"/>
                                         <p:tgtEl>
                                           <p:spTgt spid="28"/>
                                         </p:tgtEl>
@@ -39258,20 +39700,20 @@
                           </p:cTn>
                         </p:par>
                         <p:par>
-                          <p:cTn id="96" fill="hold">
+                          <p:cTn id="94" fill="hold">
                             <p:stCondLst>
                               <p:cond delay="4500"/>
                             </p:stCondLst>
                             <p:childTnLst>
                               <p:par>
-                                <p:cTn id="97" presetID="42" presetClass="path" presetSubtype="0" accel="50000" decel="50000" fill="hold" nodeType="afterEffect">
+                                <p:cTn id="95" presetID="42" presetClass="path" presetSubtype="0" accel="50000" decel="50000" fill="hold" nodeType="afterEffect">
                                   <p:stCondLst>
                                     <p:cond delay="0"/>
                                   </p:stCondLst>
                                   <p:childTnLst>
                                     <p:animMotion origin="layout" path="M 5E-6 -3.7037E-7 L 0.22357 -0.01157 " pathEditMode="relative" rAng="0" ptsTypes="AA">
                                       <p:cBhvr>
-                                        <p:cTn id="98" dur="2000" fill="hold"/>
+                                        <p:cTn id="96" dur="2000" fill="hold"/>
                                         <p:tgtEl>
                                           <p:spTgt spid="23"/>
                                         </p:tgtEl>
@@ -39286,14 +39728,14 @@
                                 </p:cTn>
                               </p:par>
                               <p:par>
-                                <p:cTn id="99" presetID="42" presetClass="path" presetSubtype="0" accel="50000" decel="50000" fill="hold" nodeType="withEffect">
+                                <p:cTn id="97" presetID="42" presetClass="path" presetSubtype="0" accel="50000" decel="50000" fill="hold" nodeType="withEffect">
                                   <p:stCondLst>
                                     <p:cond delay="0"/>
                                   </p:stCondLst>
                                   <p:childTnLst>
                                     <p:animMotion origin="layout" path="M 2.08333E-7 -3.33333E-6 L 2.08333E-7 0.22361 " pathEditMode="relative" rAng="0" ptsTypes="AA">
                                       <p:cBhvr>
-                                        <p:cTn id="100" dur="2000" fill="hold"/>
+                                        <p:cTn id="98" dur="2000" fill="hold"/>
                                         <p:tgtEl>
                                           <p:spTgt spid="26"/>
                                         </p:tgtEl>
@@ -39308,14 +39750,14 @@
                                 </p:cTn>
                               </p:par>
                               <p:par>
-                                <p:cTn id="101" presetID="42" presetClass="path" presetSubtype="0" accel="50000" decel="50000" fill="hold" nodeType="withEffect">
+                                <p:cTn id="99" presetID="42" presetClass="path" presetSubtype="0" accel="50000" decel="50000" fill="hold" nodeType="withEffect">
                                   <p:stCondLst>
                                     <p:cond delay="0"/>
                                   </p:stCondLst>
                                   <p:childTnLst>
                                     <p:animMotion origin="layout" path="M 1.66667E-6 4.07407E-6 L 0.12669 0.17407 " pathEditMode="relative" rAng="0" ptsTypes="AA">
                                       <p:cBhvr>
-                                        <p:cTn id="102" dur="2000" fill="hold"/>
+                                        <p:cTn id="100" dur="2000" fill="hold"/>
                                         <p:tgtEl>
                                           <p:spTgt spid="28"/>
                                         </p:tgtEl>
@@ -39333,20 +39775,20 @@
                           </p:cTn>
                         </p:par>
                         <p:par>
-                          <p:cTn id="103" fill="hold">
+                          <p:cTn id="101" fill="hold">
                             <p:stCondLst>
                               <p:cond delay="6500"/>
                             </p:stCondLst>
                             <p:childTnLst>
                               <p:par>
-                                <p:cTn id="104" presetID="10" presetClass="exit" presetSubtype="0" fill="hold" nodeType="afterEffect">
+                                <p:cTn id="102" presetID="10" presetClass="exit" presetSubtype="0" fill="hold" nodeType="afterEffect">
                                   <p:stCondLst>
                                     <p:cond delay="0"/>
                                   </p:stCondLst>
                                   <p:childTnLst>
                                     <p:animEffect transition="out" filter="fade">
                                       <p:cBhvr>
-                                        <p:cTn id="105" dur="500"/>
+                                        <p:cTn id="103" dur="500"/>
                                         <p:tgtEl>
                                           <p:spTgt spid="23"/>
                                         </p:tgtEl>
@@ -39354,7 +39796,7 @@
                                     </p:animEffect>
                                     <p:set>
                                       <p:cBhvr>
-                                        <p:cTn id="106" dur="1" fill="hold">
+                                        <p:cTn id="104" dur="1" fill="hold">
                                           <p:stCondLst>
                                             <p:cond delay="499"/>
                                           </p:stCondLst>
@@ -39374,14 +39816,14 @@
                                 </p:cTn>
                               </p:par>
                               <p:par>
-                                <p:cTn id="107" presetID="10" presetClass="exit" presetSubtype="0" fill="hold" nodeType="withEffect">
+                                <p:cTn id="105" presetID="10" presetClass="exit" presetSubtype="0" fill="hold" nodeType="withEffect">
                                   <p:stCondLst>
                                     <p:cond delay="0"/>
                                   </p:stCondLst>
                                   <p:childTnLst>
                                     <p:animEffect transition="out" filter="fade">
                                       <p:cBhvr>
-                                        <p:cTn id="108" dur="500"/>
+                                        <p:cTn id="106" dur="500"/>
                                         <p:tgtEl>
                                           <p:spTgt spid="26"/>
                                         </p:tgtEl>
@@ -39389,7 +39831,7 @@
                                     </p:animEffect>
                                     <p:set>
                                       <p:cBhvr>
-                                        <p:cTn id="109" dur="1" fill="hold">
+                                        <p:cTn id="107" dur="1" fill="hold">
                                           <p:stCondLst>
                                             <p:cond delay="499"/>
                                           </p:stCondLst>
@@ -39409,14 +39851,14 @@
                                 </p:cTn>
                               </p:par>
                               <p:par>
-                                <p:cTn id="110" presetID="10" presetClass="exit" presetSubtype="0" fill="hold" nodeType="withEffect">
+                                <p:cTn id="108" presetID="10" presetClass="exit" presetSubtype="0" fill="hold" nodeType="withEffect">
                                   <p:stCondLst>
                                     <p:cond delay="0"/>
                                   </p:stCondLst>
                                   <p:childTnLst>
                                     <p:animEffect transition="out" filter="fade">
                                       <p:cBhvr>
-                                        <p:cTn id="111" dur="500"/>
+                                        <p:cTn id="109" dur="500"/>
                                         <p:tgtEl>
                                           <p:spTgt spid="28"/>
                                         </p:tgtEl>
@@ -39424,7 +39866,7 @@
                                     </p:animEffect>
                                     <p:set>
                                       <p:cBhvr>
-                                        <p:cTn id="112" dur="1" fill="hold">
+                                        <p:cTn id="110" dur="1" fill="hold">
                                           <p:stCondLst>
                                             <p:cond delay="499"/>
                                           </p:stCondLst>
@@ -45820,18 +46262,18 @@
               <a:buAutoNum type="arabicPeriod"/>
             </a:pPr>
             <a:r>
-              <a:rPr lang="en-GB" sz="2800"/>
+              <a:rPr lang="en-GB" sz="2800" dirty="0"/>
               <a:t>All packets are acknowledged to detect network </a:t>
             </a:r>
             <a:r>
-              <a:rPr lang="en-GB" sz="2800">
+              <a:rPr lang="en-GB" sz="2800" dirty="0">
                 <a:latin typeface="Calibri"/>
                 <a:ea typeface="Calibri"/>
                 <a:cs typeface="Calibri"/>
               </a:rPr>
               <a:t>faults</a:t>
             </a:r>
-            <a:endParaRPr lang="it-IT">
+            <a:endParaRPr lang="it-IT" dirty="0">
               <a:ea typeface="Calibri" panose="020F0502020204030204"/>
               <a:cs typeface="Calibri" panose="020F0502020204030204"/>
             </a:endParaRPr>
@@ -45841,10 +46283,10 @@
               <a:buAutoNum type="arabicPeriod"/>
             </a:pPr>
             <a:r>
-              <a:rPr lang="en-GB" sz="2800">
+              <a:rPr lang="en-GB" sz="2800" dirty="0">
                 <a:cs typeface="Calibri"/>
               </a:rPr>
-              <a:t>All packets sent during faults are enqueued</a:t>
+              <a:t>All packets sent during network faults are enqueued</a:t>
             </a:r>
           </a:p>
           <a:p>
@@ -45852,12 +46294,12 @@
               <a:buAutoNum type="arabicPeriod"/>
             </a:pPr>
             <a:r>
-              <a:rPr lang="en-GB" sz="2800">
+              <a:rPr lang="en-GB" sz="2800" dirty="0">
                 <a:cs typeface="Calibri"/>
               </a:rPr>
               <a:t>Automatically retry to reconnect</a:t>
             </a:r>
-            <a:endParaRPr lang="en-US" sz="2800">
+            <a:endParaRPr lang="en-US" sz="2800" dirty="0">
               <a:cs typeface="Calibri"/>
             </a:endParaRPr>
           </a:p>
@@ -45866,7 +46308,7 @@
               <a:buAutoNum type="arabicPeriod"/>
             </a:pPr>
             <a:r>
-              <a:rPr lang="en-GB" sz="2800">
+              <a:rPr lang="en-GB" sz="2800" dirty="0">
                 <a:cs typeface="Calibri"/>
               </a:rPr>
               <a:t>When reconnected, send enqueued packets</a:t>
@@ -45876,7 +46318,7 @@
             <a:pPr marL="514350" indent="-514350">
               <a:buAutoNum type="arabicPeriod"/>
             </a:pPr>
-            <a:endParaRPr lang="en-GB" sz="2800">
+            <a:endParaRPr lang="en-GB" sz="2800" dirty="0">
               <a:cs typeface="Calibri"/>
             </a:endParaRPr>
           </a:p>
@@ -45885,10 +46327,10 @@
               <a:buFont typeface="Arial" panose="020B0604020202020204" pitchFamily="34" charset="0"/>
               <a:buChar char="•"/>
             </a:pPr>
-            <a:endParaRPr lang="en-GB" sz="2800"/>
-          </a:p>
-          <a:p>
-            <a:endParaRPr lang="en-GB" sz="2800"/>
+            <a:endParaRPr lang="en-GB" sz="2800" dirty="0"/>
+          </a:p>
+          <a:p>
+            <a:endParaRPr lang="en-GB" sz="2800" dirty="0"/>
           </a:p>
         </p:txBody>
       </p:sp>
@@ -46200,7 +46642,7 @@
               <a:buChar char="•"/>
             </a:pPr>
             <a:r>
-              <a:rPr lang="en-GB" sz="2400"/>
+              <a:rPr lang="en-GB" sz="2400" dirty="0"/>
               <a:t>Order between messages and replies is preserved</a:t>
             </a:r>
           </a:p>
@@ -46210,10 +46652,10 @@
               <a:buChar char="•"/>
             </a:pPr>
             <a:r>
-              <a:rPr lang="en-GB" sz="2400"/>
+              <a:rPr lang="en-GB" sz="2400" dirty="0"/>
               <a:t>Increment personal clock only when sending a message</a:t>
             </a:r>
-            <a:endParaRPr lang="en-GB" sz="2400">
+            <a:endParaRPr lang="en-GB" sz="2400" dirty="0">
               <a:ea typeface="Calibri"/>
               <a:cs typeface="Calibri"/>
             </a:endParaRPr>
@@ -46224,10 +46666,10 @@
               <a:buChar char="•"/>
             </a:pPr>
             <a:r>
-              <a:rPr lang="en-GB" sz="2400"/>
+              <a:rPr lang="en-GB" sz="2400" dirty="0"/>
               <a:t>On message reception check the clocks</a:t>
             </a:r>
-            <a:endParaRPr lang="en-GB" sz="2400">
+            <a:endParaRPr lang="en-GB" sz="2400" dirty="0">
               <a:ea typeface="Calibri"/>
               <a:cs typeface="Calibri"/>
             </a:endParaRPr>
@@ -46238,7 +46680,7 @@
               <a:buChar char="•"/>
             </a:pPr>
             <a:r>
-              <a:rPr lang="en-GB" sz="2400">
+              <a:rPr lang="en-GB" sz="2400" dirty="0">
                 <a:ea typeface="Calibri"/>
                 <a:cs typeface="Calibri"/>
               </a:rPr>
@@ -46251,28 +46693,28 @@
               <a:buChar char="•"/>
             </a:pPr>
             <a:r>
-              <a:rPr lang="en-GB" sz="2400" err="1">
+              <a:rPr lang="en-GB" sz="2400" dirty="0" err="1">
                 <a:ea typeface="Calibri"/>
                 <a:cs typeface="Calibri"/>
               </a:rPr>
               <a:t>ts</a:t>
             </a:r>
             <a:r>
-              <a:rPr lang="en-GB" sz="2400">
+              <a:rPr lang="en-GB" sz="2400" dirty="0">
                 <a:ea typeface="Calibri"/>
                 <a:cs typeface="Calibri"/>
               </a:rPr>
               <a:t>(r)[j] = </a:t>
             </a:r>
             <a:r>
-              <a:rPr lang="en-GB" sz="2400" err="1">
+              <a:rPr lang="en-GB" sz="2400" dirty="0" err="1">
                 <a:ea typeface="Calibri"/>
                 <a:cs typeface="Calibri"/>
               </a:rPr>
               <a:t>Vk</a:t>
             </a:r>
             <a:r>
-              <a:rPr lang="en-GB" sz="2400">
+              <a:rPr lang="en-GB" sz="2400" dirty="0">
                 <a:ea typeface="Calibri"/>
                 <a:cs typeface="Calibri"/>
               </a:rPr>
@@ -46285,84 +46727,84 @@
               <a:buChar char="•"/>
             </a:pPr>
             <a:r>
-              <a:rPr lang="en-GB" sz="2400" err="1">
+              <a:rPr lang="en-GB" sz="2400" dirty="0" err="1">
                 <a:ea typeface="Calibri"/>
                 <a:cs typeface="Calibri"/>
               </a:rPr>
               <a:t>ts</a:t>
             </a:r>
             <a:r>
-              <a:rPr lang="en-GB" sz="2400">
+              <a:rPr lang="en-GB" sz="2400" dirty="0">
                 <a:ea typeface="Calibri"/>
                 <a:cs typeface="Calibri"/>
               </a:rPr>
               <a:t>(r)[</a:t>
             </a:r>
             <a:r>
-              <a:rPr lang="en-GB" sz="2400" err="1">
+              <a:rPr lang="en-GB" sz="2400" dirty="0" err="1">
                 <a:ea typeface="Calibri"/>
                 <a:cs typeface="Calibri"/>
               </a:rPr>
               <a:t>i</a:t>
             </a:r>
             <a:r>
-              <a:rPr lang="en-GB" sz="2400">
+              <a:rPr lang="en-GB" sz="2400" dirty="0">
                 <a:ea typeface="Calibri"/>
                 <a:cs typeface="Calibri"/>
               </a:rPr>
               <a:t>] ≤ </a:t>
             </a:r>
             <a:r>
-              <a:rPr lang="en-GB" sz="2400" err="1">
+              <a:rPr lang="en-GB" sz="2400" dirty="0" err="1">
                 <a:ea typeface="Calibri"/>
                 <a:cs typeface="Calibri"/>
               </a:rPr>
               <a:t>Vk</a:t>
             </a:r>
             <a:r>
-              <a:rPr lang="en-GB" sz="2400">
+              <a:rPr lang="en-GB" sz="2400" dirty="0">
                 <a:ea typeface="Calibri"/>
                 <a:cs typeface="Calibri"/>
               </a:rPr>
               <a:t>[</a:t>
             </a:r>
             <a:r>
-              <a:rPr lang="en-GB" sz="2400" err="1">
+              <a:rPr lang="en-GB" sz="2400" dirty="0" err="1">
                 <a:ea typeface="Calibri"/>
                 <a:cs typeface="Calibri"/>
               </a:rPr>
               <a:t>i</a:t>
             </a:r>
             <a:r>
-              <a:rPr lang="en-GB" sz="2400">
+              <a:rPr lang="en-GB" sz="2400" dirty="0">
                 <a:ea typeface="Calibri"/>
                 <a:cs typeface="Calibri"/>
               </a:rPr>
               <a:t>] </a:t>
             </a:r>
             <a:r>
-              <a:rPr lang="it" sz="2400" b="1">
+              <a:rPr lang="it" sz="2400" b="1" dirty="0">
                 <a:ea typeface="Calibri"/>
                 <a:cs typeface="Calibri"/>
               </a:rPr>
               <a:t>∀</a:t>
             </a:r>
             <a:r>
-              <a:rPr lang="en-GB" sz="2400">
+              <a:rPr lang="en-GB" sz="2400" dirty="0">
                 <a:ea typeface="Calibri"/>
                 <a:cs typeface="Calibri"/>
               </a:rPr>
               <a:t> </a:t>
             </a:r>
             <a:r>
-              <a:rPr lang="en-GB" sz="2400" err="1">
+              <a:rPr lang="en-GB" sz="2400" dirty="0" err="1">
                 <a:ea typeface="Calibri"/>
                 <a:cs typeface="Calibri"/>
               </a:rPr>
               <a:t>i</a:t>
             </a:r>
             <a:r>
-              <a:rPr lang="en-GB" sz="2400">
+              <a:rPr lang="en-GB" sz="2400" dirty="0">
                 <a:ea typeface="Calibri"/>
                 <a:cs typeface="Calibri"/>
               </a:rPr>
@@ -46375,7 +46817,7 @@
               <a:buChar char="•"/>
             </a:pPr>
             <a:r>
-              <a:rPr lang="en-GB" sz="2400">
+              <a:rPr lang="en-GB" sz="2400" dirty="0">
                 <a:ea typeface="Calibri"/>
                 <a:cs typeface="Calibri"/>
               </a:rPr>
